--- a/EADAS.pptx
+++ b/EADAS.pptx
@@ -17,6 +17,7 @@
     <p:sldId id="264" r:id="rId12"/>
     <p:sldId id="265" r:id="rId13"/>
     <p:sldId id="266" r:id="rId14"/>
+    <p:sldId id="267" r:id="rId15"/>
   </p:sldIdLst>
   <p:sldSz cx="9144000" cy="6858000"/>
   <p:notesSz cx="7772400" cy="10058400"/>
@@ -64,7 +65,7 @@
       </p:grpSpPr>
       <p:sp>
         <p:nvSpPr>
-          <p:cNvPr id="30" name="PlaceHolder 1"/>
+          <p:cNvPr id="27" name="PlaceHolder 1"/>
           <p:cNvSpPr>
             <a:spLocks noGrp="1"/>
           </p:cNvSpPr>
@@ -74,8 +75,8 @@
         </p:nvSpPr>
         <p:spPr>
           <a:xfrm>
-            <a:off x="457200" y="274680"/>
-            <a:ext cx="7467120" cy="1143000"/>
+            <a:off x="457200" y="273600"/>
+            <a:ext cx="8229240" cy="1145160"/>
           </a:xfrm>
           <a:prstGeom prst="rect">
             <a:avLst/>
@@ -84,13 +85,14 @@
         <p:txBody>
           <a:bodyPr lIns="0" rIns="0" tIns="0" bIns="0" anchor="ctr"/>
           <a:p>
-            <a:endParaRPr/>
-          </a:p>
-        </p:txBody>
-      </p:sp>
-      <p:sp>
-        <p:nvSpPr>
-          <p:cNvPr id="31" name="PlaceHolder 2"/>
+            <a:pPr algn="ctr"/>
+            <a:endParaRPr/>
+          </a:p>
+        </p:txBody>
+      </p:sp>
+      <p:sp>
+        <p:nvSpPr>
+          <p:cNvPr id="28" name="PlaceHolder 2"/>
           <p:cNvSpPr>
             <a:spLocks noGrp="1"/>
           </p:cNvSpPr>
@@ -100,8 +102,8 @@
         </p:nvSpPr>
         <p:spPr>
           <a:xfrm>
-            <a:off x="457200" y="1600200"/>
-            <a:ext cx="7467120" cy="2158560"/>
+            <a:off x="457200" y="1604520"/>
+            <a:ext cx="8229240" cy="1896840"/>
           </a:xfrm>
           <a:prstGeom prst="rect">
             <a:avLst/>
@@ -116,7 +118,7 @@
       </p:sp>
       <p:sp>
         <p:nvSpPr>
-          <p:cNvPr id="32" name="PlaceHolder 3"/>
+          <p:cNvPr id="29" name="PlaceHolder 3"/>
           <p:cNvSpPr>
             <a:spLocks noGrp="1"/>
           </p:cNvSpPr>
@@ -126,8 +128,8 @@
         </p:nvSpPr>
         <p:spPr>
           <a:xfrm>
-            <a:off x="457200" y="3964320"/>
-            <a:ext cx="7467120" cy="2158560"/>
+            <a:off x="457200" y="3682080"/>
+            <a:ext cx="8229240" cy="1896840"/>
           </a:xfrm>
           <a:prstGeom prst="rect">
             <a:avLst/>
@@ -164,7 +166,7 @@
       </p:grpSpPr>
       <p:sp>
         <p:nvSpPr>
-          <p:cNvPr id="33" name="PlaceHolder 1"/>
+          <p:cNvPr id="30" name="PlaceHolder 1"/>
           <p:cNvSpPr>
             <a:spLocks noGrp="1"/>
           </p:cNvSpPr>
@@ -174,8 +176,8 @@
         </p:nvSpPr>
         <p:spPr>
           <a:xfrm>
-            <a:off x="457200" y="274680"/>
-            <a:ext cx="7467120" cy="1143000"/>
+            <a:off x="457200" y="273600"/>
+            <a:ext cx="8229240" cy="1145160"/>
           </a:xfrm>
           <a:prstGeom prst="rect">
             <a:avLst/>
@@ -184,13 +186,14 @@
         <p:txBody>
           <a:bodyPr lIns="0" rIns="0" tIns="0" bIns="0" anchor="ctr"/>
           <a:p>
-            <a:endParaRPr/>
-          </a:p>
-        </p:txBody>
-      </p:sp>
-      <p:sp>
-        <p:nvSpPr>
-          <p:cNvPr id="34" name="PlaceHolder 2"/>
+            <a:pPr algn="ctr"/>
+            <a:endParaRPr/>
+          </a:p>
+        </p:txBody>
+      </p:sp>
+      <p:sp>
+        <p:nvSpPr>
+          <p:cNvPr id="31" name="PlaceHolder 2"/>
           <p:cNvSpPr>
             <a:spLocks noGrp="1"/>
           </p:cNvSpPr>
@@ -200,8 +203,8 @@
         </p:nvSpPr>
         <p:spPr>
           <a:xfrm>
-            <a:off x="457200" y="1600200"/>
-            <a:ext cx="3643920" cy="2158560"/>
+            <a:off x="457200" y="1604520"/>
+            <a:ext cx="4015800" cy="1896840"/>
           </a:xfrm>
           <a:prstGeom prst="rect">
             <a:avLst/>
@@ -216,7 +219,7 @@
       </p:sp>
       <p:sp>
         <p:nvSpPr>
-          <p:cNvPr id="35" name="PlaceHolder 3"/>
+          <p:cNvPr id="32" name="PlaceHolder 3"/>
           <p:cNvSpPr>
             <a:spLocks noGrp="1"/>
           </p:cNvSpPr>
@@ -226,8 +229,8 @@
         </p:nvSpPr>
         <p:spPr>
           <a:xfrm>
-            <a:off x="4283640" y="1600200"/>
-            <a:ext cx="3643920" cy="2158560"/>
+            <a:off x="4674240" y="1604520"/>
+            <a:ext cx="4015800" cy="1896840"/>
           </a:xfrm>
           <a:prstGeom prst="rect">
             <a:avLst/>
@@ -242,7 +245,7 @@
       </p:sp>
       <p:sp>
         <p:nvSpPr>
-          <p:cNvPr id="36" name="PlaceHolder 4"/>
+          <p:cNvPr id="33" name="PlaceHolder 4"/>
           <p:cNvSpPr>
             <a:spLocks noGrp="1"/>
           </p:cNvSpPr>
@@ -252,8 +255,8 @@
         </p:nvSpPr>
         <p:spPr>
           <a:xfrm>
-            <a:off x="4283640" y="3964320"/>
-            <a:ext cx="3643920" cy="2158560"/>
+            <a:off x="4674240" y="3682080"/>
+            <a:ext cx="4015800" cy="1896840"/>
           </a:xfrm>
           <a:prstGeom prst="rect">
             <a:avLst/>
@@ -268,7 +271,7 @@
       </p:sp>
       <p:sp>
         <p:nvSpPr>
-          <p:cNvPr id="37" name="PlaceHolder 5"/>
+          <p:cNvPr id="34" name="PlaceHolder 5"/>
           <p:cNvSpPr>
             <a:spLocks noGrp="1"/>
           </p:cNvSpPr>
@@ -278,8 +281,8 @@
         </p:nvSpPr>
         <p:spPr>
           <a:xfrm>
-            <a:off x="457200" y="3964320"/>
-            <a:ext cx="3643920" cy="2158560"/>
+            <a:off x="457200" y="3682080"/>
+            <a:ext cx="4015800" cy="1896840"/>
           </a:xfrm>
           <a:prstGeom prst="rect">
             <a:avLst/>
@@ -316,7 +319,7 @@
       </p:grpSpPr>
       <p:sp>
         <p:nvSpPr>
-          <p:cNvPr id="38" name="PlaceHolder 1"/>
+          <p:cNvPr id="35" name="PlaceHolder 1"/>
           <p:cNvSpPr>
             <a:spLocks noGrp="1"/>
           </p:cNvSpPr>
@@ -326,8 +329,8 @@
         </p:nvSpPr>
         <p:spPr>
           <a:xfrm>
-            <a:off x="457200" y="274680"/>
-            <a:ext cx="7467120" cy="1143000"/>
+            <a:off x="457200" y="273600"/>
+            <a:ext cx="8229240" cy="1145160"/>
           </a:xfrm>
           <a:prstGeom prst="rect">
             <a:avLst/>
@@ -336,13 +339,14 @@
         <p:txBody>
           <a:bodyPr lIns="0" rIns="0" tIns="0" bIns="0" anchor="ctr"/>
           <a:p>
-            <a:endParaRPr/>
-          </a:p>
-        </p:txBody>
-      </p:sp>
-      <p:sp>
-        <p:nvSpPr>
-          <p:cNvPr id="39" name="PlaceHolder 2"/>
+            <a:pPr algn="ctr"/>
+            <a:endParaRPr/>
+          </a:p>
+        </p:txBody>
+      </p:sp>
+      <p:sp>
+        <p:nvSpPr>
+          <p:cNvPr id="36" name="PlaceHolder 2"/>
           <p:cNvSpPr>
             <a:spLocks noGrp="1"/>
           </p:cNvSpPr>
@@ -352,8 +356,8 @@
         </p:nvSpPr>
         <p:spPr>
           <a:xfrm>
-            <a:off x="457200" y="1600200"/>
-            <a:ext cx="7467120" cy="4525560"/>
+            <a:off x="457200" y="1604520"/>
+            <a:ext cx="8229240" cy="3977280"/>
           </a:xfrm>
           <a:prstGeom prst="rect">
             <a:avLst/>
@@ -368,7 +372,7 @@
       </p:sp>
       <p:sp>
         <p:nvSpPr>
-          <p:cNvPr id="40" name="PlaceHolder 3"/>
+          <p:cNvPr id="37" name="PlaceHolder 3"/>
           <p:cNvSpPr>
             <a:spLocks noGrp="1"/>
           </p:cNvSpPr>
@@ -378,8 +382,8 @@
         </p:nvSpPr>
         <p:spPr>
           <a:xfrm>
-            <a:off x="457200" y="1600200"/>
-            <a:ext cx="7467120" cy="4525560"/>
+            <a:off x="457200" y="1604520"/>
+            <a:ext cx="8229240" cy="3977280"/>
           </a:xfrm>
           <a:prstGeom prst="rect">
             <a:avLst/>
@@ -394,7 +398,7 @@
       </p:sp>
       <p:pic>
         <p:nvPicPr>
-          <p:cNvPr id="41" name="" descr=""/>
+          <p:cNvPr id="38" name="" descr=""/>
           <p:cNvPicPr/>
           <p:nvPr/>
         </p:nvPicPr>
@@ -406,8 +410,8 @@
         </p:blipFill>
         <p:spPr>
           <a:xfrm>
-            <a:off x="1354680" y="1599840"/>
-            <a:ext cx="5671800" cy="4525560"/>
+            <a:off x="2079000" y="1604520"/>
+            <a:ext cx="4984920" cy="3977280"/>
           </a:xfrm>
           <a:prstGeom prst="rect">
             <a:avLst/>
@@ -419,7 +423,7 @@
       </p:pic>
       <p:pic>
         <p:nvPicPr>
-          <p:cNvPr id="42" name="" descr=""/>
+          <p:cNvPr id="39" name="" descr=""/>
           <p:cNvPicPr/>
           <p:nvPr/>
         </p:nvPicPr>
@@ -431,8 +435,8 @@
         </p:blipFill>
         <p:spPr>
           <a:xfrm>
-            <a:off x="1354680" y="1599840"/>
-            <a:ext cx="5671800" cy="4525560"/>
+            <a:off x="2079000" y="1604520"/>
+            <a:ext cx="4984920" cy="3977280"/>
           </a:xfrm>
           <a:prstGeom prst="rect">
             <a:avLst/>
@@ -488,7 +492,7 @@
       </p:grpSpPr>
       <p:sp>
         <p:nvSpPr>
-          <p:cNvPr id="50" name="PlaceHolder 1"/>
+          <p:cNvPr id="44" name="PlaceHolder 1"/>
           <p:cNvSpPr>
             <a:spLocks noGrp="1"/>
           </p:cNvSpPr>
@@ -498,8 +502,8 @@
         </p:nvSpPr>
         <p:spPr>
           <a:xfrm>
-            <a:off x="457200" y="274680"/>
-            <a:ext cx="7467120" cy="1143000"/>
+            <a:off x="457200" y="273600"/>
+            <a:ext cx="8229240" cy="1145160"/>
           </a:xfrm>
           <a:prstGeom prst="rect">
             <a:avLst/>
@@ -508,13 +512,14 @@
         <p:txBody>
           <a:bodyPr lIns="0" rIns="0" tIns="0" bIns="0" anchor="ctr"/>
           <a:p>
-            <a:endParaRPr/>
-          </a:p>
-        </p:txBody>
-      </p:sp>
-      <p:sp>
-        <p:nvSpPr>
-          <p:cNvPr id="51" name="PlaceHolder 2"/>
+            <a:pPr algn="ctr"/>
+            <a:endParaRPr/>
+          </a:p>
+        </p:txBody>
+      </p:sp>
+      <p:sp>
+        <p:nvSpPr>
+          <p:cNvPr id="45" name="PlaceHolder 2"/>
           <p:cNvSpPr>
             <a:spLocks noGrp="1"/>
           </p:cNvSpPr>
@@ -524,8 +529,8 @@
         </p:nvSpPr>
         <p:spPr>
           <a:xfrm>
-            <a:off x="457200" y="1600200"/>
-            <a:ext cx="7467120" cy="4525920"/>
+            <a:off x="457200" y="1604520"/>
+            <a:ext cx="8229240" cy="3977640"/>
           </a:xfrm>
           <a:prstGeom prst="rect">
             <a:avLst/>
@@ -563,7 +568,7 @@
       </p:grpSpPr>
       <p:sp>
         <p:nvSpPr>
-          <p:cNvPr id="52" name="PlaceHolder 1"/>
+          <p:cNvPr id="46" name="PlaceHolder 1"/>
           <p:cNvSpPr>
             <a:spLocks noGrp="1"/>
           </p:cNvSpPr>
@@ -573,8 +578,8 @@
         </p:nvSpPr>
         <p:spPr>
           <a:xfrm>
-            <a:off x="457200" y="274680"/>
-            <a:ext cx="7467120" cy="1143000"/>
+            <a:off x="457200" y="273600"/>
+            <a:ext cx="8229240" cy="1145160"/>
           </a:xfrm>
           <a:prstGeom prst="rect">
             <a:avLst/>
@@ -583,13 +588,14 @@
         <p:txBody>
           <a:bodyPr lIns="0" rIns="0" tIns="0" bIns="0" anchor="ctr"/>
           <a:p>
-            <a:endParaRPr/>
-          </a:p>
-        </p:txBody>
-      </p:sp>
-      <p:sp>
-        <p:nvSpPr>
-          <p:cNvPr id="53" name="PlaceHolder 2"/>
+            <a:pPr algn="ctr"/>
+            <a:endParaRPr/>
+          </a:p>
+        </p:txBody>
+      </p:sp>
+      <p:sp>
+        <p:nvSpPr>
+          <p:cNvPr id="47" name="PlaceHolder 2"/>
           <p:cNvSpPr>
             <a:spLocks noGrp="1"/>
           </p:cNvSpPr>
@@ -599,8 +605,8 @@
         </p:nvSpPr>
         <p:spPr>
           <a:xfrm>
-            <a:off x="457200" y="1600200"/>
-            <a:ext cx="7467120" cy="4525560"/>
+            <a:off x="457200" y="1604520"/>
+            <a:ext cx="8229240" cy="3977280"/>
           </a:xfrm>
           <a:prstGeom prst="rect">
             <a:avLst/>
@@ -637,7 +643,7 @@
       </p:grpSpPr>
       <p:sp>
         <p:nvSpPr>
-          <p:cNvPr id="54" name="PlaceHolder 1"/>
+          <p:cNvPr id="48" name="PlaceHolder 1"/>
           <p:cNvSpPr>
             <a:spLocks noGrp="1"/>
           </p:cNvSpPr>
@@ -647,8 +653,8 @@
         </p:nvSpPr>
         <p:spPr>
           <a:xfrm>
-            <a:off x="457200" y="274680"/>
-            <a:ext cx="7467120" cy="1143000"/>
+            <a:off x="457200" y="273600"/>
+            <a:ext cx="8229240" cy="1145160"/>
           </a:xfrm>
           <a:prstGeom prst="rect">
             <a:avLst/>
@@ -657,13 +663,14 @@
         <p:txBody>
           <a:bodyPr lIns="0" rIns="0" tIns="0" bIns="0" anchor="ctr"/>
           <a:p>
-            <a:endParaRPr/>
-          </a:p>
-        </p:txBody>
-      </p:sp>
-      <p:sp>
-        <p:nvSpPr>
-          <p:cNvPr id="55" name="PlaceHolder 2"/>
+            <a:pPr algn="ctr"/>
+            <a:endParaRPr/>
+          </a:p>
+        </p:txBody>
+      </p:sp>
+      <p:sp>
+        <p:nvSpPr>
+          <p:cNvPr id="49" name="PlaceHolder 2"/>
           <p:cNvSpPr>
             <a:spLocks noGrp="1"/>
           </p:cNvSpPr>
@@ -673,8 +680,8 @@
         </p:nvSpPr>
         <p:spPr>
           <a:xfrm>
-            <a:off x="457200" y="1600200"/>
-            <a:ext cx="3643920" cy="4525560"/>
+            <a:off x="457200" y="1604520"/>
+            <a:ext cx="4015800" cy="3977280"/>
           </a:xfrm>
           <a:prstGeom prst="rect">
             <a:avLst/>
@@ -689,7 +696,7 @@
       </p:sp>
       <p:sp>
         <p:nvSpPr>
-          <p:cNvPr id="56" name="PlaceHolder 3"/>
+          <p:cNvPr id="50" name="PlaceHolder 3"/>
           <p:cNvSpPr>
             <a:spLocks noGrp="1"/>
           </p:cNvSpPr>
@@ -699,8 +706,8 @@
         </p:nvSpPr>
         <p:spPr>
           <a:xfrm>
-            <a:off x="4283640" y="1600200"/>
-            <a:ext cx="3643920" cy="4525560"/>
+            <a:off x="4674240" y="1604520"/>
+            <a:ext cx="4015800" cy="3977280"/>
           </a:xfrm>
           <a:prstGeom prst="rect">
             <a:avLst/>
@@ -737,7 +744,7 @@
       </p:grpSpPr>
       <p:sp>
         <p:nvSpPr>
-          <p:cNvPr id="57" name="PlaceHolder 1"/>
+          <p:cNvPr id="51" name="PlaceHolder 1"/>
           <p:cNvSpPr>
             <a:spLocks noGrp="1"/>
           </p:cNvSpPr>
@@ -747,8 +754,8 @@
         </p:nvSpPr>
         <p:spPr>
           <a:xfrm>
-            <a:off x="457200" y="274680"/>
-            <a:ext cx="7467120" cy="1143000"/>
+            <a:off x="457200" y="273600"/>
+            <a:ext cx="8229240" cy="1145160"/>
           </a:xfrm>
           <a:prstGeom prst="rect">
             <a:avLst/>
@@ -757,6 +764,7 @@
         <p:txBody>
           <a:bodyPr lIns="0" rIns="0" tIns="0" bIns="0" anchor="ctr"/>
           <a:p>
+            <a:pPr algn="ctr"/>
             <a:endParaRPr/>
           </a:p>
         </p:txBody>
@@ -785,7 +793,7 @@
       </p:grpSpPr>
       <p:sp>
         <p:nvSpPr>
-          <p:cNvPr id="58" name="PlaceHolder 1"/>
+          <p:cNvPr id="52" name="PlaceHolder 1"/>
           <p:cNvSpPr>
             <a:spLocks noGrp="1"/>
           </p:cNvSpPr>
@@ -795,8 +803,8 @@
         </p:nvSpPr>
         <p:spPr>
           <a:xfrm>
-            <a:off x="457200" y="274680"/>
-            <a:ext cx="7467120" cy="5298120"/>
+            <a:off x="457200" y="273600"/>
+            <a:ext cx="8229240" cy="5308200"/>
           </a:xfrm>
           <a:prstGeom prst="rect">
             <a:avLst/>
@@ -834,7 +842,7 @@
       </p:grpSpPr>
       <p:sp>
         <p:nvSpPr>
-          <p:cNvPr id="59" name="PlaceHolder 1"/>
+          <p:cNvPr id="53" name="PlaceHolder 1"/>
           <p:cNvSpPr>
             <a:spLocks noGrp="1"/>
           </p:cNvSpPr>
@@ -844,8 +852,8 @@
         </p:nvSpPr>
         <p:spPr>
           <a:xfrm>
-            <a:off x="457200" y="274680"/>
-            <a:ext cx="7467120" cy="1143000"/>
+            <a:off x="457200" y="273600"/>
+            <a:ext cx="8229240" cy="1145160"/>
           </a:xfrm>
           <a:prstGeom prst="rect">
             <a:avLst/>
@@ -854,13 +862,14 @@
         <p:txBody>
           <a:bodyPr lIns="0" rIns="0" tIns="0" bIns="0" anchor="ctr"/>
           <a:p>
-            <a:endParaRPr/>
-          </a:p>
-        </p:txBody>
-      </p:sp>
-      <p:sp>
-        <p:nvSpPr>
-          <p:cNvPr id="60" name="PlaceHolder 2"/>
+            <a:pPr algn="ctr"/>
+            <a:endParaRPr/>
+          </a:p>
+        </p:txBody>
+      </p:sp>
+      <p:sp>
+        <p:nvSpPr>
+          <p:cNvPr id="54" name="PlaceHolder 2"/>
           <p:cNvSpPr>
             <a:spLocks noGrp="1"/>
           </p:cNvSpPr>
@@ -870,8 +879,8 @@
         </p:nvSpPr>
         <p:spPr>
           <a:xfrm>
-            <a:off x="457200" y="1600200"/>
-            <a:ext cx="3643920" cy="2158560"/>
+            <a:off x="457200" y="1604520"/>
+            <a:ext cx="4015800" cy="1896840"/>
           </a:xfrm>
           <a:prstGeom prst="rect">
             <a:avLst/>
@@ -886,7 +895,7 @@
       </p:sp>
       <p:sp>
         <p:nvSpPr>
-          <p:cNvPr id="61" name="PlaceHolder 3"/>
+          <p:cNvPr id="55" name="PlaceHolder 3"/>
           <p:cNvSpPr>
             <a:spLocks noGrp="1"/>
           </p:cNvSpPr>
@@ -896,8 +905,8 @@
         </p:nvSpPr>
         <p:spPr>
           <a:xfrm>
-            <a:off x="457200" y="3964320"/>
-            <a:ext cx="3643920" cy="2158560"/>
+            <a:off x="457200" y="3682080"/>
+            <a:ext cx="4015800" cy="1896840"/>
           </a:xfrm>
           <a:prstGeom prst="rect">
             <a:avLst/>
@@ -912,7 +921,7 @@
       </p:sp>
       <p:sp>
         <p:nvSpPr>
-          <p:cNvPr id="62" name="PlaceHolder 4"/>
+          <p:cNvPr id="56" name="PlaceHolder 4"/>
           <p:cNvSpPr>
             <a:spLocks noGrp="1"/>
           </p:cNvSpPr>
@@ -922,8 +931,8 @@
         </p:nvSpPr>
         <p:spPr>
           <a:xfrm>
-            <a:off x="4283640" y="1600200"/>
-            <a:ext cx="3643920" cy="4525560"/>
+            <a:off x="4674240" y="1604520"/>
+            <a:ext cx="4015800" cy="3977280"/>
           </a:xfrm>
           <a:prstGeom prst="rect">
             <a:avLst/>
@@ -960,7 +969,7 @@
       </p:grpSpPr>
       <p:sp>
         <p:nvSpPr>
-          <p:cNvPr id="9" name="PlaceHolder 1"/>
+          <p:cNvPr id="6" name="PlaceHolder 1"/>
           <p:cNvSpPr>
             <a:spLocks noGrp="1"/>
           </p:cNvSpPr>
@@ -970,8 +979,8 @@
         </p:nvSpPr>
         <p:spPr>
           <a:xfrm>
-            <a:off x="457200" y="274680"/>
-            <a:ext cx="7467120" cy="1143000"/>
+            <a:off x="457200" y="273600"/>
+            <a:ext cx="8229240" cy="1145160"/>
           </a:xfrm>
           <a:prstGeom prst="rect">
             <a:avLst/>
@@ -980,13 +989,14 @@
         <p:txBody>
           <a:bodyPr lIns="0" rIns="0" tIns="0" bIns="0" anchor="ctr"/>
           <a:p>
-            <a:endParaRPr/>
-          </a:p>
-        </p:txBody>
-      </p:sp>
-      <p:sp>
-        <p:nvSpPr>
-          <p:cNvPr id="10" name="PlaceHolder 2"/>
+            <a:pPr algn="ctr"/>
+            <a:endParaRPr/>
+          </a:p>
+        </p:txBody>
+      </p:sp>
+      <p:sp>
+        <p:nvSpPr>
+          <p:cNvPr id="7" name="PlaceHolder 2"/>
           <p:cNvSpPr>
             <a:spLocks noGrp="1"/>
           </p:cNvSpPr>
@@ -996,8 +1006,8 @@
         </p:nvSpPr>
         <p:spPr>
           <a:xfrm>
-            <a:off x="457200" y="1600200"/>
-            <a:ext cx="7467120" cy="4525920"/>
+            <a:off x="457200" y="1604520"/>
+            <a:ext cx="8229240" cy="3977640"/>
           </a:xfrm>
           <a:prstGeom prst="rect">
             <a:avLst/>
@@ -1035,7 +1045,7 @@
       </p:grpSpPr>
       <p:sp>
         <p:nvSpPr>
-          <p:cNvPr id="63" name="PlaceHolder 1"/>
+          <p:cNvPr id="57" name="PlaceHolder 1"/>
           <p:cNvSpPr>
             <a:spLocks noGrp="1"/>
           </p:cNvSpPr>
@@ -1045,8 +1055,8 @@
         </p:nvSpPr>
         <p:spPr>
           <a:xfrm>
-            <a:off x="457200" y="274680"/>
-            <a:ext cx="7467120" cy="1143000"/>
+            <a:off x="457200" y="273600"/>
+            <a:ext cx="8229240" cy="1145160"/>
           </a:xfrm>
           <a:prstGeom prst="rect">
             <a:avLst/>
@@ -1055,13 +1065,14 @@
         <p:txBody>
           <a:bodyPr lIns="0" rIns="0" tIns="0" bIns="0" anchor="ctr"/>
           <a:p>
-            <a:endParaRPr/>
-          </a:p>
-        </p:txBody>
-      </p:sp>
-      <p:sp>
-        <p:nvSpPr>
-          <p:cNvPr id="64" name="PlaceHolder 2"/>
+            <a:pPr algn="ctr"/>
+            <a:endParaRPr/>
+          </a:p>
+        </p:txBody>
+      </p:sp>
+      <p:sp>
+        <p:nvSpPr>
+          <p:cNvPr id="58" name="PlaceHolder 2"/>
           <p:cNvSpPr>
             <a:spLocks noGrp="1"/>
           </p:cNvSpPr>
@@ -1071,8 +1082,8 @@
         </p:nvSpPr>
         <p:spPr>
           <a:xfrm>
-            <a:off x="457200" y="1600200"/>
-            <a:ext cx="3643920" cy="4525560"/>
+            <a:off x="457200" y="1604520"/>
+            <a:ext cx="4015800" cy="3977280"/>
           </a:xfrm>
           <a:prstGeom prst="rect">
             <a:avLst/>
@@ -1087,7 +1098,7 @@
       </p:sp>
       <p:sp>
         <p:nvSpPr>
-          <p:cNvPr id="65" name="PlaceHolder 3"/>
+          <p:cNvPr id="59" name="PlaceHolder 3"/>
           <p:cNvSpPr>
             <a:spLocks noGrp="1"/>
           </p:cNvSpPr>
@@ -1097,8 +1108,8 @@
         </p:nvSpPr>
         <p:spPr>
           <a:xfrm>
-            <a:off x="4283640" y="1600200"/>
-            <a:ext cx="3643920" cy="2158560"/>
+            <a:off x="4674240" y="1604520"/>
+            <a:ext cx="4015800" cy="1896840"/>
           </a:xfrm>
           <a:prstGeom prst="rect">
             <a:avLst/>
@@ -1113,7 +1124,7 @@
       </p:sp>
       <p:sp>
         <p:nvSpPr>
-          <p:cNvPr id="66" name="PlaceHolder 4"/>
+          <p:cNvPr id="60" name="PlaceHolder 4"/>
           <p:cNvSpPr>
             <a:spLocks noGrp="1"/>
           </p:cNvSpPr>
@@ -1123,8 +1134,8 @@
         </p:nvSpPr>
         <p:spPr>
           <a:xfrm>
-            <a:off x="4283640" y="3964320"/>
-            <a:ext cx="3643920" cy="2158560"/>
+            <a:off x="4674240" y="3682080"/>
+            <a:ext cx="4015800" cy="1896840"/>
           </a:xfrm>
           <a:prstGeom prst="rect">
             <a:avLst/>
@@ -1161,7 +1172,7 @@
       </p:grpSpPr>
       <p:sp>
         <p:nvSpPr>
-          <p:cNvPr id="67" name="PlaceHolder 1"/>
+          <p:cNvPr id="61" name="PlaceHolder 1"/>
           <p:cNvSpPr>
             <a:spLocks noGrp="1"/>
           </p:cNvSpPr>
@@ -1171,8 +1182,8 @@
         </p:nvSpPr>
         <p:spPr>
           <a:xfrm>
-            <a:off x="457200" y="274680"/>
-            <a:ext cx="7467120" cy="1143000"/>
+            <a:off x="457200" y="273600"/>
+            <a:ext cx="8229240" cy="1145160"/>
           </a:xfrm>
           <a:prstGeom prst="rect">
             <a:avLst/>
@@ -1181,13 +1192,14 @@
         <p:txBody>
           <a:bodyPr lIns="0" rIns="0" tIns="0" bIns="0" anchor="ctr"/>
           <a:p>
-            <a:endParaRPr/>
-          </a:p>
-        </p:txBody>
-      </p:sp>
-      <p:sp>
-        <p:nvSpPr>
-          <p:cNvPr id="68" name="PlaceHolder 2"/>
+            <a:pPr algn="ctr"/>
+            <a:endParaRPr/>
+          </a:p>
+        </p:txBody>
+      </p:sp>
+      <p:sp>
+        <p:nvSpPr>
+          <p:cNvPr id="62" name="PlaceHolder 2"/>
           <p:cNvSpPr>
             <a:spLocks noGrp="1"/>
           </p:cNvSpPr>
@@ -1197,8 +1209,8 @@
         </p:nvSpPr>
         <p:spPr>
           <a:xfrm>
-            <a:off x="457200" y="1600200"/>
-            <a:ext cx="3643920" cy="2158560"/>
+            <a:off x="457200" y="1604520"/>
+            <a:ext cx="4015800" cy="1896840"/>
           </a:xfrm>
           <a:prstGeom prst="rect">
             <a:avLst/>
@@ -1213,7 +1225,7 @@
       </p:sp>
       <p:sp>
         <p:nvSpPr>
-          <p:cNvPr id="69" name="PlaceHolder 3"/>
+          <p:cNvPr id="63" name="PlaceHolder 3"/>
           <p:cNvSpPr>
             <a:spLocks noGrp="1"/>
           </p:cNvSpPr>
@@ -1223,8 +1235,8 @@
         </p:nvSpPr>
         <p:spPr>
           <a:xfrm>
-            <a:off x="4283640" y="1600200"/>
-            <a:ext cx="3643920" cy="2158560"/>
+            <a:off x="4674240" y="1604520"/>
+            <a:ext cx="4015800" cy="1896840"/>
           </a:xfrm>
           <a:prstGeom prst="rect">
             <a:avLst/>
@@ -1239,7 +1251,7 @@
       </p:sp>
       <p:sp>
         <p:nvSpPr>
-          <p:cNvPr id="70" name="PlaceHolder 4"/>
+          <p:cNvPr id="64" name="PlaceHolder 4"/>
           <p:cNvSpPr>
             <a:spLocks noGrp="1"/>
           </p:cNvSpPr>
@@ -1249,8 +1261,8 @@
         </p:nvSpPr>
         <p:spPr>
           <a:xfrm>
-            <a:off x="457200" y="3964320"/>
-            <a:ext cx="7467120" cy="2158560"/>
+            <a:off x="457200" y="3682080"/>
+            <a:ext cx="8229240" cy="1896840"/>
           </a:xfrm>
           <a:prstGeom prst="rect">
             <a:avLst/>
@@ -1287,7 +1299,7 @@
       </p:grpSpPr>
       <p:sp>
         <p:nvSpPr>
-          <p:cNvPr id="71" name="PlaceHolder 1"/>
+          <p:cNvPr id="65" name="PlaceHolder 1"/>
           <p:cNvSpPr>
             <a:spLocks noGrp="1"/>
           </p:cNvSpPr>
@@ -1297,8 +1309,8 @@
         </p:nvSpPr>
         <p:spPr>
           <a:xfrm>
-            <a:off x="457200" y="274680"/>
-            <a:ext cx="7467120" cy="1143000"/>
+            <a:off x="457200" y="273600"/>
+            <a:ext cx="8229240" cy="1145160"/>
           </a:xfrm>
           <a:prstGeom prst="rect">
             <a:avLst/>
@@ -1307,13 +1319,14 @@
         <p:txBody>
           <a:bodyPr lIns="0" rIns="0" tIns="0" bIns="0" anchor="ctr"/>
           <a:p>
-            <a:endParaRPr/>
-          </a:p>
-        </p:txBody>
-      </p:sp>
-      <p:sp>
-        <p:nvSpPr>
-          <p:cNvPr id="72" name="PlaceHolder 2"/>
+            <a:pPr algn="ctr"/>
+            <a:endParaRPr/>
+          </a:p>
+        </p:txBody>
+      </p:sp>
+      <p:sp>
+        <p:nvSpPr>
+          <p:cNvPr id="66" name="PlaceHolder 2"/>
           <p:cNvSpPr>
             <a:spLocks noGrp="1"/>
           </p:cNvSpPr>
@@ -1323,8 +1336,8 @@
         </p:nvSpPr>
         <p:spPr>
           <a:xfrm>
-            <a:off x="457200" y="1600200"/>
-            <a:ext cx="7467120" cy="2158560"/>
+            <a:off x="457200" y="1604520"/>
+            <a:ext cx="8229240" cy="1896840"/>
           </a:xfrm>
           <a:prstGeom prst="rect">
             <a:avLst/>
@@ -1339,7 +1352,7 @@
       </p:sp>
       <p:sp>
         <p:nvSpPr>
-          <p:cNvPr id="73" name="PlaceHolder 3"/>
+          <p:cNvPr id="67" name="PlaceHolder 3"/>
           <p:cNvSpPr>
             <a:spLocks noGrp="1"/>
           </p:cNvSpPr>
@@ -1349,8 +1362,8 @@
         </p:nvSpPr>
         <p:spPr>
           <a:xfrm>
-            <a:off x="457200" y="3964320"/>
-            <a:ext cx="7467120" cy="2158560"/>
+            <a:off x="457200" y="3682080"/>
+            <a:ext cx="8229240" cy="1896840"/>
           </a:xfrm>
           <a:prstGeom prst="rect">
             <a:avLst/>
@@ -1387,7 +1400,7 @@
       </p:grpSpPr>
       <p:sp>
         <p:nvSpPr>
-          <p:cNvPr id="74" name="PlaceHolder 1"/>
+          <p:cNvPr id="68" name="PlaceHolder 1"/>
           <p:cNvSpPr>
             <a:spLocks noGrp="1"/>
           </p:cNvSpPr>
@@ -1397,8 +1410,8 @@
         </p:nvSpPr>
         <p:spPr>
           <a:xfrm>
-            <a:off x="457200" y="274680"/>
-            <a:ext cx="7467120" cy="1143000"/>
+            <a:off x="457200" y="273600"/>
+            <a:ext cx="8229240" cy="1145160"/>
           </a:xfrm>
           <a:prstGeom prst="rect">
             <a:avLst/>
@@ -1407,13 +1420,14 @@
         <p:txBody>
           <a:bodyPr lIns="0" rIns="0" tIns="0" bIns="0" anchor="ctr"/>
           <a:p>
-            <a:endParaRPr/>
-          </a:p>
-        </p:txBody>
-      </p:sp>
-      <p:sp>
-        <p:nvSpPr>
-          <p:cNvPr id="75" name="PlaceHolder 2"/>
+            <a:pPr algn="ctr"/>
+            <a:endParaRPr/>
+          </a:p>
+        </p:txBody>
+      </p:sp>
+      <p:sp>
+        <p:nvSpPr>
+          <p:cNvPr id="69" name="PlaceHolder 2"/>
           <p:cNvSpPr>
             <a:spLocks noGrp="1"/>
           </p:cNvSpPr>
@@ -1423,8 +1437,8 @@
         </p:nvSpPr>
         <p:spPr>
           <a:xfrm>
-            <a:off x="457200" y="1600200"/>
-            <a:ext cx="3643920" cy="2158560"/>
+            <a:off x="457200" y="1604520"/>
+            <a:ext cx="4015800" cy="1896840"/>
           </a:xfrm>
           <a:prstGeom prst="rect">
             <a:avLst/>
@@ -1439,7 +1453,7 @@
       </p:sp>
       <p:sp>
         <p:nvSpPr>
-          <p:cNvPr id="76" name="PlaceHolder 3"/>
+          <p:cNvPr id="70" name="PlaceHolder 3"/>
           <p:cNvSpPr>
             <a:spLocks noGrp="1"/>
           </p:cNvSpPr>
@@ -1449,8 +1463,8 @@
         </p:nvSpPr>
         <p:spPr>
           <a:xfrm>
-            <a:off x="4283640" y="1600200"/>
-            <a:ext cx="3643920" cy="2158560"/>
+            <a:off x="4674240" y="1604520"/>
+            <a:ext cx="4015800" cy="1896840"/>
           </a:xfrm>
           <a:prstGeom prst="rect">
             <a:avLst/>
@@ -1465,7 +1479,7 @@
       </p:sp>
       <p:sp>
         <p:nvSpPr>
-          <p:cNvPr id="77" name="PlaceHolder 4"/>
+          <p:cNvPr id="71" name="PlaceHolder 4"/>
           <p:cNvSpPr>
             <a:spLocks noGrp="1"/>
           </p:cNvSpPr>
@@ -1475,8 +1489,8 @@
         </p:nvSpPr>
         <p:spPr>
           <a:xfrm>
-            <a:off x="4283640" y="3964320"/>
-            <a:ext cx="3643920" cy="2158560"/>
+            <a:off x="4674240" y="3682080"/>
+            <a:ext cx="4015800" cy="1896840"/>
           </a:xfrm>
           <a:prstGeom prst="rect">
             <a:avLst/>
@@ -1491,7 +1505,7 @@
       </p:sp>
       <p:sp>
         <p:nvSpPr>
-          <p:cNvPr id="78" name="PlaceHolder 5"/>
+          <p:cNvPr id="72" name="PlaceHolder 5"/>
           <p:cNvSpPr>
             <a:spLocks noGrp="1"/>
           </p:cNvSpPr>
@@ -1501,8 +1515,8 @@
         </p:nvSpPr>
         <p:spPr>
           <a:xfrm>
-            <a:off x="457200" y="3964320"/>
-            <a:ext cx="3643920" cy="2158560"/>
+            <a:off x="457200" y="3682080"/>
+            <a:ext cx="4015800" cy="1896840"/>
           </a:xfrm>
           <a:prstGeom prst="rect">
             <a:avLst/>
@@ -1539,7 +1553,7 @@
       </p:grpSpPr>
       <p:sp>
         <p:nvSpPr>
-          <p:cNvPr id="79" name="PlaceHolder 1"/>
+          <p:cNvPr id="73" name="PlaceHolder 1"/>
           <p:cNvSpPr>
             <a:spLocks noGrp="1"/>
           </p:cNvSpPr>
@@ -1549,8 +1563,8 @@
         </p:nvSpPr>
         <p:spPr>
           <a:xfrm>
-            <a:off x="457200" y="274680"/>
-            <a:ext cx="7467120" cy="1143000"/>
+            <a:off x="457200" y="273600"/>
+            <a:ext cx="8229240" cy="1145160"/>
           </a:xfrm>
           <a:prstGeom prst="rect">
             <a:avLst/>
@@ -1559,13 +1573,14 @@
         <p:txBody>
           <a:bodyPr lIns="0" rIns="0" tIns="0" bIns="0" anchor="ctr"/>
           <a:p>
-            <a:endParaRPr/>
-          </a:p>
-        </p:txBody>
-      </p:sp>
-      <p:sp>
-        <p:nvSpPr>
-          <p:cNvPr id="80" name="PlaceHolder 2"/>
+            <a:pPr algn="ctr"/>
+            <a:endParaRPr/>
+          </a:p>
+        </p:txBody>
+      </p:sp>
+      <p:sp>
+        <p:nvSpPr>
+          <p:cNvPr id="74" name="PlaceHolder 2"/>
           <p:cNvSpPr>
             <a:spLocks noGrp="1"/>
           </p:cNvSpPr>
@@ -1575,8 +1590,8 @@
         </p:nvSpPr>
         <p:spPr>
           <a:xfrm>
-            <a:off x="457200" y="1600200"/>
-            <a:ext cx="7467120" cy="4525560"/>
+            <a:off x="457200" y="1604520"/>
+            <a:ext cx="8229240" cy="3977280"/>
           </a:xfrm>
           <a:prstGeom prst="rect">
             <a:avLst/>
@@ -1591,7 +1606,7 @@
       </p:sp>
       <p:sp>
         <p:nvSpPr>
-          <p:cNvPr id="81" name="PlaceHolder 3"/>
+          <p:cNvPr id="75" name="PlaceHolder 3"/>
           <p:cNvSpPr>
             <a:spLocks noGrp="1"/>
           </p:cNvSpPr>
@@ -1601,8 +1616,8 @@
         </p:nvSpPr>
         <p:spPr>
           <a:xfrm>
-            <a:off x="457200" y="1600200"/>
-            <a:ext cx="7467120" cy="4525560"/>
+            <a:off x="457200" y="1604520"/>
+            <a:ext cx="8229240" cy="3977280"/>
           </a:xfrm>
           <a:prstGeom prst="rect">
             <a:avLst/>
@@ -1617,7 +1632,7 @@
       </p:sp>
       <p:pic>
         <p:nvPicPr>
-          <p:cNvPr id="82" name="" descr=""/>
+          <p:cNvPr id="76" name="" descr=""/>
           <p:cNvPicPr/>
           <p:nvPr/>
         </p:nvPicPr>
@@ -1629,8 +1644,8 @@
         </p:blipFill>
         <p:spPr>
           <a:xfrm>
-            <a:off x="1354680" y="1599840"/>
-            <a:ext cx="5671800" cy="4525560"/>
+            <a:off x="2079000" y="1604520"/>
+            <a:ext cx="4984920" cy="3977280"/>
           </a:xfrm>
           <a:prstGeom prst="rect">
             <a:avLst/>
@@ -1642,7 +1657,7 @@
       </p:pic>
       <p:pic>
         <p:nvPicPr>
-          <p:cNvPr id="83" name="" descr=""/>
+          <p:cNvPr id="77" name="" descr=""/>
           <p:cNvPicPr/>
           <p:nvPr/>
         </p:nvPicPr>
@@ -1654,8 +1669,8 @@
         </p:blipFill>
         <p:spPr>
           <a:xfrm>
-            <a:off x="1354680" y="1599840"/>
-            <a:ext cx="5671800" cy="4525560"/>
+            <a:off x="2079000" y="1604520"/>
+            <a:ext cx="4984920" cy="3977280"/>
           </a:xfrm>
           <a:prstGeom prst="rect">
             <a:avLst/>
@@ -1689,7 +1704,7 @@
       </p:grpSpPr>
       <p:sp>
         <p:nvSpPr>
-          <p:cNvPr id="11" name="PlaceHolder 1"/>
+          <p:cNvPr id="8" name="PlaceHolder 1"/>
           <p:cNvSpPr>
             <a:spLocks noGrp="1"/>
           </p:cNvSpPr>
@@ -1699,8 +1714,8 @@
         </p:nvSpPr>
         <p:spPr>
           <a:xfrm>
-            <a:off x="457200" y="274680"/>
-            <a:ext cx="7467120" cy="1143000"/>
+            <a:off x="457200" y="273600"/>
+            <a:ext cx="8229240" cy="1145160"/>
           </a:xfrm>
           <a:prstGeom prst="rect">
             <a:avLst/>
@@ -1709,13 +1724,14 @@
         <p:txBody>
           <a:bodyPr lIns="0" rIns="0" tIns="0" bIns="0" anchor="ctr"/>
           <a:p>
-            <a:endParaRPr/>
-          </a:p>
-        </p:txBody>
-      </p:sp>
-      <p:sp>
-        <p:nvSpPr>
-          <p:cNvPr id="12" name="PlaceHolder 2"/>
+            <a:pPr algn="ctr"/>
+            <a:endParaRPr/>
+          </a:p>
+        </p:txBody>
+      </p:sp>
+      <p:sp>
+        <p:nvSpPr>
+          <p:cNvPr id="9" name="PlaceHolder 2"/>
           <p:cNvSpPr>
             <a:spLocks noGrp="1"/>
           </p:cNvSpPr>
@@ -1725,8 +1741,8 @@
         </p:nvSpPr>
         <p:spPr>
           <a:xfrm>
-            <a:off x="457200" y="1600200"/>
-            <a:ext cx="7467120" cy="4525560"/>
+            <a:off x="457200" y="1604520"/>
+            <a:ext cx="8229240" cy="3977280"/>
           </a:xfrm>
           <a:prstGeom prst="rect">
             <a:avLst/>
@@ -1763,7 +1779,7 @@
       </p:grpSpPr>
       <p:sp>
         <p:nvSpPr>
-          <p:cNvPr id="13" name="PlaceHolder 1"/>
+          <p:cNvPr id="10" name="PlaceHolder 1"/>
           <p:cNvSpPr>
             <a:spLocks noGrp="1"/>
           </p:cNvSpPr>
@@ -1773,8 +1789,8 @@
         </p:nvSpPr>
         <p:spPr>
           <a:xfrm>
-            <a:off x="457200" y="274680"/>
-            <a:ext cx="7467120" cy="1143000"/>
+            <a:off x="457200" y="273600"/>
+            <a:ext cx="8229240" cy="1145160"/>
           </a:xfrm>
           <a:prstGeom prst="rect">
             <a:avLst/>
@@ -1783,13 +1799,14 @@
         <p:txBody>
           <a:bodyPr lIns="0" rIns="0" tIns="0" bIns="0" anchor="ctr"/>
           <a:p>
-            <a:endParaRPr/>
-          </a:p>
-        </p:txBody>
-      </p:sp>
-      <p:sp>
-        <p:nvSpPr>
-          <p:cNvPr id="14" name="PlaceHolder 2"/>
+            <a:pPr algn="ctr"/>
+            <a:endParaRPr/>
+          </a:p>
+        </p:txBody>
+      </p:sp>
+      <p:sp>
+        <p:nvSpPr>
+          <p:cNvPr id="11" name="PlaceHolder 2"/>
           <p:cNvSpPr>
             <a:spLocks noGrp="1"/>
           </p:cNvSpPr>
@@ -1799,8 +1816,8 @@
         </p:nvSpPr>
         <p:spPr>
           <a:xfrm>
-            <a:off x="457200" y="1600200"/>
-            <a:ext cx="3643920" cy="4525560"/>
+            <a:off x="457200" y="1604520"/>
+            <a:ext cx="4015800" cy="3977280"/>
           </a:xfrm>
           <a:prstGeom prst="rect">
             <a:avLst/>
@@ -1815,7 +1832,7 @@
       </p:sp>
       <p:sp>
         <p:nvSpPr>
-          <p:cNvPr id="15" name="PlaceHolder 3"/>
+          <p:cNvPr id="12" name="PlaceHolder 3"/>
           <p:cNvSpPr>
             <a:spLocks noGrp="1"/>
           </p:cNvSpPr>
@@ -1825,8 +1842,8 @@
         </p:nvSpPr>
         <p:spPr>
           <a:xfrm>
-            <a:off x="4283640" y="1600200"/>
-            <a:ext cx="3643920" cy="4525560"/>
+            <a:off x="4674240" y="1604520"/>
+            <a:ext cx="4015800" cy="3977280"/>
           </a:xfrm>
           <a:prstGeom prst="rect">
             <a:avLst/>
@@ -1863,7 +1880,7 @@
       </p:grpSpPr>
       <p:sp>
         <p:nvSpPr>
-          <p:cNvPr id="16" name="PlaceHolder 1"/>
+          <p:cNvPr id="13" name="PlaceHolder 1"/>
           <p:cNvSpPr>
             <a:spLocks noGrp="1"/>
           </p:cNvSpPr>
@@ -1873,8 +1890,8 @@
         </p:nvSpPr>
         <p:spPr>
           <a:xfrm>
-            <a:off x="457200" y="274680"/>
-            <a:ext cx="7467120" cy="1143000"/>
+            <a:off x="457200" y="273600"/>
+            <a:ext cx="8229240" cy="1145160"/>
           </a:xfrm>
           <a:prstGeom prst="rect">
             <a:avLst/>
@@ -1883,6 +1900,7 @@
         <p:txBody>
           <a:bodyPr lIns="0" rIns="0" tIns="0" bIns="0" anchor="ctr"/>
           <a:p>
+            <a:pPr algn="ctr"/>
             <a:endParaRPr/>
           </a:p>
         </p:txBody>
@@ -1911,7 +1929,7 @@
       </p:grpSpPr>
       <p:sp>
         <p:nvSpPr>
-          <p:cNvPr id="17" name="PlaceHolder 1"/>
+          <p:cNvPr id="14" name="PlaceHolder 1"/>
           <p:cNvSpPr>
             <a:spLocks noGrp="1"/>
           </p:cNvSpPr>
@@ -1921,8 +1939,8 @@
         </p:nvSpPr>
         <p:spPr>
           <a:xfrm>
-            <a:off x="457200" y="274680"/>
-            <a:ext cx="7467120" cy="5298120"/>
+            <a:off x="457200" y="273600"/>
+            <a:ext cx="8229240" cy="5308200"/>
           </a:xfrm>
           <a:prstGeom prst="rect">
             <a:avLst/>
@@ -1960,7 +1978,7 @@
       </p:grpSpPr>
       <p:sp>
         <p:nvSpPr>
-          <p:cNvPr id="18" name="PlaceHolder 1"/>
+          <p:cNvPr id="15" name="PlaceHolder 1"/>
           <p:cNvSpPr>
             <a:spLocks noGrp="1"/>
           </p:cNvSpPr>
@@ -1970,8 +1988,8 @@
         </p:nvSpPr>
         <p:spPr>
           <a:xfrm>
-            <a:off x="457200" y="274680"/>
-            <a:ext cx="7467120" cy="1143000"/>
+            <a:off x="457200" y="273600"/>
+            <a:ext cx="8229240" cy="1145160"/>
           </a:xfrm>
           <a:prstGeom prst="rect">
             <a:avLst/>
@@ -1980,13 +1998,14 @@
         <p:txBody>
           <a:bodyPr lIns="0" rIns="0" tIns="0" bIns="0" anchor="ctr"/>
           <a:p>
-            <a:endParaRPr/>
-          </a:p>
-        </p:txBody>
-      </p:sp>
-      <p:sp>
-        <p:nvSpPr>
-          <p:cNvPr id="19" name="PlaceHolder 2"/>
+            <a:pPr algn="ctr"/>
+            <a:endParaRPr/>
+          </a:p>
+        </p:txBody>
+      </p:sp>
+      <p:sp>
+        <p:nvSpPr>
+          <p:cNvPr id="16" name="PlaceHolder 2"/>
           <p:cNvSpPr>
             <a:spLocks noGrp="1"/>
           </p:cNvSpPr>
@@ -1996,8 +2015,8 @@
         </p:nvSpPr>
         <p:spPr>
           <a:xfrm>
-            <a:off x="457200" y="1600200"/>
-            <a:ext cx="3643920" cy="2158560"/>
+            <a:off x="457200" y="1604520"/>
+            <a:ext cx="4015800" cy="1896840"/>
           </a:xfrm>
           <a:prstGeom prst="rect">
             <a:avLst/>
@@ -2012,7 +2031,7 @@
       </p:sp>
       <p:sp>
         <p:nvSpPr>
-          <p:cNvPr id="20" name="PlaceHolder 3"/>
+          <p:cNvPr id="17" name="PlaceHolder 3"/>
           <p:cNvSpPr>
             <a:spLocks noGrp="1"/>
           </p:cNvSpPr>
@@ -2022,8 +2041,8 @@
         </p:nvSpPr>
         <p:spPr>
           <a:xfrm>
-            <a:off x="457200" y="3964320"/>
-            <a:ext cx="3643920" cy="2158560"/>
+            <a:off x="457200" y="3682080"/>
+            <a:ext cx="4015800" cy="1896840"/>
           </a:xfrm>
           <a:prstGeom prst="rect">
             <a:avLst/>
@@ -2038,7 +2057,7 @@
       </p:sp>
       <p:sp>
         <p:nvSpPr>
-          <p:cNvPr id="21" name="PlaceHolder 4"/>
+          <p:cNvPr id="18" name="PlaceHolder 4"/>
           <p:cNvSpPr>
             <a:spLocks noGrp="1"/>
           </p:cNvSpPr>
@@ -2048,8 +2067,8 @@
         </p:nvSpPr>
         <p:spPr>
           <a:xfrm>
-            <a:off x="4283640" y="1600200"/>
-            <a:ext cx="3643920" cy="4525560"/>
+            <a:off x="4674240" y="1604520"/>
+            <a:ext cx="4015800" cy="3977280"/>
           </a:xfrm>
           <a:prstGeom prst="rect">
             <a:avLst/>
@@ -2086,7 +2105,7 @@
       </p:grpSpPr>
       <p:sp>
         <p:nvSpPr>
-          <p:cNvPr id="22" name="PlaceHolder 1"/>
+          <p:cNvPr id="19" name="PlaceHolder 1"/>
           <p:cNvSpPr>
             <a:spLocks noGrp="1"/>
           </p:cNvSpPr>
@@ -2096,8 +2115,8 @@
         </p:nvSpPr>
         <p:spPr>
           <a:xfrm>
-            <a:off x="457200" y="274680"/>
-            <a:ext cx="7467120" cy="1143000"/>
+            <a:off x="457200" y="273600"/>
+            <a:ext cx="8229240" cy="1145160"/>
           </a:xfrm>
           <a:prstGeom prst="rect">
             <a:avLst/>
@@ -2106,13 +2125,14 @@
         <p:txBody>
           <a:bodyPr lIns="0" rIns="0" tIns="0" bIns="0" anchor="ctr"/>
           <a:p>
-            <a:endParaRPr/>
-          </a:p>
-        </p:txBody>
-      </p:sp>
-      <p:sp>
-        <p:nvSpPr>
-          <p:cNvPr id="23" name="PlaceHolder 2"/>
+            <a:pPr algn="ctr"/>
+            <a:endParaRPr/>
+          </a:p>
+        </p:txBody>
+      </p:sp>
+      <p:sp>
+        <p:nvSpPr>
+          <p:cNvPr id="20" name="PlaceHolder 2"/>
           <p:cNvSpPr>
             <a:spLocks noGrp="1"/>
           </p:cNvSpPr>
@@ -2122,8 +2142,8 @@
         </p:nvSpPr>
         <p:spPr>
           <a:xfrm>
-            <a:off x="457200" y="1600200"/>
-            <a:ext cx="3643920" cy="4525560"/>
+            <a:off x="457200" y="1604520"/>
+            <a:ext cx="4015800" cy="3977280"/>
           </a:xfrm>
           <a:prstGeom prst="rect">
             <a:avLst/>
@@ -2138,7 +2158,7 @@
       </p:sp>
       <p:sp>
         <p:nvSpPr>
-          <p:cNvPr id="24" name="PlaceHolder 3"/>
+          <p:cNvPr id="21" name="PlaceHolder 3"/>
           <p:cNvSpPr>
             <a:spLocks noGrp="1"/>
           </p:cNvSpPr>
@@ -2148,8 +2168,8 @@
         </p:nvSpPr>
         <p:spPr>
           <a:xfrm>
-            <a:off x="4283640" y="1600200"/>
-            <a:ext cx="3643920" cy="2158560"/>
+            <a:off x="4674240" y="1604520"/>
+            <a:ext cx="4015800" cy="1896840"/>
           </a:xfrm>
           <a:prstGeom prst="rect">
             <a:avLst/>
@@ -2164,7 +2184,7 @@
       </p:sp>
       <p:sp>
         <p:nvSpPr>
-          <p:cNvPr id="25" name="PlaceHolder 4"/>
+          <p:cNvPr id="22" name="PlaceHolder 4"/>
           <p:cNvSpPr>
             <a:spLocks noGrp="1"/>
           </p:cNvSpPr>
@@ -2174,8 +2194,8 @@
         </p:nvSpPr>
         <p:spPr>
           <a:xfrm>
-            <a:off x="4283640" y="3964320"/>
-            <a:ext cx="3643920" cy="2158560"/>
+            <a:off x="4674240" y="3682080"/>
+            <a:ext cx="4015800" cy="1896840"/>
           </a:xfrm>
           <a:prstGeom prst="rect">
             <a:avLst/>
@@ -2212,7 +2232,7 @@
       </p:grpSpPr>
       <p:sp>
         <p:nvSpPr>
-          <p:cNvPr id="26" name="PlaceHolder 1"/>
+          <p:cNvPr id="23" name="PlaceHolder 1"/>
           <p:cNvSpPr>
             <a:spLocks noGrp="1"/>
           </p:cNvSpPr>
@@ -2222,8 +2242,8 @@
         </p:nvSpPr>
         <p:spPr>
           <a:xfrm>
-            <a:off x="457200" y="274680"/>
-            <a:ext cx="7467120" cy="1143000"/>
+            <a:off x="457200" y="273600"/>
+            <a:ext cx="8229240" cy="1145160"/>
           </a:xfrm>
           <a:prstGeom prst="rect">
             <a:avLst/>
@@ -2232,13 +2252,14 @@
         <p:txBody>
           <a:bodyPr lIns="0" rIns="0" tIns="0" bIns="0" anchor="ctr"/>
           <a:p>
-            <a:endParaRPr/>
-          </a:p>
-        </p:txBody>
-      </p:sp>
-      <p:sp>
-        <p:nvSpPr>
-          <p:cNvPr id="27" name="PlaceHolder 2"/>
+            <a:pPr algn="ctr"/>
+            <a:endParaRPr/>
+          </a:p>
+        </p:txBody>
+      </p:sp>
+      <p:sp>
+        <p:nvSpPr>
+          <p:cNvPr id="24" name="PlaceHolder 2"/>
           <p:cNvSpPr>
             <a:spLocks noGrp="1"/>
           </p:cNvSpPr>
@@ -2248,8 +2269,8 @@
         </p:nvSpPr>
         <p:spPr>
           <a:xfrm>
-            <a:off x="457200" y="1600200"/>
-            <a:ext cx="3643920" cy="2158560"/>
+            <a:off x="457200" y="1604520"/>
+            <a:ext cx="4015800" cy="1896840"/>
           </a:xfrm>
           <a:prstGeom prst="rect">
             <a:avLst/>
@@ -2264,7 +2285,7 @@
       </p:sp>
       <p:sp>
         <p:nvSpPr>
-          <p:cNvPr id="28" name="PlaceHolder 3"/>
+          <p:cNvPr id="25" name="PlaceHolder 3"/>
           <p:cNvSpPr>
             <a:spLocks noGrp="1"/>
           </p:cNvSpPr>
@@ -2274,8 +2295,8 @@
         </p:nvSpPr>
         <p:spPr>
           <a:xfrm>
-            <a:off x="4283640" y="1600200"/>
-            <a:ext cx="3643920" cy="2158560"/>
+            <a:off x="4674240" y="1604520"/>
+            <a:ext cx="4015800" cy="1896840"/>
           </a:xfrm>
           <a:prstGeom prst="rect">
             <a:avLst/>
@@ -2290,7 +2311,7 @@
       </p:sp>
       <p:sp>
         <p:nvSpPr>
-          <p:cNvPr id="29" name="PlaceHolder 4"/>
+          <p:cNvPr id="26" name="PlaceHolder 4"/>
           <p:cNvSpPr>
             <a:spLocks noGrp="1"/>
           </p:cNvSpPr>
@@ -2300,8 +2321,8 @@
         </p:nvSpPr>
         <p:spPr>
           <a:xfrm>
-            <a:off x="457200" y="3964320"/>
-            <a:ext cx="7467120" cy="2158560"/>
+            <a:off x="457200" y="3682080"/>
+            <a:ext cx="8229240" cy="1896840"/>
           </a:xfrm>
           <a:prstGeom prst="rect">
             <a:avLst/>
@@ -2345,19 +2366,10 @@
         <p:spPr>
           <a:xfrm>
             <a:off x="0" y="4752000"/>
-            <a:ext cx="9143640" cy="2112480"/>
-          </a:xfrm>
-          <a:prstGeom prst="rect">
-            <a:avLst>
-              <a:gd name="A1" fmla="val 0"/>
-              <a:gd name="A2" fmla="val 0"/>
-              <a:gd name="A3" fmla="val 0"/>
-              <a:gd name="A4" fmla="val 0"/>
-              <a:gd name="A5" fmla="val 0"/>
-              <a:gd name="A6" fmla="val 0"/>
-              <a:gd name="A7" fmla="val 0"/>
-              <a:gd name="A8" fmla="val 0"/>
-            </a:avLst>
+            <a:ext cx="9143280" cy="2112120"/>
+          </a:xfrm>
+          <a:prstGeom prst="rect">
+            <a:avLst/>
           </a:prstGeom>
           <a:solidFill>
             <a:srgbClr val="7e7e7e"/>
@@ -2376,7 +2388,7 @@
         <p:spPr>
           <a:xfrm>
             <a:off x="7315200" y="0"/>
-            <a:ext cx="1828440" cy="6857640"/>
+            <a:ext cx="1828080" cy="6857280"/>
           </a:xfrm>
           <a:prstGeom prst="rect">
             <a:avLst/>
@@ -2398,19 +2410,10 @@
         <p:spPr>
           <a:xfrm>
             <a:off x="0" y="4752000"/>
-            <a:ext cx="9143640" cy="2112480"/>
-          </a:xfrm>
-          <a:prstGeom prst="rect">
-            <a:avLst>
-              <a:gd name="A1" fmla="val 0"/>
-              <a:gd name="A2" fmla="val 0"/>
-              <a:gd name="A3" fmla="val 0"/>
-              <a:gd name="A4" fmla="val 0"/>
-              <a:gd name="A5" fmla="val 0"/>
-              <a:gd name="A6" fmla="val 0"/>
-              <a:gd name="A7" fmla="val 0"/>
-              <a:gd name="A8" fmla="val 0"/>
-            </a:avLst>
+            <a:ext cx="9143280" cy="2112120"/>
+          </a:xfrm>
+          <a:prstGeom prst="rect">
+            <a:avLst/>
           </a:prstGeom>
           <a:solidFill>
             <a:srgbClr val="7e7e7e"/>
@@ -2429,7 +2432,7 @@
         <p:spPr>
           <a:xfrm>
             <a:off x="6105600" y="0"/>
-            <a:ext cx="3038040" cy="6857640"/>
+            <a:ext cx="3037680" cy="6857280"/>
           </a:xfrm>
           <a:prstGeom prst="rect">
             <a:avLst/>
@@ -2454,29 +2457,22 @@
         </p:nvSpPr>
         <p:spPr>
           <a:xfrm>
-            <a:off x="429120" y="3337560"/>
-            <a:ext cx="6479640" cy="2300760"/>
-          </a:xfrm>
-          <a:prstGeom prst="rect">
-            <a:avLst/>
-          </a:prstGeom>
-        </p:spPr>
-        <p:txBody>
-          <a:bodyPr lIns="45720" rIns="45720" tIns="45000" bIns="45000"/>
-          <a:p>
-            <a:pPr algn="r">
-              <a:lnSpc>
-                <a:spcPct val="100000"/>
-              </a:lnSpc>
-            </a:pPr>
-            <a:r>
-              <a:rPr b="1" lang="en-US" sz="4600">
-                <a:solidFill>
-                  <a:srgbClr val="a1d4e6"/>
-                </a:solidFill>
-                <a:latin typeface="Franklin Gothic Book"/>
-              </a:rPr>
-              <a:t>Click to edit the title text formatClick to edit Master title style</a:t>
+            <a:off x="457200" y="274680"/>
+            <a:ext cx="7466760" cy="1142640"/>
+          </a:xfrm>
+          <a:prstGeom prst="rect">
+            <a:avLst/>
+          </a:prstGeom>
+        </p:spPr>
+        <p:txBody>
+          <a:bodyPr lIns="0" rIns="0" tIns="0" bIns="0" anchor="ctr"/>
+          <a:p>
+            <a:pPr algn="ctr"/>
+            <a:r>
+              <a:rPr lang="en-US" sz="4400">
+                <a:latin typeface="Arial"/>
+              </a:rPr>
+              <a:t>Click to edit the title text format</a:t>
             </a:r>
             <a:endParaRPr/>
           </a:p>
@@ -2485,112 +2481,6 @@
       <p:sp>
         <p:nvSpPr>
           <p:cNvPr id="5" name="PlaceHolder 6"/>
-          <p:cNvSpPr>
-            <a:spLocks noGrp="1"/>
-          </p:cNvSpPr>
-          <p:nvPr>
-            <p:ph type="dt"/>
-          </p:nvPr>
-        </p:nvSpPr>
-        <p:spPr>
-          <a:xfrm>
-            <a:off x="457200" y="6422040"/>
-            <a:ext cx="2133360" cy="364680"/>
-          </a:xfrm>
-          <a:prstGeom prst="rect">
-            <a:avLst/>
-          </a:prstGeom>
-        </p:spPr>
-        <p:txBody>
-          <a:bodyPr lIns="90000" rIns="90000" tIns="45000" bIns="0" anchor="b"/>
-          <a:p>
-            <a:pPr>
-              <a:lnSpc>
-                <a:spcPct val="100000"/>
-              </a:lnSpc>
-            </a:pPr>
-            <a:r>
-              <a:rPr lang="en-US" sz="1000">
-                <a:solidFill>
-                  <a:srgbClr val="9c9b99"/>
-                </a:solidFill>
-                <a:latin typeface="Arial"/>
-              </a:rPr>
-              <a:t>12/6/15</a:t>
-            </a:r>
-            <a:endParaRPr/>
-          </a:p>
-        </p:txBody>
-      </p:sp>
-      <p:sp>
-        <p:nvSpPr>
-          <p:cNvPr id="6" name="PlaceHolder 7"/>
-          <p:cNvSpPr>
-            <a:spLocks noGrp="1"/>
-          </p:cNvSpPr>
-          <p:nvPr>
-            <p:ph type="ftr"/>
-          </p:nvPr>
-        </p:nvSpPr>
-        <p:spPr>
-          <a:xfrm>
-            <a:off x="3124080" y="6422040"/>
-            <a:ext cx="2895120" cy="364680"/>
-          </a:xfrm>
-          <a:prstGeom prst="rect">
-            <a:avLst/>
-          </a:prstGeom>
-        </p:spPr>
-        <p:txBody>
-          <a:bodyPr lIns="0" rIns="0" tIns="45000" bIns="0" anchor="b"/>
-          <a:p>
-            <a:endParaRPr/>
-          </a:p>
-        </p:txBody>
-      </p:sp>
-      <p:sp>
-        <p:nvSpPr>
-          <p:cNvPr id="7" name="PlaceHolder 8"/>
-          <p:cNvSpPr>
-            <a:spLocks noGrp="1"/>
-          </p:cNvSpPr>
-          <p:nvPr>
-            <p:ph type="sldNum"/>
-          </p:nvPr>
-        </p:nvSpPr>
-        <p:spPr>
-          <a:xfrm>
-            <a:off x="8153280" y="6422040"/>
-            <a:ext cx="761760" cy="364680"/>
-          </a:xfrm>
-          <a:prstGeom prst="rect">
-            <a:avLst/>
-          </a:prstGeom>
-        </p:spPr>
-        <p:txBody>
-          <a:bodyPr lIns="0" rIns="0" tIns="0" bIns="0" anchor="b"/>
-          <a:p>
-            <a:pPr algn="r">
-              <a:lnSpc>
-                <a:spcPct val="100000"/>
-              </a:lnSpc>
-            </a:pPr>
-            <a:fld id="{8171BD8A-B2B7-4364-BF04-047D90FA252D}" type="slidenum">
-              <a:rPr lang="en-US" sz="1000">
-                <a:solidFill>
-                  <a:srgbClr val="9c9b99"/>
-                </a:solidFill>
-                <a:latin typeface="Arial"/>
-              </a:rPr>
-              <a:t>&lt;number&gt;</a:t>
-            </a:fld>
-            <a:endParaRPr/>
-          </a:p>
-        </p:txBody>
-      </p:sp>
-      <p:sp>
-        <p:nvSpPr>
-          <p:cNvPr id="8" name="PlaceHolder 9"/>
           <p:cNvSpPr>
             <a:spLocks noGrp="1"/>
           </p:cNvSpPr>
@@ -2616,7 +2506,7 @@
               <a:buChar char=""/>
             </a:pPr>
             <a:r>
-              <a:rPr lang="en-US" sz="3000">
+              <a:rPr lang="en-US" sz="3200">
                 <a:latin typeface="Arial"/>
               </a:rPr>
               <a:t>Click to edit the outline text format</a:t>
@@ -2630,7 +2520,7 @@
               <a:buChar char=""/>
             </a:pPr>
             <a:r>
-              <a:rPr lang="en-US" sz="2400">
+              <a:rPr lang="en-US" sz="2800">
                 <a:latin typeface="Arial"/>
               </a:rPr>
               <a:t>Second Outline Level</a:t>
@@ -2644,7 +2534,7 @@
               <a:buChar char=""/>
             </a:pPr>
             <a:r>
-              <a:rPr lang="en-US" sz="2000">
+              <a:rPr lang="en-US" sz="2400">
                 <a:latin typeface="Arial"/>
               </a:rPr>
               <a:t>Third Outline Level</a:t>
@@ -2755,26 +2645,17 @@
       </p:grpSpPr>
       <p:sp>
         <p:nvSpPr>
-          <p:cNvPr id="43" name="CustomShape 1"/>
+          <p:cNvPr id="40" name="CustomShape 1"/>
           <p:cNvSpPr/>
           <p:nvPr/>
         </p:nvSpPr>
         <p:spPr>
           <a:xfrm>
             <a:off x="0" y="4752000"/>
-            <a:ext cx="9143640" cy="2112480"/>
-          </a:xfrm>
-          <a:prstGeom prst="rect">
-            <a:avLst>
-              <a:gd name="A1" fmla="val 0"/>
-              <a:gd name="A2" fmla="val 0"/>
-              <a:gd name="A3" fmla="val 0"/>
-              <a:gd name="A4" fmla="val 0"/>
-              <a:gd name="A5" fmla="val 0"/>
-              <a:gd name="A6" fmla="val 0"/>
-              <a:gd name="A7" fmla="val 0"/>
-              <a:gd name="A8" fmla="val 0"/>
-            </a:avLst>
+            <a:ext cx="9143280" cy="2112120"/>
+          </a:xfrm>
+          <a:prstGeom prst="rect">
+            <a:avLst/>
           </a:prstGeom>
           <a:solidFill>
             <a:srgbClr val="7e7e7e"/>
@@ -2786,14 +2667,14 @@
       </p:sp>
       <p:sp>
         <p:nvSpPr>
-          <p:cNvPr id="44" name="CustomShape 2"/>
+          <p:cNvPr id="41" name="CustomShape 2"/>
           <p:cNvSpPr/>
           <p:nvPr/>
         </p:nvSpPr>
         <p:spPr>
           <a:xfrm>
             <a:off x="7315200" y="0"/>
-            <a:ext cx="1828440" cy="6857640"/>
+            <a:ext cx="1828080" cy="6857280"/>
           </a:xfrm>
           <a:prstGeom prst="rect">
             <a:avLst/>
@@ -2808,7 +2689,7 @@
       </p:sp>
       <p:sp>
         <p:nvSpPr>
-          <p:cNvPr id="45" name="PlaceHolder 3"/>
+          <p:cNvPr id="42" name="PlaceHolder 3"/>
           <p:cNvSpPr>
             <a:spLocks noGrp="1"/>
           </p:cNvSpPr>
@@ -2818,37 +2699,30 @@
         </p:nvSpPr>
         <p:spPr>
           <a:xfrm>
-            <a:off x="457200" y="274680"/>
-            <a:ext cx="7467120" cy="1142640"/>
-          </a:xfrm>
-          <a:prstGeom prst="rect">
-            <a:avLst/>
-          </a:prstGeom>
-        </p:spPr>
-        <p:txBody>
-          <a:bodyPr lIns="45720" rIns="45720" tIns="45000" bIns="45000" anchor="ctr"/>
-          <a:p>
-            <a:pPr>
-              <a:lnSpc>
-                <a:spcPct val="100000"/>
-              </a:lnSpc>
-            </a:pPr>
-            <a:r>
-              <a:rPr lang="en-US" sz="4600">
-                <a:solidFill>
-                  <a:srgbClr val="ffffff"/>
-                </a:solidFill>
-                <a:latin typeface="Franklin Gothic Book"/>
-              </a:rPr>
-              <a:t>Click to edit the title text formatClick to edit Master title style</a:t>
-            </a:r>
-            <a:endParaRPr/>
-          </a:p>
-        </p:txBody>
-      </p:sp>
-      <p:sp>
-        <p:nvSpPr>
-          <p:cNvPr id="46" name="PlaceHolder 4"/>
+            <a:off x="457200" y="273600"/>
+            <a:ext cx="8229240" cy="1144800"/>
+          </a:xfrm>
+          <a:prstGeom prst="rect">
+            <a:avLst/>
+          </a:prstGeom>
+        </p:spPr>
+        <p:txBody>
+          <a:bodyPr lIns="0" rIns="0" tIns="0" bIns="0" anchor="ctr"/>
+          <a:p>
+            <a:pPr algn="ctr"/>
+            <a:r>
+              <a:rPr lang="en-US" sz="4400">
+                <a:latin typeface="Arial"/>
+              </a:rPr>
+              <a:t>Click to edit the title text format</a:t>
+            </a:r>
+            <a:endParaRPr/>
+          </a:p>
+        </p:txBody>
+      </p:sp>
+      <p:sp>
+        <p:nvSpPr>
+          <p:cNvPr id="43" name="PlaceHolder 4"/>
           <p:cNvSpPr>
             <a:spLocks noGrp="1"/>
           </p:cNvSpPr>
@@ -2858,15 +2732,15 @@
         </p:nvSpPr>
         <p:spPr>
           <a:xfrm>
-            <a:off x="457200" y="1600200"/>
-            <a:ext cx="7467120" cy="4525560"/>
-          </a:xfrm>
-          <a:prstGeom prst="rect">
-            <a:avLst/>
-          </a:prstGeom>
-        </p:spPr>
-        <p:txBody>
-          <a:bodyPr lIns="90000" rIns="90000" tIns="45000" bIns="45000"/>
+            <a:off x="457200" y="1604520"/>
+            <a:ext cx="8229240" cy="3977280"/>
+          </a:xfrm>
+          <a:prstGeom prst="rect">
+            <a:avLst/>
+          </a:prstGeom>
+        </p:spPr>
+        <p:txBody>
+          <a:bodyPr lIns="0" rIns="0" tIns="0" bIns="0"/>
           <a:p>
             <a:pPr>
               <a:buSzPct val="45000"/>
@@ -2874,10 +2748,7 @@
               <a:buChar char=""/>
             </a:pPr>
             <a:r>
-              <a:rPr lang="en-US" sz="3000">
-                <a:solidFill>
-                  <a:srgbClr val="ffffff"/>
-                </a:solidFill>
+              <a:rPr lang="en-US" sz="3200">
                 <a:latin typeface="Arial"/>
               </a:rPr>
               <a:t>Click to edit the outline text format</a:t>
@@ -2891,10 +2762,7 @@
               <a:buChar char=""/>
             </a:pPr>
             <a:r>
-              <a:rPr lang="en-US" sz="3000">
-                <a:solidFill>
-                  <a:srgbClr val="ffffff"/>
-                </a:solidFill>
+              <a:rPr lang="en-US" sz="2800">
                 <a:latin typeface="Arial"/>
               </a:rPr>
               <a:t>Second Outline Level</a:t>
@@ -2908,10 +2776,7 @@
               <a:buChar char=""/>
             </a:pPr>
             <a:r>
-              <a:rPr lang="en-US" sz="3000">
-                <a:solidFill>
-                  <a:srgbClr val="ffffff"/>
-                </a:solidFill>
+              <a:rPr lang="en-US" sz="2400">
                 <a:latin typeface="Arial"/>
               </a:rPr>
               <a:t>Third Outline Level</a:t>
@@ -2925,10 +2790,7 @@
               <a:buChar char=""/>
             </a:pPr>
             <a:r>
-              <a:rPr lang="en-US" sz="3000">
-                <a:solidFill>
-                  <a:srgbClr val="ffffff"/>
-                </a:solidFill>
+              <a:rPr lang="en-US" sz="2000">
                 <a:latin typeface="Arial"/>
               </a:rPr>
               <a:t>Fourth Outline Level</a:t>
@@ -2942,10 +2804,7 @@
               <a:buChar char=""/>
             </a:pPr>
             <a:r>
-              <a:rPr lang="en-US" sz="3000">
-                <a:solidFill>
-                  <a:srgbClr val="ffffff"/>
-                </a:solidFill>
+              <a:rPr lang="en-US" sz="2000">
                 <a:latin typeface="Arial"/>
               </a:rPr>
               <a:t>Fifth Outline Level</a:t>
@@ -2959,10 +2818,7 @@
               <a:buChar char=""/>
             </a:pPr>
             <a:r>
-              <a:rPr lang="en-US" sz="3000">
-                <a:solidFill>
-                  <a:srgbClr val="ffffff"/>
-                </a:solidFill>
+              <a:rPr lang="en-US" sz="2000">
                 <a:latin typeface="Arial"/>
               </a:rPr>
               <a:t>Sixth Outline Level</a:t>
@@ -2970,208 +2826,17 @@
             <a:endParaRPr/>
           </a:p>
           <a:p>
-            <a:pPr>
-              <a:lnSpc>
-                <a:spcPct val="100000"/>
-              </a:lnSpc>
-              <a:buSzPct val="80000"/>
-              <a:buFont typeface="Wingdings 2" charset="2"/>
-              <a:buChar char=""/>
+            <a:pPr lvl="6">
+              <a:buSzPct val="45000"/>
+              <a:buFont typeface="StarSymbol"/>
+              <a:buChar char=""/>
             </a:pPr>
             <a:r>
-              <a:rPr lang="en-US" sz="3000">
-                <a:solidFill>
-                  <a:srgbClr val="ffffff"/>
-                </a:solidFill>
+              <a:rPr lang="en-US" sz="2000">
                 <a:latin typeface="Arial"/>
               </a:rPr>
-              <a:t>Seventh Outline LevelClick to edit Master text styles</a:t>
-            </a:r>
-            <a:endParaRPr/>
-          </a:p>
-          <a:p>
-            <a:pPr lvl="1">
-              <a:lnSpc>
-                <a:spcPct val="100000"/>
-              </a:lnSpc>
-              <a:buSzPct val="90000"/>
-              <a:buFont typeface="Wingdings 2" charset="2"/>
-              <a:buChar char=""/>
-            </a:pPr>
-            <a:r>
-              <a:rPr lang="en-US" sz="2600">
-                <a:solidFill>
-                  <a:srgbClr val="ffffff"/>
-                </a:solidFill>
-                <a:latin typeface="Arial"/>
-              </a:rPr>
-              <a:t>Second level</a:t>
-            </a:r>
-            <a:endParaRPr/>
-          </a:p>
-          <a:p>
-            <a:pPr lvl="2">
-              <a:lnSpc>
-                <a:spcPct val="100000"/>
-              </a:lnSpc>
-              <a:buSzPct val="85000"/>
-              <a:buFont typeface="Arial"/>
-              <a:buChar char="○"/>
-            </a:pPr>
-            <a:r>
-              <a:rPr lang="en-US" sz="2400">
-                <a:solidFill>
-                  <a:srgbClr val="ffffff"/>
-                </a:solidFill>
-                <a:latin typeface="Arial"/>
-              </a:rPr>
-              <a:t>Third level</a:t>
-            </a:r>
-            <a:endParaRPr/>
-          </a:p>
-          <a:p>
-            <a:pPr lvl="3">
-              <a:lnSpc>
-                <a:spcPct val="100000"/>
-              </a:lnSpc>
-              <a:buSzPct val="90000"/>
-              <a:buFont typeface="Wingdings 2" charset="2"/>
-              <a:buChar char=""/>
-            </a:pPr>
-            <a:r>
-              <a:rPr lang="en-US" sz="2000">
-                <a:solidFill>
-                  <a:srgbClr val="ffffff"/>
-                </a:solidFill>
-                <a:latin typeface="Arial"/>
-              </a:rPr>
-              <a:t>Fourth level</a:t>
-            </a:r>
-            <a:endParaRPr/>
-          </a:p>
-          <a:p>
-            <a:pPr lvl="4">
-              <a:lnSpc>
-                <a:spcPct val="100000"/>
-              </a:lnSpc>
-              <a:buFont typeface="Arial"/>
-              <a:buChar char="-"/>
-            </a:pPr>
-            <a:r>
-              <a:rPr lang="en-US" sz="2000">
-                <a:solidFill>
-                  <a:srgbClr val="ffffff"/>
-                </a:solidFill>
-                <a:latin typeface="Arial"/>
-              </a:rPr>
-              <a:t>Fifth level</a:t>
-            </a:r>
-            <a:endParaRPr/>
-          </a:p>
-        </p:txBody>
-      </p:sp>
-      <p:sp>
-        <p:nvSpPr>
-          <p:cNvPr id="47" name="PlaceHolder 5"/>
-          <p:cNvSpPr>
-            <a:spLocks noGrp="1"/>
-          </p:cNvSpPr>
-          <p:nvPr>
-            <p:ph type="dt"/>
-          </p:nvPr>
-        </p:nvSpPr>
-        <p:spPr>
-          <a:xfrm>
-            <a:off x="457200" y="6422040"/>
-            <a:ext cx="2133360" cy="364680"/>
-          </a:xfrm>
-          <a:prstGeom prst="rect">
-            <a:avLst/>
-          </a:prstGeom>
-        </p:spPr>
-        <p:txBody>
-          <a:bodyPr lIns="90000" rIns="90000" tIns="45000" bIns="0" anchor="b"/>
-          <a:p>
-            <a:pPr>
-              <a:lnSpc>
-                <a:spcPct val="100000"/>
-              </a:lnSpc>
-            </a:pPr>
-            <a:r>
-              <a:rPr lang="en-US" sz="1000">
-                <a:solidFill>
-                  <a:srgbClr val="9c9b99"/>
-                </a:solidFill>
-                <a:latin typeface="Arial"/>
-              </a:rPr>
-              <a:t>12/6/15</a:t>
-            </a:r>
-            <a:endParaRPr/>
-          </a:p>
-        </p:txBody>
-      </p:sp>
-      <p:sp>
-        <p:nvSpPr>
-          <p:cNvPr id="48" name="PlaceHolder 6"/>
-          <p:cNvSpPr>
-            <a:spLocks noGrp="1"/>
-          </p:cNvSpPr>
-          <p:nvPr>
-            <p:ph type="ftr"/>
-          </p:nvPr>
-        </p:nvSpPr>
-        <p:spPr>
-          <a:xfrm>
-            <a:off x="3124080" y="6422040"/>
-            <a:ext cx="2895120" cy="364680"/>
-          </a:xfrm>
-          <a:prstGeom prst="rect">
-            <a:avLst/>
-          </a:prstGeom>
-        </p:spPr>
-        <p:txBody>
-          <a:bodyPr lIns="0" rIns="0" tIns="45000" bIns="0" anchor="b"/>
-          <a:p>
-            <a:endParaRPr/>
-          </a:p>
-        </p:txBody>
-      </p:sp>
-      <p:sp>
-        <p:nvSpPr>
-          <p:cNvPr id="49" name="PlaceHolder 7"/>
-          <p:cNvSpPr>
-            <a:spLocks noGrp="1"/>
-          </p:cNvSpPr>
-          <p:nvPr>
-            <p:ph type="sldNum"/>
-          </p:nvPr>
-        </p:nvSpPr>
-        <p:spPr>
-          <a:xfrm>
-            <a:off x="8153280" y="6422040"/>
-            <a:ext cx="761760" cy="364680"/>
-          </a:xfrm>
-          <a:prstGeom prst="rect">
-            <a:avLst/>
-          </a:prstGeom>
-        </p:spPr>
-        <p:txBody>
-          <a:bodyPr lIns="0" rIns="0" tIns="0" bIns="0" anchor="b"/>
-          <a:p>
-            <a:pPr algn="r">
-              <a:lnSpc>
-                <a:spcPct val="100000"/>
-              </a:lnSpc>
-            </a:pPr>
-            <a:fld id="{054DF4E1-0A61-409F-AC54-DC615858027C}" type="slidenum">
-              <a:rPr lang="en-US" sz="1000">
-                <a:solidFill>
-                  <a:srgbClr val="9c9b99"/>
-                </a:solidFill>
-                <a:latin typeface="Arial"/>
-              </a:rPr>
-              <a:t>&lt;number&gt;</a:t>
-            </a:fld>
+              <a:t>Seventh Outline Level</a:t>
+            </a:r>
             <a:endParaRPr/>
           </a:p>
         </p:txBody>
@@ -3215,122 +2880,90 @@
       </p:grpSpPr>
       <p:sp>
         <p:nvSpPr>
-          <p:cNvPr id="84" name="TextShape 1"/>
+          <p:cNvPr id="78" name="TextShape 1"/>
           <p:cNvSpPr txBox="1"/>
           <p:nvPr/>
         </p:nvSpPr>
         <p:spPr>
           <a:xfrm>
-            <a:off x="429120" y="3337560"/>
-            <a:ext cx="6479640" cy="2300760"/>
-          </a:xfrm>
-          <a:prstGeom prst="rect">
-            <a:avLst/>
-          </a:prstGeom>
-        </p:spPr>
-        <p:txBody>
-          <a:bodyPr lIns="45720" rIns="45720" tIns="45000" bIns="45000"/>
-          <a:p>
-            <a:pPr algn="r">
-              <a:lnSpc>
-                <a:spcPct val="100000"/>
-              </a:lnSpc>
-            </a:pPr>
-            <a:r>
-              <a:rPr b="1" lang="en-US" sz="4600">
+            <a:off x="457200" y="273600"/>
+            <a:ext cx="8229240" cy="1144800"/>
+          </a:xfrm>
+          <a:prstGeom prst="rect">
+            <a:avLst/>
+          </a:prstGeom>
+        </p:spPr>
+        <p:txBody>
+          <a:bodyPr lIns="0" rIns="0" tIns="0" bIns="0" anchor="ctr"/>
+          <a:p>
+            <a:pPr algn="ctr"/>
+            <a:r>
+              <a:rPr b="1" lang="en-US" sz="4400">
                 <a:solidFill>
-                  <a:srgbClr val="a1d4e6"/>
-                </a:solidFill>
-                <a:latin typeface="Franklin Gothic Book"/>
-              </a:rPr>
-              <a:t>EADAS </a:t>
-            </a:r>
-            <a:endParaRPr/>
-          </a:p>
-        </p:txBody>
-      </p:sp>
-      <p:sp>
-        <p:nvSpPr>
-          <p:cNvPr id="85" name="TextShape 2"/>
-          <p:cNvSpPr txBox="1"/>
-          <p:nvPr/>
-        </p:nvSpPr>
-        <p:spPr>
-          <a:xfrm>
-            <a:off x="433080" y="1544760"/>
-            <a:ext cx="6479640" cy="1752120"/>
-          </a:xfrm>
-          <a:prstGeom prst="rect">
-            <a:avLst/>
-          </a:prstGeom>
-        </p:spPr>
-        <p:txBody>
-          <a:bodyPr lIns="90000" rIns="45720" tIns="0" bIns="0" anchor="b"/>
-          <a:p>
-            <a:pPr>
-              <a:lnSpc>
-                <a:spcPct val="100000"/>
-              </a:lnSpc>
-            </a:pPr>
-            <a:r>
-              <a:rPr lang="en-US" sz="2000">
-                <a:solidFill>
-                  <a:srgbClr val="ffffff"/>
+                  <a:srgbClr val="83caff"/>
                 </a:solidFill>
                 <a:latin typeface="Arial"/>
               </a:rPr>
-              <a:t>ABHIMANYU CHOPRA</a:t>
-            </a:r>
-            <a:endParaRPr/>
-          </a:p>
-          <a:p>
-            <a:pPr>
-              <a:lnSpc>
-                <a:spcPct val="100000"/>
-              </a:lnSpc>
-            </a:pPr>
-            <a:r>
-              <a:rPr lang="en-US" sz="2000">
-                <a:solidFill>
-                  <a:srgbClr val="ffffff"/>
-                </a:solidFill>
+              <a:t>EADAS</a:t>
+            </a:r>
+            <a:endParaRPr/>
+          </a:p>
+        </p:txBody>
+      </p:sp>
+      <p:sp>
+        <p:nvSpPr>
+          <p:cNvPr id="79" name="TextShape 2"/>
+          <p:cNvSpPr txBox="1"/>
+          <p:nvPr/>
+        </p:nvSpPr>
+        <p:spPr>
+          <a:xfrm>
+            <a:off x="457200" y="1604520"/>
+            <a:ext cx="8229240" cy="3977280"/>
+          </a:xfrm>
+          <a:prstGeom prst="rect">
+            <a:avLst/>
+          </a:prstGeom>
+        </p:spPr>
+        <p:txBody>
+          <a:bodyPr lIns="0" rIns="0" tIns="0" bIns="0" anchor="ctr"/>
+          <a:p>
+            <a:pPr algn="ctr"/>
+            <a:r>
+              <a:rPr lang="en-US" sz="3200">
                 <a:latin typeface="Arial"/>
               </a:rPr>
-              <a:t>LALITHA BHASKARUNI</a:t>
-            </a:r>
-            <a:endParaRPr/>
-          </a:p>
-          <a:p>
-            <a:pPr>
-              <a:lnSpc>
-                <a:spcPct val="100000"/>
-              </a:lnSpc>
-            </a:pPr>
-            <a:r>
-              <a:rPr lang="en-US" sz="2000">
-                <a:solidFill>
-                  <a:srgbClr val="ffffff"/>
-                </a:solidFill>
+              <a:t>Abhimanyu Chopra</a:t>
+            </a:r>
+            <a:endParaRPr/>
+          </a:p>
+          <a:p>
+            <a:pPr algn="ctr"/>
+            <a:r>
+              <a:rPr lang="en-US" sz="3200">
                 <a:latin typeface="Arial"/>
               </a:rPr>
-              <a:t>NISARG PATEL</a:t>
-            </a:r>
-            <a:endParaRPr/>
-          </a:p>
-          <a:p>
-            <a:pPr>
-              <a:lnSpc>
-                <a:spcPct val="100000"/>
-              </a:lnSpc>
-            </a:pPr>
-            <a:r>
-              <a:rPr lang="en-US" sz="2000">
-                <a:solidFill>
-                  <a:srgbClr val="ffffff"/>
-                </a:solidFill>
+              <a:t>Lalitha Baskharuni</a:t>
+            </a:r>
+            <a:endParaRPr/>
+          </a:p>
+          <a:p>
+            <a:pPr algn="ctr"/>
+            <a:r>
+              <a:rPr lang="en-US" sz="3200">
                 <a:latin typeface="Arial"/>
               </a:rPr>
-              <a:t>SAMMY LIN</a:t>
+              <a:t>Nisarg Patel</a:t>
+            </a:r>
+            <a:endParaRPr/>
+          </a:p>
+          <a:p>
+            <a:pPr algn="ctr"/>
+            <a:r>
+              <a:rPr lang="en-US" sz="3200">
+                <a:latin typeface="Arial"/>
+              </a:rPr>
+              <a:t>Sammy Lin</a:t>
             </a:r>
             <a:endParaRPr/>
           </a:p>
@@ -3387,18 +3020,22 @@
       </p:grpSpPr>
       <p:sp>
         <p:nvSpPr>
-          <p:cNvPr id="225" name="TextShape 1"/>
-          <p:cNvSpPr txBox="1"/>
+          <p:cNvPr id="224" name="CustomShape 1"/>
+          <p:cNvSpPr/>
           <p:nvPr/>
         </p:nvSpPr>
         <p:spPr>
           <a:xfrm>
             <a:off x="1188720" y="3063600"/>
-            <a:ext cx="7467120" cy="1142640"/>
-          </a:xfrm>
-          <a:prstGeom prst="rect">
-            <a:avLst/>
-          </a:prstGeom>
+            <a:ext cx="7466760" cy="1142280"/>
+          </a:xfrm>
+          <a:prstGeom prst="rect">
+            <a:avLst/>
+          </a:prstGeom>
+          <a:noFill/>
+          <a:ln>
+            <a:noFill/>
+          </a:ln>
         </p:spPr>
         <p:txBody>
           <a:bodyPr lIns="0" rIns="0" tIns="0" bIns="0" anchor="ctr"/>
@@ -3415,6 +3052,33 @@
       </p:sp>
     </p:spTree>
   </p:cSld>
+  <p:timing>
+    <p:tnLst>
+      <p:par>
+        <p:cTn id="19" dur="indefinite" restart="never" nodeType="tmRoot">
+          <p:childTnLst>
+            <p:seq>
+              <p:cTn id="20" nodeType="mainSeq"/>
+              <p:prevCondLst>
+                <p:cond delay="0" evt="onPrev">
+                  <p:tgtEl>
+                    <p:sldTgt/>
+                  </p:tgtEl>
+                </p:cond>
+              </p:prevCondLst>
+              <p:nextCondLst>
+                <p:cond delay="0" evt="onNext">
+                  <p:tgtEl>
+                    <p:sldTgt/>
+                  </p:tgtEl>
+                </p:cond>
+              </p:nextCondLst>
+            </p:seq>
+          </p:childTnLst>
+        </p:cTn>
+      </p:par>
+    </p:tnLst>
+  </p:timing>
 </p:sld>
 </file>
 
@@ -3437,14 +3101,14 @@
       </p:grpSpPr>
       <p:sp>
         <p:nvSpPr>
-          <p:cNvPr id="226" name="TextShape 1"/>
+          <p:cNvPr id="225" name="TextShape 1"/>
           <p:cNvSpPr txBox="1"/>
           <p:nvPr/>
         </p:nvSpPr>
         <p:spPr>
           <a:xfrm>
-            <a:off x="457200" y="274680"/>
-            <a:ext cx="7467120" cy="1142640"/>
+            <a:off x="457200" y="273600"/>
+            <a:ext cx="8229240" cy="1144800"/>
           </a:xfrm>
           <a:prstGeom prst="rect">
             <a:avLst/>
@@ -3453,11 +3117,12 @@
         <p:txBody>
           <a:bodyPr lIns="0" rIns="0" tIns="0" bIns="0" anchor="ctr"/>
           <a:p>
-            <a:r>
-              <a:rPr lang="en-US" sz="4600">
+            <a:pPr algn="ctr"/>
+            <a:r>
+              <a:rPr lang="en-US" sz="4400">
                 <a:latin typeface="Arial"/>
               </a:rPr>
-              <a:t>MotD</a:t>
+              <a:t>Questions?</a:t>
             </a:r>
             <a:endParaRPr/>
           </a:p>
@@ -3465,7 +3130,7 @@
       </p:sp>
       <p:pic>
         <p:nvPicPr>
-          <p:cNvPr id="227" name="" descr=""/>
+          <p:cNvPr id="226" name="" descr=""/>
           <p:cNvPicPr/>
           <p:nvPr/>
         </p:nvPicPr>
@@ -3477,8 +3142,8 @@
         </p:blipFill>
         <p:spPr>
           <a:xfrm>
-            <a:off x="1674360" y="1719720"/>
-            <a:ext cx="5752800" cy="4314600"/>
+            <a:off x="2926080" y="2711160"/>
+            <a:ext cx="3076200" cy="2866680"/>
           </a:xfrm>
           <a:prstGeom prst="rect">
             <a:avLst/>
@@ -3493,10 +3158,116 @@
   <p:timing>
     <p:tnLst>
       <p:par>
-        <p:cTn id="19" dur="indefinite" restart="never" nodeType="tmRoot">
+        <p:cTn id="21" dur="indefinite" restart="never" nodeType="tmRoot">
           <p:childTnLst>
             <p:seq>
-              <p:cTn id="20" nodeType="mainSeq"/>
+              <p:cTn id="22" nodeType="mainSeq"/>
+              <p:prevCondLst>
+                <p:cond delay="0" evt="onPrev">
+                  <p:tgtEl>
+                    <p:sldTgt/>
+                  </p:tgtEl>
+                </p:cond>
+              </p:prevCondLst>
+              <p:nextCondLst>
+                <p:cond delay="0" evt="onNext">
+                  <p:tgtEl>
+                    <p:sldTgt/>
+                  </p:tgtEl>
+                </p:cond>
+              </p:nextCondLst>
+            </p:seq>
+          </p:childTnLst>
+        </p:cTn>
+      </p:par>
+    </p:tnLst>
+  </p:timing>
+</p:sld>
+</file>
+
+<file path=ppt/slides/slide12.xml><?xml version="1.0" encoding="utf-8"?>
+<p:sld xmlns:a="http://schemas.openxmlformats.org/drawingml/2006/main" xmlns:p="http://schemas.openxmlformats.org/presentationml/2006/main" xmlns:r="http://schemas.openxmlformats.org/officeDocument/2006/relationships">
+  <p:cSld>
+    <p:spTree>
+      <p:nvGrpSpPr>
+        <p:cNvPr id="1" name=""/>
+        <p:cNvGrpSpPr/>
+        <p:nvPr/>
+      </p:nvGrpSpPr>
+      <p:grpSpPr>
+        <a:xfrm>
+          <a:off x="0" y="0"/>
+          <a:ext cx="0" cy="0"/>
+          <a:chOff x="0" y="0"/>
+          <a:chExt cx="0" cy="0"/>
+        </a:xfrm>
+      </p:grpSpPr>
+      <p:sp>
+        <p:nvSpPr>
+          <p:cNvPr id="227" name="CustomShape 1"/>
+          <p:cNvSpPr/>
+          <p:nvPr/>
+        </p:nvSpPr>
+        <p:spPr>
+          <a:xfrm>
+            <a:off x="457200" y="274680"/>
+            <a:ext cx="7466760" cy="1142280"/>
+          </a:xfrm>
+          <a:prstGeom prst="rect">
+            <a:avLst/>
+          </a:prstGeom>
+          <a:noFill/>
+          <a:ln>
+            <a:noFill/>
+          </a:ln>
+        </p:spPr>
+        <p:txBody>
+          <a:bodyPr lIns="0" rIns="0" tIns="0" bIns="0" anchor="ctr"/>
+          <a:p>
+            <a:r>
+              <a:rPr lang="en-US" sz="4600">
+                <a:latin typeface="Arial"/>
+              </a:rPr>
+              <a:t>MotD</a:t>
+            </a:r>
+            <a:endParaRPr/>
+          </a:p>
+        </p:txBody>
+      </p:sp>
+      <p:pic>
+        <p:nvPicPr>
+          <p:cNvPr id="228" name="" descr=""/>
+          <p:cNvPicPr/>
+          <p:nvPr/>
+        </p:nvPicPr>
+        <p:blipFill>
+          <a:blip r:embed="rId1"/>
+          <a:stretch>
+            <a:fillRect/>
+          </a:stretch>
+        </p:blipFill>
+        <p:spPr>
+          <a:xfrm>
+            <a:off x="1674360" y="1719720"/>
+            <a:ext cx="5752440" cy="4314240"/>
+          </a:xfrm>
+          <a:prstGeom prst="rect">
+            <a:avLst/>
+          </a:prstGeom>
+          <a:ln>
+            <a:noFill/>
+          </a:ln>
+        </p:spPr>
+      </p:pic>
+    </p:spTree>
+  </p:cSld>
+  <p:timing>
+    <p:tnLst>
+      <p:par>
+        <p:cTn id="23" dur="indefinite" restart="never" nodeType="tmRoot">
+          <p:childTnLst>
+            <p:seq>
+              <p:cTn id="24" nodeType="mainSeq"/>
               <p:prevCondLst>
                 <p:cond delay="0" evt="onPrev">
                   <p:tgtEl>
@@ -3539,18 +3310,22 @@
       </p:grpSpPr>
       <p:sp>
         <p:nvSpPr>
-          <p:cNvPr id="86" name="TextShape 1"/>
-          <p:cNvSpPr txBox="1"/>
+          <p:cNvPr id="80" name="CustomShape 1"/>
+          <p:cNvSpPr/>
           <p:nvPr/>
         </p:nvSpPr>
         <p:spPr>
           <a:xfrm>
             <a:off x="457200" y="274680"/>
-            <a:ext cx="7467120" cy="1142640"/>
-          </a:xfrm>
-          <a:prstGeom prst="rect">
-            <a:avLst/>
-          </a:prstGeom>
+            <a:ext cx="7466760" cy="1142280"/>
+          </a:xfrm>
+          <a:prstGeom prst="rect">
+            <a:avLst/>
+          </a:prstGeom>
+          <a:noFill/>
+          <a:ln>
+            <a:noFill/>
+          </a:ln>
         </p:spPr>
         <p:txBody>
           <a:bodyPr lIns="45720" rIns="45720" tIns="45000" bIns="45000" anchor="ctr"/>
@@ -3567,26 +3342,30 @@
                 </a:solidFill>
                 <a:latin typeface="Franklin Gothic Book"/>
               </a:rPr>
-              <a:t>ELDERLY ASSET DISTRESS ALARM SYSTEM</a:t>
-            </a:r>
-            <a:endParaRPr/>
-          </a:p>
-        </p:txBody>
-      </p:sp>
-      <p:sp>
-        <p:nvSpPr>
-          <p:cNvPr id="87" name="TextShape 2"/>
-          <p:cNvSpPr txBox="1"/>
+              <a:t>Project Objectives</a:t>
+            </a:r>
+            <a:endParaRPr/>
+          </a:p>
+        </p:txBody>
+      </p:sp>
+      <p:sp>
+        <p:nvSpPr>
+          <p:cNvPr id="81" name="CustomShape 2"/>
+          <p:cNvSpPr/>
           <p:nvPr/>
         </p:nvSpPr>
         <p:spPr>
           <a:xfrm>
             <a:off x="457200" y="1600200"/>
-            <a:ext cx="7467120" cy="4525560"/>
-          </a:xfrm>
-          <a:prstGeom prst="rect">
-            <a:avLst/>
-          </a:prstGeom>
+            <a:ext cx="7466760" cy="4525200"/>
+          </a:xfrm>
+          <a:prstGeom prst="rect">
+            <a:avLst/>
+          </a:prstGeom>
+          <a:noFill/>
+          <a:ln>
+            <a:noFill/>
+          </a:ln>
         </p:spPr>
         <p:txBody>
           <a:bodyPr lIns="90000" rIns="90000" tIns="45000" bIns="45000"/>
@@ -3708,18 +3487,22 @@
       </p:grpSpPr>
       <p:sp>
         <p:nvSpPr>
-          <p:cNvPr id="88" name="TextShape 1"/>
-          <p:cNvSpPr txBox="1"/>
+          <p:cNvPr id="82" name="CustomShape 1"/>
+          <p:cNvSpPr/>
           <p:nvPr/>
         </p:nvSpPr>
         <p:spPr>
           <a:xfrm>
             <a:off x="457200" y="274680"/>
-            <a:ext cx="7467120" cy="1142640"/>
-          </a:xfrm>
-          <a:prstGeom prst="rect">
-            <a:avLst/>
-          </a:prstGeom>
+            <a:ext cx="7466760" cy="1142280"/>
+          </a:xfrm>
+          <a:prstGeom prst="rect">
+            <a:avLst/>
+          </a:prstGeom>
+          <a:noFill/>
+          <a:ln>
+            <a:noFill/>
+          </a:ln>
         </p:spPr>
         <p:txBody>
           <a:bodyPr lIns="45720" rIns="45720" tIns="45000" bIns="45000" anchor="ctr"/>
@@ -3736,22 +3519,22 @@
                 </a:solidFill>
                 <a:latin typeface="Franklin Gothic Book"/>
               </a:rPr>
-              <a:t>EADAS</a:t>
-            </a:r>
-            <a:endParaRPr/>
-          </a:p>
-        </p:txBody>
-      </p:sp>
-      <p:sp>
-        <p:nvSpPr>
-          <p:cNvPr id="89" name="CustomShape 2"/>
+              <a:t>Block diagram</a:t>
+            </a:r>
+            <a:endParaRPr/>
+          </a:p>
+        </p:txBody>
+      </p:sp>
+      <p:sp>
+        <p:nvSpPr>
+          <p:cNvPr id="83" name="CustomShape 2"/>
           <p:cNvSpPr/>
           <p:nvPr/>
         </p:nvSpPr>
         <p:spPr>
           <a:xfrm>
             <a:off x="3520440" y="1752480"/>
-            <a:ext cx="1495080" cy="1813680"/>
+            <a:ext cx="1494720" cy="1813320"/>
           </a:xfrm>
           <a:prstGeom prst="rect">
             <a:avLst/>
@@ -3767,7 +3550,7 @@
           </a:ln>
         </p:spPr>
         <p:txBody>
-          <a:bodyPr/>
+          <a:bodyPr lIns="90000" rIns="90000" tIns="45000" bIns="45000"/>
           <a:p>
             <a:pPr algn="ctr">
               <a:lnSpc>
@@ -3839,14 +3622,14 @@
       </p:sp>
       <p:sp>
         <p:nvSpPr>
-          <p:cNvPr id="90" name="CustomShape 3"/>
+          <p:cNvPr id="84" name="CustomShape 3"/>
           <p:cNvSpPr/>
           <p:nvPr/>
         </p:nvSpPr>
         <p:spPr>
           <a:xfrm>
             <a:off x="2930400" y="1920240"/>
-            <a:ext cx="590040" cy="360"/>
+            <a:ext cx="589680" cy="360"/>
           </a:xfrm>
           <a:prstGeom prst="straightConnector1">
             <a:avLst/>
@@ -3863,14 +3646,14 @@
       </p:sp>
       <p:sp>
         <p:nvSpPr>
-          <p:cNvPr id="91" name="CustomShape 4"/>
+          <p:cNvPr id="85" name="CustomShape 4"/>
           <p:cNvSpPr/>
           <p:nvPr/>
         </p:nvSpPr>
         <p:spPr>
           <a:xfrm>
             <a:off x="1463040" y="1737360"/>
-            <a:ext cx="1495080" cy="457200"/>
+            <a:ext cx="1494720" cy="456840"/>
           </a:xfrm>
           <a:prstGeom prst="rect">
             <a:avLst/>
@@ -3886,7 +3669,7 @@
           </a:ln>
         </p:spPr>
         <p:txBody>
-          <a:bodyPr/>
+          <a:bodyPr lIns="90000" rIns="90000" tIns="45000" bIns="45000"/>
           <a:p>
             <a:pPr algn="ctr">
               <a:lnSpc>
@@ -3908,14 +3691,14 @@
       </p:sp>
       <p:sp>
         <p:nvSpPr>
-          <p:cNvPr id="92" name="CustomShape 5"/>
+          <p:cNvPr id="86" name="CustomShape 5"/>
           <p:cNvSpPr/>
           <p:nvPr/>
         </p:nvSpPr>
         <p:spPr>
           <a:xfrm>
             <a:off x="1463040" y="2377440"/>
-            <a:ext cx="1495080" cy="457200"/>
+            <a:ext cx="1494720" cy="456840"/>
           </a:xfrm>
           <a:prstGeom prst="rect">
             <a:avLst/>
@@ -3931,7 +3714,7 @@
           </a:ln>
         </p:spPr>
         <p:txBody>
-          <a:bodyPr/>
+          <a:bodyPr lIns="90000" rIns="90000" tIns="45000" bIns="45000"/>
           <a:p>
             <a:pPr algn="ctr">
               <a:lnSpc>
@@ -3953,14 +3736,14 @@
       </p:sp>
       <p:sp>
         <p:nvSpPr>
-          <p:cNvPr id="93" name="CustomShape 6"/>
+          <p:cNvPr id="87" name="CustomShape 6"/>
           <p:cNvSpPr/>
           <p:nvPr/>
         </p:nvSpPr>
         <p:spPr>
           <a:xfrm>
             <a:off x="1463040" y="3017520"/>
-            <a:ext cx="1495080" cy="457200"/>
+            <a:ext cx="1494720" cy="456840"/>
           </a:xfrm>
           <a:prstGeom prst="rect">
             <a:avLst/>
@@ -3976,7 +3759,7 @@
           </a:ln>
         </p:spPr>
         <p:txBody>
-          <a:bodyPr/>
+          <a:bodyPr lIns="90000" rIns="90000" tIns="45000" bIns="45000"/>
           <a:p>
             <a:pPr algn="ctr">
               <a:lnSpc>
@@ -3998,14 +3781,14 @@
       </p:sp>
       <p:sp>
         <p:nvSpPr>
-          <p:cNvPr id="94" name="CustomShape 7"/>
+          <p:cNvPr id="88" name="CustomShape 7"/>
           <p:cNvSpPr/>
           <p:nvPr/>
         </p:nvSpPr>
         <p:spPr>
           <a:xfrm>
             <a:off x="2926080" y="2560320"/>
-            <a:ext cx="590040" cy="360"/>
+            <a:ext cx="589680" cy="360"/>
           </a:xfrm>
           <a:prstGeom prst="straightConnector1">
             <a:avLst/>
@@ -4022,14 +3805,14 @@
       </p:sp>
       <p:sp>
         <p:nvSpPr>
-          <p:cNvPr id="95" name="CustomShape 8"/>
+          <p:cNvPr id="89" name="CustomShape 8"/>
           <p:cNvSpPr/>
           <p:nvPr/>
         </p:nvSpPr>
         <p:spPr>
           <a:xfrm>
             <a:off x="2926080" y="3200400"/>
-            <a:ext cx="590040" cy="360"/>
+            <a:ext cx="589680" cy="360"/>
           </a:xfrm>
           <a:prstGeom prst="straightConnector1">
             <a:avLst/>
@@ -4046,14 +3829,14 @@
       </p:sp>
       <p:sp>
         <p:nvSpPr>
-          <p:cNvPr id="96" name="CustomShape 9"/>
+          <p:cNvPr id="90" name="CustomShape 9"/>
           <p:cNvSpPr/>
           <p:nvPr/>
         </p:nvSpPr>
         <p:spPr>
           <a:xfrm>
             <a:off x="5747040" y="2377440"/>
-            <a:ext cx="1495080" cy="548640"/>
+            <a:ext cx="1494720" cy="548280"/>
           </a:xfrm>
           <a:prstGeom prst="rect">
             <a:avLst/>
@@ -4069,7 +3852,7 @@
           </a:ln>
         </p:spPr>
         <p:txBody>
-          <a:bodyPr/>
+          <a:bodyPr lIns="90000" rIns="90000" tIns="45000" bIns="45000"/>
           <a:p>
             <a:pPr algn="ctr">
               <a:lnSpc>
@@ -4091,14 +3874,14 @@
       </p:sp>
       <p:sp>
         <p:nvSpPr>
-          <p:cNvPr id="97" name="CustomShape 10"/>
+          <p:cNvPr id="91" name="CustomShape 10"/>
           <p:cNvSpPr/>
           <p:nvPr/>
         </p:nvSpPr>
         <p:spPr>
           <a:xfrm>
             <a:off x="5747040" y="1737360"/>
-            <a:ext cx="1495080" cy="548640"/>
+            <a:ext cx="1494720" cy="548280"/>
           </a:xfrm>
           <a:prstGeom prst="rect">
             <a:avLst/>
@@ -4114,7 +3897,7 @@
           </a:ln>
         </p:spPr>
         <p:txBody>
-          <a:bodyPr/>
+          <a:bodyPr lIns="90000" rIns="90000" tIns="45000" bIns="45000"/>
           <a:p>
             <a:pPr algn="ctr">
               <a:lnSpc>
@@ -4136,14 +3919,14 @@
       </p:sp>
       <p:sp>
         <p:nvSpPr>
-          <p:cNvPr id="98" name="CustomShape 11"/>
+          <p:cNvPr id="92" name="CustomShape 11"/>
           <p:cNvSpPr/>
           <p:nvPr/>
         </p:nvSpPr>
         <p:spPr>
           <a:xfrm>
             <a:off x="5015520" y="2011680"/>
-            <a:ext cx="731520" cy="360"/>
+            <a:ext cx="731160" cy="360"/>
           </a:xfrm>
           <a:prstGeom prst="straightConnector1">
             <a:avLst/>
@@ -4160,14 +3943,14 @@
       </p:sp>
       <p:sp>
         <p:nvSpPr>
-          <p:cNvPr id="99" name="CustomShape 12"/>
+          <p:cNvPr id="93" name="CustomShape 12"/>
           <p:cNvSpPr/>
           <p:nvPr/>
         </p:nvSpPr>
         <p:spPr>
           <a:xfrm>
             <a:off x="5015520" y="2651400"/>
-            <a:ext cx="731520" cy="360"/>
+            <a:ext cx="731160" cy="360"/>
           </a:xfrm>
           <a:prstGeom prst="straightConnector1">
             <a:avLst/>
@@ -4184,14 +3967,14 @@
       </p:sp>
       <p:sp>
         <p:nvSpPr>
-          <p:cNvPr id="100" name="CustomShape 13"/>
+          <p:cNvPr id="94" name="CustomShape 13"/>
           <p:cNvSpPr/>
           <p:nvPr/>
         </p:nvSpPr>
         <p:spPr>
           <a:xfrm>
             <a:off x="3534120" y="4114800"/>
-            <a:ext cx="1495080" cy="457200"/>
+            <a:ext cx="1494720" cy="456840"/>
           </a:xfrm>
           <a:prstGeom prst="rect">
             <a:avLst/>
@@ -4207,7 +3990,7 @@
           </a:ln>
         </p:spPr>
         <p:txBody>
-          <a:bodyPr/>
+          <a:bodyPr lIns="90000" rIns="90000" tIns="45000" bIns="45000"/>
           <a:p>
             <a:pPr algn="ctr">
               <a:lnSpc>
@@ -4229,14 +4012,14 @@
       </p:sp>
       <p:sp>
         <p:nvSpPr>
-          <p:cNvPr id="101" name="CustomShape 14"/>
+          <p:cNvPr id="95" name="CustomShape 14"/>
           <p:cNvSpPr/>
           <p:nvPr/>
         </p:nvSpPr>
         <p:spPr>
           <a:xfrm flipV="1">
             <a:off x="4206240" y="3565440"/>
-            <a:ext cx="360" cy="548280"/>
+            <a:ext cx="360" cy="547920"/>
           </a:xfrm>
           <a:prstGeom prst="straightConnector1">
             <a:avLst/>
@@ -4253,14 +4036,14 @@
       </p:sp>
       <p:sp>
         <p:nvSpPr>
-          <p:cNvPr id="102" name="CustomShape 15"/>
+          <p:cNvPr id="96" name="CustomShape 15"/>
           <p:cNvSpPr/>
           <p:nvPr/>
         </p:nvSpPr>
         <p:spPr>
           <a:xfrm>
             <a:off x="5715000" y="3474720"/>
-            <a:ext cx="1495080" cy="548640"/>
+            <a:ext cx="1494720" cy="548280"/>
           </a:xfrm>
           <a:prstGeom prst="rect">
             <a:avLst/>
@@ -4276,7 +4059,7 @@
           </a:ln>
         </p:spPr>
         <p:txBody>
-          <a:bodyPr/>
+          <a:bodyPr lIns="90000" rIns="90000" tIns="45000" bIns="45000"/>
           <a:p>
             <a:pPr algn="ctr">
               <a:lnSpc>
@@ -4298,14 +4081,14 @@
       </p:sp>
       <p:sp>
         <p:nvSpPr>
-          <p:cNvPr id="103" name="CustomShape 16"/>
+          <p:cNvPr id="97" name="CustomShape 16"/>
           <p:cNvSpPr/>
           <p:nvPr/>
         </p:nvSpPr>
         <p:spPr>
           <a:xfrm flipV="1">
             <a:off x="6478560" y="2926080"/>
-            <a:ext cx="360" cy="548280"/>
+            <a:ext cx="360" cy="547920"/>
           </a:xfrm>
           <a:prstGeom prst="straightConnector1">
             <a:avLst/>
@@ -4322,14 +4105,14 @@
       </p:sp>
       <p:sp>
         <p:nvSpPr>
-          <p:cNvPr id="104" name="CustomShape 17"/>
+          <p:cNvPr id="98" name="CustomShape 17"/>
           <p:cNvSpPr/>
           <p:nvPr/>
         </p:nvSpPr>
         <p:spPr>
           <a:xfrm>
             <a:off x="425160" y="5029200"/>
-            <a:ext cx="7713000" cy="457200"/>
+            <a:ext cx="7712640" cy="456840"/>
           </a:xfrm>
           <a:prstGeom prst="rect">
             <a:avLst/>
@@ -4345,7 +4128,7 @@
           </a:ln>
         </p:spPr>
         <p:txBody>
-          <a:bodyPr/>
+          <a:bodyPr lIns="90000" rIns="90000" tIns="45000" bIns="45000"/>
           <a:p>
             <a:pPr>
               <a:lnSpc>
@@ -4367,14 +4150,14 @@
       </p:sp>
       <p:sp>
         <p:nvSpPr>
-          <p:cNvPr id="105" name="CustomShape 18"/>
+          <p:cNvPr id="99" name="CustomShape 18"/>
           <p:cNvSpPr/>
           <p:nvPr/>
         </p:nvSpPr>
         <p:spPr>
           <a:xfrm>
             <a:off x="1005840" y="5029200"/>
-            <a:ext cx="1495080" cy="457200"/>
+            <a:ext cx="1494720" cy="456840"/>
           </a:xfrm>
           <a:prstGeom prst="rect">
             <a:avLst/>
@@ -4390,7 +4173,7 @@
           </a:ln>
         </p:spPr>
         <p:txBody>
-          <a:bodyPr/>
+          <a:bodyPr lIns="90000" rIns="90000" tIns="45000" bIns="45000"/>
           <a:p>
             <a:pPr algn="ctr">
               <a:lnSpc>
@@ -4412,14 +4195,14 @@
       </p:sp>
       <p:sp>
         <p:nvSpPr>
-          <p:cNvPr id="106" name="CustomShape 19"/>
+          <p:cNvPr id="100" name="CustomShape 19"/>
           <p:cNvSpPr/>
           <p:nvPr/>
         </p:nvSpPr>
         <p:spPr>
           <a:xfrm>
             <a:off x="2802600" y="5029200"/>
-            <a:ext cx="1495080" cy="444240"/>
+            <a:ext cx="1494720" cy="443880"/>
           </a:xfrm>
           <a:prstGeom prst="rect">
             <a:avLst/>
@@ -4435,7 +4218,7 @@
           </a:ln>
         </p:spPr>
         <p:txBody>
-          <a:bodyPr/>
+          <a:bodyPr lIns="90000" rIns="90000" tIns="45000" bIns="45000"/>
           <a:p>
             <a:pPr algn="ctr">
               <a:lnSpc>
@@ -4457,14 +4240,14 @@
       </p:sp>
       <p:sp>
         <p:nvSpPr>
-          <p:cNvPr id="107" name="CustomShape 20"/>
+          <p:cNvPr id="101" name="CustomShape 20"/>
           <p:cNvSpPr/>
           <p:nvPr/>
         </p:nvSpPr>
         <p:spPr>
           <a:xfrm>
             <a:off x="4572000" y="5029200"/>
-            <a:ext cx="1495080" cy="457200"/>
+            <a:ext cx="1494720" cy="456840"/>
           </a:xfrm>
           <a:prstGeom prst="rect">
             <a:avLst/>
@@ -4480,7 +4263,7 @@
           </a:ln>
         </p:spPr>
         <p:txBody>
-          <a:bodyPr/>
+          <a:bodyPr lIns="90000" rIns="90000" tIns="45000" bIns="45000"/>
           <a:p>
             <a:pPr algn="ctr">
               <a:lnSpc>
@@ -4502,14 +4285,14 @@
       </p:sp>
       <p:sp>
         <p:nvSpPr>
-          <p:cNvPr id="108" name="CustomShape 21"/>
+          <p:cNvPr id="102" name="CustomShape 21"/>
           <p:cNvSpPr/>
           <p:nvPr/>
         </p:nvSpPr>
         <p:spPr>
           <a:xfrm>
             <a:off x="6368760" y="5029200"/>
-            <a:ext cx="1495080" cy="457200"/>
+            <a:ext cx="1494720" cy="456840"/>
           </a:xfrm>
           <a:prstGeom prst="rect">
             <a:avLst/>
@@ -4525,7 +4308,7 @@
           </a:ln>
         </p:spPr>
         <p:txBody>
-          <a:bodyPr/>
+          <a:bodyPr lIns="90000" rIns="90000" tIns="45000" bIns="45000"/>
           <a:p>
             <a:pPr algn="ctr">
               <a:lnSpc>
@@ -4594,37 +4377,9 @@
           <a:chExt cx="0" cy="0"/>
         </a:xfrm>
       </p:grpSpPr>
-      <p:sp>
-        <p:nvSpPr>
-          <p:cNvPr id="109" name="TextShape 1"/>
-          <p:cNvSpPr txBox="1"/>
-          <p:nvPr/>
-        </p:nvSpPr>
-        <p:spPr>
-          <a:xfrm>
-            <a:off x="457200" y="274680"/>
-            <a:ext cx="7040880" cy="1142640"/>
-          </a:xfrm>
-          <a:prstGeom prst="rect">
-            <a:avLst/>
-          </a:prstGeom>
-        </p:spPr>
-        <p:txBody>
-          <a:bodyPr lIns="0" rIns="0" tIns="0" bIns="0" anchor="ctr"/>
-          <a:p>
-            <a:r>
-              <a:rPr lang="en-US" sz="4600">
-                <a:latin typeface="Arial"/>
-              </a:rPr>
-              <a:t>Project Time-line</a:t>
-            </a:r>
-            <a:endParaRPr/>
-          </a:p>
-        </p:txBody>
-      </p:sp>
       <p:pic>
         <p:nvPicPr>
-          <p:cNvPr id="110" name="" descr=""/>
+          <p:cNvPr id="103" name="" descr=""/>
           <p:cNvPicPr/>
           <p:nvPr/>
         </p:nvPicPr>
@@ -4636,8 +4391,8 @@
         </p:blipFill>
         <p:spPr>
           <a:xfrm>
-            <a:off x="2651040" y="2667960"/>
-            <a:ext cx="3876480" cy="1552320"/>
+            <a:off x="640080" y="1737360"/>
+            <a:ext cx="7948080" cy="4754880"/>
           </a:xfrm>
           <a:prstGeom prst="rect">
             <a:avLst/>
@@ -4647,6 +4402,34 @@
           </a:ln>
         </p:spPr>
       </p:pic>
+      <p:sp>
+        <p:nvSpPr>
+          <p:cNvPr id="104" name="TextShape 1"/>
+          <p:cNvSpPr txBox="1"/>
+          <p:nvPr/>
+        </p:nvSpPr>
+        <p:spPr>
+          <a:xfrm>
+            <a:off x="457200" y="273600"/>
+            <a:ext cx="8229240" cy="1144800"/>
+          </a:xfrm>
+          <a:prstGeom prst="rect">
+            <a:avLst/>
+          </a:prstGeom>
+        </p:spPr>
+        <p:txBody>
+          <a:bodyPr lIns="0" rIns="0" tIns="0" bIns="0" anchor="ctr"/>
+          <a:p>
+            <a:r>
+              <a:rPr lang="en-US" sz="4400">
+                <a:latin typeface="Arial"/>
+              </a:rPr>
+              <a:t>Box &amp; Lid</a:t>
+            </a:r>
+            <a:endParaRPr/>
+          </a:p>
+        </p:txBody>
+      </p:sp>
     </p:spTree>
   </p:cSld>
   <p:timing>
@@ -4698,18 +4481,22 @@
       </p:grpSpPr>
       <p:sp>
         <p:nvSpPr>
-          <p:cNvPr id="111" name="TextShape 1"/>
-          <p:cNvSpPr txBox="1"/>
+          <p:cNvPr id="105" name="CustomShape 1"/>
+          <p:cNvSpPr/>
           <p:nvPr/>
         </p:nvSpPr>
         <p:spPr>
           <a:xfrm>
             <a:off x="457200" y="274680"/>
-            <a:ext cx="7467120" cy="1142640"/>
-          </a:xfrm>
-          <a:prstGeom prst="rect">
-            <a:avLst/>
-          </a:prstGeom>
+            <a:ext cx="7040520" cy="1142280"/>
+          </a:xfrm>
+          <a:prstGeom prst="rect">
+            <a:avLst/>
+          </a:prstGeom>
+          <a:noFill/>
+          <a:ln>
+            <a:noFill/>
+          </a:ln>
         </p:spPr>
         <p:txBody>
           <a:bodyPr lIns="0" rIns="0" tIns="0" bIns="0" anchor="ctr"/>
@@ -4724,40 +4511,31 @@
           </a:p>
         </p:txBody>
       </p:sp>
-      <p:sp>
-        <p:nvSpPr>
-          <p:cNvPr id="112" name="TextShape 2"/>
-          <p:cNvSpPr txBox="1"/>
-          <p:nvPr/>
-        </p:nvSpPr>
-        <p:spPr>
-          <a:xfrm>
-            <a:off x="2468880" y="2834640"/>
-            <a:ext cx="4389120" cy="1097280"/>
-          </a:xfrm>
-          <a:prstGeom prst="rect">
-            <a:avLst/>
-          </a:prstGeom>
-        </p:spPr>
-        <p:txBody>
-          <a:bodyPr lIns="90000" rIns="90000" tIns="45000" bIns="45000"/>
-          <a:p>
-            <a:r>
-              <a:rPr lang="en-US" sz="2400">
-                <a:latin typeface="Arial"/>
-              </a:rPr>
-              <a:t>… </a:t>
-            </a:r>
-            <a:r>
-              <a:rPr lang="en-US" sz="2400">
-                <a:latin typeface="Arial"/>
-              </a:rPr>
-              <a:t>Kidding</a:t>
-            </a:r>
-            <a:endParaRPr/>
-          </a:p>
-        </p:txBody>
-      </p:sp>
+      <p:pic>
+        <p:nvPicPr>
+          <p:cNvPr id="106" name="" descr=""/>
+          <p:cNvPicPr/>
+          <p:nvPr/>
+        </p:nvPicPr>
+        <p:blipFill>
+          <a:blip r:embed="rId1"/>
+          <a:stretch>
+            <a:fillRect/>
+          </a:stretch>
+        </p:blipFill>
+        <p:spPr>
+          <a:xfrm>
+            <a:off x="2651040" y="2667960"/>
+            <a:ext cx="3658320" cy="1446840"/>
+          </a:xfrm>
+          <a:prstGeom prst="rect">
+            <a:avLst/>
+          </a:prstGeom>
+          <a:ln>
+            <a:noFill/>
+          </a:ln>
+        </p:spPr>
+      </p:pic>
     </p:spTree>
   </p:cSld>
   <p:timing>
@@ -4809,18 +4587,22 @@
       </p:grpSpPr>
       <p:sp>
         <p:nvSpPr>
-          <p:cNvPr id="113" name="TextShape 1"/>
-          <p:cNvSpPr txBox="1"/>
+          <p:cNvPr id="107" name="CustomShape 1"/>
+          <p:cNvSpPr/>
           <p:nvPr/>
         </p:nvSpPr>
         <p:spPr>
           <a:xfrm>
             <a:off x="457200" y="274680"/>
-            <a:ext cx="7467120" cy="1142640"/>
-          </a:xfrm>
-          <a:prstGeom prst="rect">
-            <a:avLst/>
-          </a:prstGeom>
+            <a:ext cx="7466760" cy="1142280"/>
+          </a:xfrm>
+          <a:prstGeom prst="rect">
+            <a:avLst/>
+          </a:prstGeom>
+          <a:noFill/>
+          <a:ln>
+            <a:noFill/>
+          </a:ln>
         </p:spPr>
         <p:txBody>
           <a:bodyPr lIns="0" rIns="0" tIns="0" bIns="0" anchor="ctr"/>
@@ -4837,18 +4619,22 @@
       </p:sp>
       <p:sp>
         <p:nvSpPr>
-          <p:cNvPr id="114" name="TextShape 2"/>
-          <p:cNvSpPr txBox="1"/>
+          <p:cNvPr id="108" name="CustomShape 2"/>
+          <p:cNvSpPr/>
           <p:nvPr/>
         </p:nvSpPr>
         <p:spPr>
           <a:xfrm rot="18900000">
-            <a:off x="7574760" y="5939640"/>
-            <a:ext cx="1033560" cy="296280"/>
-          </a:xfrm>
-          <a:prstGeom prst="rect">
-            <a:avLst/>
-          </a:prstGeom>
+            <a:off x="7574400" y="5939640"/>
+            <a:ext cx="1033200" cy="295920"/>
+          </a:xfrm>
+          <a:prstGeom prst="rect">
+            <a:avLst/>
+          </a:prstGeom>
+          <a:noFill/>
+          <a:ln>
+            <a:noFill/>
+          </a:ln>
         </p:spPr>
         <p:txBody>
           <a:bodyPr lIns="90000" rIns="90000" tIns="45000" bIns="45000"/>
@@ -4865,7 +4651,7 @@
       </p:sp>
       <p:sp>
         <p:nvSpPr>
-          <p:cNvPr id="115" name="Line 3"/>
+          <p:cNvPr id="109" name="Line 3"/>
           <p:cNvSpPr/>
           <p:nvPr/>
         </p:nvSpPr>
@@ -4886,7 +4672,7 @@
       </p:sp>
       <p:sp>
         <p:nvSpPr>
-          <p:cNvPr id="116" name="Line 4"/>
+          <p:cNvPr id="110" name="Line 4"/>
           <p:cNvSpPr/>
           <p:nvPr/>
         </p:nvSpPr>
@@ -4908,18 +4694,22 @@
       </p:sp>
       <p:sp>
         <p:nvSpPr>
-          <p:cNvPr id="117" name="TextShape 5"/>
-          <p:cNvSpPr txBox="1"/>
+          <p:cNvPr id="111" name="CustomShape 5"/>
+          <p:cNvSpPr/>
           <p:nvPr/>
         </p:nvSpPr>
         <p:spPr>
           <a:xfrm rot="18900000">
-            <a:off x="6984360" y="5939640"/>
-            <a:ext cx="1033560" cy="296280"/>
-          </a:xfrm>
-          <a:prstGeom prst="rect">
-            <a:avLst/>
-          </a:prstGeom>
+            <a:off x="6984000" y="5939640"/>
+            <a:ext cx="1033200" cy="295920"/>
+          </a:xfrm>
+          <a:prstGeom prst="rect">
+            <a:avLst/>
+          </a:prstGeom>
+          <a:noFill/>
+          <a:ln>
+            <a:noFill/>
+          </a:ln>
         </p:spPr>
         <p:txBody>
           <a:bodyPr lIns="90000" rIns="90000" tIns="45000" bIns="45000"/>
@@ -4936,7 +4726,7 @@
       </p:sp>
       <p:sp>
         <p:nvSpPr>
-          <p:cNvPr id="118" name="Line 6"/>
+          <p:cNvPr id="112" name="Line 6"/>
           <p:cNvSpPr/>
           <p:nvPr/>
         </p:nvSpPr>
@@ -4957,7 +4747,7 @@
       </p:sp>
       <p:sp>
         <p:nvSpPr>
-          <p:cNvPr id="119" name="Line 7"/>
+          <p:cNvPr id="113" name="Line 7"/>
           <p:cNvSpPr/>
           <p:nvPr/>
         </p:nvSpPr>
@@ -4979,18 +4769,22 @@
       </p:sp>
       <p:sp>
         <p:nvSpPr>
-          <p:cNvPr id="120" name="TextShape 8"/>
-          <p:cNvSpPr txBox="1"/>
+          <p:cNvPr id="114" name="CustomShape 8"/>
+          <p:cNvSpPr/>
           <p:nvPr/>
         </p:nvSpPr>
         <p:spPr>
           <a:xfrm rot="18900000">
-            <a:off x="6359760" y="5962680"/>
-            <a:ext cx="1199880" cy="296280"/>
-          </a:xfrm>
-          <a:prstGeom prst="rect">
-            <a:avLst/>
-          </a:prstGeom>
+            <a:off x="6359400" y="5962680"/>
+            <a:ext cx="1199520" cy="295920"/>
+          </a:xfrm>
+          <a:prstGeom prst="rect">
+            <a:avLst/>
+          </a:prstGeom>
+          <a:noFill/>
+          <a:ln>
+            <a:noFill/>
+          </a:ln>
         </p:spPr>
         <p:txBody>
           <a:bodyPr lIns="90000" rIns="90000" tIns="45000" bIns="45000"/>
@@ -5007,7 +4801,7 @@
       </p:sp>
       <p:sp>
         <p:nvSpPr>
-          <p:cNvPr id="121" name="Line 9"/>
+          <p:cNvPr id="115" name="Line 9"/>
           <p:cNvSpPr/>
           <p:nvPr/>
         </p:nvSpPr>
@@ -5028,7 +4822,7 @@
       </p:sp>
       <p:sp>
         <p:nvSpPr>
-          <p:cNvPr id="122" name="Line 10"/>
+          <p:cNvPr id="116" name="Line 10"/>
           <p:cNvSpPr/>
           <p:nvPr/>
         </p:nvSpPr>
@@ -5050,7 +4844,7 @@
       </p:sp>
       <p:sp>
         <p:nvSpPr>
-          <p:cNvPr id="123" name="Line 11"/>
+          <p:cNvPr id="117" name="Line 11"/>
           <p:cNvSpPr/>
           <p:nvPr/>
         </p:nvSpPr>
@@ -5072,18 +4866,22 @@
       </p:sp>
       <p:sp>
         <p:nvSpPr>
-          <p:cNvPr id="124" name="TextShape 12"/>
-          <p:cNvSpPr txBox="1"/>
+          <p:cNvPr id="118" name="CustomShape 12"/>
+          <p:cNvSpPr/>
           <p:nvPr/>
         </p:nvSpPr>
         <p:spPr>
           <a:xfrm>
             <a:off x="8376480" y="4190400"/>
-            <a:ext cx="914400" cy="290160"/>
-          </a:xfrm>
-          <a:prstGeom prst="rect">
-            <a:avLst/>
-          </a:prstGeom>
+            <a:ext cx="914040" cy="289800"/>
+          </a:xfrm>
+          <a:prstGeom prst="rect">
+            <a:avLst/>
+          </a:prstGeom>
+          <a:noFill/>
+          <a:ln>
+            <a:noFill/>
+          </a:ln>
         </p:spPr>
         <p:txBody>
           <a:bodyPr lIns="90000" rIns="90000" tIns="45000" bIns="45000"/>
@@ -5103,40 +4901,22 @@
       </p:sp>
       <p:sp>
         <p:nvSpPr>
-          <p:cNvPr id="125" name="Line 13"/>
-          <p:cNvSpPr/>
-          <p:nvPr/>
-        </p:nvSpPr>
-        <p:spPr>
-          <a:xfrm>
-            <a:off x="8121600" y="3955680"/>
-            <a:ext cx="0" cy="763560"/>
-          </a:xfrm>
-          <a:prstGeom prst="line">
-            <a:avLst/>
-          </a:prstGeom>
-          <a:ln>
-            <a:solidFill>
-              <a:srgbClr val="ffffff"/>
-            </a:solidFill>
-            <a:tailEnd len="med" type="diamond" w="med"/>
-          </a:ln>
-        </p:spPr>
-      </p:sp>
-      <p:sp>
-        <p:nvSpPr>
-          <p:cNvPr id="126" name="TextShape 14"/>
-          <p:cNvSpPr txBox="1"/>
+          <p:cNvPr id="119" name="CustomShape 13"/>
+          <p:cNvSpPr/>
           <p:nvPr/>
         </p:nvSpPr>
         <p:spPr>
           <a:xfrm>
             <a:off x="7370640" y="3657600"/>
-            <a:ext cx="1920240" cy="489960"/>
-          </a:xfrm>
-          <a:prstGeom prst="rect">
-            <a:avLst/>
-          </a:prstGeom>
+            <a:ext cx="1919880" cy="489600"/>
+          </a:xfrm>
+          <a:prstGeom prst="rect">
+            <a:avLst/>
+          </a:prstGeom>
+          <a:noFill/>
+          <a:ln>
+            <a:noFill/>
+          </a:ln>
         </p:spPr>
         <p:txBody>
           <a:bodyPr lIns="90000" rIns="90000" tIns="45000" bIns="45000"/>
@@ -5153,18 +4933,22 @@
       </p:sp>
       <p:sp>
         <p:nvSpPr>
-          <p:cNvPr id="127" name="TextShape 15"/>
-          <p:cNvSpPr txBox="1"/>
+          <p:cNvPr id="120" name="CustomShape 14"/>
+          <p:cNvSpPr/>
           <p:nvPr/>
         </p:nvSpPr>
         <p:spPr>
           <a:xfrm rot="18900000">
-            <a:off x="5805360" y="5963040"/>
-            <a:ext cx="1199880" cy="296280"/>
-          </a:xfrm>
-          <a:prstGeom prst="rect">
-            <a:avLst/>
-          </a:prstGeom>
+            <a:off x="5805000" y="5963040"/>
+            <a:ext cx="1199520" cy="295920"/>
+          </a:xfrm>
+          <a:prstGeom prst="rect">
+            <a:avLst/>
+          </a:prstGeom>
+          <a:noFill/>
+          <a:ln>
+            <a:noFill/>
+          </a:ln>
         </p:spPr>
         <p:txBody>
           <a:bodyPr lIns="90000" rIns="90000" tIns="45000" bIns="45000"/>
@@ -5181,7 +4965,7 @@
       </p:sp>
       <p:sp>
         <p:nvSpPr>
-          <p:cNvPr id="128" name="Line 16"/>
+          <p:cNvPr id="121" name="Line 15"/>
           <p:cNvSpPr/>
           <p:nvPr/>
         </p:nvSpPr>
@@ -5202,7 +4986,7 @@
       </p:sp>
       <p:sp>
         <p:nvSpPr>
-          <p:cNvPr id="129" name="Line 17"/>
+          <p:cNvPr id="122" name="Line 16"/>
           <p:cNvSpPr/>
           <p:nvPr/>
         </p:nvSpPr>
@@ -5224,18 +5008,22 @@
       </p:sp>
       <p:sp>
         <p:nvSpPr>
-          <p:cNvPr id="130" name="TextShape 18"/>
-          <p:cNvSpPr txBox="1"/>
+          <p:cNvPr id="123" name="CustomShape 17"/>
+          <p:cNvSpPr/>
           <p:nvPr/>
         </p:nvSpPr>
         <p:spPr>
           <a:xfrm rot="18900000">
-            <a:off x="5265360" y="5963040"/>
-            <a:ext cx="1199880" cy="296280"/>
-          </a:xfrm>
-          <a:prstGeom prst="rect">
-            <a:avLst/>
-          </a:prstGeom>
+            <a:off x="5265000" y="5963040"/>
+            <a:ext cx="1199520" cy="295920"/>
+          </a:xfrm>
+          <a:prstGeom prst="rect">
+            <a:avLst/>
+          </a:prstGeom>
+          <a:noFill/>
+          <a:ln>
+            <a:noFill/>
+          </a:ln>
         </p:spPr>
         <p:txBody>
           <a:bodyPr lIns="90000" rIns="90000" tIns="45000" bIns="45000"/>
@@ -5252,7 +5040,7 @@
       </p:sp>
       <p:sp>
         <p:nvSpPr>
-          <p:cNvPr id="131" name="Line 19"/>
+          <p:cNvPr id="124" name="Line 18"/>
           <p:cNvSpPr/>
           <p:nvPr/>
         </p:nvSpPr>
@@ -5273,7 +5061,7 @@
       </p:sp>
       <p:sp>
         <p:nvSpPr>
-          <p:cNvPr id="132" name="Line 20"/>
+          <p:cNvPr id="125" name="Line 19"/>
           <p:cNvSpPr/>
           <p:nvPr/>
         </p:nvSpPr>
@@ -5295,18 +5083,22 @@
       </p:sp>
       <p:sp>
         <p:nvSpPr>
-          <p:cNvPr id="133" name="TextShape 21"/>
-          <p:cNvSpPr txBox="1"/>
+          <p:cNvPr id="126" name="CustomShape 20"/>
+          <p:cNvSpPr/>
           <p:nvPr/>
         </p:nvSpPr>
         <p:spPr>
           <a:xfrm rot="18900000">
-            <a:off x="4725360" y="5963040"/>
-            <a:ext cx="1199880" cy="296280"/>
-          </a:xfrm>
-          <a:prstGeom prst="rect">
-            <a:avLst/>
-          </a:prstGeom>
+            <a:off x="4725000" y="5963040"/>
+            <a:ext cx="1199520" cy="295920"/>
+          </a:xfrm>
+          <a:prstGeom prst="rect">
+            <a:avLst/>
+          </a:prstGeom>
+          <a:noFill/>
+          <a:ln>
+            <a:noFill/>
+          </a:ln>
         </p:spPr>
         <p:txBody>
           <a:bodyPr lIns="90000" rIns="90000" tIns="45000" bIns="45000"/>
@@ -5323,7 +5115,7 @@
       </p:sp>
       <p:sp>
         <p:nvSpPr>
-          <p:cNvPr id="134" name="Line 22"/>
+          <p:cNvPr id="127" name="Line 21"/>
           <p:cNvSpPr/>
           <p:nvPr/>
         </p:nvSpPr>
@@ -5344,7 +5136,7 @@
       </p:sp>
       <p:sp>
         <p:nvSpPr>
-          <p:cNvPr id="135" name="Line 23"/>
+          <p:cNvPr id="128" name="Line 22"/>
           <p:cNvSpPr/>
           <p:nvPr/>
         </p:nvSpPr>
@@ -5366,18 +5158,22 @@
       </p:sp>
       <p:sp>
         <p:nvSpPr>
-          <p:cNvPr id="136" name="TextShape 24"/>
-          <p:cNvSpPr txBox="1"/>
+          <p:cNvPr id="129" name="CustomShape 23"/>
+          <p:cNvSpPr/>
           <p:nvPr/>
         </p:nvSpPr>
         <p:spPr>
           <a:xfrm rot="18900000">
-            <a:off x="4185360" y="5963040"/>
-            <a:ext cx="1199880" cy="296280"/>
-          </a:xfrm>
-          <a:prstGeom prst="rect">
-            <a:avLst/>
-          </a:prstGeom>
+            <a:off x="4185000" y="5963040"/>
+            <a:ext cx="1199520" cy="295920"/>
+          </a:xfrm>
+          <a:prstGeom prst="rect">
+            <a:avLst/>
+          </a:prstGeom>
+          <a:noFill/>
+          <a:ln>
+            <a:noFill/>
+          </a:ln>
         </p:spPr>
         <p:txBody>
           <a:bodyPr lIns="90000" rIns="90000" tIns="45000" bIns="45000"/>
@@ -5394,7 +5190,7 @@
       </p:sp>
       <p:sp>
         <p:nvSpPr>
-          <p:cNvPr id="137" name="Line 25"/>
+          <p:cNvPr id="130" name="Line 24"/>
           <p:cNvSpPr/>
           <p:nvPr/>
         </p:nvSpPr>
@@ -5415,7 +5211,7 @@
       </p:sp>
       <p:sp>
         <p:nvSpPr>
-          <p:cNvPr id="138" name="Line 26"/>
+          <p:cNvPr id="131" name="Line 25"/>
           <p:cNvSpPr/>
           <p:nvPr/>
         </p:nvSpPr>
@@ -5437,18 +5233,22 @@
       </p:sp>
       <p:sp>
         <p:nvSpPr>
-          <p:cNvPr id="139" name="TextShape 27"/>
-          <p:cNvSpPr txBox="1"/>
+          <p:cNvPr id="132" name="CustomShape 26"/>
+          <p:cNvSpPr/>
           <p:nvPr/>
         </p:nvSpPr>
         <p:spPr>
           <a:xfrm rot="18900000">
-            <a:off x="3681360" y="5963040"/>
-            <a:ext cx="1199880" cy="296280"/>
-          </a:xfrm>
-          <a:prstGeom prst="rect">
-            <a:avLst/>
-          </a:prstGeom>
+            <a:off x="3681000" y="5963040"/>
+            <a:ext cx="1199520" cy="295920"/>
+          </a:xfrm>
+          <a:prstGeom prst="rect">
+            <a:avLst/>
+          </a:prstGeom>
+          <a:noFill/>
+          <a:ln>
+            <a:noFill/>
+          </a:ln>
         </p:spPr>
         <p:txBody>
           <a:bodyPr lIns="90000" rIns="90000" tIns="45000" bIns="45000"/>
@@ -5465,7 +5265,7 @@
       </p:sp>
       <p:sp>
         <p:nvSpPr>
-          <p:cNvPr id="140" name="Line 28"/>
+          <p:cNvPr id="133" name="Line 27"/>
           <p:cNvSpPr/>
           <p:nvPr/>
         </p:nvSpPr>
@@ -5486,7 +5286,7 @@
       </p:sp>
       <p:sp>
         <p:nvSpPr>
-          <p:cNvPr id="141" name="Line 29"/>
+          <p:cNvPr id="134" name="Line 28"/>
           <p:cNvSpPr/>
           <p:nvPr/>
         </p:nvSpPr>
@@ -5508,18 +5308,22 @@
       </p:sp>
       <p:sp>
         <p:nvSpPr>
-          <p:cNvPr id="142" name="TextShape 30"/>
-          <p:cNvSpPr txBox="1"/>
+          <p:cNvPr id="135" name="CustomShape 29"/>
+          <p:cNvSpPr/>
           <p:nvPr/>
         </p:nvSpPr>
         <p:spPr>
           <a:xfrm rot="18900000">
-            <a:off x="3141360" y="5963040"/>
-            <a:ext cx="1199880" cy="296280"/>
-          </a:xfrm>
-          <a:prstGeom prst="rect">
-            <a:avLst/>
-          </a:prstGeom>
+            <a:off x="3141000" y="5963040"/>
+            <a:ext cx="1199520" cy="295920"/>
+          </a:xfrm>
+          <a:prstGeom prst="rect">
+            <a:avLst/>
+          </a:prstGeom>
+          <a:noFill/>
+          <a:ln>
+            <a:noFill/>
+          </a:ln>
         </p:spPr>
         <p:txBody>
           <a:bodyPr lIns="90000" rIns="90000" tIns="45000" bIns="45000"/>
@@ -5536,7 +5340,7 @@
       </p:sp>
       <p:sp>
         <p:nvSpPr>
-          <p:cNvPr id="143" name="Line 31"/>
+          <p:cNvPr id="136" name="Line 30"/>
           <p:cNvSpPr/>
           <p:nvPr/>
         </p:nvSpPr>
@@ -5557,7 +5361,7 @@
       </p:sp>
       <p:sp>
         <p:nvSpPr>
-          <p:cNvPr id="144" name="Line 32"/>
+          <p:cNvPr id="137" name="Line 31"/>
           <p:cNvSpPr/>
           <p:nvPr/>
         </p:nvSpPr>
@@ -5579,18 +5383,22 @@
       </p:sp>
       <p:sp>
         <p:nvSpPr>
-          <p:cNvPr id="145" name="TextShape 33"/>
-          <p:cNvSpPr txBox="1"/>
+          <p:cNvPr id="138" name="CustomShape 32"/>
+          <p:cNvSpPr/>
           <p:nvPr/>
         </p:nvSpPr>
         <p:spPr>
           <a:xfrm rot="18900000">
-            <a:off x="2601360" y="5963040"/>
-            <a:ext cx="1199880" cy="296280"/>
-          </a:xfrm>
-          <a:prstGeom prst="rect">
-            <a:avLst/>
-          </a:prstGeom>
+            <a:off x="2601000" y="5963040"/>
+            <a:ext cx="1199520" cy="295920"/>
+          </a:xfrm>
+          <a:prstGeom prst="rect">
+            <a:avLst/>
+          </a:prstGeom>
+          <a:noFill/>
+          <a:ln>
+            <a:noFill/>
+          </a:ln>
         </p:spPr>
         <p:txBody>
           <a:bodyPr lIns="90000" rIns="90000" tIns="45000" bIns="45000"/>
@@ -5607,7 +5415,7 @@
       </p:sp>
       <p:sp>
         <p:nvSpPr>
-          <p:cNvPr id="146" name="Line 34"/>
+          <p:cNvPr id="139" name="Line 33"/>
           <p:cNvSpPr/>
           <p:nvPr/>
         </p:nvSpPr>
@@ -5628,7 +5436,7 @@
       </p:sp>
       <p:sp>
         <p:nvSpPr>
-          <p:cNvPr id="147" name="Line 35"/>
+          <p:cNvPr id="140" name="Line 34"/>
           <p:cNvSpPr/>
           <p:nvPr/>
         </p:nvSpPr>
@@ -5650,18 +5458,22 @@
       </p:sp>
       <p:sp>
         <p:nvSpPr>
-          <p:cNvPr id="148" name="TextShape 36"/>
-          <p:cNvSpPr txBox="1"/>
+          <p:cNvPr id="141" name="CustomShape 35"/>
+          <p:cNvSpPr/>
           <p:nvPr/>
         </p:nvSpPr>
         <p:spPr>
           <a:xfrm rot="18900000">
-            <a:off x="2061360" y="5963040"/>
-            <a:ext cx="1199880" cy="296280"/>
-          </a:xfrm>
-          <a:prstGeom prst="rect">
-            <a:avLst/>
-          </a:prstGeom>
+            <a:off x="2061000" y="5963040"/>
+            <a:ext cx="1199520" cy="295920"/>
+          </a:xfrm>
+          <a:prstGeom prst="rect">
+            <a:avLst/>
+          </a:prstGeom>
+          <a:noFill/>
+          <a:ln>
+            <a:noFill/>
+          </a:ln>
         </p:spPr>
         <p:txBody>
           <a:bodyPr lIns="90000" rIns="90000" tIns="45000" bIns="45000"/>
@@ -5678,7 +5490,7 @@
       </p:sp>
       <p:sp>
         <p:nvSpPr>
-          <p:cNvPr id="149" name="Line 37"/>
+          <p:cNvPr id="142" name="Line 36"/>
           <p:cNvSpPr/>
           <p:nvPr/>
         </p:nvSpPr>
@@ -5699,7 +5511,7 @@
       </p:sp>
       <p:sp>
         <p:nvSpPr>
-          <p:cNvPr id="150" name="Line 38"/>
+          <p:cNvPr id="143" name="Line 37"/>
           <p:cNvSpPr/>
           <p:nvPr/>
         </p:nvSpPr>
@@ -5721,18 +5533,22 @@
       </p:sp>
       <p:sp>
         <p:nvSpPr>
-          <p:cNvPr id="151" name="TextShape 39"/>
-          <p:cNvSpPr txBox="1"/>
+          <p:cNvPr id="144" name="CustomShape 38"/>
+          <p:cNvSpPr/>
           <p:nvPr/>
         </p:nvSpPr>
         <p:spPr>
           <a:xfrm rot="18900000">
-            <a:off x="1521360" y="5963040"/>
-            <a:ext cx="1199880" cy="296280"/>
-          </a:xfrm>
-          <a:prstGeom prst="rect">
-            <a:avLst/>
-          </a:prstGeom>
+            <a:off x="1521000" y="5963040"/>
+            <a:ext cx="1199520" cy="295920"/>
+          </a:xfrm>
+          <a:prstGeom prst="rect">
+            <a:avLst/>
+          </a:prstGeom>
+          <a:noFill/>
+          <a:ln>
+            <a:noFill/>
+          </a:ln>
         </p:spPr>
         <p:txBody>
           <a:bodyPr lIns="90000" rIns="90000" tIns="45000" bIns="45000"/>
@@ -5749,7 +5565,7 @@
       </p:sp>
       <p:sp>
         <p:nvSpPr>
-          <p:cNvPr id="152" name="Line 40"/>
+          <p:cNvPr id="145" name="Line 39"/>
           <p:cNvSpPr/>
           <p:nvPr/>
         </p:nvSpPr>
@@ -5770,7 +5586,7 @@
       </p:sp>
       <p:sp>
         <p:nvSpPr>
-          <p:cNvPr id="153" name="Line 41"/>
+          <p:cNvPr id="146" name="Line 40"/>
           <p:cNvSpPr/>
           <p:nvPr/>
         </p:nvSpPr>
@@ -5792,18 +5608,22 @@
       </p:sp>
       <p:sp>
         <p:nvSpPr>
-          <p:cNvPr id="154" name="TextShape 42"/>
-          <p:cNvSpPr txBox="1"/>
+          <p:cNvPr id="147" name="CustomShape 41"/>
+          <p:cNvSpPr/>
           <p:nvPr/>
         </p:nvSpPr>
         <p:spPr>
           <a:xfrm rot="18900000">
-            <a:off x="981360" y="5963040"/>
-            <a:ext cx="1199880" cy="296280"/>
-          </a:xfrm>
-          <a:prstGeom prst="rect">
-            <a:avLst/>
-          </a:prstGeom>
+            <a:off x="981000" y="5963040"/>
+            <a:ext cx="1199520" cy="295920"/>
+          </a:xfrm>
+          <a:prstGeom prst="rect">
+            <a:avLst/>
+          </a:prstGeom>
+          <a:noFill/>
+          <a:ln>
+            <a:noFill/>
+          </a:ln>
         </p:spPr>
         <p:txBody>
           <a:bodyPr lIns="90000" rIns="90000" tIns="45000" bIns="45000"/>
@@ -5820,7 +5640,7 @@
       </p:sp>
       <p:sp>
         <p:nvSpPr>
-          <p:cNvPr id="155" name="Line 43"/>
+          <p:cNvPr id="148" name="Line 42"/>
           <p:cNvSpPr/>
           <p:nvPr/>
         </p:nvSpPr>
@@ -5841,7 +5661,7 @@
       </p:sp>
       <p:sp>
         <p:nvSpPr>
-          <p:cNvPr id="156" name="Line 44"/>
+          <p:cNvPr id="149" name="Line 43"/>
           <p:cNvSpPr/>
           <p:nvPr/>
         </p:nvSpPr>
@@ -5863,18 +5683,22 @@
       </p:sp>
       <p:sp>
         <p:nvSpPr>
-          <p:cNvPr id="157" name="TextShape 45"/>
-          <p:cNvSpPr txBox="1"/>
+          <p:cNvPr id="150" name="CustomShape 44"/>
+          <p:cNvSpPr/>
           <p:nvPr/>
         </p:nvSpPr>
         <p:spPr>
           <a:xfrm rot="18900000">
-            <a:off x="477360" y="5963040"/>
-            <a:ext cx="1199880" cy="296280"/>
-          </a:xfrm>
-          <a:prstGeom prst="rect">
-            <a:avLst/>
-          </a:prstGeom>
+            <a:off x="477000" y="5963040"/>
+            <a:ext cx="1199520" cy="295920"/>
+          </a:xfrm>
+          <a:prstGeom prst="rect">
+            <a:avLst/>
+          </a:prstGeom>
+          <a:noFill/>
+          <a:ln>
+            <a:noFill/>
+          </a:ln>
         </p:spPr>
         <p:txBody>
           <a:bodyPr lIns="90000" rIns="90000" tIns="45000" bIns="45000"/>
@@ -5891,7 +5715,7 @@
       </p:sp>
       <p:sp>
         <p:nvSpPr>
-          <p:cNvPr id="158" name="Line 46"/>
+          <p:cNvPr id="151" name="Line 45"/>
           <p:cNvSpPr/>
           <p:nvPr/>
         </p:nvSpPr>
@@ -5912,7 +5736,7 @@
       </p:sp>
       <p:sp>
         <p:nvSpPr>
-          <p:cNvPr id="159" name="Line 47"/>
+          <p:cNvPr id="152" name="Line 46"/>
           <p:cNvSpPr/>
           <p:nvPr/>
         </p:nvSpPr>
@@ -5934,18 +5758,22 @@
       </p:sp>
       <p:sp>
         <p:nvSpPr>
-          <p:cNvPr id="160" name="TextShape 48"/>
-          <p:cNvSpPr txBox="1"/>
+          <p:cNvPr id="153" name="CustomShape 47"/>
+          <p:cNvSpPr/>
           <p:nvPr/>
         </p:nvSpPr>
         <p:spPr>
           <a:xfrm rot="18900000">
             <a:off x="-62280" y="5963040"/>
-            <a:ext cx="1199880" cy="296280"/>
-          </a:xfrm>
-          <a:prstGeom prst="rect">
-            <a:avLst/>
-          </a:prstGeom>
+            <a:ext cx="1199520" cy="295920"/>
+          </a:xfrm>
+          <a:prstGeom prst="rect">
+            <a:avLst/>
+          </a:prstGeom>
+          <a:noFill/>
+          <a:ln>
+            <a:noFill/>
+          </a:ln>
         </p:spPr>
         <p:txBody>
           <a:bodyPr lIns="90000" rIns="90000" tIns="45000" bIns="45000"/>
@@ -5962,7 +5790,7 @@
       </p:sp>
       <p:sp>
         <p:nvSpPr>
-          <p:cNvPr id="161" name="Line 49"/>
+          <p:cNvPr id="154" name="Line 48"/>
           <p:cNvSpPr/>
           <p:nvPr/>
         </p:nvSpPr>
@@ -5983,7 +5811,7 @@
       </p:sp>
       <p:sp>
         <p:nvSpPr>
-          <p:cNvPr id="162" name="Line 50"/>
+          <p:cNvPr id="155" name="Line 49"/>
           <p:cNvSpPr/>
           <p:nvPr/>
         </p:nvSpPr>
@@ -6005,14 +5833,14 @@
       </p:sp>
       <p:sp>
         <p:nvSpPr>
-          <p:cNvPr id="163" name="CustomShape 51"/>
+          <p:cNvPr id="156" name="CustomShape 50"/>
           <p:cNvSpPr/>
           <p:nvPr/>
         </p:nvSpPr>
         <p:spPr>
           <a:xfrm>
             <a:off x="989280" y="4719240"/>
-            <a:ext cx="7680960" cy="457200"/>
+            <a:ext cx="7680600" cy="456840"/>
           </a:xfrm>
           <a:prstGeom prst="rect">
             <a:avLst/>
@@ -6037,7 +5865,7 @@
       </p:sp>
       <p:sp>
         <p:nvSpPr>
-          <p:cNvPr id="164" name="Line 52"/>
+          <p:cNvPr id="157" name="Line 51"/>
           <p:cNvSpPr/>
           <p:nvPr/>
         </p:nvSpPr>
@@ -6059,18 +5887,22 @@
       </p:sp>
       <p:sp>
         <p:nvSpPr>
-          <p:cNvPr id="165" name="TextShape 53"/>
-          <p:cNvSpPr txBox="1"/>
+          <p:cNvPr id="158" name="CustomShape 52"/>
+          <p:cNvSpPr/>
           <p:nvPr/>
         </p:nvSpPr>
         <p:spPr>
           <a:xfrm>
             <a:off x="623520" y="4114800"/>
-            <a:ext cx="1920240" cy="290160"/>
-          </a:xfrm>
-          <a:prstGeom prst="rect">
-            <a:avLst/>
-          </a:prstGeom>
+            <a:ext cx="1919880" cy="289800"/>
+          </a:xfrm>
+          <a:prstGeom prst="rect">
+            <a:avLst/>
+          </a:prstGeom>
+          <a:noFill/>
+          <a:ln>
+            <a:noFill/>
+          </a:ln>
         </p:spPr>
         <p:txBody>
           <a:bodyPr lIns="90000" rIns="90000" tIns="45000" bIns="45000"/>
@@ -6087,7 +5919,7 @@
       </p:sp>
       <p:sp>
         <p:nvSpPr>
-          <p:cNvPr id="166" name="Line 54"/>
+          <p:cNvPr id="159" name="Line 53"/>
           <p:cNvSpPr/>
           <p:nvPr/>
         </p:nvSpPr>
@@ -6109,18 +5941,22 @@
       </p:sp>
       <p:sp>
         <p:nvSpPr>
-          <p:cNvPr id="167" name="TextShape 55"/>
-          <p:cNvSpPr txBox="1"/>
+          <p:cNvPr id="160" name="CustomShape 54"/>
+          <p:cNvSpPr/>
           <p:nvPr/>
         </p:nvSpPr>
         <p:spPr>
           <a:xfrm>
             <a:off x="1080720" y="3733200"/>
-            <a:ext cx="1920240" cy="290160"/>
-          </a:xfrm>
-          <a:prstGeom prst="rect">
-            <a:avLst/>
-          </a:prstGeom>
+            <a:ext cx="1919880" cy="289800"/>
+          </a:xfrm>
+          <a:prstGeom prst="rect">
+            <a:avLst/>
+          </a:prstGeom>
+          <a:noFill/>
+          <a:ln>
+            <a:noFill/>
+          </a:ln>
         </p:spPr>
         <p:txBody>
           <a:bodyPr lIns="90000" rIns="90000" tIns="45000" bIns="45000"/>
@@ -6142,7 +5978,7 @@
       </p:sp>
       <p:sp>
         <p:nvSpPr>
-          <p:cNvPr id="168" name="Line 56"/>
+          <p:cNvPr id="161" name="Line 55"/>
           <p:cNvSpPr/>
           <p:nvPr/>
         </p:nvSpPr>
@@ -6164,18 +6000,22 @@
       </p:sp>
       <p:sp>
         <p:nvSpPr>
-          <p:cNvPr id="169" name="TextShape 57"/>
-          <p:cNvSpPr txBox="1"/>
+          <p:cNvPr id="162" name="CustomShape 56"/>
+          <p:cNvSpPr/>
           <p:nvPr/>
         </p:nvSpPr>
         <p:spPr>
           <a:xfrm>
             <a:off x="440640" y="3383280"/>
-            <a:ext cx="2834640" cy="290160"/>
-          </a:xfrm>
-          <a:prstGeom prst="rect">
-            <a:avLst/>
-          </a:prstGeom>
+            <a:ext cx="2834280" cy="289800"/>
+          </a:xfrm>
+          <a:prstGeom prst="rect">
+            <a:avLst/>
+          </a:prstGeom>
+          <a:noFill/>
+          <a:ln>
+            <a:noFill/>
+          </a:ln>
         </p:spPr>
         <p:txBody>
           <a:bodyPr lIns="90000" rIns="90000" tIns="45000" bIns="45000"/>
@@ -6197,7 +6037,7 @@
       </p:sp>
       <p:sp>
         <p:nvSpPr>
-          <p:cNvPr id="170" name="Line 58"/>
+          <p:cNvPr id="163" name="Line 57"/>
           <p:cNvSpPr/>
           <p:nvPr/>
         </p:nvSpPr>
@@ -6219,18 +6059,22 @@
       </p:sp>
       <p:sp>
         <p:nvSpPr>
-          <p:cNvPr id="171" name="TextShape 59"/>
-          <p:cNvSpPr txBox="1"/>
+          <p:cNvPr id="164" name="CustomShape 58"/>
+          <p:cNvSpPr/>
           <p:nvPr/>
         </p:nvSpPr>
         <p:spPr>
           <a:xfrm>
             <a:off x="623520" y="2926080"/>
-            <a:ext cx="2926080" cy="290160"/>
-          </a:xfrm>
-          <a:prstGeom prst="rect">
-            <a:avLst/>
-          </a:prstGeom>
+            <a:ext cx="2925720" cy="289800"/>
+          </a:xfrm>
+          <a:prstGeom prst="rect">
+            <a:avLst/>
+          </a:prstGeom>
+          <a:noFill/>
+          <a:ln>
+            <a:noFill/>
+          </a:ln>
         </p:spPr>
         <p:txBody>
           <a:bodyPr lIns="90000" rIns="90000" tIns="45000" bIns="45000"/>
@@ -6252,7 +6096,7 @@
       </p:sp>
       <p:sp>
         <p:nvSpPr>
-          <p:cNvPr id="172" name="Line 60"/>
+          <p:cNvPr id="165" name="Line 59"/>
           <p:cNvSpPr/>
           <p:nvPr/>
         </p:nvSpPr>
@@ -6274,18 +6118,22 @@
       </p:sp>
       <p:sp>
         <p:nvSpPr>
-          <p:cNvPr id="173" name="TextShape 61"/>
-          <p:cNvSpPr txBox="1"/>
+          <p:cNvPr id="166" name="CustomShape 60"/>
+          <p:cNvSpPr/>
           <p:nvPr/>
         </p:nvSpPr>
         <p:spPr>
           <a:xfrm>
             <a:off x="7315200" y="2566440"/>
-            <a:ext cx="1920240" cy="689760"/>
-          </a:xfrm>
-          <a:prstGeom prst="rect">
-            <a:avLst/>
-          </a:prstGeom>
+            <a:ext cx="1919880" cy="689400"/>
+          </a:xfrm>
+          <a:prstGeom prst="rect">
+            <a:avLst/>
+          </a:prstGeom>
+          <a:noFill/>
+          <a:ln>
+            <a:noFill/>
+          </a:ln>
         </p:spPr>
         <p:txBody>
           <a:bodyPr lIns="90000" rIns="90000" tIns="45000" bIns="45000"/>
@@ -6302,7 +6150,7 @@
       </p:sp>
       <p:sp>
         <p:nvSpPr>
-          <p:cNvPr id="174" name="Line 62"/>
+          <p:cNvPr id="167" name="Line 61"/>
           <p:cNvSpPr/>
           <p:nvPr/>
         </p:nvSpPr>
@@ -6324,18 +6172,22 @@
       </p:sp>
       <p:sp>
         <p:nvSpPr>
-          <p:cNvPr id="175" name="TextShape 63"/>
-          <p:cNvSpPr txBox="1"/>
+          <p:cNvPr id="168" name="CustomShape 62"/>
+          <p:cNvSpPr/>
           <p:nvPr/>
         </p:nvSpPr>
         <p:spPr>
           <a:xfrm>
             <a:off x="1554480" y="2560320"/>
-            <a:ext cx="2926080" cy="290160"/>
-          </a:xfrm>
-          <a:prstGeom prst="rect">
-            <a:avLst/>
-          </a:prstGeom>
+            <a:ext cx="2925720" cy="289800"/>
+          </a:xfrm>
+          <a:prstGeom prst="rect">
+            <a:avLst/>
+          </a:prstGeom>
+          <a:noFill/>
+          <a:ln>
+            <a:noFill/>
+          </a:ln>
         </p:spPr>
         <p:txBody>
           <a:bodyPr lIns="90000" rIns="90000" tIns="45000" bIns="45000"/>
@@ -6357,7 +6209,7 @@
       </p:sp>
       <p:sp>
         <p:nvSpPr>
-          <p:cNvPr id="176" name="Line 64"/>
+          <p:cNvPr id="169" name="Line 63"/>
           <p:cNvSpPr/>
           <p:nvPr/>
         </p:nvSpPr>
@@ -6379,18 +6231,22 @@
       </p:sp>
       <p:sp>
         <p:nvSpPr>
-          <p:cNvPr id="177" name="TextShape 65"/>
-          <p:cNvSpPr txBox="1"/>
+          <p:cNvPr id="170" name="CustomShape 64"/>
+          <p:cNvSpPr/>
           <p:nvPr/>
         </p:nvSpPr>
         <p:spPr>
           <a:xfrm>
             <a:off x="3657600" y="2194560"/>
-            <a:ext cx="1280160" cy="290160"/>
-          </a:xfrm>
-          <a:prstGeom prst="rect">
-            <a:avLst/>
-          </a:prstGeom>
+            <a:ext cx="1279800" cy="289800"/>
+          </a:xfrm>
+          <a:prstGeom prst="rect">
+            <a:avLst/>
+          </a:prstGeom>
+          <a:noFill/>
+          <a:ln>
+            <a:noFill/>
+          </a:ln>
         </p:spPr>
         <p:txBody>
           <a:bodyPr lIns="90000" rIns="90000" tIns="45000" bIns="45000"/>
@@ -6412,7 +6268,7 @@
       </p:sp>
       <p:sp>
         <p:nvSpPr>
-          <p:cNvPr id="178" name="Line 66"/>
+          <p:cNvPr id="171" name="Line 65"/>
           <p:cNvSpPr/>
           <p:nvPr/>
         </p:nvSpPr>
@@ -6434,18 +6290,22 @@
       </p:sp>
       <p:sp>
         <p:nvSpPr>
-          <p:cNvPr id="179" name="TextShape 67"/>
-          <p:cNvSpPr txBox="1"/>
+          <p:cNvPr id="172" name="CustomShape 66"/>
+          <p:cNvSpPr/>
           <p:nvPr/>
         </p:nvSpPr>
         <p:spPr>
           <a:xfrm>
             <a:off x="4389120" y="1828800"/>
-            <a:ext cx="2926080" cy="290160"/>
-          </a:xfrm>
-          <a:prstGeom prst="rect">
-            <a:avLst/>
-          </a:prstGeom>
+            <a:ext cx="2925720" cy="289800"/>
+          </a:xfrm>
+          <a:prstGeom prst="rect">
+            <a:avLst/>
+          </a:prstGeom>
+          <a:noFill/>
+          <a:ln>
+            <a:noFill/>
+          </a:ln>
         </p:spPr>
         <p:txBody>
           <a:bodyPr lIns="90000" rIns="90000" tIns="45000" bIns="45000"/>
@@ -6467,7 +6327,7 @@
       </p:sp>
       <p:sp>
         <p:nvSpPr>
-          <p:cNvPr id="180" name="Line 68"/>
+          <p:cNvPr id="173" name="Line 67"/>
           <p:cNvSpPr/>
           <p:nvPr/>
         </p:nvSpPr>
@@ -6489,18 +6349,22 @@
       </p:sp>
       <p:sp>
         <p:nvSpPr>
-          <p:cNvPr id="181" name="TextShape 69"/>
-          <p:cNvSpPr txBox="1"/>
+          <p:cNvPr id="174" name="CustomShape 68"/>
+          <p:cNvSpPr/>
           <p:nvPr/>
         </p:nvSpPr>
         <p:spPr>
           <a:xfrm>
             <a:off x="6949440" y="1260720"/>
-            <a:ext cx="2103120" cy="889560"/>
-          </a:xfrm>
-          <a:prstGeom prst="rect">
-            <a:avLst/>
-          </a:prstGeom>
+            <a:ext cx="2102760" cy="889200"/>
+          </a:xfrm>
+          <a:prstGeom prst="rect">
+            <a:avLst/>
+          </a:prstGeom>
+          <a:noFill/>
+          <a:ln>
+            <a:noFill/>
+          </a:ln>
         </p:spPr>
         <p:txBody>
           <a:bodyPr lIns="90000" rIns="90000" tIns="45000" bIns="45000"/>
@@ -6517,7 +6381,7 @@
       </p:sp>
       <p:sp>
         <p:nvSpPr>
-          <p:cNvPr id="182" name="Line 70"/>
+          <p:cNvPr id="175" name="Line 69"/>
           <p:cNvSpPr/>
           <p:nvPr/>
         </p:nvSpPr>
@@ -6539,18 +6403,22 @@
       </p:sp>
       <p:sp>
         <p:nvSpPr>
-          <p:cNvPr id="183" name="TextShape 71"/>
-          <p:cNvSpPr txBox="1"/>
+          <p:cNvPr id="176" name="CustomShape 70"/>
+          <p:cNvSpPr/>
           <p:nvPr/>
         </p:nvSpPr>
         <p:spPr>
           <a:xfrm>
             <a:off x="5029200" y="1554480"/>
-            <a:ext cx="2926080" cy="290160"/>
-          </a:xfrm>
-          <a:prstGeom prst="rect">
-            <a:avLst/>
-          </a:prstGeom>
+            <a:ext cx="2925720" cy="289800"/>
+          </a:xfrm>
+          <a:prstGeom prst="rect">
+            <a:avLst/>
+          </a:prstGeom>
+          <a:noFill/>
+          <a:ln>
+            <a:noFill/>
+          </a:ln>
         </p:spPr>
         <p:txBody>
           <a:bodyPr lIns="90000" rIns="90000" tIns="45000" bIns="45000"/>
@@ -6572,7 +6440,7 @@
       </p:sp>
       <p:sp>
         <p:nvSpPr>
-          <p:cNvPr id="184" name="Line 72"/>
+          <p:cNvPr id="177" name="Line 71"/>
           <p:cNvSpPr/>
           <p:nvPr/>
         </p:nvSpPr>
@@ -6594,18 +6462,22 @@
       </p:sp>
       <p:sp>
         <p:nvSpPr>
-          <p:cNvPr id="185" name="TextShape 73"/>
-          <p:cNvSpPr txBox="1"/>
+          <p:cNvPr id="178" name="CustomShape 72"/>
+          <p:cNvSpPr/>
           <p:nvPr/>
         </p:nvSpPr>
         <p:spPr>
           <a:xfrm>
             <a:off x="5303520" y="1172880"/>
-            <a:ext cx="2926080" cy="290160"/>
-          </a:xfrm>
-          <a:prstGeom prst="rect">
-            <a:avLst/>
-          </a:prstGeom>
+            <a:ext cx="2925720" cy="289800"/>
+          </a:xfrm>
+          <a:prstGeom prst="rect">
+            <a:avLst/>
+          </a:prstGeom>
+          <a:noFill/>
+          <a:ln>
+            <a:noFill/>
+          </a:ln>
         </p:spPr>
         <p:txBody>
           <a:bodyPr lIns="90000" rIns="90000" tIns="45000" bIns="45000"/>
@@ -6624,6 +6496,28 @@
             <a:endParaRPr/>
           </a:p>
         </p:txBody>
+      </p:sp>
+      <p:sp>
+        <p:nvSpPr>
+          <p:cNvPr id="179" name="Line 73"/>
+          <p:cNvSpPr/>
+          <p:nvPr/>
+        </p:nvSpPr>
+        <p:spPr>
+          <a:xfrm>
+            <a:off x="8121600" y="3955680"/>
+            <a:ext cx="0" cy="763560"/>
+          </a:xfrm>
+          <a:prstGeom prst="line">
+            <a:avLst/>
+          </a:prstGeom>
+          <a:ln>
+            <a:solidFill>
+              <a:srgbClr val="ffffff"/>
+            </a:solidFill>
+            <a:tailEnd len="med" type="diamond" w="med"/>
+          </a:ln>
+        </p:spPr>
       </p:sp>
     </p:spTree>
   </p:cSld>
@@ -6676,18 +6570,22 @@
       </p:grpSpPr>
       <p:sp>
         <p:nvSpPr>
-          <p:cNvPr id="186" name="TextShape 1"/>
-          <p:cNvSpPr txBox="1"/>
+          <p:cNvPr id="180" name="CustomShape 1"/>
+          <p:cNvSpPr/>
           <p:nvPr/>
         </p:nvSpPr>
         <p:spPr>
           <a:xfrm>
             <a:off x="457200" y="274680"/>
-            <a:ext cx="7467120" cy="1142640"/>
-          </a:xfrm>
-          <a:prstGeom prst="rect">
-            <a:avLst/>
-          </a:prstGeom>
+            <a:ext cx="7466760" cy="1142280"/>
+          </a:xfrm>
+          <a:prstGeom prst="rect">
+            <a:avLst/>
+          </a:prstGeom>
+          <a:noFill/>
+          <a:ln>
+            <a:noFill/>
+          </a:ln>
         </p:spPr>
         <p:txBody>
           <a:bodyPr lIns="45720" rIns="45720" tIns="45000" bIns="45000" anchor="ctr"/>
@@ -6704,22 +6602,22 @@
                 </a:solidFill>
                 <a:latin typeface="Franklin Gothic Book"/>
               </a:rPr>
-              <a:t>Flow Chart</a:t>
-            </a:r>
-            <a:endParaRPr/>
-          </a:p>
-        </p:txBody>
-      </p:sp>
-      <p:sp>
-        <p:nvSpPr>
-          <p:cNvPr id="187" name="CustomShape 2"/>
+              <a:t>System Flow Chart</a:t>
+            </a:r>
+            <a:endParaRPr/>
+          </a:p>
+        </p:txBody>
+      </p:sp>
+      <p:sp>
+        <p:nvSpPr>
+          <p:cNvPr id="181" name="CustomShape 2"/>
           <p:cNvSpPr/>
           <p:nvPr/>
         </p:nvSpPr>
         <p:spPr>
           <a:xfrm>
             <a:off x="1473840" y="1280160"/>
-            <a:ext cx="822960" cy="320040"/>
+            <a:ext cx="822600" cy="319680"/>
           </a:xfrm>
           <a:prstGeom prst="ellipse">
             <a:avLst/>
@@ -6736,7 +6634,11 @@
         <p:txBody>
           <a:bodyPr wrap="none" lIns="90000" rIns="90000" tIns="45000" bIns="45000" anchor="ctr"/>
           <a:p>
-            <a:pPr algn="ctr"/>
+            <a:pPr algn="ctr">
+              <a:lnSpc>
+                <a:spcPct val="100000"/>
+              </a:lnSpc>
+            </a:pPr>
             <a:r>
               <a:rPr lang="en-US" sz="1400">
                 <a:latin typeface="Arial"/>
@@ -6749,14 +6651,14 @@
       </p:sp>
       <p:sp>
         <p:nvSpPr>
-          <p:cNvPr id="188" name="CustomShape 3"/>
+          <p:cNvPr id="182" name="CustomShape 3"/>
           <p:cNvSpPr/>
           <p:nvPr/>
         </p:nvSpPr>
         <p:spPr>
           <a:xfrm>
             <a:off x="925200" y="2011680"/>
-            <a:ext cx="1828800" cy="365760"/>
+            <a:ext cx="1828440" cy="365400"/>
           </a:xfrm>
           <a:prstGeom prst="rect">
             <a:avLst/>
@@ -6773,7 +6675,11 @@
         <p:txBody>
           <a:bodyPr wrap="none" lIns="90000" rIns="90000" tIns="45000" bIns="45000" anchor="ctr"/>
           <a:p>
-            <a:pPr algn="ctr"/>
+            <a:pPr algn="ctr">
+              <a:lnSpc>
+                <a:spcPct val="100000"/>
+              </a:lnSpc>
+            </a:pPr>
             <a:r>
               <a:rPr lang="en-US" sz="1400">
                 <a:latin typeface="Arial"/>
@@ -6786,14 +6692,14 @@
       </p:sp>
       <p:sp>
         <p:nvSpPr>
-          <p:cNvPr id="189" name="CustomShape 4"/>
+          <p:cNvPr id="183" name="CustomShape 4"/>
           <p:cNvSpPr/>
           <p:nvPr/>
         </p:nvSpPr>
         <p:spPr>
           <a:xfrm>
             <a:off x="925200" y="2651760"/>
-            <a:ext cx="1828800" cy="365760"/>
+            <a:ext cx="1828440" cy="365400"/>
           </a:xfrm>
           <a:prstGeom prst="rect">
             <a:avLst/>
@@ -6810,7 +6716,11 @@
         <p:txBody>
           <a:bodyPr wrap="none" lIns="90000" rIns="90000" tIns="45000" bIns="45000" anchor="ctr"/>
           <a:p>
-            <a:pPr algn="ctr"/>
+            <a:pPr algn="ctr">
+              <a:lnSpc>
+                <a:spcPct val="100000"/>
+              </a:lnSpc>
+            </a:pPr>
             <a:r>
               <a:rPr lang="en-US" sz="1400">
                 <a:latin typeface="Arial"/>
@@ -6823,14 +6733,14 @@
       </p:sp>
       <p:sp>
         <p:nvSpPr>
-          <p:cNvPr id="190" name="CustomShape 5"/>
+          <p:cNvPr id="184" name="CustomShape 5"/>
           <p:cNvSpPr/>
           <p:nvPr/>
         </p:nvSpPr>
         <p:spPr>
           <a:xfrm>
             <a:off x="925200" y="3291840"/>
-            <a:ext cx="1828800" cy="365760"/>
+            <a:ext cx="1828440" cy="365400"/>
           </a:xfrm>
           <a:prstGeom prst="rect">
             <a:avLst/>
@@ -6847,7 +6757,11 @@
         <p:txBody>
           <a:bodyPr wrap="none" lIns="90000" rIns="90000" tIns="45000" bIns="45000" anchor="ctr"/>
           <a:p>
-            <a:pPr algn="ctr"/>
+            <a:pPr algn="ctr">
+              <a:lnSpc>
+                <a:spcPct val="100000"/>
+              </a:lnSpc>
+            </a:pPr>
             <a:r>
               <a:rPr lang="en-US" sz="1400">
                 <a:latin typeface="Arial"/>
@@ -6860,14 +6774,14 @@
       </p:sp>
       <p:sp>
         <p:nvSpPr>
-          <p:cNvPr id="191" name="CustomShape 6"/>
+          <p:cNvPr id="185" name="CustomShape 6"/>
           <p:cNvSpPr/>
           <p:nvPr/>
         </p:nvSpPr>
         <p:spPr>
           <a:xfrm>
             <a:off x="925200" y="3931920"/>
-            <a:ext cx="1828800" cy="365760"/>
+            <a:ext cx="1828440" cy="365400"/>
           </a:xfrm>
           <a:prstGeom prst="rect">
             <a:avLst/>
@@ -6884,7 +6798,11 @@
         <p:txBody>
           <a:bodyPr wrap="none" lIns="90000" rIns="90000" tIns="45000" bIns="45000" anchor="ctr"/>
           <a:p>
-            <a:pPr algn="ctr"/>
+            <a:pPr algn="ctr">
+              <a:lnSpc>
+                <a:spcPct val="100000"/>
+              </a:lnSpc>
+            </a:pPr>
             <a:r>
               <a:rPr lang="en-US" sz="1400">
                 <a:latin typeface="Arial"/>
@@ -6897,14 +6815,14 @@
       </p:sp>
       <p:sp>
         <p:nvSpPr>
-          <p:cNvPr id="192" name="CustomShape 7"/>
+          <p:cNvPr id="186" name="CustomShape 7"/>
           <p:cNvSpPr/>
           <p:nvPr/>
         </p:nvSpPr>
         <p:spPr>
           <a:xfrm>
             <a:off x="925200" y="4572000"/>
-            <a:ext cx="1828800" cy="365760"/>
+            <a:ext cx="1828440" cy="365400"/>
           </a:xfrm>
           <a:prstGeom prst="rect">
             <a:avLst/>
@@ -6921,7 +6839,11 @@
         <p:txBody>
           <a:bodyPr wrap="none" lIns="90000" rIns="90000" tIns="45000" bIns="45000" anchor="ctr"/>
           <a:p>
-            <a:pPr algn="ctr"/>
+            <a:pPr algn="ctr">
+              <a:lnSpc>
+                <a:spcPct val="100000"/>
+              </a:lnSpc>
+            </a:pPr>
             <a:r>
               <a:rPr lang="en-US" sz="1400">
                 <a:latin typeface="Arial"/>
@@ -6934,14 +6856,14 @@
       </p:sp>
       <p:sp>
         <p:nvSpPr>
-          <p:cNvPr id="193" name="CustomShape 8"/>
+          <p:cNvPr id="187" name="CustomShape 8"/>
           <p:cNvSpPr/>
           <p:nvPr/>
         </p:nvSpPr>
         <p:spPr>
           <a:xfrm>
             <a:off x="925200" y="5212080"/>
-            <a:ext cx="1828800" cy="365760"/>
+            <a:ext cx="1828440" cy="365400"/>
           </a:xfrm>
           <a:prstGeom prst="rect">
             <a:avLst/>
@@ -6958,7 +6880,11 @@
         <p:txBody>
           <a:bodyPr wrap="none" lIns="90000" rIns="90000" tIns="45000" bIns="45000" anchor="ctr"/>
           <a:p>
-            <a:pPr algn="ctr"/>
+            <a:pPr algn="ctr">
+              <a:lnSpc>
+                <a:spcPct val="100000"/>
+              </a:lnSpc>
+            </a:pPr>
             <a:r>
               <a:rPr lang="en-US" sz="1400">
                 <a:latin typeface="Arial"/>
@@ -6971,7 +6897,7 @@
       </p:sp>
       <p:sp>
         <p:nvSpPr>
-          <p:cNvPr id="194" name="Line 9"/>
+          <p:cNvPr id="188" name="Line 9"/>
           <p:cNvSpPr/>
           <p:nvPr/>
         </p:nvSpPr>
@@ -6993,14 +6919,14 @@
       </p:sp>
       <p:sp>
         <p:nvSpPr>
-          <p:cNvPr id="195" name="CustomShape 10"/>
+          <p:cNvPr id="189" name="CustomShape 10"/>
           <p:cNvSpPr/>
           <p:nvPr/>
         </p:nvSpPr>
         <p:spPr>
           <a:xfrm>
             <a:off x="925200" y="2011680"/>
-            <a:ext cx="1828800" cy="365760"/>
+            <a:ext cx="1828440" cy="365400"/>
           </a:xfrm>
           <a:prstGeom prst="rect">
             <a:avLst/>
@@ -7017,7 +6943,11 @@
         <p:txBody>
           <a:bodyPr wrap="none" lIns="90000" rIns="90000" tIns="45000" bIns="45000" anchor="ctr"/>
           <a:p>
-            <a:pPr algn="ctr"/>
+            <a:pPr algn="ctr">
+              <a:lnSpc>
+                <a:spcPct val="100000"/>
+              </a:lnSpc>
+            </a:pPr>
             <a:r>
               <a:rPr lang="en-US" sz="1400">
                 <a:latin typeface="Arial"/>
@@ -7030,7 +6960,7 @@
       </p:sp>
       <p:sp>
         <p:nvSpPr>
-          <p:cNvPr id="196" name="Line 11"/>
+          <p:cNvPr id="190" name="Line 11"/>
           <p:cNvSpPr/>
           <p:nvPr/>
         </p:nvSpPr>
@@ -7052,7 +6982,7 @@
       </p:sp>
       <p:sp>
         <p:nvSpPr>
-          <p:cNvPr id="197" name="Line 12"/>
+          <p:cNvPr id="191" name="Line 12"/>
           <p:cNvSpPr/>
           <p:nvPr/>
         </p:nvSpPr>
@@ -7074,7 +7004,7 @@
       </p:sp>
       <p:sp>
         <p:nvSpPr>
-          <p:cNvPr id="198" name="Line 13"/>
+          <p:cNvPr id="192" name="Line 13"/>
           <p:cNvSpPr/>
           <p:nvPr/>
         </p:nvSpPr>
@@ -7096,7 +7026,7 @@
       </p:sp>
       <p:sp>
         <p:nvSpPr>
-          <p:cNvPr id="199" name="Line 14"/>
+          <p:cNvPr id="193" name="Line 14"/>
           <p:cNvSpPr/>
           <p:nvPr/>
         </p:nvSpPr>
@@ -7118,7 +7048,7 @@
       </p:sp>
       <p:sp>
         <p:nvSpPr>
-          <p:cNvPr id="200" name="Line 15"/>
+          <p:cNvPr id="194" name="Line 15"/>
           <p:cNvSpPr/>
           <p:nvPr/>
         </p:nvSpPr>
@@ -7140,14 +7070,14 @@
       </p:sp>
       <p:sp>
         <p:nvSpPr>
-          <p:cNvPr id="201" name="CustomShape 16"/>
+          <p:cNvPr id="195" name="CustomShape 16"/>
           <p:cNvSpPr/>
           <p:nvPr/>
         </p:nvSpPr>
         <p:spPr>
           <a:xfrm>
             <a:off x="938880" y="5852160"/>
-            <a:ext cx="1828800" cy="365760"/>
+            <a:ext cx="1828440" cy="365400"/>
           </a:xfrm>
           <a:prstGeom prst="rect">
             <a:avLst/>
@@ -7164,7 +7094,11 @@
         <p:txBody>
           <a:bodyPr wrap="none" lIns="90000" rIns="90000" tIns="45000" bIns="45000" anchor="ctr"/>
           <a:p>
-            <a:pPr algn="ctr"/>
+            <a:pPr algn="ctr">
+              <a:lnSpc>
+                <a:spcPct val="100000"/>
+              </a:lnSpc>
+            </a:pPr>
             <a:r>
               <a:rPr lang="en-US" sz="1400">
                 <a:latin typeface="Arial"/>
@@ -7177,7 +7111,7 @@
       </p:sp>
       <p:sp>
         <p:nvSpPr>
-          <p:cNvPr id="202" name="Line 17"/>
+          <p:cNvPr id="196" name="Line 17"/>
           <p:cNvSpPr/>
           <p:nvPr/>
         </p:nvSpPr>
@@ -7199,14 +7133,14 @@
       </p:sp>
       <p:sp>
         <p:nvSpPr>
-          <p:cNvPr id="203" name="CustomShape 18"/>
+          <p:cNvPr id="197" name="CustomShape 18"/>
           <p:cNvSpPr/>
           <p:nvPr/>
         </p:nvSpPr>
         <p:spPr>
           <a:xfrm>
             <a:off x="4230720" y="1280160"/>
-            <a:ext cx="1828800" cy="365760"/>
+            <a:ext cx="1828440" cy="365400"/>
           </a:xfrm>
           <a:prstGeom prst="rect">
             <a:avLst/>
@@ -7223,7 +7157,11 @@
         <p:txBody>
           <a:bodyPr wrap="none" lIns="90000" rIns="90000" tIns="45000" bIns="45000" anchor="ctr"/>
           <a:p>
-            <a:pPr algn="ctr"/>
+            <a:pPr algn="ctr">
+              <a:lnSpc>
+                <a:spcPct val="100000"/>
+              </a:lnSpc>
+            </a:pPr>
             <a:r>
               <a:rPr lang="en-US" sz="1400">
                 <a:latin typeface="Arial"/>
@@ -7234,12 +7172,12 @@
           </a:p>
         </p:txBody>
       </p:sp>
-      <p:cxnSp>
-        <p:nvCxnSpPr>
-          <p:cNvPr id="204" name="Line 19"/>
-          <p:cNvCxnSpPr/>
-          <p:nvPr/>
-        </p:nvCxnSpPr>
+      <p:sp>
+        <p:nvSpPr>
+          <p:cNvPr id="198" name="Line 19"/>
+          <p:cNvSpPr/>
+          <p:nvPr/>
+        </p:nvSpPr>
         <p:spPr>
           <a:xfrm>
             <a:off x="0" y="0"/>
@@ -7255,17 +7193,17 @@
             <a:tailEnd len="med" type="triangle" w="med"/>
           </a:ln>
         </p:spPr>
-      </p:cxnSp>
-      <p:sp>
-        <p:nvSpPr>
-          <p:cNvPr id="205" name="CustomShape 20"/>
+      </p:sp>
+      <p:sp>
+        <p:nvSpPr>
+          <p:cNvPr id="199" name="CustomShape 20"/>
           <p:cNvSpPr/>
           <p:nvPr/>
         </p:nvSpPr>
         <p:spPr>
           <a:xfrm>
             <a:off x="4230720" y="1920240"/>
-            <a:ext cx="1828800" cy="365760"/>
+            <a:ext cx="1828440" cy="365400"/>
           </a:xfrm>
           <a:prstGeom prst="rect">
             <a:avLst/>
@@ -7282,7 +7220,11 @@
         <p:txBody>
           <a:bodyPr wrap="none" lIns="90000" rIns="90000" tIns="45000" bIns="45000" anchor="ctr"/>
           <a:p>
-            <a:pPr algn="ctr"/>
+            <a:pPr algn="ctr">
+              <a:lnSpc>
+                <a:spcPct val="100000"/>
+              </a:lnSpc>
+            </a:pPr>
             <a:r>
               <a:rPr lang="en-US" sz="1400">
                 <a:latin typeface="Arial"/>
@@ -7295,7 +7237,7 @@
       </p:sp>
       <p:sp>
         <p:nvSpPr>
-          <p:cNvPr id="206" name="Line 21"/>
+          <p:cNvPr id="200" name="Line 21"/>
           <p:cNvSpPr/>
           <p:nvPr/>
         </p:nvSpPr>
@@ -7317,14 +7259,14 @@
       </p:sp>
       <p:sp>
         <p:nvSpPr>
-          <p:cNvPr id="207" name="CustomShape 22"/>
+          <p:cNvPr id="201" name="CustomShape 22"/>
           <p:cNvSpPr/>
           <p:nvPr/>
         </p:nvSpPr>
         <p:spPr>
           <a:xfrm>
             <a:off x="4230720" y="2560320"/>
-            <a:ext cx="1828800" cy="365760"/>
+            <a:ext cx="1828440" cy="365400"/>
           </a:xfrm>
           <a:prstGeom prst="rect">
             <a:avLst/>
@@ -7341,7 +7283,11 @@
         <p:txBody>
           <a:bodyPr wrap="none" lIns="90000" rIns="90000" tIns="45000" bIns="45000" anchor="ctr"/>
           <a:p>
-            <a:pPr algn="ctr"/>
+            <a:pPr algn="ctr">
+              <a:lnSpc>
+                <a:spcPct val="100000"/>
+              </a:lnSpc>
+            </a:pPr>
             <a:r>
               <a:rPr lang="en-US" sz="1400">
                 <a:latin typeface="Arial"/>
@@ -7354,14 +7300,14 @@
       </p:sp>
       <p:sp>
         <p:nvSpPr>
-          <p:cNvPr id="208" name="CustomShape 23"/>
+          <p:cNvPr id="202" name="CustomShape 23"/>
           <p:cNvSpPr/>
           <p:nvPr/>
         </p:nvSpPr>
         <p:spPr>
           <a:xfrm>
             <a:off x="4230720" y="3200400"/>
-            <a:ext cx="1828800" cy="365760"/>
+            <a:ext cx="1828440" cy="365400"/>
           </a:xfrm>
           <a:prstGeom prst="rect">
             <a:avLst/>
@@ -7378,7 +7324,11 @@
         <p:txBody>
           <a:bodyPr wrap="none" lIns="90000" rIns="90000" tIns="45000" bIns="45000" anchor="ctr"/>
           <a:p>
-            <a:pPr algn="ctr"/>
+            <a:pPr algn="ctr">
+              <a:lnSpc>
+                <a:spcPct val="100000"/>
+              </a:lnSpc>
+            </a:pPr>
             <a:r>
               <a:rPr lang="en-US" sz="1400">
                 <a:latin typeface="Arial"/>
@@ -7391,7 +7341,7 @@
       </p:sp>
       <p:sp>
         <p:nvSpPr>
-          <p:cNvPr id="209" name="Line 24"/>
+          <p:cNvPr id="203" name="Line 24"/>
           <p:cNvSpPr/>
           <p:nvPr/>
         </p:nvSpPr>
@@ -7413,7 +7363,7 @@
       </p:sp>
       <p:sp>
         <p:nvSpPr>
-          <p:cNvPr id="210" name="Line 25"/>
+          <p:cNvPr id="204" name="Line 25"/>
           <p:cNvSpPr/>
           <p:nvPr/>
         </p:nvSpPr>
@@ -7435,14 +7385,14 @@
       </p:sp>
       <p:sp>
         <p:nvSpPr>
-          <p:cNvPr id="211" name="CustomShape 26"/>
+          <p:cNvPr id="205" name="CustomShape 26"/>
           <p:cNvSpPr/>
           <p:nvPr/>
         </p:nvSpPr>
         <p:spPr>
           <a:xfrm>
             <a:off x="4541040" y="3840480"/>
-            <a:ext cx="1188720" cy="1097280"/>
+            <a:ext cx="1188360" cy="1096920"/>
           </a:xfrm>
           <a:prstGeom prst="diamond">
             <a:avLst/>
@@ -7459,7 +7409,11 @@
         <p:txBody>
           <a:bodyPr wrap="none" lIns="90000" rIns="90000" tIns="45000" bIns="45000" anchor="ctr"/>
           <a:p>
-            <a:pPr algn="ctr"/>
+            <a:pPr algn="ctr">
+              <a:lnSpc>
+                <a:spcPct val="100000"/>
+              </a:lnSpc>
+            </a:pPr>
             <a:r>
               <a:rPr lang="en-US">
                 <a:latin typeface="Arial"/>
@@ -7472,7 +7426,7 @@
       </p:sp>
       <p:sp>
         <p:nvSpPr>
-          <p:cNvPr id="212" name="Line 27"/>
+          <p:cNvPr id="206" name="Line 27"/>
           <p:cNvSpPr/>
           <p:nvPr/>
         </p:nvSpPr>
@@ -7494,14 +7448,14 @@
       </p:sp>
       <p:sp>
         <p:nvSpPr>
-          <p:cNvPr id="213" name="CustomShape 28"/>
+          <p:cNvPr id="207" name="CustomShape 28"/>
           <p:cNvSpPr/>
           <p:nvPr/>
         </p:nvSpPr>
         <p:spPr>
           <a:xfrm>
             <a:off x="6333840" y="4225680"/>
-            <a:ext cx="1828800" cy="365760"/>
+            <a:ext cx="1828440" cy="365400"/>
           </a:xfrm>
           <a:prstGeom prst="rect">
             <a:avLst/>
@@ -7518,7 +7472,11 @@
         <p:txBody>
           <a:bodyPr wrap="none" lIns="90000" rIns="90000" tIns="45000" bIns="45000" anchor="ctr"/>
           <a:p>
-            <a:pPr algn="ctr"/>
+            <a:pPr algn="ctr">
+              <a:lnSpc>
+                <a:spcPct val="100000"/>
+              </a:lnSpc>
+            </a:pPr>
             <a:r>
               <a:rPr lang="en-US" sz="1400">
                 <a:latin typeface="Arial"/>
@@ -7531,14 +7489,14 @@
       </p:sp>
       <p:sp>
         <p:nvSpPr>
-          <p:cNvPr id="214" name="CustomShape 29"/>
+          <p:cNvPr id="208" name="CustomShape 29"/>
           <p:cNvSpPr/>
           <p:nvPr/>
         </p:nvSpPr>
         <p:spPr>
           <a:xfrm>
             <a:off x="6333840" y="5486400"/>
-            <a:ext cx="1828800" cy="365760"/>
+            <a:ext cx="1828440" cy="365400"/>
           </a:xfrm>
           <a:prstGeom prst="rect">
             <a:avLst/>
@@ -7555,7 +7513,11 @@
         <p:txBody>
           <a:bodyPr wrap="none" lIns="90000" rIns="90000" tIns="45000" bIns="45000" anchor="ctr"/>
           <a:p>
-            <a:pPr algn="ctr"/>
+            <a:pPr algn="ctr">
+              <a:lnSpc>
+                <a:spcPct val="100000"/>
+              </a:lnSpc>
+            </a:pPr>
             <a:r>
               <a:rPr lang="en-US" sz="1400">
                 <a:latin typeface="Arial"/>
@@ -7568,7 +7530,7 @@
       </p:sp>
       <p:sp>
         <p:nvSpPr>
-          <p:cNvPr id="215" name="Line 30"/>
+          <p:cNvPr id="209" name="Line 30"/>
           <p:cNvSpPr/>
           <p:nvPr/>
         </p:nvSpPr>
@@ -7590,7 +7552,7 @@
       </p:sp>
       <p:sp>
         <p:nvSpPr>
-          <p:cNvPr id="216" name="Line 31"/>
+          <p:cNvPr id="210" name="Line 31"/>
           <p:cNvSpPr/>
           <p:nvPr/>
         </p:nvSpPr>
@@ -7610,12 +7572,12 @@
           </a:ln>
         </p:spPr>
       </p:sp>
-      <p:cxnSp>
-        <p:nvCxnSpPr>
-          <p:cNvPr id="217" name="Line 32"/>
-          <p:cNvCxnSpPr/>
-          <p:nvPr/>
-        </p:nvCxnSpPr>
+      <p:sp>
+        <p:nvSpPr>
+          <p:cNvPr id="211" name="Line 32"/>
+          <p:cNvSpPr/>
+          <p:nvPr/>
+        </p:nvSpPr>
         <p:spPr>
           <a:xfrm>
             <a:off x="0" y="0"/>
@@ -7631,17 +7593,17 @@
             <a:tailEnd len="med" type="triangle" w="med"/>
           </a:ln>
         </p:spPr>
-      </p:cxnSp>
-      <p:sp>
-        <p:nvSpPr>
-          <p:cNvPr id="218" name="CustomShape 33"/>
+      </p:sp>
+      <p:sp>
+        <p:nvSpPr>
+          <p:cNvPr id="212" name="CustomShape 33"/>
           <p:cNvSpPr/>
           <p:nvPr/>
         </p:nvSpPr>
         <p:spPr>
           <a:xfrm>
             <a:off x="6333840" y="4846320"/>
-            <a:ext cx="1828800" cy="365760"/>
+            <a:ext cx="1828440" cy="365400"/>
           </a:xfrm>
           <a:prstGeom prst="rect">
             <a:avLst/>
@@ -7658,7 +7620,11 @@
         <p:txBody>
           <a:bodyPr wrap="none" lIns="90000" rIns="90000" tIns="45000" bIns="45000" anchor="ctr"/>
           <a:p>
-            <a:pPr algn="ctr"/>
+            <a:pPr algn="ctr">
+              <a:lnSpc>
+                <a:spcPct val="100000"/>
+              </a:lnSpc>
+            </a:pPr>
             <a:r>
               <a:rPr lang="en-US" sz="1400">
                 <a:latin typeface="Arial"/>
@@ -7671,7 +7637,7 @@
       </p:sp>
       <p:sp>
         <p:nvSpPr>
-          <p:cNvPr id="219" name="Line 34"/>
+          <p:cNvPr id="213" name="Line 34"/>
           <p:cNvSpPr/>
           <p:nvPr/>
         </p:nvSpPr>
@@ -7691,9 +7657,31 @@
           </a:ln>
         </p:spPr>
       </p:sp>
+      <p:sp>
+        <p:nvSpPr>
+          <p:cNvPr id="214" name="Line 35"/>
+          <p:cNvSpPr/>
+          <p:nvPr/>
+        </p:nvSpPr>
+        <p:spPr>
+          <a:xfrm>
+            <a:off x="0" y="0"/>
+            <a:ext cx="360" cy="360"/>
+          </a:xfrm>
+          <a:prstGeom prst="line">
+            <a:avLst/>
+          </a:prstGeom>
+          <a:ln>
+            <a:solidFill>
+              <a:srgbClr val="eeeeee"/>
+            </a:solidFill>
+            <a:tailEnd len="med" type="triangle" w="med"/>
+          </a:ln>
+        </p:spPr>
+      </p:sp>
       <p:cxnSp>
         <p:nvCxnSpPr>
-          <p:cNvPr id="220" name="Line 35"/>
+          <p:cNvPr id="215" name="Line 36"/>
           <p:cNvCxnSpPr/>
           <p:nvPr/>
         </p:nvCxnSpPr>
@@ -7713,6 +7701,106 @@
           </a:ln>
         </p:spPr>
       </p:cxnSp>
+      <p:cxnSp>
+        <p:nvCxnSpPr>
+          <p:cNvPr id="216" name="Line 37"/>
+          <p:cNvCxnSpPr/>
+          <p:nvPr/>
+        </p:nvCxnSpPr>
+        <p:spPr>
+          <a:xfrm>
+            <a:off x="0" y="0"/>
+            <a:ext cx="360" cy="360"/>
+          </a:xfrm>
+          <a:prstGeom prst="line">
+            <a:avLst/>
+          </a:prstGeom>
+          <a:ln>
+            <a:solidFill>
+              <a:srgbClr val="eeeeee"/>
+            </a:solidFill>
+            <a:tailEnd len="med" type="triangle" w="med"/>
+          </a:ln>
+        </p:spPr>
+      </p:cxnSp>
+      <p:cxnSp>
+        <p:nvCxnSpPr>
+          <p:cNvPr id="217" name="Line 38"/>
+          <p:cNvCxnSpPr/>
+          <p:nvPr/>
+        </p:nvCxnSpPr>
+        <p:spPr>
+          <a:xfrm>
+            <a:off x="0" y="0"/>
+            <a:ext cx="360" cy="360"/>
+          </a:xfrm>
+          <a:prstGeom prst="line">
+            <a:avLst/>
+          </a:prstGeom>
+          <a:ln>
+            <a:solidFill>
+              <a:srgbClr val="eeeeee"/>
+            </a:solidFill>
+            <a:tailEnd len="med" type="triangle" w="med"/>
+          </a:ln>
+        </p:spPr>
+      </p:cxnSp>
+      <p:sp>
+        <p:nvSpPr>
+          <p:cNvPr id="218" name="TextShape 39"/>
+          <p:cNvSpPr txBox="1"/>
+          <p:nvPr/>
+        </p:nvSpPr>
+        <p:spPr>
+          <a:xfrm>
+            <a:off x="5669280" y="4114800"/>
+            <a:ext cx="640080" cy="346320"/>
+          </a:xfrm>
+          <a:prstGeom prst="rect">
+            <a:avLst/>
+          </a:prstGeom>
+        </p:spPr>
+        <p:txBody>
+          <a:bodyPr lIns="90000" rIns="90000" tIns="45000" bIns="45000"/>
+          <a:p>
+            <a:r>
+              <a:rPr lang="en-US">
+                <a:latin typeface="Arial"/>
+              </a:rPr>
+              <a:t>Yes</a:t>
+            </a:r>
+            <a:endParaRPr/>
+          </a:p>
+        </p:txBody>
+      </p:sp>
+      <p:sp>
+        <p:nvSpPr>
+          <p:cNvPr id="219" name="TextShape 40"/>
+          <p:cNvSpPr txBox="1"/>
+          <p:nvPr/>
+        </p:nvSpPr>
+        <p:spPr>
+          <a:xfrm>
+            <a:off x="4114800" y="4114800"/>
+            <a:ext cx="640080" cy="346320"/>
+          </a:xfrm>
+          <a:prstGeom prst="rect">
+            <a:avLst/>
+          </a:prstGeom>
+        </p:spPr>
+        <p:txBody>
+          <a:bodyPr lIns="90000" rIns="90000" tIns="45000" bIns="45000"/>
+          <a:p>
+            <a:r>
+              <a:rPr lang="en-US">
+                <a:latin typeface="Arial"/>
+              </a:rPr>
+              <a:t>No</a:t>
+            </a:r>
+            <a:endParaRPr/>
+          </a:p>
+        </p:txBody>
+      </p:sp>
     </p:spTree>
   </p:cSld>
   <p:timing>
@@ -7764,18 +7852,22 @@
       </p:grpSpPr>
       <p:sp>
         <p:nvSpPr>
-          <p:cNvPr id="221" name="TextShape 1"/>
-          <p:cNvSpPr txBox="1"/>
+          <p:cNvPr id="220" name="CustomShape 1"/>
+          <p:cNvSpPr/>
           <p:nvPr/>
         </p:nvSpPr>
         <p:spPr>
           <a:xfrm>
             <a:off x="457200" y="274680"/>
-            <a:ext cx="7467120" cy="1142640"/>
-          </a:xfrm>
-          <a:prstGeom prst="rect">
-            <a:avLst/>
-          </a:prstGeom>
+            <a:ext cx="7466760" cy="1142280"/>
+          </a:xfrm>
+          <a:prstGeom prst="rect">
+            <a:avLst/>
+          </a:prstGeom>
+          <a:noFill/>
+          <a:ln>
+            <a:noFill/>
+          </a:ln>
         </p:spPr>
         <p:txBody>
           <a:bodyPr lIns="45720" rIns="45720" tIns="45000" bIns="45000" anchor="ctr"/>
@@ -7800,18 +7892,22 @@
       </p:sp>
       <p:sp>
         <p:nvSpPr>
-          <p:cNvPr id="222" name="TextShape 2"/>
-          <p:cNvSpPr txBox="1"/>
+          <p:cNvPr id="221" name="CustomShape 2"/>
+          <p:cNvSpPr/>
           <p:nvPr/>
         </p:nvSpPr>
         <p:spPr>
           <a:xfrm>
             <a:off x="457200" y="1600200"/>
-            <a:ext cx="7467120" cy="4525560"/>
-          </a:xfrm>
-          <a:prstGeom prst="rect">
-            <a:avLst/>
-          </a:prstGeom>
+            <a:ext cx="7466760" cy="4525200"/>
+          </a:xfrm>
+          <a:prstGeom prst="rect">
+            <a:avLst/>
+          </a:prstGeom>
+          <a:noFill/>
+          <a:ln>
+            <a:noFill/>
+          </a:ln>
         </p:spPr>
         <p:txBody>
           <a:bodyPr lIns="90000" rIns="90000" tIns="45000" bIns="45000"/>
@@ -7831,7 +7927,7 @@
                 </a:solidFill>
                 <a:latin typeface="Arial"/>
               </a:rPr>
-              <a:t>Code Composer Studio – Integrated development environment for TI microcontrollers</a:t>
+              <a:t>Code Composer Studio v6.1 – Integrated development environment for TI microcontrollers</a:t>
             </a:r>
             <a:endParaRPr/>
           </a:p>
@@ -7936,26 +8032,33 @@
       </p:grpSpPr>
       <p:sp>
         <p:nvSpPr>
-          <p:cNvPr id="223" name="TextShape 1"/>
-          <p:cNvSpPr txBox="1"/>
+          <p:cNvPr id="222" name="CustomShape 1"/>
+          <p:cNvSpPr/>
           <p:nvPr/>
         </p:nvSpPr>
         <p:spPr>
           <a:xfrm>
             <a:off x="457200" y="1600200"/>
-            <a:ext cx="7467120" cy="4525560"/>
-          </a:xfrm>
-          <a:prstGeom prst="rect">
-            <a:avLst/>
-          </a:prstGeom>
+            <a:ext cx="7466760" cy="4525200"/>
+          </a:xfrm>
+          <a:prstGeom prst="rect">
+            <a:avLst/>
+          </a:prstGeom>
+          <a:noFill/>
+          <a:ln>
+            <a:noFill/>
+          </a:ln>
         </p:spPr>
         <p:txBody>
           <a:bodyPr lIns="90000" rIns="90000" tIns="45000" bIns="45000"/>
           <a:p>
             <a:pPr>
+              <a:lnSpc>
+                <a:spcPct val="100000"/>
+              </a:lnSpc>
               <a:buSzPct val="45000"/>
               <a:buFont typeface="StarSymbol"/>
-              <a:buChar char=""/>
+              <a:buChar char=""/>
             </a:pPr>
             <a:r>
               <a:rPr lang="en-US" sz="2000">
@@ -7967,9 +8070,12 @@
           </a:p>
           <a:p>
             <a:pPr>
+              <a:lnSpc>
+                <a:spcPct val="100000"/>
+              </a:lnSpc>
               <a:buSzPct val="45000"/>
               <a:buFont typeface="StarSymbol"/>
-              <a:buChar char=""/>
+              <a:buChar char=""/>
             </a:pPr>
             <a:r>
               <a:rPr lang="en-US" sz="2000">
@@ -7987,15 +8093,18 @@
               <a:rPr lang="en-US" sz="2000">
                 <a:latin typeface="Arial"/>
               </a:rPr>
-              <a:t>s to CCS console caused timing issues and UART wasn't working as expected</a:t>
+              <a:t> to CCS console caused timing issues and UART wasn't working as expected</a:t>
             </a:r>
             <a:endParaRPr/>
           </a:p>
           <a:p>
             <a:pPr>
+              <a:lnSpc>
+                <a:spcPct val="100000"/>
+              </a:lnSpc>
               <a:buSzPct val="45000"/>
               <a:buFont typeface="StarSymbol"/>
-              <a:buChar char=""/>
+              <a:buChar char=""/>
             </a:pPr>
             <a:r>
               <a:rPr lang="en-US" sz="2000">
@@ -8007,9 +8116,12 @@
           </a:p>
           <a:p>
             <a:pPr>
+              <a:lnSpc>
+                <a:spcPct val="100000"/>
+              </a:lnSpc>
               <a:buSzPct val="45000"/>
               <a:buFont typeface="StarSymbol"/>
-              <a:buChar char=""/>
+              <a:buChar char=""/>
             </a:pPr>
             <a:r>
               <a:rPr lang="en-US" sz="2000">
@@ -8019,22 +8131,43 @@
             </a:r>
             <a:endParaRPr/>
           </a:p>
-        </p:txBody>
-      </p:sp>
-      <p:sp>
-        <p:nvSpPr>
-          <p:cNvPr id="224" name="TextShape 2"/>
-          <p:cNvSpPr txBox="1"/>
+          <a:p>
+            <a:pPr>
+              <a:lnSpc>
+                <a:spcPct val="100000"/>
+              </a:lnSpc>
+              <a:buSzPct val="45000"/>
+              <a:buFont typeface="StarSymbol"/>
+              <a:buChar char=""/>
+            </a:pPr>
+            <a:r>
+              <a:rPr lang="en-US" sz="2000">
+                <a:latin typeface="Arial"/>
+              </a:rPr>
+              <a:t>Didn't include buzzard in PCB design</a:t>
+            </a:r>
+            <a:endParaRPr/>
+          </a:p>
+        </p:txBody>
+      </p:sp>
+      <p:sp>
+        <p:nvSpPr>
+          <p:cNvPr id="223" name="CustomShape 2"/>
+          <p:cNvSpPr/>
           <p:nvPr/>
         </p:nvSpPr>
         <p:spPr>
           <a:xfrm>
             <a:off x="457200" y="274680"/>
-            <a:ext cx="6583680" cy="1142640"/>
-          </a:xfrm>
-          <a:prstGeom prst="rect">
-            <a:avLst/>
-          </a:prstGeom>
+            <a:ext cx="6583320" cy="1142280"/>
+          </a:xfrm>
+          <a:prstGeom prst="rect">
+            <a:avLst/>
+          </a:prstGeom>
+          <a:noFill/>
+          <a:ln>
+            <a:noFill/>
+          </a:ln>
         </p:spPr>
         <p:txBody>
           <a:bodyPr lIns="45720" rIns="45720" tIns="45000" bIns="45000" anchor="ctr"/>

--- a/EADAS.pptx
+++ b/EADAS.pptx
@@ -4488,7 +4488,7 @@
         <p:spPr>
           <a:xfrm>
             <a:off x="457200" y="274680"/>
-            <a:ext cx="7040520" cy="1142280"/>
+            <a:ext cx="7466760" cy="1142280"/>
           </a:xfrm>
           <a:prstGeom prst="rect">
             <a:avLst/>
@@ -4499,43 +4499,1219 @@
           </a:ln>
         </p:spPr>
         <p:txBody>
-          <a:bodyPr lIns="0" rIns="0" tIns="0" bIns="0" anchor="ctr"/>
-          <a:p>
+          <a:bodyPr lIns="45720" rIns="45720" tIns="45000" bIns="45000" anchor="ctr"/>
+          <a:p>
+            <a:pPr>
+              <a:lnSpc>
+                <a:spcPct val="100000"/>
+              </a:lnSpc>
+            </a:pPr>
             <a:r>
               <a:rPr lang="en-US" sz="4600">
+                <a:solidFill>
+                  <a:srgbClr val="ffffff"/>
+                </a:solidFill>
+                <a:latin typeface="Franklin Gothic Book"/>
+              </a:rPr>
+              <a:t>System Flow Chart</a:t>
+            </a:r>
+            <a:endParaRPr/>
+          </a:p>
+        </p:txBody>
+      </p:sp>
+      <p:sp>
+        <p:nvSpPr>
+          <p:cNvPr id="106" name="CustomShape 2"/>
+          <p:cNvSpPr/>
+          <p:nvPr/>
+        </p:nvSpPr>
+        <p:spPr>
+          <a:xfrm>
+            <a:off x="1473840" y="1280160"/>
+            <a:ext cx="822600" cy="319680"/>
+          </a:xfrm>
+          <a:prstGeom prst="ellipse">
+            <a:avLst/>
+          </a:prstGeom>
+          <a:solidFill>
+            <a:srgbClr val="ff950e"/>
+          </a:solidFill>
+          <a:ln>
+            <a:solidFill>
+              <a:srgbClr val="eeeeee"/>
+            </a:solidFill>
+          </a:ln>
+        </p:spPr>
+        <p:txBody>
+          <a:bodyPr wrap="none" lIns="90000" rIns="90000" tIns="45000" bIns="45000" anchor="ctr"/>
+          <a:p>
+            <a:pPr algn="ctr">
+              <a:lnSpc>
+                <a:spcPct val="100000"/>
+              </a:lnSpc>
+            </a:pPr>
+            <a:r>
+              <a:rPr lang="en-US" sz="1400">
                 <a:latin typeface="Arial"/>
               </a:rPr>
-              <a:t>Project Time-line</a:t>
-            </a:r>
-            <a:endParaRPr/>
-          </a:p>
-        </p:txBody>
-      </p:sp>
-      <p:pic>
-        <p:nvPicPr>
-          <p:cNvPr id="106" name="" descr=""/>
-          <p:cNvPicPr/>
-          <p:nvPr/>
-        </p:nvPicPr>
-        <p:blipFill>
-          <a:blip r:embed="rId1"/>
-          <a:stretch>
-            <a:fillRect/>
-          </a:stretch>
-        </p:blipFill>
-        <p:spPr>
-          <a:xfrm>
-            <a:off x="2651040" y="2667960"/>
-            <a:ext cx="3658320" cy="1446840"/>
-          </a:xfrm>
-          <a:prstGeom prst="rect">
-            <a:avLst/>
-          </a:prstGeom>
-          <a:ln>
-            <a:noFill/>
-          </a:ln>
-        </p:spPr>
-      </p:pic>
+              <a:t>Start</a:t>
+            </a:r>
+            <a:endParaRPr/>
+          </a:p>
+        </p:txBody>
+      </p:sp>
+      <p:sp>
+        <p:nvSpPr>
+          <p:cNvPr id="107" name="CustomShape 3"/>
+          <p:cNvSpPr/>
+          <p:nvPr/>
+        </p:nvSpPr>
+        <p:spPr>
+          <a:xfrm>
+            <a:off x="925200" y="2011680"/>
+            <a:ext cx="1828440" cy="365400"/>
+          </a:xfrm>
+          <a:prstGeom prst="rect">
+            <a:avLst/>
+          </a:prstGeom>
+          <a:solidFill>
+            <a:srgbClr val="729fcf"/>
+          </a:solidFill>
+          <a:ln>
+            <a:solidFill>
+              <a:srgbClr val="eeeeee"/>
+            </a:solidFill>
+          </a:ln>
+        </p:spPr>
+        <p:txBody>
+          <a:bodyPr wrap="none" lIns="90000" rIns="90000" tIns="45000" bIns="45000" anchor="ctr"/>
+          <a:p>
+            <a:pPr algn="ctr">
+              <a:lnSpc>
+                <a:spcPct val="100000"/>
+              </a:lnSpc>
+            </a:pPr>
+            <a:r>
+              <a:rPr lang="en-US" sz="1400">
+                <a:latin typeface="Arial"/>
+              </a:rPr>
+              <a:t>Initialize clock</a:t>
+            </a:r>
+            <a:endParaRPr/>
+          </a:p>
+        </p:txBody>
+      </p:sp>
+      <p:sp>
+        <p:nvSpPr>
+          <p:cNvPr id="108" name="CustomShape 4"/>
+          <p:cNvSpPr/>
+          <p:nvPr/>
+        </p:nvSpPr>
+        <p:spPr>
+          <a:xfrm>
+            <a:off x="925200" y="2651760"/>
+            <a:ext cx="1828440" cy="365400"/>
+          </a:xfrm>
+          <a:prstGeom prst="rect">
+            <a:avLst/>
+          </a:prstGeom>
+          <a:solidFill>
+            <a:srgbClr val="729fcf"/>
+          </a:solidFill>
+          <a:ln>
+            <a:solidFill>
+              <a:srgbClr val="eeeeee"/>
+            </a:solidFill>
+          </a:ln>
+        </p:spPr>
+        <p:txBody>
+          <a:bodyPr wrap="none" lIns="90000" rIns="90000" tIns="45000" bIns="45000" anchor="ctr"/>
+          <a:p>
+            <a:pPr algn="ctr">
+              <a:lnSpc>
+                <a:spcPct val="100000"/>
+              </a:lnSpc>
+            </a:pPr>
+            <a:r>
+              <a:rPr lang="en-US" sz="1400">
+                <a:latin typeface="Arial"/>
+              </a:rPr>
+              <a:t>Initialize SPI</a:t>
+            </a:r>
+            <a:endParaRPr/>
+          </a:p>
+        </p:txBody>
+      </p:sp>
+      <p:sp>
+        <p:nvSpPr>
+          <p:cNvPr id="109" name="CustomShape 5"/>
+          <p:cNvSpPr/>
+          <p:nvPr/>
+        </p:nvSpPr>
+        <p:spPr>
+          <a:xfrm>
+            <a:off x="925200" y="3291840"/>
+            <a:ext cx="1828440" cy="365400"/>
+          </a:xfrm>
+          <a:prstGeom prst="rect">
+            <a:avLst/>
+          </a:prstGeom>
+          <a:solidFill>
+            <a:srgbClr val="729fcf"/>
+          </a:solidFill>
+          <a:ln>
+            <a:solidFill>
+              <a:srgbClr val="eeeeee"/>
+            </a:solidFill>
+          </a:ln>
+        </p:spPr>
+        <p:txBody>
+          <a:bodyPr wrap="none" lIns="90000" rIns="90000" tIns="45000" bIns="45000" anchor="ctr"/>
+          <a:p>
+            <a:pPr algn="ctr">
+              <a:lnSpc>
+                <a:spcPct val="100000"/>
+              </a:lnSpc>
+            </a:pPr>
+            <a:r>
+              <a:rPr lang="en-US" sz="1400">
+                <a:latin typeface="Arial"/>
+              </a:rPr>
+              <a:t>Initialize UART</a:t>
+            </a:r>
+            <a:endParaRPr/>
+          </a:p>
+        </p:txBody>
+      </p:sp>
+      <p:sp>
+        <p:nvSpPr>
+          <p:cNvPr id="110" name="CustomShape 6"/>
+          <p:cNvSpPr/>
+          <p:nvPr/>
+        </p:nvSpPr>
+        <p:spPr>
+          <a:xfrm>
+            <a:off x="925200" y="3931920"/>
+            <a:ext cx="1828440" cy="365400"/>
+          </a:xfrm>
+          <a:prstGeom prst="rect">
+            <a:avLst/>
+          </a:prstGeom>
+          <a:solidFill>
+            <a:srgbClr val="729fcf"/>
+          </a:solidFill>
+          <a:ln>
+            <a:solidFill>
+              <a:srgbClr val="eeeeee"/>
+            </a:solidFill>
+          </a:ln>
+        </p:spPr>
+        <p:txBody>
+          <a:bodyPr wrap="none" lIns="90000" rIns="90000" tIns="45000" bIns="45000" anchor="ctr"/>
+          <a:p>
+            <a:pPr algn="ctr">
+              <a:lnSpc>
+                <a:spcPct val="100000"/>
+              </a:lnSpc>
+            </a:pPr>
+            <a:r>
+              <a:rPr lang="en-US" sz="1400">
+                <a:latin typeface="Arial"/>
+              </a:rPr>
+              <a:t>Initialize timer</a:t>
+            </a:r>
+            <a:endParaRPr/>
+          </a:p>
+        </p:txBody>
+      </p:sp>
+      <p:sp>
+        <p:nvSpPr>
+          <p:cNvPr id="111" name="CustomShape 7"/>
+          <p:cNvSpPr/>
+          <p:nvPr/>
+        </p:nvSpPr>
+        <p:spPr>
+          <a:xfrm>
+            <a:off x="925200" y="4572000"/>
+            <a:ext cx="1828440" cy="365400"/>
+          </a:xfrm>
+          <a:prstGeom prst="rect">
+            <a:avLst/>
+          </a:prstGeom>
+          <a:solidFill>
+            <a:srgbClr val="729fcf"/>
+          </a:solidFill>
+          <a:ln>
+            <a:solidFill>
+              <a:srgbClr val="eeeeee"/>
+            </a:solidFill>
+          </a:ln>
+        </p:spPr>
+        <p:txBody>
+          <a:bodyPr wrap="none" lIns="90000" rIns="90000" tIns="45000" bIns="45000" anchor="ctr"/>
+          <a:p>
+            <a:pPr algn="ctr">
+              <a:lnSpc>
+                <a:spcPct val="100000"/>
+              </a:lnSpc>
+            </a:pPr>
+            <a:r>
+              <a:rPr lang="en-US" sz="1400">
+                <a:latin typeface="Arial"/>
+              </a:rPr>
+              <a:t>Initialize ADC</a:t>
+            </a:r>
+            <a:endParaRPr/>
+          </a:p>
+        </p:txBody>
+      </p:sp>
+      <p:sp>
+        <p:nvSpPr>
+          <p:cNvPr id="112" name="CustomShape 8"/>
+          <p:cNvSpPr/>
+          <p:nvPr/>
+        </p:nvSpPr>
+        <p:spPr>
+          <a:xfrm>
+            <a:off x="925200" y="5212080"/>
+            <a:ext cx="1828440" cy="365400"/>
+          </a:xfrm>
+          <a:prstGeom prst="rect">
+            <a:avLst/>
+          </a:prstGeom>
+          <a:solidFill>
+            <a:srgbClr val="729fcf"/>
+          </a:solidFill>
+          <a:ln>
+            <a:solidFill>
+              <a:srgbClr val="eeeeee"/>
+            </a:solidFill>
+          </a:ln>
+        </p:spPr>
+        <p:txBody>
+          <a:bodyPr wrap="none" lIns="90000" rIns="90000" tIns="45000" bIns="45000" anchor="ctr"/>
+          <a:p>
+            <a:pPr algn="ctr">
+              <a:lnSpc>
+                <a:spcPct val="100000"/>
+              </a:lnSpc>
+            </a:pPr>
+            <a:r>
+              <a:rPr lang="en-US" sz="1400">
+                <a:latin typeface="Arial"/>
+              </a:rPr>
+              <a:t>Initialize LCD</a:t>
+            </a:r>
+            <a:endParaRPr/>
+          </a:p>
+        </p:txBody>
+      </p:sp>
+      <p:sp>
+        <p:nvSpPr>
+          <p:cNvPr id="113" name="Line 9"/>
+          <p:cNvSpPr/>
+          <p:nvPr/>
+        </p:nvSpPr>
+        <p:spPr>
+          <a:xfrm>
+            <a:off x="1839600" y="1600200"/>
+            <a:ext cx="0" cy="411480"/>
+          </a:xfrm>
+          <a:prstGeom prst="line">
+            <a:avLst/>
+          </a:prstGeom>
+          <a:ln>
+            <a:solidFill>
+              <a:srgbClr val="eeeeee"/>
+            </a:solidFill>
+            <a:tailEnd len="med" type="triangle" w="med"/>
+          </a:ln>
+        </p:spPr>
+      </p:sp>
+      <p:sp>
+        <p:nvSpPr>
+          <p:cNvPr id="114" name="CustomShape 10"/>
+          <p:cNvSpPr/>
+          <p:nvPr/>
+        </p:nvSpPr>
+        <p:spPr>
+          <a:xfrm>
+            <a:off x="925200" y="2011680"/>
+            <a:ext cx="1828440" cy="365400"/>
+          </a:xfrm>
+          <a:prstGeom prst="rect">
+            <a:avLst/>
+          </a:prstGeom>
+          <a:solidFill>
+            <a:srgbClr val="729fcf"/>
+          </a:solidFill>
+          <a:ln>
+            <a:solidFill>
+              <a:srgbClr val="eeeeee"/>
+            </a:solidFill>
+          </a:ln>
+        </p:spPr>
+        <p:txBody>
+          <a:bodyPr wrap="none" lIns="90000" rIns="90000" tIns="45000" bIns="45000" anchor="ctr"/>
+          <a:p>
+            <a:pPr algn="ctr">
+              <a:lnSpc>
+                <a:spcPct val="100000"/>
+              </a:lnSpc>
+            </a:pPr>
+            <a:r>
+              <a:rPr lang="en-US" sz="1400">
+                <a:latin typeface="Arial"/>
+              </a:rPr>
+              <a:t>Initialize clock</a:t>
+            </a:r>
+            <a:endParaRPr/>
+          </a:p>
+        </p:txBody>
+      </p:sp>
+      <p:sp>
+        <p:nvSpPr>
+          <p:cNvPr id="115" name="Line 11"/>
+          <p:cNvSpPr/>
+          <p:nvPr/>
+        </p:nvSpPr>
+        <p:spPr>
+          <a:xfrm>
+            <a:off x="1839600" y="3017520"/>
+            <a:ext cx="0" cy="274320"/>
+          </a:xfrm>
+          <a:prstGeom prst="line">
+            <a:avLst/>
+          </a:prstGeom>
+          <a:ln>
+            <a:solidFill>
+              <a:srgbClr val="eeeeee"/>
+            </a:solidFill>
+            <a:tailEnd len="med" type="triangle" w="med"/>
+          </a:ln>
+        </p:spPr>
+      </p:sp>
+      <p:sp>
+        <p:nvSpPr>
+          <p:cNvPr id="116" name="Line 12"/>
+          <p:cNvSpPr/>
+          <p:nvPr/>
+        </p:nvSpPr>
+        <p:spPr>
+          <a:xfrm>
+            <a:off x="1839600" y="2377440"/>
+            <a:ext cx="0" cy="274320"/>
+          </a:xfrm>
+          <a:prstGeom prst="line">
+            <a:avLst/>
+          </a:prstGeom>
+          <a:ln>
+            <a:solidFill>
+              <a:srgbClr val="eeeeee"/>
+            </a:solidFill>
+            <a:tailEnd len="med" type="triangle" w="med"/>
+          </a:ln>
+        </p:spPr>
+      </p:sp>
+      <p:sp>
+        <p:nvSpPr>
+          <p:cNvPr id="117" name="Line 13"/>
+          <p:cNvSpPr/>
+          <p:nvPr/>
+        </p:nvSpPr>
+        <p:spPr>
+          <a:xfrm>
+            <a:off x="1839600" y="3657600"/>
+            <a:ext cx="0" cy="274320"/>
+          </a:xfrm>
+          <a:prstGeom prst="line">
+            <a:avLst/>
+          </a:prstGeom>
+          <a:ln>
+            <a:solidFill>
+              <a:srgbClr val="eeeeee"/>
+            </a:solidFill>
+            <a:tailEnd len="med" type="triangle" w="med"/>
+          </a:ln>
+        </p:spPr>
+      </p:sp>
+      <p:sp>
+        <p:nvSpPr>
+          <p:cNvPr id="118" name="Line 14"/>
+          <p:cNvSpPr/>
+          <p:nvPr/>
+        </p:nvSpPr>
+        <p:spPr>
+          <a:xfrm>
+            <a:off x="1839600" y="4297680"/>
+            <a:ext cx="0" cy="274320"/>
+          </a:xfrm>
+          <a:prstGeom prst="line">
+            <a:avLst/>
+          </a:prstGeom>
+          <a:ln>
+            <a:solidFill>
+              <a:srgbClr val="eeeeee"/>
+            </a:solidFill>
+            <a:tailEnd len="med" type="triangle" w="med"/>
+          </a:ln>
+        </p:spPr>
+      </p:sp>
+      <p:sp>
+        <p:nvSpPr>
+          <p:cNvPr id="119" name="Line 15"/>
+          <p:cNvSpPr/>
+          <p:nvPr/>
+        </p:nvSpPr>
+        <p:spPr>
+          <a:xfrm>
+            <a:off x="1839600" y="4937760"/>
+            <a:ext cx="0" cy="274320"/>
+          </a:xfrm>
+          <a:prstGeom prst="line">
+            <a:avLst/>
+          </a:prstGeom>
+          <a:ln>
+            <a:solidFill>
+              <a:srgbClr val="eeeeee"/>
+            </a:solidFill>
+            <a:tailEnd len="med" type="triangle" w="med"/>
+          </a:ln>
+        </p:spPr>
+      </p:sp>
+      <p:sp>
+        <p:nvSpPr>
+          <p:cNvPr id="120" name="CustomShape 16"/>
+          <p:cNvSpPr/>
+          <p:nvPr/>
+        </p:nvSpPr>
+        <p:spPr>
+          <a:xfrm>
+            <a:off x="938880" y="5852160"/>
+            <a:ext cx="1828440" cy="365400"/>
+          </a:xfrm>
+          <a:prstGeom prst="rect">
+            <a:avLst/>
+          </a:prstGeom>
+          <a:solidFill>
+            <a:srgbClr val="729fcf"/>
+          </a:solidFill>
+          <a:ln>
+            <a:solidFill>
+              <a:srgbClr val="eeeeee"/>
+            </a:solidFill>
+          </a:ln>
+        </p:spPr>
+        <p:txBody>
+          <a:bodyPr wrap="none" lIns="90000" rIns="90000" tIns="45000" bIns="45000" anchor="ctr"/>
+          <a:p>
+            <a:pPr algn="ctr">
+              <a:lnSpc>
+                <a:spcPct val="100000"/>
+              </a:lnSpc>
+            </a:pPr>
+            <a:r>
+              <a:rPr lang="en-US" sz="1400">
+                <a:latin typeface="Arial"/>
+              </a:rPr>
+              <a:t>Initialize gyro</a:t>
+            </a:r>
+            <a:endParaRPr/>
+          </a:p>
+        </p:txBody>
+      </p:sp>
+      <p:sp>
+        <p:nvSpPr>
+          <p:cNvPr id="121" name="Line 17"/>
+          <p:cNvSpPr/>
+          <p:nvPr/>
+        </p:nvSpPr>
+        <p:spPr>
+          <a:xfrm>
+            <a:off x="1853280" y="5577840"/>
+            <a:ext cx="0" cy="274320"/>
+          </a:xfrm>
+          <a:prstGeom prst="line">
+            <a:avLst/>
+          </a:prstGeom>
+          <a:ln>
+            <a:solidFill>
+              <a:srgbClr val="eeeeee"/>
+            </a:solidFill>
+            <a:tailEnd len="med" type="triangle" w="med"/>
+          </a:ln>
+        </p:spPr>
+      </p:sp>
+      <p:sp>
+        <p:nvSpPr>
+          <p:cNvPr id="122" name="CustomShape 18"/>
+          <p:cNvSpPr/>
+          <p:nvPr/>
+        </p:nvSpPr>
+        <p:spPr>
+          <a:xfrm>
+            <a:off x="4230720" y="1280160"/>
+            <a:ext cx="1828440" cy="365400"/>
+          </a:xfrm>
+          <a:prstGeom prst="rect">
+            <a:avLst/>
+          </a:prstGeom>
+          <a:solidFill>
+            <a:srgbClr val="729fcf"/>
+          </a:solidFill>
+          <a:ln>
+            <a:solidFill>
+              <a:srgbClr val="eeeeee"/>
+            </a:solidFill>
+          </a:ln>
+        </p:spPr>
+        <p:txBody>
+          <a:bodyPr wrap="none" lIns="90000" rIns="90000" tIns="45000" bIns="45000" anchor="ctr"/>
+          <a:p>
+            <a:pPr algn="ctr">
+              <a:lnSpc>
+                <a:spcPct val="100000"/>
+              </a:lnSpc>
+            </a:pPr>
+            <a:r>
+              <a:rPr lang="en-US" sz="1400">
+                <a:latin typeface="Arial"/>
+              </a:rPr>
+              <a:t>Capture phone number</a:t>
+            </a:r>
+            <a:endParaRPr/>
+          </a:p>
+        </p:txBody>
+      </p:sp>
+      <p:sp>
+        <p:nvSpPr>
+          <p:cNvPr id="123" name="Line 19"/>
+          <p:cNvSpPr/>
+          <p:nvPr/>
+        </p:nvSpPr>
+        <p:spPr>
+          <a:xfrm>
+            <a:off x="0" y="0"/>
+            <a:ext cx="360" cy="360"/>
+          </a:xfrm>
+          <a:prstGeom prst="line">
+            <a:avLst/>
+          </a:prstGeom>
+          <a:ln>
+            <a:solidFill>
+              <a:srgbClr val="eeeeee"/>
+            </a:solidFill>
+            <a:tailEnd len="med" type="triangle" w="med"/>
+          </a:ln>
+        </p:spPr>
+      </p:sp>
+      <p:sp>
+        <p:nvSpPr>
+          <p:cNvPr id="124" name="CustomShape 20"/>
+          <p:cNvSpPr/>
+          <p:nvPr/>
+        </p:nvSpPr>
+        <p:spPr>
+          <a:xfrm>
+            <a:off x="4230720" y="1920240"/>
+            <a:ext cx="1828440" cy="365400"/>
+          </a:xfrm>
+          <a:prstGeom prst="rect">
+            <a:avLst/>
+          </a:prstGeom>
+          <a:solidFill>
+            <a:srgbClr val="729fcf"/>
+          </a:solidFill>
+          <a:ln>
+            <a:solidFill>
+              <a:srgbClr val="eeeeee"/>
+            </a:solidFill>
+          </a:ln>
+        </p:spPr>
+        <p:txBody>
+          <a:bodyPr wrap="none" lIns="90000" rIns="90000" tIns="45000" bIns="45000" anchor="ctr"/>
+          <a:p>
+            <a:pPr algn="ctr">
+              <a:lnSpc>
+                <a:spcPct val="100000"/>
+              </a:lnSpc>
+            </a:pPr>
+            <a:r>
+              <a:rPr lang="en-US" sz="1400">
+                <a:latin typeface="Arial"/>
+              </a:rPr>
+              <a:t>Initialize FONA</a:t>
+            </a:r>
+            <a:endParaRPr/>
+          </a:p>
+        </p:txBody>
+      </p:sp>
+      <p:sp>
+        <p:nvSpPr>
+          <p:cNvPr id="125" name="Line 21"/>
+          <p:cNvSpPr/>
+          <p:nvPr/>
+        </p:nvSpPr>
+        <p:spPr>
+          <a:xfrm>
+            <a:off x="5145120" y="1645920"/>
+            <a:ext cx="0" cy="274320"/>
+          </a:xfrm>
+          <a:prstGeom prst="line">
+            <a:avLst/>
+          </a:prstGeom>
+          <a:ln>
+            <a:solidFill>
+              <a:srgbClr val="eeeeee"/>
+            </a:solidFill>
+            <a:tailEnd len="med" type="triangle" w="med"/>
+          </a:ln>
+        </p:spPr>
+      </p:sp>
+      <p:sp>
+        <p:nvSpPr>
+          <p:cNvPr id="126" name="CustomShape 22"/>
+          <p:cNvSpPr/>
+          <p:nvPr/>
+        </p:nvSpPr>
+        <p:spPr>
+          <a:xfrm>
+            <a:off x="4230720" y="2560320"/>
+            <a:ext cx="1828440" cy="365400"/>
+          </a:xfrm>
+          <a:prstGeom prst="rect">
+            <a:avLst/>
+          </a:prstGeom>
+          <a:solidFill>
+            <a:srgbClr val="729fcf"/>
+          </a:solidFill>
+          <a:ln>
+            <a:solidFill>
+              <a:srgbClr val="eeeeee"/>
+            </a:solidFill>
+          </a:ln>
+        </p:spPr>
+        <p:txBody>
+          <a:bodyPr wrap="none" lIns="90000" rIns="90000" tIns="45000" bIns="45000" anchor="ctr"/>
+          <a:p>
+            <a:pPr algn="ctr">
+              <a:lnSpc>
+                <a:spcPct val="100000"/>
+              </a:lnSpc>
+            </a:pPr>
+            <a:r>
+              <a:rPr lang="en-US" sz="1400">
+                <a:latin typeface="Arial"/>
+              </a:rPr>
+              <a:t>Read gyro</a:t>
+            </a:r>
+            <a:endParaRPr/>
+          </a:p>
+        </p:txBody>
+      </p:sp>
+      <p:sp>
+        <p:nvSpPr>
+          <p:cNvPr id="127" name="CustomShape 23"/>
+          <p:cNvSpPr/>
+          <p:nvPr/>
+        </p:nvSpPr>
+        <p:spPr>
+          <a:xfrm>
+            <a:off x="4230720" y="3200400"/>
+            <a:ext cx="1828440" cy="365400"/>
+          </a:xfrm>
+          <a:prstGeom prst="rect">
+            <a:avLst/>
+          </a:prstGeom>
+          <a:solidFill>
+            <a:srgbClr val="729fcf"/>
+          </a:solidFill>
+          <a:ln>
+            <a:solidFill>
+              <a:srgbClr val="eeeeee"/>
+            </a:solidFill>
+          </a:ln>
+        </p:spPr>
+        <p:txBody>
+          <a:bodyPr wrap="none" lIns="90000" rIns="90000" tIns="45000" bIns="45000" anchor="ctr"/>
+          <a:p>
+            <a:pPr algn="ctr">
+              <a:lnSpc>
+                <a:spcPct val="100000"/>
+              </a:lnSpc>
+            </a:pPr>
+            <a:r>
+              <a:rPr lang="en-US" sz="1400">
+                <a:latin typeface="Arial"/>
+              </a:rPr>
+              <a:t>Check heart rate</a:t>
+            </a:r>
+            <a:endParaRPr/>
+          </a:p>
+        </p:txBody>
+      </p:sp>
+      <p:sp>
+        <p:nvSpPr>
+          <p:cNvPr id="128" name="Line 24"/>
+          <p:cNvSpPr/>
+          <p:nvPr/>
+        </p:nvSpPr>
+        <p:spPr>
+          <a:xfrm>
+            <a:off x="5145120" y="2286000"/>
+            <a:ext cx="0" cy="274320"/>
+          </a:xfrm>
+          <a:prstGeom prst="line">
+            <a:avLst/>
+          </a:prstGeom>
+          <a:ln>
+            <a:solidFill>
+              <a:srgbClr val="eeeeee"/>
+            </a:solidFill>
+            <a:tailEnd len="med" type="triangle" w="med"/>
+          </a:ln>
+        </p:spPr>
+      </p:sp>
+      <p:sp>
+        <p:nvSpPr>
+          <p:cNvPr id="129" name="Line 25"/>
+          <p:cNvSpPr/>
+          <p:nvPr/>
+        </p:nvSpPr>
+        <p:spPr>
+          <a:xfrm>
+            <a:off x="5145120" y="2926080"/>
+            <a:ext cx="0" cy="274320"/>
+          </a:xfrm>
+          <a:prstGeom prst="line">
+            <a:avLst/>
+          </a:prstGeom>
+          <a:ln>
+            <a:solidFill>
+              <a:srgbClr val="eeeeee"/>
+            </a:solidFill>
+            <a:tailEnd len="med" type="triangle" w="med"/>
+          </a:ln>
+        </p:spPr>
+      </p:sp>
+      <p:sp>
+        <p:nvSpPr>
+          <p:cNvPr id="130" name="CustomShape 26"/>
+          <p:cNvSpPr/>
+          <p:nvPr/>
+        </p:nvSpPr>
+        <p:spPr>
+          <a:xfrm>
+            <a:off x="4541040" y="3840480"/>
+            <a:ext cx="1188360" cy="1096920"/>
+          </a:xfrm>
+          <a:prstGeom prst="diamond">
+            <a:avLst/>
+          </a:prstGeom>
+          <a:solidFill>
+            <a:srgbClr val="729fcf"/>
+          </a:solidFill>
+          <a:ln>
+            <a:solidFill>
+              <a:srgbClr val="eeeeee"/>
+            </a:solidFill>
+          </a:ln>
+        </p:spPr>
+        <p:txBody>
+          <a:bodyPr wrap="none" lIns="90000" rIns="90000" tIns="45000" bIns="45000" anchor="ctr"/>
+          <a:p>
+            <a:pPr algn="ctr">
+              <a:lnSpc>
+                <a:spcPct val="100000"/>
+              </a:lnSpc>
+            </a:pPr>
+            <a:r>
+              <a:rPr lang="en-US">
+                <a:latin typeface="Arial"/>
+              </a:rPr>
+              <a:t>Distress?</a:t>
+            </a:r>
+            <a:endParaRPr/>
+          </a:p>
+        </p:txBody>
+      </p:sp>
+      <p:sp>
+        <p:nvSpPr>
+          <p:cNvPr id="131" name="Line 27"/>
+          <p:cNvSpPr/>
+          <p:nvPr/>
+        </p:nvSpPr>
+        <p:spPr>
+          <a:xfrm>
+            <a:off x="5145120" y="3566160"/>
+            <a:ext cx="0" cy="274320"/>
+          </a:xfrm>
+          <a:prstGeom prst="line">
+            <a:avLst/>
+          </a:prstGeom>
+          <a:ln>
+            <a:solidFill>
+              <a:srgbClr val="eeeeee"/>
+            </a:solidFill>
+            <a:tailEnd len="med" type="triangle" w="med"/>
+          </a:ln>
+        </p:spPr>
+      </p:sp>
+      <p:sp>
+        <p:nvSpPr>
+          <p:cNvPr id="132" name="CustomShape 28"/>
+          <p:cNvSpPr/>
+          <p:nvPr/>
+        </p:nvSpPr>
+        <p:spPr>
+          <a:xfrm>
+            <a:off x="6333840" y="4225680"/>
+            <a:ext cx="1828440" cy="365400"/>
+          </a:xfrm>
+          <a:prstGeom prst="rect">
+            <a:avLst/>
+          </a:prstGeom>
+          <a:solidFill>
+            <a:srgbClr val="729fcf"/>
+          </a:solidFill>
+          <a:ln>
+            <a:solidFill>
+              <a:srgbClr val="eeeeee"/>
+            </a:solidFill>
+          </a:ln>
+        </p:spPr>
+        <p:txBody>
+          <a:bodyPr wrap="none" lIns="90000" rIns="90000" tIns="45000" bIns="45000" anchor="ctr"/>
+          <a:p>
+            <a:pPr algn="ctr">
+              <a:lnSpc>
+                <a:spcPct val="100000"/>
+              </a:lnSpc>
+            </a:pPr>
+            <a:r>
+              <a:rPr lang="en-US" sz="1400">
+                <a:latin typeface="Arial"/>
+              </a:rPr>
+              <a:t>Get GPS location</a:t>
+            </a:r>
+            <a:endParaRPr/>
+          </a:p>
+        </p:txBody>
+      </p:sp>
+      <p:sp>
+        <p:nvSpPr>
+          <p:cNvPr id="133" name="CustomShape 29"/>
+          <p:cNvSpPr/>
+          <p:nvPr/>
+        </p:nvSpPr>
+        <p:spPr>
+          <a:xfrm>
+            <a:off x="6333840" y="5486400"/>
+            <a:ext cx="1828440" cy="365400"/>
+          </a:xfrm>
+          <a:prstGeom prst="rect">
+            <a:avLst/>
+          </a:prstGeom>
+          <a:solidFill>
+            <a:srgbClr val="729fcf"/>
+          </a:solidFill>
+          <a:ln>
+            <a:solidFill>
+              <a:srgbClr val="eeeeee"/>
+            </a:solidFill>
+          </a:ln>
+        </p:spPr>
+        <p:txBody>
+          <a:bodyPr wrap="none" lIns="90000" rIns="90000" tIns="45000" bIns="45000" anchor="ctr"/>
+          <a:p>
+            <a:pPr algn="ctr">
+              <a:lnSpc>
+                <a:spcPct val="100000"/>
+              </a:lnSpc>
+            </a:pPr>
+            <a:r>
+              <a:rPr lang="en-US" sz="1400">
+                <a:latin typeface="Arial"/>
+              </a:rPr>
+              <a:t>Print to LCD</a:t>
+            </a:r>
+            <a:endParaRPr/>
+          </a:p>
+        </p:txBody>
+      </p:sp>
+      <p:sp>
+        <p:nvSpPr>
+          <p:cNvPr id="134" name="Line 30"/>
+          <p:cNvSpPr/>
+          <p:nvPr/>
+        </p:nvSpPr>
+        <p:spPr>
+          <a:xfrm>
+            <a:off x="5729760" y="4389120"/>
+            <a:ext cx="604080" cy="0"/>
+          </a:xfrm>
+          <a:prstGeom prst="line">
+            <a:avLst/>
+          </a:prstGeom>
+          <a:ln>
+            <a:solidFill>
+              <a:srgbClr val="eeeeee"/>
+            </a:solidFill>
+            <a:tailEnd len="med" type="triangle" w="med"/>
+          </a:ln>
+        </p:spPr>
+      </p:sp>
+      <p:sp>
+        <p:nvSpPr>
+          <p:cNvPr id="135" name="Line 31"/>
+          <p:cNvSpPr/>
+          <p:nvPr/>
+        </p:nvSpPr>
+        <p:spPr>
+          <a:xfrm>
+            <a:off x="7248240" y="4591440"/>
+            <a:ext cx="0" cy="274320"/>
+          </a:xfrm>
+          <a:prstGeom prst="line">
+            <a:avLst/>
+          </a:prstGeom>
+          <a:ln>
+            <a:solidFill>
+              <a:srgbClr val="eeeeee"/>
+            </a:solidFill>
+            <a:tailEnd len="med" type="triangle" w="med"/>
+          </a:ln>
+        </p:spPr>
+      </p:sp>
+      <p:sp>
+        <p:nvSpPr>
+          <p:cNvPr id="136" name="Line 32"/>
+          <p:cNvSpPr/>
+          <p:nvPr/>
+        </p:nvSpPr>
+        <p:spPr>
+          <a:xfrm>
+            <a:off x="0" y="0"/>
+            <a:ext cx="360" cy="360"/>
+          </a:xfrm>
+          <a:prstGeom prst="line">
+            <a:avLst/>
+          </a:prstGeom>
+          <a:ln>
+            <a:solidFill>
+              <a:srgbClr val="eeeeee"/>
+            </a:solidFill>
+            <a:tailEnd len="med" type="triangle" w="med"/>
+          </a:ln>
+        </p:spPr>
+      </p:sp>
+      <p:sp>
+        <p:nvSpPr>
+          <p:cNvPr id="137" name="CustomShape 33"/>
+          <p:cNvSpPr/>
+          <p:nvPr/>
+        </p:nvSpPr>
+        <p:spPr>
+          <a:xfrm>
+            <a:off x="6333840" y="4846320"/>
+            <a:ext cx="1828440" cy="365400"/>
+          </a:xfrm>
+          <a:prstGeom prst="rect">
+            <a:avLst/>
+          </a:prstGeom>
+          <a:solidFill>
+            <a:srgbClr val="729fcf"/>
+          </a:solidFill>
+          <a:ln>
+            <a:solidFill>
+              <a:srgbClr val="eeeeee"/>
+            </a:solidFill>
+          </a:ln>
+        </p:spPr>
+        <p:txBody>
+          <a:bodyPr wrap="none" lIns="90000" rIns="90000" tIns="45000" bIns="45000" anchor="ctr"/>
+          <a:p>
+            <a:pPr algn="ctr">
+              <a:lnSpc>
+                <a:spcPct val="100000"/>
+              </a:lnSpc>
+            </a:pPr>
+            <a:r>
+              <a:rPr lang="en-US" sz="1400">
+                <a:latin typeface="Arial"/>
+              </a:rPr>
+              <a:t>Send SMS</a:t>
+            </a:r>
+            <a:endParaRPr/>
+          </a:p>
+        </p:txBody>
+      </p:sp>
+      <p:sp>
+        <p:nvSpPr>
+          <p:cNvPr id="138" name="Line 34"/>
+          <p:cNvSpPr/>
+          <p:nvPr/>
+        </p:nvSpPr>
+        <p:spPr>
+          <a:xfrm>
+            <a:off x="7248240" y="5212080"/>
+            <a:ext cx="0" cy="274320"/>
+          </a:xfrm>
+          <a:prstGeom prst="line">
+            <a:avLst/>
+          </a:prstGeom>
+          <a:ln>
+            <a:solidFill>
+              <a:srgbClr val="eeeeee"/>
+            </a:solidFill>
+            <a:tailEnd len="med" type="triangle" w="med"/>
+          </a:ln>
+        </p:spPr>
+      </p:sp>
+      <p:sp>
+        <p:nvSpPr>
+          <p:cNvPr id="139" name="Line 35"/>
+          <p:cNvSpPr/>
+          <p:nvPr/>
+        </p:nvSpPr>
+        <p:spPr>
+          <a:xfrm>
+            <a:off x="0" y="0"/>
+            <a:ext cx="360" cy="360"/>
+          </a:xfrm>
+          <a:prstGeom prst="line">
+            <a:avLst/>
+          </a:prstGeom>
+          <a:ln>
+            <a:solidFill>
+              <a:srgbClr val="eeeeee"/>
+            </a:solidFill>
+            <a:tailEnd len="med" type="triangle" w="med"/>
+          </a:ln>
+        </p:spPr>
+      </p:sp>
+      <p:cxnSp>
+        <p:nvCxnSpPr>
+          <p:cNvPr id="140" name="Line 36"/>
+          <p:cNvCxnSpPr/>
+          <p:nvPr/>
+        </p:nvCxnSpPr>
+        <p:spPr>
+          <a:xfrm>
+            <a:off x="0" y="0"/>
+            <a:ext cx="360" cy="360"/>
+          </a:xfrm>
+          <a:prstGeom prst="line">
+            <a:avLst/>
+          </a:prstGeom>
+          <a:ln>
+            <a:solidFill>
+              <a:srgbClr val="eeeeee"/>
+            </a:solidFill>
+            <a:tailEnd len="med" type="triangle" w="med"/>
+          </a:ln>
+        </p:spPr>
+      </p:cxnSp>
+      <p:cxnSp>
+        <p:nvCxnSpPr>
+          <p:cNvPr id="141" name="Line 37"/>
+          <p:cNvCxnSpPr/>
+          <p:nvPr/>
+        </p:nvCxnSpPr>
+        <p:spPr>
+          <a:xfrm>
+            <a:off x="0" y="0"/>
+            <a:ext cx="360" cy="360"/>
+          </a:xfrm>
+          <a:prstGeom prst="line">
+            <a:avLst/>
+          </a:prstGeom>
+          <a:ln>
+            <a:solidFill>
+              <a:srgbClr val="eeeeee"/>
+            </a:solidFill>
+            <a:tailEnd len="med" type="triangle" w="med"/>
+          </a:ln>
+        </p:spPr>
+      </p:cxnSp>
+      <p:cxnSp>
+        <p:nvCxnSpPr>
+          <p:cNvPr id="142" name="Line 38"/>
+          <p:cNvCxnSpPr/>
+          <p:nvPr/>
+        </p:nvCxnSpPr>
+        <p:spPr>
+          <a:xfrm>
+            <a:off x="0" y="0"/>
+            <a:ext cx="360" cy="360"/>
+          </a:xfrm>
+          <a:prstGeom prst="line">
+            <a:avLst/>
+          </a:prstGeom>
+          <a:ln>
+            <a:solidFill>
+              <a:srgbClr val="eeeeee"/>
+            </a:solidFill>
+            <a:tailEnd len="med" type="triangle" w="med"/>
+          </a:ln>
+        </p:spPr>
+      </p:cxnSp>
+      <p:sp>
+        <p:nvSpPr>
+          <p:cNvPr id="143" name="TextShape 39"/>
+          <p:cNvSpPr txBox="1"/>
+          <p:nvPr/>
+        </p:nvSpPr>
+        <p:spPr>
+          <a:xfrm>
+            <a:off x="5669280" y="4114800"/>
+            <a:ext cx="640080" cy="346320"/>
+          </a:xfrm>
+          <a:prstGeom prst="rect">
+            <a:avLst/>
+          </a:prstGeom>
+        </p:spPr>
+        <p:txBody>
+          <a:bodyPr lIns="90000" rIns="90000" tIns="45000" bIns="45000"/>
+          <a:p>
+            <a:r>
+              <a:rPr lang="en-US">
+                <a:latin typeface="Arial"/>
+              </a:rPr>
+              <a:t>Yes</a:t>
+            </a:r>
+            <a:endParaRPr/>
+          </a:p>
+        </p:txBody>
+      </p:sp>
+      <p:sp>
+        <p:nvSpPr>
+          <p:cNvPr id="144" name="TextShape 40"/>
+          <p:cNvSpPr txBox="1"/>
+          <p:nvPr/>
+        </p:nvSpPr>
+        <p:spPr>
+          <a:xfrm>
+            <a:off x="4114800" y="4114800"/>
+            <a:ext cx="640080" cy="346320"/>
+          </a:xfrm>
+          <a:prstGeom prst="rect">
+            <a:avLst/>
+          </a:prstGeom>
+        </p:spPr>
+        <p:txBody>
+          <a:bodyPr lIns="90000" rIns="90000" tIns="45000" bIns="45000"/>
+          <a:p>
+            <a:r>
+              <a:rPr lang="en-US">
+                <a:latin typeface="Arial"/>
+              </a:rPr>
+              <a:t>No</a:t>
+            </a:r>
+            <a:endParaRPr/>
+          </a:p>
+        </p:txBody>
+      </p:sp>
     </p:spTree>
   </p:cSld>
   <p:timing>
@@ -4587,14 +5763,14 @@
       </p:grpSpPr>
       <p:sp>
         <p:nvSpPr>
-          <p:cNvPr id="107" name="CustomShape 1"/>
+          <p:cNvPr id="145" name="CustomShape 1"/>
           <p:cNvSpPr/>
           <p:nvPr/>
         </p:nvSpPr>
         <p:spPr>
           <a:xfrm>
             <a:off x="457200" y="274680"/>
-            <a:ext cx="7466760" cy="1142280"/>
+            <a:ext cx="7040520" cy="1142280"/>
           </a:xfrm>
           <a:prstGeom prst="rect">
             <a:avLst/>
@@ -4617,1908 +5793,31 @@
           </a:p>
         </p:txBody>
       </p:sp>
-      <p:sp>
-        <p:nvSpPr>
-          <p:cNvPr id="108" name="CustomShape 2"/>
-          <p:cNvSpPr/>
-          <p:nvPr/>
-        </p:nvSpPr>
-        <p:spPr>
-          <a:xfrm rot="18900000">
-            <a:off x="7574400" y="5939640"/>
-            <a:ext cx="1033200" cy="295920"/>
-          </a:xfrm>
-          <a:prstGeom prst="rect">
-            <a:avLst/>
-          </a:prstGeom>
-          <a:noFill/>
+      <p:pic>
+        <p:nvPicPr>
+          <p:cNvPr id="146" name="" descr=""/>
+          <p:cNvPicPr/>
+          <p:nvPr/>
+        </p:nvPicPr>
+        <p:blipFill>
+          <a:blip r:embed="rId1"/>
+          <a:stretch>
+            <a:fillRect/>
+          </a:stretch>
+        </p:blipFill>
+        <p:spPr>
+          <a:xfrm>
+            <a:off x="2651040" y="2667960"/>
+            <a:ext cx="3658320" cy="1446840"/>
+          </a:xfrm>
+          <a:prstGeom prst="rect">
+            <a:avLst/>
+          </a:prstGeom>
           <a:ln>
             <a:noFill/>
           </a:ln>
         </p:spPr>
-        <p:txBody>
-          <a:bodyPr lIns="90000" rIns="90000" tIns="45000" bIns="45000"/>
-          <a:p>
-            <a:r>
-              <a:rPr lang="en-US" sz="1400">
-                <a:latin typeface="Arial"/>
-              </a:rPr>
-              <a:t>12/8/2015</a:t>
-            </a:r>
-            <a:endParaRPr/>
-          </a:p>
-        </p:txBody>
-      </p:sp>
-      <p:sp>
-        <p:nvSpPr>
-          <p:cNvPr id="109" name="Line 3"/>
-          <p:cNvSpPr/>
-          <p:nvPr/>
-        </p:nvSpPr>
-        <p:spPr>
-          <a:xfrm flipV="1">
-            <a:off x="8326440" y="5510520"/>
-            <a:ext cx="330120" cy="330120"/>
-          </a:xfrm>
-          <a:prstGeom prst="line">
-            <a:avLst/>
-          </a:prstGeom>
-          <a:ln>
-            <a:solidFill>
-              <a:srgbClr val="ff3333"/>
-            </a:solidFill>
-          </a:ln>
-        </p:spPr>
-      </p:sp>
-      <p:sp>
-        <p:nvSpPr>
-          <p:cNvPr id="110" name="Line 4"/>
-          <p:cNvSpPr/>
-          <p:nvPr/>
-        </p:nvSpPr>
-        <p:spPr>
-          <a:xfrm flipV="1">
-            <a:off x="8645400" y="5144040"/>
-            <a:ext cx="0" cy="366840"/>
-          </a:xfrm>
-          <a:prstGeom prst="line">
-            <a:avLst/>
-          </a:prstGeom>
-          <a:ln>
-            <a:solidFill>
-              <a:srgbClr val="ff3333"/>
-            </a:solidFill>
-            <a:tailEnd len="med" type="triangle" w="med"/>
-          </a:ln>
-        </p:spPr>
-      </p:sp>
-      <p:sp>
-        <p:nvSpPr>
-          <p:cNvPr id="111" name="CustomShape 5"/>
-          <p:cNvSpPr/>
-          <p:nvPr/>
-        </p:nvSpPr>
-        <p:spPr>
-          <a:xfrm rot="18900000">
-            <a:off x="6984000" y="5939640"/>
-            <a:ext cx="1033200" cy="295920"/>
-          </a:xfrm>
-          <a:prstGeom prst="rect">
-            <a:avLst/>
-          </a:prstGeom>
-          <a:noFill/>
-          <a:ln>
-            <a:noFill/>
-          </a:ln>
-        </p:spPr>
-        <p:txBody>
-          <a:bodyPr lIns="90000" rIns="90000" tIns="45000" bIns="45000"/>
-          <a:p>
-            <a:r>
-              <a:rPr lang="en-US" sz="1400">
-                <a:latin typeface="Arial"/>
-              </a:rPr>
-              <a:t>12/1/2015</a:t>
-            </a:r>
-            <a:endParaRPr/>
-          </a:p>
-        </p:txBody>
-      </p:sp>
-      <p:sp>
-        <p:nvSpPr>
-          <p:cNvPr id="112" name="Line 6"/>
-          <p:cNvSpPr/>
-          <p:nvPr/>
-        </p:nvSpPr>
-        <p:spPr>
-          <a:xfrm flipV="1">
-            <a:off x="7772040" y="5510520"/>
-            <a:ext cx="330120" cy="330120"/>
-          </a:xfrm>
-          <a:prstGeom prst="line">
-            <a:avLst/>
-          </a:prstGeom>
-          <a:ln>
-            <a:solidFill>
-              <a:srgbClr val="ffffff"/>
-            </a:solidFill>
-          </a:ln>
-        </p:spPr>
-      </p:sp>
-      <p:sp>
-        <p:nvSpPr>
-          <p:cNvPr id="113" name="Line 7"/>
-          <p:cNvSpPr/>
-          <p:nvPr/>
-        </p:nvSpPr>
-        <p:spPr>
-          <a:xfrm flipV="1">
-            <a:off x="8091000" y="5144040"/>
-            <a:ext cx="0" cy="366840"/>
-          </a:xfrm>
-          <a:prstGeom prst="line">
-            <a:avLst/>
-          </a:prstGeom>
-          <a:ln>
-            <a:solidFill>
-              <a:srgbClr val="ffffff"/>
-            </a:solidFill>
-            <a:tailEnd len="med" type="triangle" w="med"/>
-          </a:ln>
-        </p:spPr>
-      </p:sp>
-      <p:sp>
-        <p:nvSpPr>
-          <p:cNvPr id="114" name="CustomShape 8"/>
-          <p:cNvSpPr/>
-          <p:nvPr/>
-        </p:nvSpPr>
-        <p:spPr>
-          <a:xfrm rot="18900000">
-            <a:off x="6359400" y="5962680"/>
-            <a:ext cx="1199520" cy="295920"/>
-          </a:xfrm>
-          <a:prstGeom prst="rect">
-            <a:avLst/>
-          </a:prstGeom>
-          <a:noFill/>
-          <a:ln>
-            <a:noFill/>
-          </a:ln>
-        </p:spPr>
-        <p:txBody>
-          <a:bodyPr lIns="90000" rIns="90000" tIns="45000" bIns="45000"/>
-          <a:p>
-            <a:r>
-              <a:rPr lang="en-US" sz="1400">
-                <a:latin typeface="Arial"/>
-              </a:rPr>
-              <a:t>11/24/2015</a:t>
-            </a:r>
-            <a:endParaRPr/>
-          </a:p>
-        </p:txBody>
-      </p:sp>
-      <p:sp>
-        <p:nvSpPr>
-          <p:cNvPr id="115" name="Line 9"/>
-          <p:cNvSpPr/>
-          <p:nvPr/>
-        </p:nvSpPr>
-        <p:spPr>
-          <a:xfrm flipV="1">
-            <a:off x="7253640" y="5510520"/>
-            <a:ext cx="330120" cy="330120"/>
-          </a:xfrm>
-          <a:prstGeom prst="line">
-            <a:avLst/>
-          </a:prstGeom>
-          <a:ln>
-            <a:solidFill>
-              <a:srgbClr val="ffffff"/>
-            </a:solidFill>
-          </a:ln>
-        </p:spPr>
-      </p:sp>
-      <p:sp>
-        <p:nvSpPr>
-          <p:cNvPr id="116" name="Line 10"/>
-          <p:cNvSpPr/>
-          <p:nvPr/>
-        </p:nvSpPr>
-        <p:spPr>
-          <a:xfrm flipV="1">
-            <a:off x="7572600" y="5144040"/>
-            <a:ext cx="0" cy="366840"/>
-          </a:xfrm>
-          <a:prstGeom prst="line">
-            <a:avLst/>
-          </a:prstGeom>
-          <a:ln>
-            <a:solidFill>
-              <a:srgbClr val="ffffff"/>
-            </a:solidFill>
-            <a:tailEnd len="med" type="triangle" w="med"/>
-          </a:ln>
-        </p:spPr>
-      </p:sp>
-      <p:sp>
-        <p:nvSpPr>
-          <p:cNvPr id="117" name="Line 11"/>
-          <p:cNvSpPr/>
-          <p:nvPr/>
-        </p:nvSpPr>
-        <p:spPr>
-          <a:xfrm>
-            <a:off x="8663760" y="4412880"/>
-            <a:ext cx="0" cy="306360"/>
-          </a:xfrm>
-          <a:prstGeom prst="line">
-            <a:avLst/>
-          </a:prstGeom>
-          <a:ln>
-            <a:solidFill>
-              <a:srgbClr val="ff3333"/>
-            </a:solidFill>
-            <a:tailEnd len="med" type="diamond" w="med"/>
-          </a:ln>
-        </p:spPr>
-      </p:sp>
-      <p:sp>
-        <p:nvSpPr>
-          <p:cNvPr id="118" name="CustomShape 12"/>
-          <p:cNvSpPr/>
-          <p:nvPr/>
-        </p:nvSpPr>
-        <p:spPr>
-          <a:xfrm>
-            <a:off x="8376480" y="4190400"/>
-            <a:ext cx="914040" cy="289800"/>
-          </a:xfrm>
-          <a:prstGeom prst="rect">
-            <a:avLst/>
-          </a:prstGeom>
-          <a:noFill/>
-          <a:ln>
-            <a:noFill/>
-          </a:ln>
-        </p:spPr>
-        <p:txBody>
-          <a:bodyPr lIns="90000" rIns="90000" tIns="45000" bIns="45000"/>
-          <a:p>
-            <a:r>
-              <a:rPr lang="en-US" sz="1400">
-                <a:solidFill>
-                  <a:srgbClr val="ff3333"/>
-                </a:solidFill>
-                <a:latin typeface="Arial"/>
-              </a:rPr>
-              <a:t>Demo!</a:t>
-            </a:r>
-            <a:endParaRPr/>
-          </a:p>
-        </p:txBody>
-      </p:sp>
-      <p:sp>
-        <p:nvSpPr>
-          <p:cNvPr id="119" name="CustomShape 13"/>
-          <p:cNvSpPr/>
-          <p:nvPr/>
-        </p:nvSpPr>
-        <p:spPr>
-          <a:xfrm>
-            <a:off x="7370640" y="3657600"/>
-            <a:ext cx="1919880" cy="489600"/>
-          </a:xfrm>
-          <a:prstGeom prst="rect">
-            <a:avLst/>
-          </a:prstGeom>
-          <a:noFill/>
-          <a:ln>
-            <a:noFill/>
-          </a:ln>
-        </p:spPr>
-        <p:txBody>
-          <a:bodyPr lIns="90000" rIns="90000" tIns="45000" bIns="45000"/>
-          <a:p>
-            <a:r>
-              <a:rPr lang="en-US" sz="1400">
-                <a:latin typeface="Arial"/>
-              </a:rPr>
-              <a:t>Complete pulse/SMS code</a:t>
-            </a:r>
-            <a:endParaRPr/>
-          </a:p>
-        </p:txBody>
-      </p:sp>
-      <p:sp>
-        <p:nvSpPr>
-          <p:cNvPr id="120" name="CustomShape 14"/>
-          <p:cNvSpPr/>
-          <p:nvPr/>
-        </p:nvSpPr>
-        <p:spPr>
-          <a:xfrm rot="18900000">
-            <a:off x="5805000" y="5963040"/>
-            <a:ext cx="1199520" cy="295920"/>
-          </a:xfrm>
-          <a:prstGeom prst="rect">
-            <a:avLst/>
-          </a:prstGeom>
-          <a:noFill/>
-          <a:ln>
-            <a:noFill/>
-          </a:ln>
-        </p:spPr>
-        <p:txBody>
-          <a:bodyPr lIns="90000" rIns="90000" tIns="45000" bIns="45000"/>
-          <a:p>
-            <a:r>
-              <a:rPr lang="en-US" sz="1400">
-                <a:latin typeface="Arial"/>
-              </a:rPr>
-              <a:t>11/17/2015</a:t>
-            </a:r>
-            <a:endParaRPr/>
-          </a:p>
-        </p:txBody>
-      </p:sp>
-      <p:sp>
-        <p:nvSpPr>
-          <p:cNvPr id="121" name="Line 15"/>
-          <p:cNvSpPr/>
-          <p:nvPr/>
-        </p:nvSpPr>
-        <p:spPr>
-          <a:xfrm flipV="1">
-            <a:off x="6699240" y="5510880"/>
-            <a:ext cx="330120" cy="330120"/>
-          </a:xfrm>
-          <a:prstGeom prst="line">
-            <a:avLst/>
-          </a:prstGeom>
-          <a:ln>
-            <a:solidFill>
-              <a:srgbClr val="ffffff"/>
-            </a:solidFill>
-          </a:ln>
-        </p:spPr>
-      </p:sp>
-      <p:sp>
-        <p:nvSpPr>
-          <p:cNvPr id="122" name="Line 16"/>
-          <p:cNvSpPr/>
-          <p:nvPr/>
-        </p:nvSpPr>
-        <p:spPr>
-          <a:xfrm flipV="1">
-            <a:off x="7018200" y="5144400"/>
-            <a:ext cx="0" cy="366840"/>
-          </a:xfrm>
-          <a:prstGeom prst="line">
-            <a:avLst/>
-          </a:prstGeom>
-          <a:ln>
-            <a:solidFill>
-              <a:srgbClr val="ffffff"/>
-            </a:solidFill>
-            <a:tailEnd len="med" type="triangle" w="med"/>
-          </a:ln>
-        </p:spPr>
-      </p:sp>
-      <p:sp>
-        <p:nvSpPr>
-          <p:cNvPr id="123" name="CustomShape 17"/>
-          <p:cNvSpPr/>
-          <p:nvPr/>
-        </p:nvSpPr>
-        <p:spPr>
-          <a:xfrm rot="18900000">
-            <a:off x="5265000" y="5963040"/>
-            <a:ext cx="1199520" cy="295920"/>
-          </a:xfrm>
-          <a:prstGeom prst="rect">
-            <a:avLst/>
-          </a:prstGeom>
-          <a:noFill/>
-          <a:ln>
-            <a:noFill/>
-          </a:ln>
-        </p:spPr>
-        <p:txBody>
-          <a:bodyPr lIns="90000" rIns="90000" tIns="45000" bIns="45000"/>
-          <a:p>
-            <a:r>
-              <a:rPr lang="en-US" sz="1400">
-                <a:latin typeface="Arial"/>
-              </a:rPr>
-              <a:t>11/10/2015</a:t>
-            </a:r>
-            <a:endParaRPr/>
-          </a:p>
-        </p:txBody>
-      </p:sp>
-      <p:sp>
-        <p:nvSpPr>
-          <p:cNvPr id="124" name="Line 18"/>
-          <p:cNvSpPr/>
-          <p:nvPr/>
-        </p:nvSpPr>
-        <p:spPr>
-          <a:xfrm flipV="1">
-            <a:off x="6159240" y="5510880"/>
-            <a:ext cx="330120" cy="330120"/>
-          </a:xfrm>
-          <a:prstGeom prst="line">
-            <a:avLst/>
-          </a:prstGeom>
-          <a:ln>
-            <a:solidFill>
-              <a:srgbClr val="ffffff"/>
-            </a:solidFill>
-          </a:ln>
-        </p:spPr>
-      </p:sp>
-      <p:sp>
-        <p:nvSpPr>
-          <p:cNvPr id="125" name="Line 19"/>
-          <p:cNvSpPr/>
-          <p:nvPr/>
-        </p:nvSpPr>
-        <p:spPr>
-          <a:xfrm flipV="1">
-            <a:off x="6478200" y="5144400"/>
-            <a:ext cx="0" cy="366840"/>
-          </a:xfrm>
-          <a:prstGeom prst="line">
-            <a:avLst/>
-          </a:prstGeom>
-          <a:ln>
-            <a:solidFill>
-              <a:srgbClr val="ffffff"/>
-            </a:solidFill>
-            <a:tailEnd len="med" type="triangle" w="med"/>
-          </a:ln>
-        </p:spPr>
-      </p:sp>
-      <p:sp>
-        <p:nvSpPr>
-          <p:cNvPr id="126" name="CustomShape 20"/>
-          <p:cNvSpPr/>
-          <p:nvPr/>
-        </p:nvSpPr>
-        <p:spPr>
-          <a:xfrm rot="18900000">
-            <a:off x="4725000" y="5963040"/>
-            <a:ext cx="1199520" cy="295920"/>
-          </a:xfrm>
-          <a:prstGeom prst="rect">
-            <a:avLst/>
-          </a:prstGeom>
-          <a:noFill/>
-          <a:ln>
-            <a:noFill/>
-          </a:ln>
-        </p:spPr>
-        <p:txBody>
-          <a:bodyPr lIns="90000" rIns="90000" tIns="45000" bIns="45000"/>
-          <a:p>
-            <a:r>
-              <a:rPr lang="en-US" sz="1400">
-                <a:latin typeface="Arial"/>
-              </a:rPr>
-              <a:t>11/03/2015</a:t>
-            </a:r>
-            <a:endParaRPr/>
-          </a:p>
-        </p:txBody>
-      </p:sp>
-      <p:sp>
-        <p:nvSpPr>
-          <p:cNvPr id="127" name="Line 21"/>
-          <p:cNvSpPr/>
-          <p:nvPr/>
-        </p:nvSpPr>
-        <p:spPr>
-          <a:xfrm flipV="1">
-            <a:off x="5619240" y="5510880"/>
-            <a:ext cx="330120" cy="330120"/>
-          </a:xfrm>
-          <a:prstGeom prst="line">
-            <a:avLst/>
-          </a:prstGeom>
-          <a:ln>
-            <a:solidFill>
-              <a:srgbClr val="ffffff"/>
-            </a:solidFill>
-          </a:ln>
-        </p:spPr>
-      </p:sp>
-      <p:sp>
-        <p:nvSpPr>
-          <p:cNvPr id="128" name="Line 22"/>
-          <p:cNvSpPr/>
-          <p:nvPr/>
-        </p:nvSpPr>
-        <p:spPr>
-          <a:xfrm flipV="1">
-            <a:off x="5938200" y="5144400"/>
-            <a:ext cx="0" cy="366840"/>
-          </a:xfrm>
-          <a:prstGeom prst="line">
-            <a:avLst/>
-          </a:prstGeom>
-          <a:ln>
-            <a:solidFill>
-              <a:srgbClr val="ffffff"/>
-            </a:solidFill>
-            <a:tailEnd len="med" type="triangle" w="med"/>
-          </a:ln>
-        </p:spPr>
-      </p:sp>
-      <p:sp>
-        <p:nvSpPr>
-          <p:cNvPr id="129" name="CustomShape 23"/>
-          <p:cNvSpPr/>
-          <p:nvPr/>
-        </p:nvSpPr>
-        <p:spPr>
-          <a:xfrm rot="18900000">
-            <a:off x="4185000" y="5963040"/>
-            <a:ext cx="1199520" cy="295920"/>
-          </a:xfrm>
-          <a:prstGeom prst="rect">
-            <a:avLst/>
-          </a:prstGeom>
-          <a:noFill/>
-          <a:ln>
-            <a:noFill/>
-          </a:ln>
-        </p:spPr>
-        <p:txBody>
-          <a:bodyPr lIns="90000" rIns="90000" tIns="45000" bIns="45000"/>
-          <a:p>
-            <a:r>
-              <a:rPr lang="en-US" sz="1400">
-                <a:latin typeface="Arial"/>
-              </a:rPr>
-              <a:t>10/27/2015</a:t>
-            </a:r>
-            <a:endParaRPr/>
-          </a:p>
-        </p:txBody>
-      </p:sp>
-      <p:sp>
-        <p:nvSpPr>
-          <p:cNvPr id="130" name="Line 24"/>
-          <p:cNvSpPr/>
-          <p:nvPr/>
-        </p:nvSpPr>
-        <p:spPr>
-          <a:xfrm flipV="1">
-            <a:off x="5079240" y="5510880"/>
-            <a:ext cx="330120" cy="330120"/>
-          </a:xfrm>
-          <a:prstGeom prst="line">
-            <a:avLst/>
-          </a:prstGeom>
-          <a:ln>
-            <a:solidFill>
-              <a:srgbClr val="ffffff"/>
-            </a:solidFill>
-          </a:ln>
-        </p:spPr>
-      </p:sp>
-      <p:sp>
-        <p:nvSpPr>
-          <p:cNvPr id="131" name="Line 25"/>
-          <p:cNvSpPr/>
-          <p:nvPr/>
-        </p:nvSpPr>
-        <p:spPr>
-          <a:xfrm flipV="1">
-            <a:off x="5398200" y="5144400"/>
-            <a:ext cx="0" cy="366840"/>
-          </a:xfrm>
-          <a:prstGeom prst="line">
-            <a:avLst/>
-          </a:prstGeom>
-          <a:ln>
-            <a:solidFill>
-              <a:srgbClr val="ffffff"/>
-            </a:solidFill>
-            <a:tailEnd len="med" type="triangle" w="med"/>
-          </a:ln>
-        </p:spPr>
-      </p:sp>
-      <p:sp>
-        <p:nvSpPr>
-          <p:cNvPr id="132" name="CustomShape 26"/>
-          <p:cNvSpPr/>
-          <p:nvPr/>
-        </p:nvSpPr>
-        <p:spPr>
-          <a:xfrm rot="18900000">
-            <a:off x="3681000" y="5963040"/>
-            <a:ext cx="1199520" cy="295920"/>
-          </a:xfrm>
-          <a:prstGeom prst="rect">
-            <a:avLst/>
-          </a:prstGeom>
-          <a:noFill/>
-          <a:ln>
-            <a:noFill/>
-          </a:ln>
-        </p:spPr>
-        <p:txBody>
-          <a:bodyPr lIns="90000" rIns="90000" tIns="45000" bIns="45000"/>
-          <a:p>
-            <a:r>
-              <a:rPr lang="en-US" sz="1400">
-                <a:latin typeface="Arial"/>
-              </a:rPr>
-              <a:t>10/20/2015</a:t>
-            </a:r>
-            <a:endParaRPr/>
-          </a:p>
-        </p:txBody>
-      </p:sp>
-      <p:sp>
-        <p:nvSpPr>
-          <p:cNvPr id="133" name="Line 27"/>
-          <p:cNvSpPr/>
-          <p:nvPr/>
-        </p:nvSpPr>
-        <p:spPr>
-          <a:xfrm flipV="1">
-            <a:off x="4575240" y="5510880"/>
-            <a:ext cx="330120" cy="330120"/>
-          </a:xfrm>
-          <a:prstGeom prst="line">
-            <a:avLst/>
-          </a:prstGeom>
-          <a:ln>
-            <a:solidFill>
-              <a:srgbClr val="ffffff"/>
-            </a:solidFill>
-          </a:ln>
-        </p:spPr>
-      </p:sp>
-      <p:sp>
-        <p:nvSpPr>
-          <p:cNvPr id="134" name="Line 28"/>
-          <p:cNvSpPr/>
-          <p:nvPr/>
-        </p:nvSpPr>
-        <p:spPr>
-          <a:xfrm flipV="1">
-            <a:off x="4894200" y="5144400"/>
-            <a:ext cx="0" cy="366840"/>
-          </a:xfrm>
-          <a:prstGeom prst="line">
-            <a:avLst/>
-          </a:prstGeom>
-          <a:ln>
-            <a:solidFill>
-              <a:srgbClr val="ffffff"/>
-            </a:solidFill>
-            <a:tailEnd len="med" type="triangle" w="med"/>
-          </a:ln>
-        </p:spPr>
-      </p:sp>
-      <p:sp>
-        <p:nvSpPr>
-          <p:cNvPr id="135" name="CustomShape 29"/>
-          <p:cNvSpPr/>
-          <p:nvPr/>
-        </p:nvSpPr>
-        <p:spPr>
-          <a:xfrm rot="18900000">
-            <a:off x="3141000" y="5963040"/>
-            <a:ext cx="1199520" cy="295920"/>
-          </a:xfrm>
-          <a:prstGeom prst="rect">
-            <a:avLst/>
-          </a:prstGeom>
-          <a:noFill/>
-          <a:ln>
-            <a:noFill/>
-          </a:ln>
-        </p:spPr>
-        <p:txBody>
-          <a:bodyPr lIns="90000" rIns="90000" tIns="45000" bIns="45000"/>
-          <a:p>
-            <a:r>
-              <a:rPr lang="en-US" sz="1400">
-                <a:latin typeface="Arial"/>
-              </a:rPr>
-              <a:t>10/13/2015</a:t>
-            </a:r>
-            <a:endParaRPr/>
-          </a:p>
-        </p:txBody>
-      </p:sp>
-      <p:sp>
-        <p:nvSpPr>
-          <p:cNvPr id="136" name="Line 30"/>
-          <p:cNvSpPr/>
-          <p:nvPr/>
-        </p:nvSpPr>
-        <p:spPr>
-          <a:xfrm flipV="1">
-            <a:off x="4035240" y="5510880"/>
-            <a:ext cx="330120" cy="330120"/>
-          </a:xfrm>
-          <a:prstGeom prst="line">
-            <a:avLst/>
-          </a:prstGeom>
-          <a:ln>
-            <a:solidFill>
-              <a:srgbClr val="ffffff"/>
-            </a:solidFill>
-          </a:ln>
-        </p:spPr>
-      </p:sp>
-      <p:sp>
-        <p:nvSpPr>
-          <p:cNvPr id="137" name="Line 31"/>
-          <p:cNvSpPr/>
-          <p:nvPr/>
-        </p:nvSpPr>
-        <p:spPr>
-          <a:xfrm flipV="1">
-            <a:off x="4354200" y="5144400"/>
-            <a:ext cx="0" cy="366840"/>
-          </a:xfrm>
-          <a:prstGeom prst="line">
-            <a:avLst/>
-          </a:prstGeom>
-          <a:ln>
-            <a:solidFill>
-              <a:srgbClr val="ffffff"/>
-            </a:solidFill>
-            <a:tailEnd len="med" type="triangle" w="med"/>
-          </a:ln>
-        </p:spPr>
-      </p:sp>
-      <p:sp>
-        <p:nvSpPr>
-          <p:cNvPr id="138" name="CustomShape 32"/>
-          <p:cNvSpPr/>
-          <p:nvPr/>
-        </p:nvSpPr>
-        <p:spPr>
-          <a:xfrm rot="18900000">
-            <a:off x="2601000" y="5963040"/>
-            <a:ext cx="1199520" cy="295920"/>
-          </a:xfrm>
-          <a:prstGeom prst="rect">
-            <a:avLst/>
-          </a:prstGeom>
-          <a:noFill/>
-          <a:ln>
-            <a:noFill/>
-          </a:ln>
-        </p:spPr>
-        <p:txBody>
-          <a:bodyPr lIns="90000" rIns="90000" tIns="45000" bIns="45000"/>
-          <a:p>
-            <a:r>
-              <a:rPr lang="en-US" sz="1400">
-                <a:latin typeface="Arial"/>
-              </a:rPr>
-              <a:t>10/06/2015</a:t>
-            </a:r>
-            <a:endParaRPr/>
-          </a:p>
-        </p:txBody>
-      </p:sp>
-      <p:sp>
-        <p:nvSpPr>
-          <p:cNvPr id="139" name="Line 33"/>
-          <p:cNvSpPr/>
-          <p:nvPr/>
-        </p:nvSpPr>
-        <p:spPr>
-          <a:xfrm flipV="1">
-            <a:off x="3495240" y="5510880"/>
-            <a:ext cx="330120" cy="330120"/>
-          </a:xfrm>
-          <a:prstGeom prst="line">
-            <a:avLst/>
-          </a:prstGeom>
-          <a:ln>
-            <a:solidFill>
-              <a:srgbClr val="ffffff"/>
-            </a:solidFill>
-          </a:ln>
-        </p:spPr>
-      </p:sp>
-      <p:sp>
-        <p:nvSpPr>
-          <p:cNvPr id="140" name="Line 34"/>
-          <p:cNvSpPr/>
-          <p:nvPr/>
-        </p:nvSpPr>
-        <p:spPr>
-          <a:xfrm flipV="1">
-            <a:off x="3814200" y="5144400"/>
-            <a:ext cx="0" cy="366840"/>
-          </a:xfrm>
-          <a:prstGeom prst="line">
-            <a:avLst/>
-          </a:prstGeom>
-          <a:ln>
-            <a:solidFill>
-              <a:srgbClr val="ffffff"/>
-            </a:solidFill>
-            <a:tailEnd len="med" type="triangle" w="med"/>
-          </a:ln>
-        </p:spPr>
-      </p:sp>
-      <p:sp>
-        <p:nvSpPr>
-          <p:cNvPr id="141" name="CustomShape 35"/>
-          <p:cNvSpPr/>
-          <p:nvPr/>
-        </p:nvSpPr>
-        <p:spPr>
-          <a:xfrm rot="18900000">
-            <a:off x="2061000" y="5963040"/>
-            <a:ext cx="1199520" cy="295920"/>
-          </a:xfrm>
-          <a:prstGeom prst="rect">
-            <a:avLst/>
-          </a:prstGeom>
-          <a:noFill/>
-          <a:ln>
-            <a:noFill/>
-          </a:ln>
-        </p:spPr>
-        <p:txBody>
-          <a:bodyPr lIns="90000" rIns="90000" tIns="45000" bIns="45000"/>
-          <a:p>
-            <a:r>
-              <a:rPr lang="en-US" sz="1400">
-                <a:latin typeface="Arial"/>
-              </a:rPr>
-              <a:t>09/29/2015</a:t>
-            </a:r>
-            <a:endParaRPr/>
-          </a:p>
-        </p:txBody>
-      </p:sp>
-      <p:sp>
-        <p:nvSpPr>
-          <p:cNvPr id="142" name="Line 36"/>
-          <p:cNvSpPr/>
-          <p:nvPr/>
-        </p:nvSpPr>
-        <p:spPr>
-          <a:xfrm flipV="1">
-            <a:off x="2955240" y="5510880"/>
-            <a:ext cx="330120" cy="330120"/>
-          </a:xfrm>
-          <a:prstGeom prst="line">
-            <a:avLst/>
-          </a:prstGeom>
-          <a:ln>
-            <a:solidFill>
-              <a:srgbClr val="ffffff"/>
-            </a:solidFill>
-          </a:ln>
-        </p:spPr>
-      </p:sp>
-      <p:sp>
-        <p:nvSpPr>
-          <p:cNvPr id="143" name="Line 37"/>
-          <p:cNvSpPr/>
-          <p:nvPr/>
-        </p:nvSpPr>
-        <p:spPr>
-          <a:xfrm flipV="1">
-            <a:off x="3274200" y="5144400"/>
-            <a:ext cx="0" cy="366840"/>
-          </a:xfrm>
-          <a:prstGeom prst="line">
-            <a:avLst/>
-          </a:prstGeom>
-          <a:ln>
-            <a:solidFill>
-              <a:srgbClr val="ffffff"/>
-            </a:solidFill>
-            <a:tailEnd len="med" type="triangle" w="med"/>
-          </a:ln>
-        </p:spPr>
-      </p:sp>
-      <p:sp>
-        <p:nvSpPr>
-          <p:cNvPr id="144" name="CustomShape 38"/>
-          <p:cNvSpPr/>
-          <p:nvPr/>
-        </p:nvSpPr>
-        <p:spPr>
-          <a:xfrm rot="18900000">
-            <a:off x="1521000" y="5963040"/>
-            <a:ext cx="1199520" cy="295920"/>
-          </a:xfrm>
-          <a:prstGeom prst="rect">
-            <a:avLst/>
-          </a:prstGeom>
-          <a:noFill/>
-          <a:ln>
-            <a:noFill/>
-          </a:ln>
-        </p:spPr>
-        <p:txBody>
-          <a:bodyPr lIns="90000" rIns="90000" tIns="45000" bIns="45000"/>
-          <a:p>
-            <a:r>
-              <a:rPr lang="en-US" sz="1400">
-                <a:latin typeface="Arial"/>
-              </a:rPr>
-              <a:t>09/22/2015</a:t>
-            </a:r>
-            <a:endParaRPr/>
-          </a:p>
-        </p:txBody>
-      </p:sp>
-      <p:sp>
-        <p:nvSpPr>
-          <p:cNvPr id="145" name="Line 39"/>
-          <p:cNvSpPr/>
-          <p:nvPr/>
-        </p:nvSpPr>
-        <p:spPr>
-          <a:xfrm flipV="1">
-            <a:off x="2415240" y="5510880"/>
-            <a:ext cx="330120" cy="330120"/>
-          </a:xfrm>
-          <a:prstGeom prst="line">
-            <a:avLst/>
-          </a:prstGeom>
-          <a:ln>
-            <a:solidFill>
-              <a:srgbClr val="ffffff"/>
-            </a:solidFill>
-          </a:ln>
-        </p:spPr>
-      </p:sp>
-      <p:sp>
-        <p:nvSpPr>
-          <p:cNvPr id="146" name="Line 40"/>
-          <p:cNvSpPr/>
-          <p:nvPr/>
-        </p:nvSpPr>
-        <p:spPr>
-          <a:xfrm flipV="1">
-            <a:off x="2734200" y="5144400"/>
-            <a:ext cx="0" cy="366840"/>
-          </a:xfrm>
-          <a:prstGeom prst="line">
-            <a:avLst/>
-          </a:prstGeom>
-          <a:ln>
-            <a:solidFill>
-              <a:srgbClr val="ffffff"/>
-            </a:solidFill>
-            <a:tailEnd len="med" type="triangle" w="med"/>
-          </a:ln>
-        </p:spPr>
-      </p:sp>
-      <p:sp>
-        <p:nvSpPr>
-          <p:cNvPr id="147" name="CustomShape 41"/>
-          <p:cNvSpPr/>
-          <p:nvPr/>
-        </p:nvSpPr>
-        <p:spPr>
-          <a:xfrm rot="18900000">
-            <a:off x="981000" y="5963040"/>
-            <a:ext cx="1199520" cy="295920"/>
-          </a:xfrm>
-          <a:prstGeom prst="rect">
-            <a:avLst/>
-          </a:prstGeom>
-          <a:noFill/>
-          <a:ln>
-            <a:noFill/>
-          </a:ln>
-        </p:spPr>
-        <p:txBody>
-          <a:bodyPr lIns="90000" rIns="90000" tIns="45000" bIns="45000"/>
-          <a:p>
-            <a:r>
-              <a:rPr lang="en-US" sz="1400">
-                <a:latin typeface="Arial"/>
-              </a:rPr>
-              <a:t>09/15/2015</a:t>
-            </a:r>
-            <a:endParaRPr/>
-          </a:p>
-        </p:txBody>
-      </p:sp>
-      <p:sp>
-        <p:nvSpPr>
-          <p:cNvPr id="148" name="Line 42"/>
-          <p:cNvSpPr/>
-          <p:nvPr/>
-        </p:nvSpPr>
-        <p:spPr>
-          <a:xfrm flipV="1">
-            <a:off x="1875240" y="5510880"/>
-            <a:ext cx="330120" cy="330120"/>
-          </a:xfrm>
-          <a:prstGeom prst="line">
-            <a:avLst/>
-          </a:prstGeom>
-          <a:ln>
-            <a:solidFill>
-              <a:srgbClr val="ffffff"/>
-            </a:solidFill>
-          </a:ln>
-        </p:spPr>
-      </p:sp>
-      <p:sp>
-        <p:nvSpPr>
-          <p:cNvPr id="149" name="Line 43"/>
-          <p:cNvSpPr/>
-          <p:nvPr/>
-        </p:nvSpPr>
-        <p:spPr>
-          <a:xfrm flipV="1">
-            <a:off x="2194200" y="5144400"/>
-            <a:ext cx="0" cy="366840"/>
-          </a:xfrm>
-          <a:prstGeom prst="line">
-            <a:avLst/>
-          </a:prstGeom>
-          <a:ln>
-            <a:solidFill>
-              <a:srgbClr val="ffffff"/>
-            </a:solidFill>
-            <a:tailEnd len="med" type="triangle" w="med"/>
-          </a:ln>
-        </p:spPr>
-      </p:sp>
-      <p:sp>
-        <p:nvSpPr>
-          <p:cNvPr id="150" name="CustomShape 44"/>
-          <p:cNvSpPr/>
-          <p:nvPr/>
-        </p:nvSpPr>
-        <p:spPr>
-          <a:xfrm rot="18900000">
-            <a:off x="477000" y="5963040"/>
-            <a:ext cx="1199520" cy="295920"/>
-          </a:xfrm>
-          <a:prstGeom prst="rect">
-            <a:avLst/>
-          </a:prstGeom>
-          <a:noFill/>
-          <a:ln>
-            <a:noFill/>
-          </a:ln>
-        </p:spPr>
-        <p:txBody>
-          <a:bodyPr lIns="90000" rIns="90000" tIns="45000" bIns="45000"/>
-          <a:p>
-            <a:r>
-              <a:rPr lang="en-US" sz="1400">
-                <a:latin typeface="Arial"/>
-              </a:rPr>
-              <a:t>09/08/2015</a:t>
-            </a:r>
-            <a:endParaRPr/>
-          </a:p>
-        </p:txBody>
-      </p:sp>
-      <p:sp>
-        <p:nvSpPr>
-          <p:cNvPr id="151" name="Line 45"/>
-          <p:cNvSpPr/>
-          <p:nvPr/>
-        </p:nvSpPr>
-        <p:spPr>
-          <a:xfrm flipV="1">
-            <a:off x="1371240" y="5510880"/>
-            <a:ext cx="330120" cy="330120"/>
-          </a:xfrm>
-          <a:prstGeom prst="line">
-            <a:avLst/>
-          </a:prstGeom>
-          <a:ln>
-            <a:solidFill>
-              <a:srgbClr val="ffffff"/>
-            </a:solidFill>
-          </a:ln>
-        </p:spPr>
-      </p:sp>
-      <p:sp>
-        <p:nvSpPr>
-          <p:cNvPr id="152" name="Line 46"/>
-          <p:cNvSpPr/>
-          <p:nvPr/>
-        </p:nvSpPr>
-        <p:spPr>
-          <a:xfrm flipV="1">
-            <a:off x="1690200" y="5144400"/>
-            <a:ext cx="0" cy="366840"/>
-          </a:xfrm>
-          <a:prstGeom prst="line">
-            <a:avLst/>
-          </a:prstGeom>
-          <a:ln>
-            <a:solidFill>
-              <a:srgbClr val="ffffff"/>
-            </a:solidFill>
-            <a:tailEnd len="med" type="triangle" w="med"/>
-          </a:ln>
-        </p:spPr>
-      </p:sp>
-      <p:sp>
-        <p:nvSpPr>
-          <p:cNvPr id="153" name="CustomShape 47"/>
-          <p:cNvSpPr/>
-          <p:nvPr/>
-        </p:nvSpPr>
-        <p:spPr>
-          <a:xfrm rot="18900000">
-            <a:off x="-62280" y="5963040"/>
-            <a:ext cx="1199520" cy="295920"/>
-          </a:xfrm>
-          <a:prstGeom prst="rect">
-            <a:avLst/>
-          </a:prstGeom>
-          <a:noFill/>
-          <a:ln>
-            <a:noFill/>
-          </a:ln>
-        </p:spPr>
-        <p:txBody>
-          <a:bodyPr lIns="90000" rIns="90000" tIns="45000" bIns="45000"/>
-          <a:p>
-            <a:r>
-              <a:rPr lang="en-US" sz="1400">
-                <a:latin typeface="Arial"/>
-              </a:rPr>
-              <a:t>09/01/2015</a:t>
-            </a:r>
-            <a:endParaRPr/>
-          </a:p>
-        </p:txBody>
-      </p:sp>
-      <p:sp>
-        <p:nvSpPr>
-          <p:cNvPr id="154" name="Line 48"/>
-          <p:cNvSpPr/>
-          <p:nvPr/>
-        </p:nvSpPr>
-        <p:spPr>
-          <a:xfrm flipV="1">
-            <a:off x="795240" y="5510880"/>
-            <a:ext cx="330120" cy="330120"/>
-          </a:xfrm>
-          <a:prstGeom prst="line">
-            <a:avLst/>
-          </a:prstGeom>
-          <a:ln>
-            <a:solidFill>
-              <a:srgbClr val="ffffff"/>
-            </a:solidFill>
-          </a:ln>
-        </p:spPr>
-      </p:sp>
-      <p:sp>
-        <p:nvSpPr>
-          <p:cNvPr id="155" name="Line 49"/>
-          <p:cNvSpPr/>
-          <p:nvPr/>
-        </p:nvSpPr>
-        <p:spPr>
-          <a:xfrm flipV="1">
-            <a:off x="1114200" y="5144400"/>
-            <a:ext cx="0" cy="366840"/>
-          </a:xfrm>
-          <a:prstGeom prst="line">
-            <a:avLst/>
-          </a:prstGeom>
-          <a:ln>
-            <a:solidFill>
-              <a:srgbClr val="ffffff"/>
-            </a:solidFill>
-            <a:tailEnd len="med" type="triangle" w="med"/>
-          </a:ln>
-        </p:spPr>
-      </p:sp>
-      <p:sp>
-        <p:nvSpPr>
-          <p:cNvPr id="156" name="CustomShape 50"/>
-          <p:cNvSpPr/>
-          <p:nvPr/>
-        </p:nvSpPr>
-        <p:spPr>
-          <a:xfrm>
-            <a:off x="989280" y="4719240"/>
-            <a:ext cx="7680600" cy="456840"/>
-          </a:xfrm>
-          <a:prstGeom prst="rect">
-            <a:avLst/>
-          </a:prstGeom>
-          <a:gradFill>
-            <a:gsLst>
-              <a:gs pos="0">
-                <a:srgbClr val="ff950e"/>
-              </a:gs>
-              <a:gs pos="100000">
-                <a:srgbClr val="c5000b"/>
-              </a:gs>
-            </a:gsLst>
-            <a:lin ang="2700000"/>
-          </a:gradFill>
-          <a:ln>
-            <a:solidFill>
-              <a:srgbClr val="ffffff"/>
-            </a:solidFill>
-          </a:ln>
-        </p:spPr>
-      </p:sp>
-      <p:sp>
-        <p:nvSpPr>
-          <p:cNvPr id="157" name="Line 51"/>
-          <p:cNvSpPr/>
-          <p:nvPr/>
-        </p:nvSpPr>
-        <p:spPr>
-          <a:xfrm>
-            <a:off x="1720800" y="4389120"/>
-            <a:ext cx="0" cy="330120"/>
-          </a:xfrm>
-          <a:prstGeom prst="line">
-            <a:avLst/>
-          </a:prstGeom>
-          <a:ln>
-            <a:solidFill>
-              <a:srgbClr val="ffffff"/>
-            </a:solidFill>
-            <a:tailEnd len="med" type="diamond" w="med"/>
-          </a:ln>
-        </p:spPr>
-      </p:sp>
-      <p:sp>
-        <p:nvSpPr>
-          <p:cNvPr id="158" name="CustomShape 52"/>
-          <p:cNvSpPr/>
-          <p:nvPr/>
-        </p:nvSpPr>
-        <p:spPr>
-          <a:xfrm>
-            <a:off x="623520" y="4114800"/>
-            <a:ext cx="1919880" cy="289800"/>
-          </a:xfrm>
-          <a:prstGeom prst="rect">
-            <a:avLst/>
-          </a:prstGeom>
-          <a:noFill/>
-          <a:ln>
-            <a:noFill/>
-          </a:ln>
-        </p:spPr>
-        <p:txBody>
-          <a:bodyPr lIns="90000" rIns="90000" tIns="45000" bIns="45000"/>
-          <a:p>
-            <a:r>
-              <a:rPr lang="en-US" sz="1400">
-                <a:latin typeface="Arial"/>
-              </a:rPr>
-              <a:t>Formed team</a:t>
-            </a:r>
-            <a:endParaRPr/>
-          </a:p>
-        </p:txBody>
-      </p:sp>
-      <p:sp>
-        <p:nvSpPr>
-          <p:cNvPr id="159" name="Line 53"/>
-          <p:cNvSpPr/>
-          <p:nvPr/>
-        </p:nvSpPr>
-        <p:spPr>
-          <a:xfrm>
-            <a:off x="2269440" y="3955680"/>
-            <a:ext cx="0" cy="763560"/>
-          </a:xfrm>
-          <a:prstGeom prst="line">
-            <a:avLst/>
-          </a:prstGeom>
-          <a:ln>
-            <a:solidFill>
-              <a:srgbClr val="ffffff"/>
-            </a:solidFill>
-            <a:tailEnd len="med" type="diamond" w="med"/>
-          </a:ln>
-        </p:spPr>
-      </p:sp>
-      <p:sp>
-        <p:nvSpPr>
-          <p:cNvPr id="160" name="CustomShape 54"/>
-          <p:cNvSpPr/>
-          <p:nvPr/>
-        </p:nvSpPr>
-        <p:spPr>
-          <a:xfrm>
-            <a:off x="1080720" y="3733200"/>
-            <a:ext cx="1919880" cy="289800"/>
-          </a:xfrm>
-          <a:prstGeom prst="rect">
-            <a:avLst/>
-          </a:prstGeom>
-          <a:noFill/>
-          <a:ln>
-            <a:noFill/>
-          </a:ln>
-        </p:spPr>
-        <p:txBody>
-          <a:bodyPr lIns="90000" rIns="90000" tIns="45000" bIns="45000"/>
-          <a:p>
-            <a:pPr>
-              <a:lnSpc>
-                <a:spcPct val="100000"/>
-              </a:lnSpc>
-            </a:pPr>
-            <a:r>
-              <a:rPr lang="en-US" sz="1400">
-                <a:latin typeface="Arial"/>
-              </a:rPr>
-              <a:t>EADAS is born!</a:t>
-            </a:r>
-            <a:endParaRPr/>
-          </a:p>
-        </p:txBody>
-      </p:sp>
-      <p:sp>
-        <p:nvSpPr>
-          <p:cNvPr id="161" name="Line 55"/>
-          <p:cNvSpPr/>
-          <p:nvPr/>
-        </p:nvSpPr>
-        <p:spPr>
-          <a:xfrm>
-            <a:off x="2909520" y="3657600"/>
-            <a:ext cx="0" cy="1061640"/>
-          </a:xfrm>
-          <a:prstGeom prst="line">
-            <a:avLst/>
-          </a:prstGeom>
-          <a:ln>
-            <a:solidFill>
-              <a:srgbClr val="ffffff"/>
-            </a:solidFill>
-            <a:tailEnd len="med" type="diamond" w="med"/>
-          </a:ln>
-        </p:spPr>
-      </p:sp>
-      <p:sp>
-        <p:nvSpPr>
-          <p:cNvPr id="162" name="CustomShape 56"/>
-          <p:cNvSpPr/>
-          <p:nvPr/>
-        </p:nvSpPr>
-        <p:spPr>
-          <a:xfrm>
-            <a:off x="440640" y="3383280"/>
-            <a:ext cx="2834280" cy="289800"/>
-          </a:xfrm>
-          <a:prstGeom prst="rect">
-            <a:avLst/>
-          </a:prstGeom>
-          <a:noFill/>
-          <a:ln>
-            <a:noFill/>
-          </a:ln>
-        </p:spPr>
-        <p:txBody>
-          <a:bodyPr lIns="90000" rIns="90000" tIns="45000" bIns="45000"/>
-          <a:p>
-            <a:pPr>
-              <a:lnSpc>
-                <a:spcPct val="100000"/>
-              </a:lnSpc>
-            </a:pPr>
-            <a:r>
-              <a:rPr lang="en-US" sz="1400">
-                <a:latin typeface="Arial"/>
-              </a:rPr>
-              <a:t>Hardware researched/sourced</a:t>
-            </a:r>
-            <a:endParaRPr/>
-          </a:p>
-        </p:txBody>
-      </p:sp>
-      <p:sp>
-        <p:nvSpPr>
-          <p:cNvPr id="163" name="Line 57"/>
-          <p:cNvSpPr/>
-          <p:nvPr/>
-        </p:nvSpPr>
-        <p:spPr>
-          <a:xfrm>
-            <a:off x="3366720" y="3200400"/>
-            <a:ext cx="0" cy="1518840"/>
-          </a:xfrm>
-          <a:prstGeom prst="line">
-            <a:avLst/>
-          </a:prstGeom>
-          <a:ln>
-            <a:solidFill>
-              <a:srgbClr val="ffffff"/>
-            </a:solidFill>
-            <a:tailEnd len="med" type="diamond" w="med"/>
-          </a:ln>
-        </p:spPr>
-      </p:sp>
-      <p:sp>
-        <p:nvSpPr>
-          <p:cNvPr id="164" name="CustomShape 58"/>
-          <p:cNvSpPr/>
-          <p:nvPr/>
-        </p:nvSpPr>
-        <p:spPr>
-          <a:xfrm>
-            <a:off x="623520" y="2926080"/>
-            <a:ext cx="2925720" cy="289800"/>
-          </a:xfrm>
-          <a:prstGeom prst="rect">
-            <a:avLst/>
-          </a:prstGeom>
-          <a:noFill/>
-          <a:ln>
-            <a:noFill/>
-          </a:ln>
-        </p:spPr>
-        <p:txBody>
-          <a:bodyPr lIns="90000" rIns="90000" tIns="45000" bIns="45000"/>
-          <a:p>
-            <a:pPr>
-              <a:lnSpc>
-                <a:spcPct val="100000"/>
-              </a:lnSpc>
-            </a:pPr>
-            <a:r>
-              <a:rPr lang="en-US" sz="1400">
-                <a:latin typeface="Arial"/>
-              </a:rPr>
-              <a:t>Hardware received and distributed</a:t>
-            </a:r>
-            <a:endParaRPr/>
-          </a:p>
-        </p:txBody>
-      </p:sp>
-      <p:sp>
-        <p:nvSpPr>
-          <p:cNvPr id="165" name="Line 59"/>
-          <p:cNvSpPr/>
-          <p:nvPr/>
-        </p:nvSpPr>
-        <p:spPr>
-          <a:xfrm>
-            <a:off x="8412480" y="3017520"/>
-            <a:ext cx="0" cy="1701720"/>
-          </a:xfrm>
-          <a:prstGeom prst="line">
-            <a:avLst/>
-          </a:prstGeom>
-          <a:ln>
-            <a:solidFill>
-              <a:srgbClr val="ffffff"/>
-            </a:solidFill>
-            <a:tailEnd len="med" type="diamond" w="med"/>
-          </a:ln>
-        </p:spPr>
-      </p:sp>
-      <p:sp>
-        <p:nvSpPr>
-          <p:cNvPr id="166" name="CustomShape 60"/>
-          <p:cNvSpPr/>
-          <p:nvPr/>
-        </p:nvSpPr>
-        <p:spPr>
-          <a:xfrm>
-            <a:off x="7315200" y="2566440"/>
-            <a:ext cx="1919880" cy="689400"/>
-          </a:xfrm>
-          <a:prstGeom prst="rect">
-            <a:avLst/>
-          </a:prstGeom>
-          <a:noFill/>
-          <a:ln>
-            <a:noFill/>
-          </a:ln>
-        </p:spPr>
-        <p:txBody>
-          <a:bodyPr lIns="90000" rIns="90000" tIns="45000" bIns="45000"/>
-          <a:p>
-            <a:r>
-              <a:rPr lang="en-US" sz="1400">
-                <a:latin typeface="Arial"/>
-              </a:rPr>
-              <a:t>Complete documentation &amp; 3D printing</a:t>
-            </a:r>
-            <a:endParaRPr/>
-          </a:p>
-        </p:txBody>
-      </p:sp>
-      <p:sp>
-        <p:nvSpPr>
-          <p:cNvPr id="167" name="Line 61"/>
-          <p:cNvSpPr/>
-          <p:nvPr/>
-        </p:nvSpPr>
-        <p:spPr>
-          <a:xfrm>
-            <a:off x="4114800" y="2834640"/>
-            <a:ext cx="0" cy="1884600"/>
-          </a:xfrm>
-          <a:prstGeom prst="line">
-            <a:avLst/>
-          </a:prstGeom>
-          <a:ln>
-            <a:solidFill>
-              <a:srgbClr val="ffffff"/>
-            </a:solidFill>
-            <a:tailEnd len="med" type="diamond" w="med"/>
-          </a:ln>
-        </p:spPr>
-      </p:sp>
-      <p:sp>
-        <p:nvSpPr>
-          <p:cNvPr id="168" name="CustomShape 62"/>
-          <p:cNvSpPr/>
-          <p:nvPr/>
-        </p:nvSpPr>
-        <p:spPr>
-          <a:xfrm>
-            <a:off x="1554480" y="2560320"/>
-            <a:ext cx="2925720" cy="289800"/>
-          </a:xfrm>
-          <a:prstGeom prst="rect">
-            <a:avLst/>
-          </a:prstGeom>
-          <a:noFill/>
-          <a:ln>
-            <a:noFill/>
-          </a:ln>
-        </p:spPr>
-        <p:txBody>
-          <a:bodyPr lIns="90000" rIns="90000" tIns="45000" bIns="45000"/>
-          <a:p>
-            <a:pPr>
-              <a:lnSpc>
-                <a:spcPct val="100000"/>
-              </a:lnSpc>
-            </a:pPr>
-            <a:r>
-              <a:rPr lang="en-US" sz="1400">
-                <a:latin typeface="Arial"/>
-              </a:rPr>
-              <a:t>Distributed tasks amongst team</a:t>
-            </a:r>
-            <a:endParaRPr/>
-          </a:p>
-        </p:txBody>
-      </p:sp>
-      <p:sp>
-        <p:nvSpPr>
-          <p:cNvPr id="169" name="Line 63"/>
-          <p:cNvSpPr/>
-          <p:nvPr/>
-        </p:nvSpPr>
-        <p:spPr>
-          <a:xfrm>
-            <a:off x="4754880" y="2468880"/>
-            <a:ext cx="0" cy="2250360"/>
-          </a:xfrm>
-          <a:prstGeom prst="line">
-            <a:avLst/>
-          </a:prstGeom>
-          <a:ln>
-            <a:solidFill>
-              <a:srgbClr val="ffffff"/>
-            </a:solidFill>
-            <a:tailEnd len="med" type="diamond" w="med"/>
-          </a:ln>
-        </p:spPr>
-      </p:sp>
-      <p:sp>
-        <p:nvSpPr>
-          <p:cNvPr id="170" name="CustomShape 64"/>
-          <p:cNvSpPr/>
-          <p:nvPr/>
-        </p:nvSpPr>
-        <p:spPr>
-          <a:xfrm>
-            <a:off x="3657600" y="2194560"/>
-            <a:ext cx="1279800" cy="289800"/>
-          </a:xfrm>
-          <a:prstGeom prst="rect">
-            <a:avLst/>
-          </a:prstGeom>
-          <a:noFill/>
-          <a:ln>
-            <a:noFill/>
-          </a:ln>
-        </p:spPr>
-        <p:txBody>
-          <a:bodyPr lIns="90000" rIns="90000" tIns="45000" bIns="45000"/>
-          <a:p>
-            <a:pPr>
-              <a:lnSpc>
-                <a:spcPct val="100000"/>
-              </a:lnSpc>
-            </a:pPr>
-            <a:r>
-              <a:rPr lang="en-US" sz="1400">
-                <a:latin typeface="Arial"/>
-              </a:rPr>
-              <a:t>Started code</a:t>
-            </a:r>
-            <a:endParaRPr/>
-          </a:p>
-        </p:txBody>
-      </p:sp>
-      <p:sp>
-        <p:nvSpPr>
-          <p:cNvPr id="171" name="Line 65"/>
-          <p:cNvSpPr/>
-          <p:nvPr/>
-        </p:nvSpPr>
-        <p:spPr>
-          <a:xfrm>
-            <a:off x="5486400" y="2103120"/>
-            <a:ext cx="0" cy="2631960"/>
-          </a:xfrm>
-          <a:prstGeom prst="line">
-            <a:avLst/>
-          </a:prstGeom>
-          <a:ln>
-            <a:solidFill>
-              <a:srgbClr val="ffffff"/>
-            </a:solidFill>
-            <a:tailEnd len="med" type="diamond" w="med"/>
-          </a:ln>
-        </p:spPr>
-      </p:sp>
-      <p:sp>
-        <p:nvSpPr>
-          <p:cNvPr id="172" name="CustomShape 66"/>
-          <p:cNvSpPr/>
-          <p:nvPr/>
-        </p:nvSpPr>
-        <p:spPr>
-          <a:xfrm>
-            <a:off x="4389120" y="1828800"/>
-            <a:ext cx="2925720" cy="289800"/>
-          </a:xfrm>
-          <a:prstGeom prst="rect">
-            <a:avLst/>
-          </a:prstGeom>
-          <a:noFill/>
-          <a:ln>
-            <a:noFill/>
-          </a:ln>
-        </p:spPr>
-        <p:txBody>
-          <a:bodyPr lIns="90000" rIns="90000" tIns="45000" bIns="45000"/>
-          <a:p>
-            <a:pPr>
-              <a:lnSpc>
-                <a:spcPct val="100000"/>
-              </a:lnSpc>
-            </a:pPr>
-            <a:r>
-              <a:rPr lang="en-US" sz="1400">
-                <a:latin typeface="Arial"/>
-              </a:rPr>
-              <a:t>Gyro working</a:t>
-            </a:r>
-            <a:endParaRPr/>
-          </a:p>
-        </p:txBody>
-      </p:sp>
-      <p:sp>
-        <p:nvSpPr>
-          <p:cNvPr id="173" name="Line 67"/>
-          <p:cNvSpPr/>
-          <p:nvPr/>
-        </p:nvSpPr>
-        <p:spPr>
-          <a:xfrm>
-            <a:off x="7315200" y="2103120"/>
-            <a:ext cx="0" cy="2631960"/>
-          </a:xfrm>
-          <a:prstGeom prst="line">
-            <a:avLst/>
-          </a:prstGeom>
-          <a:ln>
-            <a:solidFill>
-              <a:srgbClr val="ffffff"/>
-            </a:solidFill>
-            <a:tailEnd len="med" type="diamond" w="med"/>
-          </a:ln>
-        </p:spPr>
-      </p:sp>
-      <p:sp>
-        <p:nvSpPr>
-          <p:cNvPr id="174" name="CustomShape 68"/>
-          <p:cNvSpPr/>
-          <p:nvPr/>
-        </p:nvSpPr>
-        <p:spPr>
-          <a:xfrm>
-            <a:off x="6949440" y="1260720"/>
-            <a:ext cx="2102760" cy="889200"/>
-          </a:xfrm>
-          <a:prstGeom prst="rect">
-            <a:avLst/>
-          </a:prstGeom>
-          <a:noFill/>
-          <a:ln>
-            <a:noFill/>
-          </a:ln>
-        </p:spPr>
-        <p:txBody>
-          <a:bodyPr lIns="90000" rIns="90000" tIns="45000" bIns="45000"/>
-          <a:p>
-            <a:r>
-              <a:rPr lang="en-US" sz="1400">
-                <a:latin typeface="Arial"/>
-              </a:rPr>
-              <a:t>UART comm working/keypad working/PCB cut/complete assembly</a:t>
-            </a:r>
-            <a:endParaRPr/>
-          </a:p>
-        </p:txBody>
-      </p:sp>
-      <p:sp>
-        <p:nvSpPr>
-          <p:cNvPr id="175" name="Line 69"/>
-          <p:cNvSpPr/>
-          <p:nvPr/>
-        </p:nvSpPr>
-        <p:spPr>
-          <a:xfrm>
-            <a:off x="6126480" y="1844640"/>
-            <a:ext cx="0" cy="2874600"/>
-          </a:xfrm>
-          <a:prstGeom prst="line">
-            <a:avLst/>
-          </a:prstGeom>
-          <a:ln>
-            <a:solidFill>
-              <a:srgbClr val="ffffff"/>
-            </a:solidFill>
-            <a:tailEnd len="med" type="diamond" w="med"/>
-          </a:ln>
-        </p:spPr>
-      </p:sp>
-      <p:sp>
-        <p:nvSpPr>
-          <p:cNvPr id="176" name="CustomShape 70"/>
-          <p:cNvSpPr/>
-          <p:nvPr/>
-        </p:nvSpPr>
-        <p:spPr>
-          <a:xfrm>
-            <a:off x="5029200" y="1554480"/>
-            <a:ext cx="2925720" cy="289800"/>
-          </a:xfrm>
-          <a:prstGeom prst="rect">
-            <a:avLst/>
-          </a:prstGeom>
-          <a:noFill/>
-          <a:ln>
-            <a:noFill/>
-          </a:ln>
-        </p:spPr>
-        <p:txBody>
-          <a:bodyPr lIns="90000" rIns="90000" tIns="45000" bIns="45000"/>
-          <a:p>
-            <a:pPr>
-              <a:lnSpc>
-                <a:spcPct val="100000"/>
-              </a:lnSpc>
-            </a:pPr>
-            <a:r>
-              <a:rPr lang="en-US" sz="1400">
-                <a:latin typeface="Arial"/>
-              </a:rPr>
-              <a:t>Pulse sensor working</a:t>
-            </a:r>
-            <a:endParaRPr/>
-          </a:p>
-        </p:txBody>
-      </p:sp>
-      <p:sp>
-        <p:nvSpPr>
-          <p:cNvPr id="177" name="Line 71"/>
-          <p:cNvSpPr/>
-          <p:nvPr/>
-        </p:nvSpPr>
-        <p:spPr>
-          <a:xfrm>
-            <a:off x="6858000" y="1417320"/>
-            <a:ext cx="0" cy="3301920"/>
-          </a:xfrm>
-          <a:prstGeom prst="line">
-            <a:avLst/>
-          </a:prstGeom>
-          <a:ln>
-            <a:solidFill>
-              <a:srgbClr val="ffffff"/>
-            </a:solidFill>
-            <a:tailEnd len="med" type="diamond" w="med"/>
-          </a:ln>
-        </p:spPr>
-      </p:sp>
-      <p:sp>
-        <p:nvSpPr>
-          <p:cNvPr id="178" name="CustomShape 72"/>
-          <p:cNvSpPr/>
-          <p:nvPr/>
-        </p:nvSpPr>
-        <p:spPr>
-          <a:xfrm>
-            <a:off x="5303520" y="1172880"/>
-            <a:ext cx="2925720" cy="289800"/>
-          </a:xfrm>
-          <a:prstGeom prst="rect">
-            <a:avLst/>
-          </a:prstGeom>
-          <a:noFill/>
-          <a:ln>
-            <a:noFill/>
-          </a:ln>
-        </p:spPr>
-        <p:txBody>
-          <a:bodyPr lIns="90000" rIns="90000" tIns="45000" bIns="45000"/>
-          <a:p>
-            <a:pPr>
-              <a:lnSpc>
-                <a:spcPct val="100000"/>
-              </a:lnSpc>
-            </a:pPr>
-            <a:r>
-              <a:rPr lang="en-US" sz="1400">
-                <a:latin typeface="Arial"/>
-              </a:rPr>
-              <a:t>LCD code working</a:t>
-            </a:r>
-            <a:endParaRPr/>
-          </a:p>
-        </p:txBody>
-      </p:sp>
-      <p:sp>
-        <p:nvSpPr>
-          <p:cNvPr id="179" name="Line 73"/>
-          <p:cNvSpPr/>
-          <p:nvPr/>
-        </p:nvSpPr>
-        <p:spPr>
-          <a:xfrm>
-            <a:off x="8121600" y="3955680"/>
-            <a:ext cx="0" cy="763560"/>
-          </a:xfrm>
-          <a:prstGeom prst="line">
-            <a:avLst/>
-          </a:prstGeom>
-          <a:ln>
-            <a:solidFill>
-              <a:srgbClr val="ffffff"/>
-            </a:solidFill>
-            <a:tailEnd len="med" type="diamond" w="med"/>
-          </a:ln>
-        </p:spPr>
-      </p:sp>
+      </p:pic>
     </p:spTree>
   </p:cSld>
   <p:timing>
@@ -6570,7 +5869,7 @@
       </p:grpSpPr>
       <p:sp>
         <p:nvSpPr>
-          <p:cNvPr id="180" name="CustomShape 1"/>
+          <p:cNvPr id="147" name="CustomShape 1"/>
           <p:cNvSpPr/>
           <p:nvPr/>
         </p:nvSpPr>
@@ -6588,7 +5887,1361 @@
           </a:ln>
         </p:spPr>
         <p:txBody>
-          <a:bodyPr lIns="45720" rIns="45720" tIns="45000" bIns="45000" anchor="ctr"/>
+          <a:bodyPr lIns="0" rIns="0" tIns="0" bIns="0" anchor="ctr"/>
+          <a:p>
+            <a:r>
+              <a:rPr lang="en-US" sz="4600">
+                <a:latin typeface="Arial"/>
+              </a:rPr>
+              <a:t>Project Time-line</a:t>
+            </a:r>
+            <a:endParaRPr/>
+          </a:p>
+        </p:txBody>
+      </p:sp>
+      <p:sp>
+        <p:nvSpPr>
+          <p:cNvPr id="148" name="CustomShape 2"/>
+          <p:cNvSpPr/>
+          <p:nvPr/>
+        </p:nvSpPr>
+        <p:spPr>
+          <a:xfrm rot="18900000">
+            <a:off x="7574400" y="5939640"/>
+            <a:ext cx="1033200" cy="295920"/>
+          </a:xfrm>
+          <a:prstGeom prst="rect">
+            <a:avLst/>
+          </a:prstGeom>
+          <a:noFill/>
+          <a:ln>
+            <a:noFill/>
+          </a:ln>
+        </p:spPr>
+        <p:txBody>
+          <a:bodyPr lIns="90000" rIns="90000" tIns="45000" bIns="45000"/>
+          <a:p>
+            <a:r>
+              <a:rPr lang="en-US" sz="1400">
+                <a:latin typeface="Arial"/>
+              </a:rPr>
+              <a:t>12/8/2015</a:t>
+            </a:r>
+            <a:endParaRPr/>
+          </a:p>
+        </p:txBody>
+      </p:sp>
+      <p:sp>
+        <p:nvSpPr>
+          <p:cNvPr id="149" name="Line 3"/>
+          <p:cNvSpPr/>
+          <p:nvPr/>
+        </p:nvSpPr>
+        <p:spPr>
+          <a:xfrm flipV="1">
+            <a:off x="8326440" y="5510520"/>
+            <a:ext cx="330120" cy="330120"/>
+          </a:xfrm>
+          <a:prstGeom prst="line">
+            <a:avLst/>
+          </a:prstGeom>
+          <a:ln>
+            <a:solidFill>
+              <a:srgbClr val="ff3333"/>
+            </a:solidFill>
+          </a:ln>
+        </p:spPr>
+      </p:sp>
+      <p:sp>
+        <p:nvSpPr>
+          <p:cNvPr id="150" name="Line 4"/>
+          <p:cNvSpPr/>
+          <p:nvPr/>
+        </p:nvSpPr>
+        <p:spPr>
+          <a:xfrm flipV="1">
+            <a:off x="8645400" y="5144040"/>
+            <a:ext cx="0" cy="366840"/>
+          </a:xfrm>
+          <a:prstGeom prst="line">
+            <a:avLst/>
+          </a:prstGeom>
+          <a:ln>
+            <a:solidFill>
+              <a:srgbClr val="ff3333"/>
+            </a:solidFill>
+            <a:tailEnd len="med" type="triangle" w="med"/>
+          </a:ln>
+        </p:spPr>
+      </p:sp>
+      <p:sp>
+        <p:nvSpPr>
+          <p:cNvPr id="151" name="CustomShape 5"/>
+          <p:cNvSpPr/>
+          <p:nvPr/>
+        </p:nvSpPr>
+        <p:spPr>
+          <a:xfrm rot="18900000">
+            <a:off x="6984000" y="5939640"/>
+            <a:ext cx="1033200" cy="295920"/>
+          </a:xfrm>
+          <a:prstGeom prst="rect">
+            <a:avLst/>
+          </a:prstGeom>
+          <a:noFill/>
+          <a:ln>
+            <a:noFill/>
+          </a:ln>
+        </p:spPr>
+        <p:txBody>
+          <a:bodyPr lIns="90000" rIns="90000" tIns="45000" bIns="45000"/>
+          <a:p>
+            <a:r>
+              <a:rPr lang="en-US" sz="1400">
+                <a:latin typeface="Arial"/>
+              </a:rPr>
+              <a:t>12/1/2015</a:t>
+            </a:r>
+            <a:endParaRPr/>
+          </a:p>
+        </p:txBody>
+      </p:sp>
+      <p:sp>
+        <p:nvSpPr>
+          <p:cNvPr id="152" name="Line 6"/>
+          <p:cNvSpPr/>
+          <p:nvPr/>
+        </p:nvSpPr>
+        <p:spPr>
+          <a:xfrm flipV="1">
+            <a:off x="7772040" y="5510520"/>
+            <a:ext cx="330120" cy="330120"/>
+          </a:xfrm>
+          <a:prstGeom prst="line">
+            <a:avLst/>
+          </a:prstGeom>
+          <a:ln>
+            <a:solidFill>
+              <a:srgbClr val="ffffff"/>
+            </a:solidFill>
+          </a:ln>
+        </p:spPr>
+      </p:sp>
+      <p:sp>
+        <p:nvSpPr>
+          <p:cNvPr id="153" name="Line 7"/>
+          <p:cNvSpPr/>
+          <p:nvPr/>
+        </p:nvSpPr>
+        <p:spPr>
+          <a:xfrm flipV="1">
+            <a:off x="8091000" y="5144040"/>
+            <a:ext cx="0" cy="366840"/>
+          </a:xfrm>
+          <a:prstGeom prst="line">
+            <a:avLst/>
+          </a:prstGeom>
+          <a:ln>
+            <a:solidFill>
+              <a:srgbClr val="ffffff"/>
+            </a:solidFill>
+            <a:tailEnd len="med" type="triangle" w="med"/>
+          </a:ln>
+        </p:spPr>
+      </p:sp>
+      <p:sp>
+        <p:nvSpPr>
+          <p:cNvPr id="154" name="CustomShape 8"/>
+          <p:cNvSpPr/>
+          <p:nvPr/>
+        </p:nvSpPr>
+        <p:spPr>
+          <a:xfrm rot="18900000">
+            <a:off x="6359400" y="5962680"/>
+            <a:ext cx="1199520" cy="295920"/>
+          </a:xfrm>
+          <a:prstGeom prst="rect">
+            <a:avLst/>
+          </a:prstGeom>
+          <a:noFill/>
+          <a:ln>
+            <a:noFill/>
+          </a:ln>
+        </p:spPr>
+        <p:txBody>
+          <a:bodyPr lIns="90000" rIns="90000" tIns="45000" bIns="45000"/>
+          <a:p>
+            <a:r>
+              <a:rPr lang="en-US" sz="1400">
+                <a:latin typeface="Arial"/>
+              </a:rPr>
+              <a:t>11/24/2015</a:t>
+            </a:r>
+            <a:endParaRPr/>
+          </a:p>
+        </p:txBody>
+      </p:sp>
+      <p:sp>
+        <p:nvSpPr>
+          <p:cNvPr id="155" name="Line 9"/>
+          <p:cNvSpPr/>
+          <p:nvPr/>
+        </p:nvSpPr>
+        <p:spPr>
+          <a:xfrm flipV="1">
+            <a:off x="7253640" y="5510520"/>
+            <a:ext cx="330120" cy="330120"/>
+          </a:xfrm>
+          <a:prstGeom prst="line">
+            <a:avLst/>
+          </a:prstGeom>
+          <a:ln>
+            <a:solidFill>
+              <a:srgbClr val="ffffff"/>
+            </a:solidFill>
+          </a:ln>
+        </p:spPr>
+      </p:sp>
+      <p:sp>
+        <p:nvSpPr>
+          <p:cNvPr id="156" name="Line 10"/>
+          <p:cNvSpPr/>
+          <p:nvPr/>
+        </p:nvSpPr>
+        <p:spPr>
+          <a:xfrm flipV="1">
+            <a:off x="7572600" y="5144040"/>
+            <a:ext cx="0" cy="366840"/>
+          </a:xfrm>
+          <a:prstGeom prst="line">
+            <a:avLst/>
+          </a:prstGeom>
+          <a:ln>
+            <a:solidFill>
+              <a:srgbClr val="ffffff"/>
+            </a:solidFill>
+            <a:tailEnd len="med" type="triangle" w="med"/>
+          </a:ln>
+        </p:spPr>
+      </p:sp>
+      <p:sp>
+        <p:nvSpPr>
+          <p:cNvPr id="157" name="Line 11"/>
+          <p:cNvSpPr/>
+          <p:nvPr/>
+        </p:nvSpPr>
+        <p:spPr>
+          <a:xfrm>
+            <a:off x="8663760" y="4412880"/>
+            <a:ext cx="0" cy="306360"/>
+          </a:xfrm>
+          <a:prstGeom prst="line">
+            <a:avLst/>
+          </a:prstGeom>
+          <a:ln>
+            <a:solidFill>
+              <a:srgbClr val="ff3333"/>
+            </a:solidFill>
+            <a:tailEnd len="med" type="diamond" w="med"/>
+          </a:ln>
+        </p:spPr>
+      </p:sp>
+      <p:sp>
+        <p:nvSpPr>
+          <p:cNvPr id="158" name="CustomShape 12"/>
+          <p:cNvSpPr/>
+          <p:nvPr/>
+        </p:nvSpPr>
+        <p:spPr>
+          <a:xfrm>
+            <a:off x="8376480" y="4190400"/>
+            <a:ext cx="914040" cy="289800"/>
+          </a:xfrm>
+          <a:prstGeom prst="rect">
+            <a:avLst/>
+          </a:prstGeom>
+          <a:noFill/>
+          <a:ln>
+            <a:noFill/>
+          </a:ln>
+        </p:spPr>
+        <p:txBody>
+          <a:bodyPr lIns="90000" rIns="90000" tIns="45000" bIns="45000"/>
+          <a:p>
+            <a:r>
+              <a:rPr lang="en-US" sz="1400">
+                <a:solidFill>
+                  <a:srgbClr val="ff3333"/>
+                </a:solidFill>
+                <a:latin typeface="Arial"/>
+              </a:rPr>
+              <a:t>Demo!</a:t>
+            </a:r>
+            <a:endParaRPr/>
+          </a:p>
+        </p:txBody>
+      </p:sp>
+      <p:sp>
+        <p:nvSpPr>
+          <p:cNvPr id="159" name="CustomShape 13"/>
+          <p:cNvSpPr/>
+          <p:nvPr/>
+        </p:nvSpPr>
+        <p:spPr>
+          <a:xfrm>
+            <a:off x="7370640" y="3657600"/>
+            <a:ext cx="1919880" cy="489600"/>
+          </a:xfrm>
+          <a:prstGeom prst="rect">
+            <a:avLst/>
+          </a:prstGeom>
+          <a:noFill/>
+          <a:ln>
+            <a:noFill/>
+          </a:ln>
+        </p:spPr>
+        <p:txBody>
+          <a:bodyPr lIns="90000" rIns="90000" tIns="45000" bIns="45000"/>
+          <a:p>
+            <a:r>
+              <a:rPr lang="en-US" sz="1400">
+                <a:latin typeface="Arial"/>
+              </a:rPr>
+              <a:t>Complete pulse/SMS code</a:t>
+            </a:r>
+            <a:endParaRPr/>
+          </a:p>
+        </p:txBody>
+      </p:sp>
+      <p:sp>
+        <p:nvSpPr>
+          <p:cNvPr id="160" name="CustomShape 14"/>
+          <p:cNvSpPr/>
+          <p:nvPr/>
+        </p:nvSpPr>
+        <p:spPr>
+          <a:xfrm rot="18900000">
+            <a:off x="5805000" y="5963040"/>
+            <a:ext cx="1199520" cy="295920"/>
+          </a:xfrm>
+          <a:prstGeom prst="rect">
+            <a:avLst/>
+          </a:prstGeom>
+          <a:noFill/>
+          <a:ln>
+            <a:noFill/>
+          </a:ln>
+        </p:spPr>
+        <p:txBody>
+          <a:bodyPr lIns="90000" rIns="90000" tIns="45000" bIns="45000"/>
+          <a:p>
+            <a:r>
+              <a:rPr lang="en-US" sz="1400">
+                <a:latin typeface="Arial"/>
+              </a:rPr>
+              <a:t>11/17/2015</a:t>
+            </a:r>
+            <a:endParaRPr/>
+          </a:p>
+        </p:txBody>
+      </p:sp>
+      <p:sp>
+        <p:nvSpPr>
+          <p:cNvPr id="161" name="Line 15"/>
+          <p:cNvSpPr/>
+          <p:nvPr/>
+        </p:nvSpPr>
+        <p:spPr>
+          <a:xfrm flipV="1">
+            <a:off x="6699240" y="5510880"/>
+            <a:ext cx="330120" cy="330120"/>
+          </a:xfrm>
+          <a:prstGeom prst="line">
+            <a:avLst/>
+          </a:prstGeom>
+          <a:ln>
+            <a:solidFill>
+              <a:srgbClr val="ffffff"/>
+            </a:solidFill>
+          </a:ln>
+        </p:spPr>
+      </p:sp>
+      <p:sp>
+        <p:nvSpPr>
+          <p:cNvPr id="162" name="Line 16"/>
+          <p:cNvSpPr/>
+          <p:nvPr/>
+        </p:nvSpPr>
+        <p:spPr>
+          <a:xfrm flipV="1">
+            <a:off x="7018200" y="5144400"/>
+            <a:ext cx="0" cy="366840"/>
+          </a:xfrm>
+          <a:prstGeom prst="line">
+            <a:avLst/>
+          </a:prstGeom>
+          <a:ln>
+            <a:solidFill>
+              <a:srgbClr val="ffffff"/>
+            </a:solidFill>
+            <a:tailEnd len="med" type="triangle" w="med"/>
+          </a:ln>
+        </p:spPr>
+      </p:sp>
+      <p:sp>
+        <p:nvSpPr>
+          <p:cNvPr id="163" name="CustomShape 17"/>
+          <p:cNvSpPr/>
+          <p:nvPr/>
+        </p:nvSpPr>
+        <p:spPr>
+          <a:xfrm rot="18900000">
+            <a:off x="5265000" y="5963040"/>
+            <a:ext cx="1199520" cy="295920"/>
+          </a:xfrm>
+          <a:prstGeom prst="rect">
+            <a:avLst/>
+          </a:prstGeom>
+          <a:noFill/>
+          <a:ln>
+            <a:noFill/>
+          </a:ln>
+        </p:spPr>
+        <p:txBody>
+          <a:bodyPr lIns="90000" rIns="90000" tIns="45000" bIns="45000"/>
+          <a:p>
+            <a:r>
+              <a:rPr lang="en-US" sz="1400">
+                <a:latin typeface="Arial"/>
+              </a:rPr>
+              <a:t>11/10/2015</a:t>
+            </a:r>
+            <a:endParaRPr/>
+          </a:p>
+        </p:txBody>
+      </p:sp>
+      <p:sp>
+        <p:nvSpPr>
+          <p:cNvPr id="164" name="Line 18"/>
+          <p:cNvSpPr/>
+          <p:nvPr/>
+        </p:nvSpPr>
+        <p:spPr>
+          <a:xfrm flipV="1">
+            <a:off x="6159240" y="5510880"/>
+            <a:ext cx="330120" cy="330120"/>
+          </a:xfrm>
+          <a:prstGeom prst="line">
+            <a:avLst/>
+          </a:prstGeom>
+          <a:ln>
+            <a:solidFill>
+              <a:srgbClr val="ffffff"/>
+            </a:solidFill>
+          </a:ln>
+        </p:spPr>
+      </p:sp>
+      <p:sp>
+        <p:nvSpPr>
+          <p:cNvPr id="165" name="Line 19"/>
+          <p:cNvSpPr/>
+          <p:nvPr/>
+        </p:nvSpPr>
+        <p:spPr>
+          <a:xfrm flipV="1">
+            <a:off x="6478200" y="5144400"/>
+            <a:ext cx="0" cy="366840"/>
+          </a:xfrm>
+          <a:prstGeom prst="line">
+            <a:avLst/>
+          </a:prstGeom>
+          <a:ln>
+            <a:solidFill>
+              <a:srgbClr val="ffffff"/>
+            </a:solidFill>
+            <a:tailEnd len="med" type="triangle" w="med"/>
+          </a:ln>
+        </p:spPr>
+      </p:sp>
+      <p:sp>
+        <p:nvSpPr>
+          <p:cNvPr id="166" name="CustomShape 20"/>
+          <p:cNvSpPr/>
+          <p:nvPr/>
+        </p:nvSpPr>
+        <p:spPr>
+          <a:xfrm rot="18900000">
+            <a:off x="4725000" y="5963040"/>
+            <a:ext cx="1199520" cy="295920"/>
+          </a:xfrm>
+          <a:prstGeom prst="rect">
+            <a:avLst/>
+          </a:prstGeom>
+          <a:noFill/>
+          <a:ln>
+            <a:noFill/>
+          </a:ln>
+        </p:spPr>
+        <p:txBody>
+          <a:bodyPr lIns="90000" rIns="90000" tIns="45000" bIns="45000"/>
+          <a:p>
+            <a:r>
+              <a:rPr lang="en-US" sz="1400">
+                <a:latin typeface="Arial"/>
+              </a:rPr>
+              <a:t>11/03/2015</a:t>
+            </a:r>
+            <a:endParaRPr/>
+          </a:p>
+        </p:txBody>
+      </p:sp>
+      <p:sp>
+        <p:nvSpPr>
+          <p:cNvPr id="167" name="Line 21"/>
+          <p:cNvSpPr/>
+          <p:nvPr/>
+        </p:nvSpPr>
+        <p:spPr>
+          <a:xfrm flipV="1">
+            <a:off x="5619240" y="5510880"/>
+            <a:ext cx="330120" cy="330120"/>
+          </a:xfrm>
+          <a:prstGeom prst="line">
+            <a:avLst/>
+          </a:prstGeom>
+          <a:ln>
+            <a:solidFill>
+              <a:srgbClr val="ffffff"/>
+            </a:solidFill>
+          </a:ln>
+        </p:spPr>
+      </p:sp>
+      <p:sp>
+        <p:nvSpPr>
+          <p:cNvPr id="168" name="Line 22"/>
+          <p:cNvSpPr/>
+          <p:nvPr/>
+        </p:nvSpPr>
+        <p:spPr>
+          <a:xfrm flipV="1">
+            <a:off x="5938200" y="5144400"/>
+            <a:ext cx="0" cy="366840"/>
+          </a:xfrm>
+          <a:prstGeom prst="line">
+            <a:avLst/>
+          </a:prstGeom>
+          <a:ln>
+            <a:solidFill>
+              <a:srgbClr val="ffffff"/>
+            </a:solidFill>
+            <a:tailEnd len="med" type="triangle" w="med"/>
+          </a:ln>
+        </p:spPr>
+      </p:sp>
+      <p:sp>
+        <p:nvSpPr>
+          <p:cNvPr id="169" name="CustomShape 23"/>
+          <p:cNvSpPr/>
+          <p:nvPr/>
+        </p:nvSpPr>
+        <p:spPr>
+          <a:xfrm rot="18900000">
+            <a:off x="4185000" y="5963040"/>
+            <a:ext cx="1199520" cy="295920"/>
+          </a:xfrm>
+          <a:prstGeom prst="rect">
+            <a:avLst/>
+          </a:prstGeom>
+          <a:noFill/>
+          <a:ln>
+            <a:noFill/>
+          </a:ln>
+        </p:spPr>
+        <p:txBody>
+          <a:bodyPr lIns="90000" rIns="90000" tIns="45000" bIns="45000"/>
+          <a:p>
+            <a:r>
+              <a:rPr lang="en-US" sz="1400">
+                <a:latin typeface="Arial"/>
+              </a:rPr>
+              <a:t>10/27/2015</a:t>
+            </a:r>
+            <a:endParaRPr/>
+          </a:p>
+        </p:txBody>
+      </p:sp>
+      <p:sp>
+        <p:nvSpPr>
+          <p:cNvPr id="170" name="Line 24"/>
+          <p:cNvSpPr/>
+          <p:nvPr/>
+        </p:nvSpPr>
+        <p:spPr>
+          <a:xfrm flipV="1">
+            <a:off x="5079240" y="5510880"/>
+            <a:ext cx="330120" cy="330120"/>
+          </a:xfrm>
+          <a:prstGeom prst="line">
+            <a:avLst/>
+          </a:prstGeom>
+          <a:ln>
+            <a:solidFill>
+              <a:srgbClr val="ffffff"/>
+            </a:solidFill>
+          </a:ln>
+        </p:spPr>
+      </p:sp>
+      <p:sp>
+        <p:nvSpPr>
+          <p:cNvPr id="171" name="Line 25"/>
+          <p:cNvSpPr/>
+          <p:nvPr/>
+        </p:nvSpPr>
+        <p:spPr>
+          <a:xfrm flipV="1">
+            <a:off x="5398200" y="5144400"/>
+            <a:ext cx="0" cy="366840"/>
+          </a:xfrm>
+          <a:prstGeom prst="line">
+            <a:avLst/>
+          </a:prstGeom>
+          <a:ln>
+            <a:solidFill>
+              <a:srgbClr val="ffffff"/>
+            </a:solidFill>
+            <a:tailEnd len="med" type="triangle" w="med"/>
+          </a:ln>
+        </p:spPr>
+      </p:sp>
+      <p:sp>
+        <p:nvSpPr>
+          <p:cNvPr id="172" name="CustomShape 26"/>
+          <p:cNvSpPr/>
+          <p:nvPr/>
+        </p:nvSpPr>
+        <p:spPr>
+          <a:xfrm rot="18900000">
+            <a:off x="3681000" y="5963040"/>
+            <a:ext cx="1199520" cy="295920"/>
+          </a:xfrm>
+          <a:prstGeom prst="rect">
+            <a:avLst/>
+          </a:prstGeom>
+          <a:noFill/>
+          <a:ln>
+            <a:noFill/>
+          </a:ln>
+        </p:spPr>
+        <p:txBody>
+          <a:bodyPr lIns="90000" rIns="90000" tIns="45000" bIns="45000"/>
+          <a:p>
+            <a:r>
+              <a:rPr lang="en-US" sz="1400">
+                <a:latin typeface="Arial"/>
+              </a:rPr>
+              <a:t>10/20/2015</a:t>
+            </a:r>
+            <a:endParaRPr/>
+          </a:p>
+        </p:txBody>
+      </p:sp>
+      <p:sp>
+        <p:nvSpPr>
+          <p:cNvPr id="173" name="Line 27"/>
+          <p:cNvSpPr/>
+          <p:nvPr/>
+        </p:nvSpPr>
+        <p:spPr>
+          <a:xfrm flipV="1">
+            <a:off x="4575240" y="5510880"/>
+            <a:ext cx="330120" cy="330120"/>
+          </a:xfrm>
+          <a:prstGeom prst="line">
+            <a:avLst/>
+          </a:prstGeom>
+          <a:ln>
+            <a:solidFill>
+              <a:srgbClr val="ffffff"/>
+            </a:solidFill>
+          </a:ln>
+        </p:spPr>
+      </p:sp>
+      <p:sp>
+        <p:nvSpPr>
+          <p:cNvPr id="174" name="Line 28"/>
+          <p:cNvSpPr/>
+          <p:nvPr/>
+        </p:nvSpPr>
+        <p:spPr>
+          <a:xfrm flipV="1">
+            <a:off x="4894200" y="5144400"/>
+            <a:ext cx="0" cy="366840"/>
+          </a:xfrm>
+          <a:prstGeom prst="line">
+            <a:avLst/>
+          </a:prstGeom>
+          <a:ln>
+            <a:solidFill>
+              <a:srgbClr val="ffffff"/>
+            </a:solidFill>
+            <a:tailEnd len="med" type="triangle" w="med"/>
+          </a:ln>
+        </p:spPr>
+      </p:sp>
+      <p:sp>
+        <p:nvSpPr>
+          <p:cNvPr id="175" name="CustomShape 29"/>
+          <p:cNvSpPr/>
+          <p:nvPr/>
+        </p:nvSpPr>
+        <p:spPr>
+          <a:xfrm rot="18900000">
+            <a:off x="3141000" y="5963040"/>
+            <a:ext cx="1199520" cy="295920"/>
+          </a:xfrm>
+          <a:prstGeom prst="rect">
+            <a:avLst/>
+          </a:prstGeom>
+          <a:noFill/>
+          <a:ln>
+            <a:noFill/>
+          </a:ln>
+        </p:spPr>
+        <p:txBody>
+          <a:bodyPr lIns="90000" rIns="90000" tIns="45000" bIns="45000"/>
+          <a:p>
+            <a:r>
+              <a:rPr lang="en-US" sz="1400">
+                <a:latin typeface="Arial"/>
+              </a:rPr>
+              <a:t>10/13/2015</a:t>
+            </a:r>
+            <a:endParaRPr/>
+          </a:p>
+        </p:txBody>
+      </p:sp>
+      <p:sp>
+        <p:nvSpPr>
+          <p:cNvPr id="176" name="Line 30"/>
+          <p:cNvSpPr/>
+          <p:nvPr/>
+        </p:nvSpPr>
+        <p:spPr>
+          <a:xfrm flipV="1">
+            <a:off x="4035240" y="5510880"/>
+            <a:ext cx="330120" cy="330120"/>
+          </a:xfrm>
+          <a:prstGeom prst="line">
+            <a:avLst/>
+          </a:prstGeom>
+          <a:ln>
+            <a:solidFill>
+              <a:srgbClr val="ffffff"/>
+            </a:solidFill>
+          </a:ln>
+        </p:spPr>
+      </p:sp>
+      <p:sp>
+        <p:nvSpPr>
+          <p:cNvPr id="177" name="Line 31"/>
+          <p:cNvSpPr/>
+          <p:nvPr/>
+        </p:nvSpPr>
+        <p:spPr>
+          <a:xfrm flipV="1">
+            <a:off x="4354200" y="5144400"/>
+            <a:ext cx="0" cy="366840"/>
+          </a:xfrm>
+          <a:prstGeom prst="line">
+            <a:avLst/>
+          </a:prstGeom>
+          <a:ln>
+            <a:solidFill>
+              <a:srgbClr val="ffffff"/>
+            </a:solidFill>
+            <a:tailEnd len="med" type="triangle" w="med"/>
+          </a:ln>
+        </p:spPr>
+      </p:sp>
+      <p:sp>
+        <p:nvSpPr>
+          <p:cNvPr id="178" name="CustomShape 32"/>
+          <p:cNvSpPr/>
+          <p:nvPr/>
+        </p:nvSpPr>
+        <p:spPr>
+          <a:xfrm rot="18900000">
+            <a:off x="2601000" y="5963040"/>
+            <a:ext cx="1199520" cy="295920"/>
+          </a:xfrm>
+          <a:prstGeom prst="rect">
+            <a:avLst/>
+          </a:prstGeom>
+          <a:noFill/>
+          <a:ln>
+            <a:noFill/>
+          </a:ln>
+        </p:spPr>
+        <p:txBody>
+          <a:bodyPr lIns="90000" rIns="90000" tIns="45000" bIns="45000"/>
+          <a:p>
+            <a:r>
+              <a:rPr lang="en-US" sz="1400">
+                <a:latin typeface="Arial"/>
+              </a:rPr>
+              <a:t>10/06/2015</a:t>
+            </a:r>
+            <a:endParaRPr/>
+          </a:p>
+        </p:txBody>
+      </p:sp>
+      <p:sp>
+        <p:nvSpPr>
+          <p:cNvPr id="179" name="Line 33"/>
+          <p:cNvSpPr/>
+          <p:nvPr/>
+        </p:nvSpPr>
+        <p:spPr>
+          <a:xfrm flipV="1">
+            <a:off x="3495240" y="5510880"/>
+            <a:ext cx="330120" cy="330120"/>
+          </a:xfrm>
+          <a:prstGeom prst="line">
+            <a:avLst/>
+          </a:prstGeom>
+          <a:ln>
+            <a:solidFill>
+              <a:srgbClr val="ffffff"/>
+            </a:solidFill>
+          </a:ln>
+        </p:spPr>
+      </p:sp>
+      <p:sp>
+        <p:nvSpPr>
+          <p:cNvPr id="180" name="Line 34"/>
+          <p:cNvSpPr/>
+          <p:nvPr/>
+        </p:nvSpPr>
+        <p:spPr>
+          <a:xfrm flipV="1">
+            <a:off x="3814200" y="5144400"/>
+            <a:ext cx="0" cy="366840"/>
+          </a:xfrm>
+          <a:prstGeom prst="line">
+            <a:avLst/>
+          </a:prstGeom>
+          <a:ln>
+            <a:solidFill>
+              <a:srgbClr val="ffffff"/>
+            </a:solidFill>
+            <a:tailEnd len="med" type="triangle" w="med"/>
+          </a:ln>
+        </p:spPr>
+      </p:sp>
+      <p:sp>
+        <p:nvSpPr>
+          <p:cNvPr id="181" name="CustomShape 35"/>
+          <p:cNvSpPr/>
+          <p:nvPr/>
+        </p:nvSpPr>
+        <p:spPr>
+          <a:xfrm rot="18900000">
+            <a:off x="2061000" y="5963040"/>
+            <a:ext cx="1199520" cy="295920"/>
+          </a:xfrm>
+          <a:prstGeom prst="rect">
+            <a:avLst/>
+          </a:prstGeom>
+          <a:noFill/>
+          <a:ln>
+            <a:noFill/>
+          </a:ln>
+        </p:spPr>
+        <p:txBody>
+          <a:bodyPr lIns="90000" rIns="90000" tIns="45000" bIns="45000"/>
+          <a:p>
+            <a:r>
+              <a:rPr lang="en-US" sz="1400">
+                <a:latin typeface="Arial"/>
+              </a:rPr>
+              <a:t>09/29/2015</a:t>
+            </a:r>
+            <a:endParaRPr/>
+          </a:p>
+        </p:txBody>
+      </p:sp>
+      <p:sp>
+        <p:nvSpPr>
+          <p:cNvPr id="182" name="Line 36"/>
+          <p:cNvSpPr/>
+          <p:nvPr/>
+        </p:nvSpPr>
+        <p:spPr>
+          <a:xfrm flipV="1">
+            <a:off x="2955240" y="5510880"/>
+            <a:ext cx="330120" cy="330120"/>
+          </a:xfrm>
+          <a:prstGeom prst="line">
+            <a:avLst/>
+          </a:prstGeom>
+          <a:ln>
+            <a:solidFill>
+              <a:srgbClr val="ffffff"/>
+            </a:solidFill>
+          </a:ln>
+        </p:spPr>
+      </p:sp>
+      <p:sp>
+        <p:nvSpPr>
+          <p:cNvPr id="183" name="Line 37"/>
+          <p:cNvSpPr/>
+          <p:nvPr/>
+        </p:nvSpPr>
+        <p:spPr>
+          <a:xfrm flipV="1">
+            <a:off x="3274200" y="5144400"/>
+            <a:ext cx="0" cy="366840"/>
+          </a:xfrm>
+          <a:prstGeom prst="line">
+            <a:avLst/>
+          </a:prstGeom>
+          <a:ln>
+            <a:solidFill>
+              <a:srgbClr val="ffffff"/>
+            </a:solidFill>
+            <a:tailEnd len="med" type="triangle" w="med"/>
+          </a:ln>
+        </p:spPr>
+      </p:sp>
+      <p:sp>
+        <p:nvSpPr>
+          <p:cNvPr id="184" name="CustomShape 38"/>
+          <p:cNvSpPr/>
+          <p:nvPr/>
+        </p:nvSpPr>
+        <p:spPr>
+          <a:xfrm rot="18900000">
+            <a:off x="1521000" y="5963040"/>
+            <a:ext cx="1199520" cy="295920"/>
+          </a:xfrm>
+          <a:prstGeom prst="rect">
+            <a:avLst/>
+          </a:prstGeom>
+          <a:noFill/>
+          <a:ln>
+            <a:noFill/>
+          </a:ln>
+        </p:spPr>
+        <p:txBody>
+          <a:bodyPr lIns="90000" rIns="90000" tIns="45000" bIns="45000"/>
+          <a:p>
+            <a:r>
+              <a:rPr lang="en-US" sz="1400">
+                <a:latin typeface="Arial"/>
+              </a:rPr>
+              <a:t>09/22/2015</a:t>
+            </a:r>
+            <a:endParaRPr/>
+          </a:p>
+        </p:txBody>
+      </p:sp>
+      <p:sp>
+        <p:nvSpPr>
+          <p:cNvPr id="185" name="Line 39"/>
+          <p:cNvSpPr/>
+          <p:nvPr/>
+        </p:nvSpPr>
+        <p:spPr>
+          <a:xfrm flipV="1">
+            <a:off x="2415240" y="5510880"/>
+            <a:ext cx="330120" cy="330120"/>
+          </a:xfrm>
+          <a:prstGeom prst="line">
+            <a:avLst/>
+          </a:prstGeom>
+          <a:ln>
+            <a:solidFill>
+              <a:srgbClr val="ffffff"/>
+            </a:solidFill>
+          </a:ln>
+        </p:spPr>
+      </p:sp>
+      <p:sp>
+        <p:nvSpPr>
+          <p:cNvPr id="186" name="Line 40"/>
+          <p:cNvSpPr/>
+          <p:nvPr/>
+        </p:nvSpPr>
+        <p:spPr>
+          <a:xfrm flipV="1">
+            <a:off x="2734200" y="5144400"/>
+            <a:ext cx="0" cy="366840"/>
+          </a:xfrm>
+          <a:prstGeom prst="line">
+            <a:avLst/>
+          </a:prstGeom>
+          <a:ln>
+            <a:solidFill>
+              <a:srgbClr val="ffffff"/>
+            </a:solidFill>
+            <a:tailEnd len="med" type="triangle" w="med"/>
+          </a:ln>
+        </p:spPr>
+      </p:sp>
+      <p:sp>
+        <p:nvSpPr>
+          <p:cNvPr id="187" name="CustomShape 41"/>
+          <p:cNvSpPr/>
+          <p:nvPr/>
+        </p:nvSpPr>
+        <p:spPr>
+          <a:xfrm rot="18900000">
+            <a:off x="981000" y="5963040"/>
+            <a:ext cx="1199520" cy="295920"/>
+          </a:xfrm>
+          <a:prstGeom prst="rect">
+            <a:avLst/>
+          </a:prstGeom>
+          <a:noFill/>
+          <a:ln>
+            <a:noFill/>
+          </a:ln>
+        </p:spPr>
+        <p:txBody>
+          <a:bodyPr lIns="90000" rIns="90000" tIns="45000" bIns="45000"/>
+          <a:p>
+            <a:r>
+              <a:rPr lang="en-US" sz="1400">
+                <a:latin typeface="Arial"/>
+              </a:rPr>
+              <a:t>09/15/2015</a:t>
+            </a:r>
+            <a:endParaRPr/>
+          </a:p>
+        </p:txBody>
+      </p:sp>
+      <p:sp>
+        <p:nvSpPr>
+          <p:cNvPr id="188" name="Line 42"/>
+          <p:cNvSpPr/>
+          <p:nvPr/>
+        </p:nvSpPr>
+        <p:spPr>
+          <a:xfrm flipV="1">
+            <a:off x="1875240" y="5510880"/>
+            <a:ext cx="330120" cy="330120"/>
+          </a:xfrm>
+          <a:prstGeom prst="line">
+            <a:avLst/>
+          </a:prstGeom>
+          <a:ln>
+            <a:solidFill>
+              <a:srgbClr val="ffffff"/>
+            </a:solidFill>
+          </a:ln>
+        </p:spPr>
+      </p:sp>
+      <p:sp>
+        <p:nvSpPr>
+          <p:cNvPr id="189" name="Line 43"/>
+          <p:cNvSpPr/>
+          <p:nvPr/>
+        </p:nvSpPr>
+        <p:spPr>
+          <a:xfrm flipV="1">
+            <a:off x="2194200" y="5144400"/>
+            <a:ext cx="0" cy="366840"/>
+          </a:xfrm>
+          <a:prstGeom prst="line">
+            <a:avLst/>
+          </a:prstGeom>
+          <a:ln>
+            <a:solidFill>
+              <a:srgbClr val="ffffff"/>
+            </a:solidFill>
+            <a:tailEnd len="med" type="triangle" w="med"/>
+          </a:ln>
+        </p:spPr>
+      </p:sp>
+      <p:sp>
+        <p:nvSpPr>
+          <p:cNvPr id="190" name="CustomShape 44"/>
+          <p:cNvSpPr/>
+          <p:nvPr/>
+        </p:nvSpPr>
+        <p:spPr>
+          <a:xfrm rot="18900000">
+            <a:off x="477000" y="5963040"/>
+            <a:ext cx="1199520" cy="295920"/>
+          </a:xfrm>
+          <a:prstGeom prst="rect">
+            <a:avLst/>
+          </a:prstGeom>
+          <a:noFill/>
+          <a:ln>
+            <a:noFill/>
+          </a:ln>
+        </p:spPr>
+        <p:txBody>
+          <a:bodyPr lIns="90000" rIns="90000" tIns="45000" bIns="45000"/>
+          <a:p>
+            <a:r>
+              <a:rPr lang="en-US" sz="1400">
+                <a:latin typeface="Arial"/>
+              </a:rPr>
+              <a:t>09/08/2015</a:t>
+            </a:r>
+            <a:endParaRPr/>
+          </a:p>
+        </p:txBody>
+      </p:sp>
+      <p:sp>
+        <p:nvSpPr>
+          <p:cNvPr id="191" name="Line 45"/>
+          <p:cNvSpPr/>
+          <p:nvPr/>
+        </p:nvSpPr>
+        <p:spPr>
+          <a:xfrm flipV="1">
+            <a:off x="1371240" y="5510880"/>
+            <a:ext cx="330120" cy="330120"/>
+          </a:xfrm>
+          <a:prstGeom prst="line">
+            <a:avLst/>
+          </a:prstGeom>
+          <a:ln>
+            <a:solidFill>
+              <a:srgbClr val="ffffff"/>
+            </a:solidFill>
+          </a:ln>
+        </p:spPr>
+      </p:sp>
+      <p:sp>
+        <p:nvSpPr>
+          <p:cNvPr id="192" name="Line 46"/>
+          <p:cNvSpPr/>
+          <p:nvPr/>
+        </p:nvSpPr>
+        <p:spPr>
+          <a:xfrm flipV="1">
+            <a:off x="1690200" y="5144400"/>
+            <a:ext cx="0" cy="366840"/>
+          </a:xfrm>
+          <a:prstGeom prst="line">
+            <a:avLst/>
+          </a:prstGeom>
+          <a:ln>
+            <a:solidFill>
+              <a:srgbClr val="ffffff"/>
+            </a:solidFill>
+            <a:tailEnd len="med" type="triangle" w="med"/>
+          </a:ln>
+        </p:spPr>
+      </p:sp>
+      <p:sp>
+        <p:nvSpPr>
+          <p:cNvPr id="193" name="CustomShape 47"/>
+          <p:cNvSpPr/>
+          <p:nvPr/>
+        </p:nvSpPr>
+        <p:spPr>
+          <a:xfrm rot="18900000">
+            <a:off x="-62280" y="5963040"/>
+            <a:ext cx="1199520" cy="295920"/>
+          </a:xfrm>
+          <a:prstGeom prst="rect">
+            <a:avLst/>
+          </a:prstGeom>
+          <a:noFill/>
+          <a:ln>
+            <a:noFill/>
+          </a:ln>
+        </p:spPr>
+        <p:txBody>
+          <a:bodyPr lIns="90000" rIns="90000" tIns="45000" bIns="45000"/>
+          <a:p>
+            <a:r>
+              <a:rPr lang="en-US" sz="1400">
+                <a:latin typeface="Arial"/>
+              </a:rPr>
+              <a:t>09/01/2015</a:t>
+            </a:r>
+            <a:endParaRPr/>
+          </a:p>
+        </p:txBody>
+      </p:sp>
+      <p:sp>
+        <p:nvSpPr>
+          <p:cNvPr id="194" name="Line 48"/>
+          <p:cNvSpPr/>
+          <p:nvPr/>
+        </p:nvSpPr>
+        <p:spPr>
+          <a:xfrm flipV="1">
+            <a:off x="795240" y="5510880"/>
+            <a:ext cx="330120" cy="330120"/>
+          </a:xfrm>
+          <a:prstGeom prst="line">
+            <a:avLst/>
+          </a:prstGeom>
+          <a:ln>
+            <a:solidFill>
+              <a:srgbClr val="ffffff"/>
+            </a:solidFill>
+          </a:ln>
+        </p:spPr>
+      </p:sp>
+      <p:sp>
+        <p:nvSpPr>
+          <p:cNvPr id="195" name="Line 49"/>
+          <p:cNvSpPr/>
+          <p:nvPr/>
+        </p:nvSpPr>
+        <p:spPr>
+          <a:xfrm flipV="1">
+            <a:off x="1114200" y="5144400"/>
+            <a:ext cx="0" cy="366840"/>
+          </a:xfrm>
+          <a:prstGeom prst="line">
+            <a:avLst/>
+          </a:prstGeom>
+          <a:ln>
+            <a:solidFill>
+              <a:srgbClr val="ffffff"/>
+            </a:solidFill>
+            <a:tailEnd len="med" type="triangle" w="med"/>
+          </a:ln>
+        </p:spPr>
+      </p:sp>
+      <p:sp>
+        <p:nvSpPr>
+          <p:cNvPr id="196" name="CustomShape 50"/>
+          <p:cNvSpPr/>
+          <p:nvPr/>
+        </p:nvSpPr>
+        <p:spPr>
+          <a:xfrm>
+            <a:off x="989280" y="4719240"/>
+            <a:ext cx="7680600" cy="456840"/>
+          </a:xfrm>
+          <a:prstGeom prst="rect">
+            <a:avLst/>
+          </a:prstGeom>
+          <a:gradFill>
+            <a:gsLst>
+              <a:gs pos="0">
+                <a:srgbClr val="ff950e"/>
+              </a:gs>
+              <a:gs pos="100000">
+                <a:srgbClr val="c5000b"/>
+              </a:gs>
+            </a:gsLst>
+            <a:lin ang="2700000"/>
+          </a:gradFill>
+          <a:ln>
+            <a:solidFill>
+              <a:srgbClr val="ffffff"/>
+            </a:solidFill>
+          </a:ln>
+        </p:spPr>
+      </p:sp>
+      <p:sp>
+        <p:nvSpPr>
+          <p:cNvPr id="197" name="Line 51"/>
+          <p:cNvSpPr/>
+          <p:nvPr/>
+        </p:nvSpPr>
+        <p:spPr>
+          <a:xfrm>
+            <a:off x="1720800" y="4389120"/>
+            <a:ext cx="0" cy="330120"/>
+          </a:xfrm>
+          <a:prstGeom prst="line">
+            <a:avLst/>
+          </a:prstGeom>
+          <a:ln>
+            <a:solidFill>
+              <a:srgbClr val="ffffff"/>
+            </a:solidFill>
+            <a:tailEnd len="med" type="diamond" w="med"/>
+          </a:ln>
+        </p:spPr>
+      </p:sp>
+      <p:sp>
+        <p:nvSpPr>
+          <p:cNvPr id="198" name="CustomShape 52"/>
+          <p:cNvSpPr/>
+          <p:nvPr/>
+        </p:nvSpPr>
+        <p:spPr>
+          <a:xfrm>
+            <a:off x="623520" y="4114800"/>
+            <a:ext cx="1919880" cy="289800"/>
+          </a:xfrm>
+          <a:prstGeom prst="rect">
+            <a:avLst/>
+          </a:prstGeom>
+          <a:noFill/>
+          <a:ln>
+            <a:noFill/>
+          </a:ln>
+        </p:spPr>
+        <p:txBody>
+          <a:bodyPr lIns="90000" rIns="90000" tIns="45000" bIns="45000"/>
+          <a:p>
+            <a:r>
+              <a:rPr lang="en-US" sz="1400">
+                <a:latin typeface="Arial"/>
+              </a:rPr>
+              <a:t>Formed team</a:t>
+            </a:r>
+            <a:endParaRPr/>
+          </a:p>
+        </p:txBody>
+      </p:sp>
+      <p:sp>
+        <p:nvSpPr>
+          <p:cNvPr id="199" name="Line 53"/>
+          <p:cNvSpPr/>
+          <p:nvPr/>
+        </p:nvSpPr>
+        <p:spPr>
+          <a:xfrm>
+            <a:off x="2269440" y="3955680"/>
+            <a:ext cx="0" cy="763560"/>
+          </a:xfrm>
+          <a:prstGeom prst="line">
+            <a:avLst/>
+          </a:prstGeom>
+          <a:ln>
+            <a:solidFill>
+              <a:srgbClr val="ffffff"/>
+            </a:solidFill>
+            <a:tailEnd len="med" type="diamond" w="med"/>
+          </a:ln>
+        </p:spPr>
+      </p:sp>
+      <p:sp>
+        <p:nvSpPr>
+          <p:cNvPr id="200" name="CustomShape 54"/>
+          <p:cNvSpPr/>
+          <p:nvPr/>
+        </p:nvSpPr>
+        <p:spPr>
+          <a:xfrm>
+            <a:off x="1080720" y="3733200"/>
+            <a:ext cx="1919880" cy="289800"/>
+          </a:xfrm>
+          <a:prstGeom prst="rect">
+            <a:avLst/>
+          </a:prstGeom>
+          <a:noFill/>
+          <a:ln>
+            <a:noFill/>
+          </a:ln>
+        </p:spPr>
+        <p:txBody>
+          <a:bodyPr lIns="90000" rIns="90000" tIns="45000" bIns="45000"/>
           <a:p>
             <a:pPr>
               <a:lnSpc>
@@ -6596,45 +7249,60 @@
               </a:lnSpc>
             </a:pPr>
             <a:r>
-              <a:rPr lang="en-US" sz="4600">
-                <a:solidFill>
-                  <a:srgbClr val="ffffff"/>
-                </a:solidFill>
-                <a:latin typeface="Franklin Gothic Book"/>
-              </a:rPr>
-              <a:t>System Flow Chart</a:t>
-            </a:r>
-            <a:endParaRPr/>
-          </a:p>
-        </p:txBody>
-      </p:sp>
-      <p:sp>
-        <p:nvSpPr>
-          <p:cNvPr id="181" name="CustomShape 2"/>
-          <p:cNvSpPr/>
-          <p:nvPr/>
-        </p:nvSpPr>
-        <p:spPr>
-          <a:xfrm>
-            <a:off x="1473840" y="1280160"/>
-            <a:ext cx="822600" cy="319680"/>
-          </a:xfrm>
-          <a:prstGeom prst="ellipse">
-            <a:avLst/>
-          </a:prstGeom>
-          <a:solidFill>
-            <a:srgbClr val="ff950e"/>
-          </a:solidFill>
-          <a:ln>
-            <a:solidFill>
-              <a:srgbClr val="eeeeee"/>
-            </a:solidFill>
-          </a:ln>
-        </p:spPr>
-        <p:txBody>
-          <a:bodyPr wrap="none" lIns="90000" rIns="90000" tIns="45000" bIns="45000" anchor="ctr"/>
-          <a:p>
-            <a:pPr algn="ctr">
+              <a:rPr lang="en-US" sz="1400">
+                <a:latin typeface="Arial"/>
+              </a:rPr>
+              <a:t>EADAS is born!</a:t>
+            </a:r>
+            <a:endParaRPr/>
+          </a:p>
+        </p:txBody>
+      </p:sp>
+      <p:sp>
+        <p:nvSpPr>
+          <p:cNvPr id="201" name="Line 55"/>
+          <p:cNvSpPr/>
+          <p:nvPr/>
+        </p:nvSpPr>
+        <p:spPr>
+          <a:xfrm>
+            <a:off x="2909520" y="3657600"/>
+            <a:ext cx="0" cy="1061640"/>
+          </a:xfrm>
+          <a:prstGeom prst="line">
+            <a:avLst/>
+          </a:prstGeom>
+          <a:ln>
+            <a:solidFill>
+              <a:srgbClr val="ffffff"/>
+            </a:solidFill>
+            <a:tailEnd len="med" type="diamond" w="med"/>
+          </a:ln>
+        </p:spPr>
+      </p:sp>
+      <p:sp>
+        <p:nvSpPr>
+          <p:cNvPr id="202" name="CustomShape 56"/>
+          <p:cNvSpPr/>
+          <p:nvPr/>
+        </p:nvSpPr>
+        <p:spPr>
+          <a:xfrm>
+            <a:off x="440640" y="3383280"/>
+            <a:ext cx="2834280" cy="289800"/>
+          </a:xfrm>
+          <a:prstGeom prst="rect">
+            <a:avLst/>
+          </a:prstGeom>
+          <a:noFill/>
+          <a:ln>
+            <a:noFill/>
+          </a:ln>
+        </p:spPr>
+        <p:txBody>
+          <a:bodyPr lIns="90000" rIns="90000" tIns="45000" bIns="45000"/>
+          <a:p>
+            <a:pPr>
               <a:lnSpc>
                 <a:spcPct val="100000"/>
               </a:lnSpc>
@@ -6643,39 +7311,57 @@
               <a:rPr lang="en-US" sz="1400">
                 <a:latin typeface="Arial"/>
               </a:rPr>
-              <a:t>Start</a:t>
-            </a:r>
-            <a:endParaRPr/>
-          </a:p>
-        </p:txBody>
-      </p:sp>
-      <p:sp>
-        <p:nvSpPr>
-          <p:cNvPr id="182" name="CustomShape 3"/>
-          <p:cNvSpPr/>
-          <p:nvPr/>
-        </p:nvSpPr>
-        <p:spPr>
-          <a:xfrm>
-            <a:off x="925200" y="2011680"/>
-            <a:ext cx="1828440" cy="365400"/>
-          </a:xfrm>
-          <a:prstGeom prst="rect">
-            <a:avLst/>
-          </a:prstGeom>
-          <a:solidFill>
-            <a:srgbClr val="729fcf"/>
-          </a:solidFill>
-          <a:ln>
-            <a:solidFill>
-              <a:srgbClr val="eeeeee"/>
-            </a:solidFill>
-          </a:ln>
-        </p:spPr>
-        <p:txBody>
-          <a:bodyPr wrap="none" lIns="90000" rIns="90000" tIns="45000" bIns="45000" anchor="ctr"/>
-          <a:p>
-            <a:pPr algn="ctr">
+              <a:t>Hardware researched/sourced</a:t>
+            </a:r>
+            <a:endParaRPr/>
+          </a:p>
+        </p:txBody>
+      </p:sp>
+      <p:sp>
+        <p:nvSpPr>
+          <p:cNvPr id="203" name="Line 57"/>
+          <p:cNvSpPr/>
+          <p:nvPr/>
+        </p:nvSpPr>
+        <p:spPr>
+          <a:xfrm>
+            <a:off x="3366720" y="3200400"/>
+            <a:ext cx="0" cy="1518840"/>
+          </a:xfrm>
+          <a:prstGeom prst="line">
+            <a:avLst/>
+          </a:prstGeom>
+          <a:ln>
+            <a:solidFill>
+              <a:srgbClr val="ffffff"/>
+            </a:solidFill>
+            <a:tailEnd len="med" type="diamond" w="med"/>
+          </a:ln>
+        </p:spPr>
+      </p:sp>
+      <p:sp>
+        <p:nvSpPr>
+          <p:cNvPr id="204" name="CustomShape 58"/>
+          <p:cNvSpPr/>
+          <p:nvPr/>
+        </p:nvSpPr>
+        <p:spPr>
+          <a:xfrm>
+            <a:off x="623520" y="2926080"/>
+            <a:ext cx="2925720" cy="289800"/>
+          </a:xfrm>
+          <a:prstGeom prst="rect">
+            <a:avLst/>
+          </a:prstGeom>
+          <a:noFill/>
+          <a:ln>
+            <a:noFill/>
+          </a:ln>
+        </p:spPr>
+        <p:txBody>
+          <a:bodyPr lIns="90000" rIns="90000" tIns="45000" bIns="45000"/>
+          <a:p>
+            <a:pPr>
               <a:lnSpc>
                 <a:spcPct val="100000"/>
               </a:lnSpc>
@@ -6684,39 +7370,111 @@
               <a:rPr lang="en-US" sz="1400">
                 <a:latin typeface="Arial"/>
               </a:rPr>
-              <a:t>Initialize clock</a:t>
-            </a:r>
-            <a:endParaRPr/>
-          </a:p>
-        </p:txBody>
-      </p:sp>
-      <p:sp>
-        <p:nvSpPr>
-          <p:cNvPr id="183" name="CustomShape 4"/>
-          <p:cNvSpPr/>
-          <p:nvPr/>
-        </p:nvSpPr>
-        <p:spPr>
-          <a:xfrm>
-            <a:off x="925200" y="2651760"/>
-            <a:ext cx="1828440" cy="365400"/>
-          </a:xfrm>
-          <a:prstGeom prst="rect">
-            <a:avLst/>
-          </a:prstGeom>
-          <a:solidFill>
-            <a:srgbClr val="729fcf"/>
-          </a:solidFill>
-          <a:ln>
-            <a:solidFill>
-              <a:srgbClr val="eeeeee"/>
-            </a:solidFill>
-          </a:ln>
-        </p:spPr>
-        <p:txBody>
-          <a:bodyPr wrap="none" lIns="90000" rIns="90000" tIns="45000" bIns="45000" anchor="ctr"/>
-          <a:p>
-            <a:pPr algn="ctr">
+              <a:t>Hardware received and distributed</a:t>
+            </a:r>
+            <a:endParaRPr/>
+          </a:p>
+        </p:txBody>
+      </p:sp>
+      <p:sp>
+        <p:nvSpPr>
+          <p:cNvPr id="205" name="Line 59"/>
+          <p:cNvSpPr/>
+          <p:nvPr/>
+        </p:nvSpPr>
+        <p:spPr>
+          <a:xfrm>
+            <a:off x="8412480" y="3017520"/>
+            <a:ext cx="0" cy="1701720"/>
+          </a:xfrm>
+          <a:prstGeom prst="line">
+            <a:avLst/>
+          </a:prstGeom>
+          <a:ln>
+            <a:solidFill>
+              <a:srgbClr val="ffffff"/>
+            </a:solidFill>
+            <a:tailEnd len="med" type="diamond" w="med"/>
+          </a:ln>
+        </p:spPr>
+      </p:sp>
+      <p:sp>
+        <p:nvSpPr>
+          <p:cNvPr id="206" name="CustomShape 60"/>
+          <p:cNvSpPr/>
+          <p:nvPr/>
+        </p:nvSpPr>
+        <p:spPr>
+          <a:xfrm>
+            <a:off x="7315200" y="2566440"/>
+            <a:ext cx="1919880" cy="689400"/>
+          </a:xfrm>
+          <a:prstGeom prst="rect">
+            <a:avLst/>
+          </a:prstGeom>
+          <a:noFill/>
+          <a:ln>
+            <a:noFill/>
+          </a:ln>
+        </p:spPr>
+        <p:txBody>
+          <a:bodyPr lIns="90000" rIns="90000" tIns="45000" bIns="45000"/>
+          <a:p>
+            <a:r>
+              <a:rPr lang="en-US" sz="1400">
+                <a:latin typeface="Arial"/>
+              </a:rPr>
+              <a:t>Complete documentation &amp; 3D printing</a:t>
+            </a:r>
+            <a:endParaRPr/>
+          </a:p>
+        </p:txBody>
+      </p:sp>
+      <p:sp>
+        <p:nvSpPr>
+          <p:cNvPr id="207" name="Line 61"/>
+          <p:cNvSpPr/>
+          <p:nvPr/>
+        </p:nvSpPr>
+        <p:spPr>
+          <a:xfrm>
+            <a:off x="4114800" y="2834640"/>
+            <a:ext cx="0" cy="1884600"/>
+          </a:xfrm>
+          <a:prstGeom prst="line">
+            <a:avLst/>
+          </a:prstGeom>
+          <a:ln>
+            <a:solidFill>
+              <a:srgbClr val="ffffff"/>
+            </a:solidFill>
+            <a:tailEnd len="med" type="diamond" w="med"/>
+          </a:ln>
+        </p:spPr>
+      </p:sp>
+      <p:sp>
+        <p:nvSpPr>
+          <p:cNvPr id="208" name="CustomShape 62"/>
+          <p:cNvSpPr/>
+          <p:nvPr/>
+        </p:nvSpPr>
+        <p:spPr>
+          <a:xfrm>
+            <a:off x="1554480" y="2560320"/>
+            <a:ext cx="2925720" cy="289800"/>
+          </a:xfrm>
+          <a:prstGeom prst="rect">
+            <a:avLst/>
+          </a:prstGeom>
+          <a:noFill/>
+          <a:ln>
+            <a:noFill/>
+          </a:ln>
+        </p:spPr>
+        <p:txBody>
+          <a:bodyPr lIns="90000" rIns="90000" tIns="45000" bIns="45000"/>
+          <a:p>
+            <a:pPr>
               <a:lnSpc>
                 <a:spcPct val="100000"/>
               </a:lnSpc>
@@ -6725,39 +7483,57 @@
               <a:rPr lang="en-US" sz="1400">
                 <a:latin typeface="Arial"/>
               </a:rPr>
-              <a:t>Initialize SPI</a:t>
-            </a:r>
-            <a:endParaRPr/>
-          </a:p>
-        </p:txBody>
-      </p:sp>
-      <p:sp>
-        <p:nvSpPr>
-          <p:cNvPr id="184" name="CustomShape 5"/>
-          <p:cNvSpPr/>
-          <p:nvPr/>
-        </p:nvSpPr>
-        <p:spPr>
-          <a:xfrm>
-            <a:off x="925200" y="3291840"/>
-            <a:ext cx="1828440" cy="365400"/>
-          </a:xfrm>
-          <a:prstGeom prst="rect">
-            <a:avLst/>
-          </a:prstGeom>
-          <a:solidFill>
-            <a:srgbClr val="729fcf"/>
-          </a:solidFill>
-          <a:ln>
-            <a:solidFill>
-              <a:srgbClr val="eeeeee"/>
-            </a:solidFill>
-          </a:ln>
-        </p:spPr>
-        <p:txBody>
-          <a:bodyPr wrap="none" lIns="90000" rIns="90000" tIns="45000" bIns="45000" anchor="ctr"/>
-          <a:p>
-            <a:pPr algn="ctr">
+              <a:t>Distributed tasks amongst team</a:t>
+            </a:r>
+            <a:endParaRPr/>
+          </a:p>
+        </p:txBody>
+      </p:sp>
+      <p:sp>
+        <p:nvSpPr>
+          <p:cNvPr id="209" name="Line 63"/>
+          <p:cNvSpPr/>
+          <p:nvPr/>
+        </p:nvSpPr>
+        <p:spPr>
+          <a:xfrm>
+            <a:off x="4754880" y="2468880"/>
+            <a:ext cx="0" cy="2250360"/>
+          </a:xfrm>
+          <a:prstGeom prst="line">
+            <a:avLst/>
+          </a:prstGeom>
+          <a:ln>
+            <a:solidFill>
+              <a:srgbClr val="ffffff"/>
+            </a:solidFill>
+            <a:tailEnd len="med" type="diamond" w="med"/>
+          </a:ln>
+        </p:spPr>
+      </p:sp>
+      <p:sp>
+        <p:nvSpPr>
+          <p:cNvPr id="210" name="CustomShape 64"/>
+          <p:cNvSpPr/>
+          <p:nvPr/>
+        </p:nvSpPr>
+        <p:spPr>
+          <a:xfrm>
+            <a:off x="3657600" y="2194560"/>
+            <a:ext cx="1279800" cy="289800"/>
+          </a:xfrm>
+          <a:prstGeom prst="rect">
+            <a:avLst/>
+          </a:prstGeom>
+          <a:noFill/>
+          <a:ln>
+            <a:noFill/>
+          </a:ln>
+        </p:spPr>
+        <p:txBody>
+          <a:bodyPr lIns="90000" rIns="90000" tIns="45000" bIns="45000"/>
+          <a:p>
+            <a:pPr>
               <a:lnSpc>
                 <a:spcPct val="100000"/>
               </a:lnSpc>
@@ -6766,39 +7542,57 @@
               <a:rPr lang="en-US" sz="1400">
                 <a:latin typeface="Arial"/>
               </a:rPr>
-              <a:t>Initialize UART</a:t>
-            </a:r>
-            <a:endParaRPr/>
-          </a:p>
-        </p:txBody>
-      </p:sp>
-      <p:sp>
-        <p:nvSpPr>
-          <p:cNvPr id="185" name="CustomShape 6"/>
-          <p:cNvSpPr/>
-          <p:nvPr/>
-        </p:nvSpPr>
-        <p:spPr>
-          <a:xfrm>
-            <a:off x="925200" y="3931920"/>
-            <a:ext cx="1828440" cy="365400"/>
-          </a:xfrm>
-          <a:prstGeom prst="rect">
-            <a:avLst/>
-          </a:prstGeom>
-          <a:solidFill>
-            <a:srgbClr val="729fcf"/>
-          </a:solidFill>
-          <a:ln>
-            <a:solidFill>
-              <a:srgbClr val="eeeeee"/>
-            </a:solidFill>
-          </a:ln>
-        </p:spPr>
-        <p:txBody>
-          <a:bodyPr wrap="none" lIns="90000" rIns="90000" tIns="45000" bIns="45000" anchor="ctr"/>
-          <a:p>
-            <a:pPr algn="ctr">
+              <a:t>Started code</a:t>
+            </a:r>
+            <a:endParaRPr/>
+          </a:p>
+        </p:txBody>
+      </p:sp>
+      <p:sp>
+        <p:nvSpPr>
+          <p:cNvPr id="211" name="Line 65"/>
+          <p:cNvSpPr/>
+          <p:nvPr/>
+        </p:nvSpPr>
+        <p:spPr>
+          <a:xfrm>
+            <a:off x="5486400" y="2103120"/>
+            <a:ext cx="0" cy="2631960"/>
+          </a:xfrm>
+          <a:prstGeom prst="line">
+            <a:avLst/>
+          </a:prstGeom>
+          <a:ln>
+            <a:solidFill>
+              <a:srgbClr val="ffffff"/>
+            </a:solidFill>
+            <a:tailEnd len="med" type="diamond" w="med"/>
+          </a:ln>
+        </p:spPr>
+      </p:sp>
+      <p:sp>
+        <p:nvSpPr>
+          <p:cNvPr id="212" name="CustomShape 66"/>
+          <p:cNvSpPr/>
+          <p:nvPr/>
+        </p:nvSpPr>
+        <p:spPr>
+          <a:xfrm>
+            <a:off x="4389120" y="1828800"/>
+            <a:ext cx="2925720" cy="289800"/>
+          </a:xfrm>
+          <a:prstGeom prst="rect">
+            <a:avLst/>
+          </a:prstGeom>
+          <a:noFill/>
+          <a:ln>
+            <a:noFill/>
+          </a:ln>
+        </p:spPr>
+        <p:txBody>
+          <a:bodyPr lIns="90000" rIns="90000" tIns="45000" bIns="45000"/>
+          <a:p>
+            <a:pPr>
               <a:lnSpc>
                 <a:spcPct val="100000"/>
               </a:lnSpc>
@@ -6807,39 +7601,111 @@
               <a:rPr lang="en-US" sz="1400">
                 <a:latin typeface="Arial"/>
               </a:rPr>
-              <a:t>Initialize timer</a:t>
-            </a:r>
-            <a:endParaRPr/>
-          </a:p>
-        </p:txBody>
-      </p:sp>
-      <p:sp>
-        <p:nvSpPr>
-          <p:cNvPr id="186" name="CustomShape 7"/>
-          <p:cNvSpPr/>
-          <p:nvPr/>
-        </p:nvSpPr>
-        <p:spPr>
-          <a:xfrm>
-            <a:off x="925200" y="4572000"/>
-            <a:ext cx="1828440" cy="365400"/>
-          </a:xfrm>
-          <a:prstGeom prst="rect">
-            <a:avLst/>
-          </a:prstGeom>
-          <a:solidFill>
-            <a:srgbClr val="729fcf"/>
-          </a:solidFill>
-          <a:ln>
-            <a:solidFill>
-              <a:srgbClr val="eeeeee"/>
-            </a:solidFill>
-          </a:ln>
-        </p:spPr>
-        <p:txBody>
-          <a:bodyPr wrap="none" lIns="90000" rIns="90000" tIns="45000" bIns="45000" anchor="ctr"/>
-          <a:p>
-            <a:pPr algn="ctr">
+              <a:t>Gyro working</a:t>
+            </a:r>
+            <a:endParaRPr/>
+          </a:p>
+        </p:txBody>
+      </p:sp>
+      <p:sp>
+        <p:nvSpPr>
+          <p:cNvPr id="213" name="Line 67"/>
+          <p:cNvSpPr/>
+          <p:nvPr/>
+        </p:nvSpPr>
+        <p:spPr>
+          <a:xfrm>
+            <a:off x="7315200" y="2103120"/>
+            <a:ext cx="0" cy="2631960"/>
+          </a:xfrm>
+          <a:prstGeom prst="line">
+            <a:avLst/>
+          </a:prstGeom>
+          <a:ln>
+            <a:solidFill>
+              <a:srgbClr val="ffffff"/>
+            </a:solidFill>
+            <a:tailEnd len="med" type="diamond" w="med"/>
+          </a:ln>
+        </p:spPr>
+      </p:sp>
+      <p:sp>
+        <p:nvSpPr>
+          <p:cNvPr id="214" name="CustomShape 68"/>
+          <p:cNvSpPr/>
+          <p:nvPr/>
+        </p:nvSpPr>
+        <p:spPr>
+          <a:xfrm>
+            <a:off x="6949440" y="1260720"/>
+            <a:ext cx="2102760" cy="889200"/>
+          </a:xfrm>
+          <a:prstGeom prst="rect">
+            <a:avLst/>
+          </a:prstGeom>
+          <a:noFill/>
+          <a:ln>
+            <a:noFill/>
+          </a:ln>
+        </p:spPr>
+        <p:txBody>
+          <a:bodyPr lIns="90000" rIns="90000" tIns="45000" bIns="45000"/>
+          <a:p>
+            <a:r>
+              <a:rPr lang="en-US" sz="1400">
+                <a:latin typeface="Arial"/>
+              </a:rPr>
+              <a:t>UART comm working/keypad working/PCB cut/complete assembly</a:t>
+            </a:r>
+            <a:endParaRPr/>
+          </a:p>
+        </p:txBody>
+      </p:sp>
+      <p:sp>
+        <p:nvSpPr>
+          <p:cNvPr id="215" name="Line 69"/>
+          <p:cNvSpPr/>
+          <p:nvPr/>
+        </p:nvSpPr>
+        <p:spPr>
+          <a:xfrm>
+            <a:off x="6126480" y="1844640"/>
+            <a:ext cx="0" cy="2874600"/>
+          </a:xfrm>
+          <a:prstGeom prst="line">
+            <a:avLst/>
+          </a:prstGeom>
+          <a:ln>
+            <a:solidFill>
+              <a:srgbClr val="ffffff"/>
+            </a:solidFill>
+            <a:tailEnd len="med" type="diamond" w="med"/>
+          </a:ln>
+        </p:spPr>
+      </p:sp>
+      <p:sp>
+        <p:nvSpPr>
+          <p:cNvPr id="216" name="CustomShape 70"/>
+          <p:cNvSpPr/>
+          <p:nvPr/>
+        </p:nvSpPr>
+        <p:spPr>
+          <a:xfrm>
+            <a:off x="5029200" y="1554480"/>
+            <a:ext cx="2925720" cy="289800"/>
+          </a:xfrm>
+          <a:prstGeom prst="rect">
+            <a:avLst/>
+          </a:prstGeom>
+          <a:noFill/>
+          <a:ln>
+            <a:noFill/>
+          </a:ln>
+        </p:spPr>
+        <p:txBody>
+          <a:bodyPr lIns="90000" rIns="90000" tIns="45000" bIns="45000"/>
+          <a:p>
+            <a:pPr>
               <a:lnSpc>
                 <a:spcPct val="100000"/>
               </a:lnSpc>
@@ -6848,39 +7714,57 @@
               <a:rPr lang="en-US" sz="1400">
                 <a:latin typeface="Arial"/>
               </a:rPr>
-              <a:t>Initialize ADC</a:t>
-            </a:r>
-            <a:endParaRPr/>
-          </a:p>
-        </p:txBody>
-      </p:sp>
-      <p:sp>
-        <p:nvSpPr>
-          <p:cNvPr id="187" name="CustomShape 8"/>
-          <p:cNvSpPr/>
-          <p:nvPr/>
-        </p:nvSpPr>
-        <p:spPr>
-          <a:xfrm>
-            <a:off x="925200" y="5212080"/>
-            <a:ext cx="1828440" cy="365400"/>
-          </a:xfrm>
-          <a:prstGeom prst="rect">
-            <a:avLst/>
-          </a:prstGeom>
-          <a:solidFill>
-            <a:srgbClr val="729fcf"/>
-          </a:solidFill>
-          <a:ln>
-            <a:solidFill>
-              <a:srgbClr val="eeeeee"/>
-            </a:solidFill>
-          </a:ln>
-        </p:spPr>
-        <p:txBody>
-          <a:bodyPr wrap="none" lIns="90000" rIns="90000" tIns="45000" bIns="45000" anchor="ctr"/>
-          <a:p>
-            <a:pPr algn="ctr">
+              <a:t>Pulse sensor working</a:t>
+            </a:r>
+            <a:endParaRPr/>
+          </a:p>
+        </p:txBody>
+      </p:sp>
+      <p:sp>
+        <p:nvSpPr>
+          <p:cNvPr id="217" name="Line 71"/>
+          <p:cNvSpPr/>
+          <p:nvPr/>
+        </p:nvSpPr>
+        <p:spPr>
+          <a:xfrm>
+            <a:off x="6858000" y="1417320"/>
+            <a:ext cx="0" cy="3301920"/>
+          </a:xfrm>
+          <a:prstGeom prst="line">
+            <a:avLst/>
+          </a:prstGeom>
+          <a:ln>
+            <a:solidFill>
+              <a:srgbClr val="ffffff"/>
+            </a:solidFill>
+            <a:tailEnd len="med" type="diamond" w="med"/>
+          </a:ln>
+        </p:spPr>
+      </p:sp>
+      <p:sp>
+        <p:nvSpPr>
+          <p:cNvPr id="218" name="CustomShape 72"/>
+          <p:cNvSpPr/>
+          <p:nvPr/>
+        </p:nvSpPr>
+        <p:spPr>
+          <a:xfrm>
+            <a:off x="5303520" y="1172880"/>
+            <a:ext cx="2925720" cy="289800"/>
+          </a:xfrm>
+          <a:prstGeom prst="rect">
+            <a:avLst/>
+          </a:prstGeom>
+          <a:noFill/>
+          <a:ln>
+            <a:noFill/>
+          </a:ln>
+        </p:spPr>
+        <p:txBody>
+          <a:bodyPr lIns="90000" rIns="90000" tIns="45000" bIns="45000"/>
+          <a:p>
+            <a:pPr>
               <a:lnSpc>
                 <a:spcPct val="100000"/>
               </a:lnSpc>
@@ -6889,917 +7773,33 @@
               <a:rPr lang="en-US" sz="1400">
                 <a:latin typeface="Arial"/>
               </a:rPr>
-              <a:t>Initialize LCD</a:t>
-            </a:r>
-            <a:endParaRPr/>
-          </a:p>
-        </p:txBody>
-      </p:sp>
-      <p:sp>
-        <p:nvSpPr>
-          <p:cNvPr id="188" name="Line 9"/>
-          <p:cNvSpPr/>
-          <p:nvPr/>
-        </p:nvSpPr>
-        <p:spPr>
-          <a:xfrm>
-            <a:off x="1839600" y="1600200"/>
-            <a:ext cx="0" cy="411480"/>
+              <a:t>LCD code working</a:t>
+            </a:r>
+            <a:endParaRPr/>
+          </a:p>
+        </p:txBody>
+      </p:sp>
+      <p:sp>
+        <p:nvSpPr>
+          <p:cNvPr id="219" name="Line 73"/>
+          <p:cNvSpPr/>
+          <p:nvPr/>
+        </p:nvSpPr>
+        <p:spPr>
+          <a:xfrm>
+            <a:off x="8121600" y="3955680"/>
+            <a:ext cx="0" cy="763560"/>
           </a:xfrm>
           <a:prstGeom prst="line">
             <a:avLst/>
           </a:prstGeom>
           <a:ln>
             <a:solidFill>
-              <a:srgbClr val="eeeeee"/>
-            </a:solidFill>
-            <a:tailEnd len="med" type="triangle" w="med"/>
-          </a:ln>
-        </p:spPr>
-      </p:sp>
-      <p:sp>
-        <p:nvSpPr>
-          <p:cNvPr id="189" name="CustomShape 10"/>
-          <p:cNvSpPr/>
-          <p:nvPr/>
-        </p:nvSpPr>
-        <p:spPr>
-          <a:xfrm>
-            <a:off x="925200" y="2011680"/>
-            <a:ext cx="1828440" cy="365400"/>
-          </a:xfrm>
-          <a:prstGeom prst="rect">
-            <a:avLst/>
-          </a:prstGeom>
-          <a:solidFill>
-            <a:srgbClr val="729fcf"/>
-          </a:solidFill>
-          <a:ln>
-            <a:solidFill>
-              <a:srgbClr val="eeeeee"/>
-            </a:solidFill>
-          </a:ln>
-        </p:spPr>
-        <p:txBody>
-          <a:bodyPr wrap="none" lIns="90000" rIns="90000" tIns="45000" bIns="45000" anchor="ctr"/>
-          <a:p>
-            <a:pPr algn="ctr">
-              <a:lnSpc>
-                <a:spcPct val="100000"/>
-              </a:lnSpc>
-            </a:pPr>
-            <a:r>
-              <a:rPr lang="en-US" sz="1400">
-                <a:latin typeface="Arial"/>
-              </a:rPr>
-              <a:t>Initialize clock</a:t>
-            </a:r>
-            <a:endParaRPr/>
-          </a:p>
-        </p:txBody>
-      </p:sp>
-      <p:sp>
-        <p:nvSpPr>
-          <p:cNvPr id="190" name="Line 11"/>
-          <p:cNvSpPr/>
-          <p:nvPr/>
-        </p:nvSpPr>
-        <p:spPr>
-          <a:xfrm>
-            <a:off x="1839600" y="3017520"/>
-            <a:ext cx="0" cy="274320"/>
-          </a:xfrm>
-          <a:prstGeom prst="line">
-            <a:avLst/>
-          </a:prstGeom>
-          <a:ln>
-            <a:solidFill>
-              <a:srgbClr val="eeeeee"/>
-            </a:solidFill>
-            <a:tailEnd len="med" type="triangle" w="med"/>
-          </a:ln>
-        </p:spPr>
-      </p:sp>
-      <p:sp>
-        <p:nvSpPr>
-          <p:cNvPr id="191" name="Line 12"/>
-          <p:cNvSpPr/>
-          <p:nvPr/>
-        </p:nvSpPr>
-        <p:spPr>
-          <a:xfrm>
-            <a:off x="1839600" y="2377440"/>
-            <a:ext cx="0" cy="274320"/>
-          </a:xfrm>
-          <a:prstGeom prst="line">
-            <a:avLst/>
-          </a:prstGeom>
-          <a:ln>
-            <a:solidFill>
-              <a:srgbClr val="eeeeee"/>
-            </a:solidFill>
-            <a:tailEnd len="med" type="triangle" w="med"/>
-          </a:ln>
-        </p:spPr>
-      </p:sp>
-      <p:sp>
-        <p:nvSpPr>
-          <p:cNvPr id="192" name="Line 13"/>
-          <p:cNvSpPr/>
-          <p:nvPr/>
-        </p:nvSpPr>
-        <p:spPr>
-          <a:xfrm>
-            <a:off x="1839600" y="3657600"/>
-            <a:ext cx="0" cy="274320"/>
-          </a:xfrm>
-          <a:prstGeom prst="line">
-            <a:avLst/>
-          </a:prstGeom>
-          <a:ln>
-            <a:solidFill>
-              <a:srgbClr val="eeeeee"/>
-            </a:solidFill>
-            <a:tailEnd len="med" type="triangle" w="med"/>
-          </a:ln>
-        </p:spPr>
-      </p:sp>
-      <p:sp>
-        <p:nvSpPr>
-          <p:cNvPr id="193" name="Line 14"/>
-          <p:cNvSpPr/>
-          <p:nvPr/>
-        </p:nvSpPr>
-        <p:spPr>
-          <a:xfrm>
-            <a:off x="1839600" y="4297680"/>
-            <a:ext cx="0" cy="274320"/>
-          </a:xfrm>
-          <a:prstGeom prst="line">
-            <a:avLst/>
-          </a:prstGeom>
-          <a:ln>
-            <a:solidFill>
-              <a:srgbClr val="eeeeee"/>
-            </a:solidFill>
-            <a:tailEnd len="med" type="triangle" w="med"/>
-          </a:ln>
-        </p:spPr>
-      </p:sp>
-      <p:sp>
-        <p:nvSpPr>
-          <p:cNvPr id="194" name="Line 15"/>
-          <p:cNvSpPr/>
-          <p:nvPr/>
-        </p:nvSpPr>
-        <p:spPr>
-          <a:xfrm>
-            <a:off x="1839600" y="4937760"/>
-            <a:ext cx="0" cy="274320"/>
-          </a:xfrm>
-          <a:prstGeom prst="line">
-            <a:avLst/>
-          </a:prstGeom>
-          <a:ln>
-            <a:solidFill>
-              <a:srgbClr val="eeeeee"/>
-            </a:solidFill>
-            <a:tailEnd len="med" type="triangle" w="med"/>
-          </a:ln>
-        </p:spPr>
-      </p:sp>
-      <p:sp>
-        <p:nvSpPr>
-          <p:cNvPr id="195" name="CustomShape 16"/>
-          <p:cNvSpPr/>
-          <p:nvPr/>
-        </p:nvSpPr>
-        <p:spPr>
-          <a:xfrm>
-            <a:off x="938880" y="5852160"/>
-            <a:ext cx="1828440" cy="365400"/>
-          </a:xfrm>
-          <a:prstGeom prst="rect">
-            <a:avLst/>
-          </a:prstGeom>
-          <a:solidFill>
-            <a:srgbClr val="729fcf"/>
-          </a:solidFill>
-          <a:ln>
-            <a:solidFill>
-              <a:srgbClr val="eeeeee"/>
-            </a:solidFill>
-          </a:ln>
-        </p:spPr>
-        <p:txBody>
-          <a:bodyPr wrap="none" lIns="90000" rIns="90000" tIns="45000" bIns="45000" anchor="ctr"/>
-          <a:p>
-            <a:pPr algn="ctr">
-              <a:lnSpc>
-                <a:spcPct val="100000"/>
-              </a:lnSpc>
-            </a:pPr>
-            <a:r>
-              <a:rPr lang="en-US" sz="1400">
-                <a:latin typeface="Arial"/>
-              </a:rPr>
-              <a:t>Initialize gyro</a:t>
-            </a:r>
-            <a:endParaRPr/>
-          </a:p>
-        </p:txBody>
-      </p:sp>
-      <p:sp>
-        <p:nvSpPr>
-          <p:cNvPr id="196" name="Line 17"/>
-          <p:cNvSpPr/>
-          <p:nvPr/>
-        </p:nvSpPr>
-        <p:spPr>
-          <a:xfrm>
-            <a:off x="1853280" y="5577840"/>
-            <a:ext cx="0" cy="274320"/>
-          </a:xfrm>
-          <a:prstGeom prst="line">
-            <a:avLst/>
-          </a:prstGeom>
-          <a:ln>
-            <a:solidFill>
-              <a:srgbClr val="eeeeee"/>
-            </a:solidFill>
-            <a:tailEnd len="med" type="triangle" w="med"/>
-          </a:ln>
-        </p:spPr>
-      </p:sp>
-      <p:sp>
-        <p:nvSpPr>
-          <p:cNvPr id="197" name="CustomShape 18"/>
-          <p:cNvSpPr/>
-          <p:nvPr/>
-        </p:nvSpPr>
-        <p:spPr>
-          <a:xfrm>
-            <a:off x="4230720" y="1280160"/>
-            <a:ext cx="1828440" cy="365400"/>
-          </a:xfrm>
-          <a:prstGeom prst="rect">
-            <a:avLst/>
-          </a:prstGeom>
-          <a:solidFill>
-            <a:srgbClr val="729fcf"/>
-          </a:solidFill>
-          <a:ln>
-            <a:solidFill>
-              <a:srgbClr val="eeeeee"/>
-            </a:solidFill>
-          </a:ln>
-        </p:spPr>
-        <p:txBody>
-          <a:bodyPr wrap="none" lIns="90000" rIns="90000" tIns="45000" bIns="45000" anchor="ctr"/>
-          <a:p>
-            <a:pPr algn="ctr">
-              <a:lnSpc>
-                <a:spcPct val="100000"/>
-              </a:lnSpc>
-            </a:pPr>
-            <a:r>
-              <a:rPr lang="en-US" sz="1400">
-                <a:latin typeface="Arial"/>
-              </a:rPr>
-              <a:t>Capture phone number</a:t>
-            </a:r>
-            <a:endParaRPr/>
-          </a:p>
-        </p:txBody>
-      </p:sp>
-      <p:sp>
-        <p:nvSpPr>
-          <p:cNvPr id="198" name="Line 19"/>
-          <p:cNvSpPr/>
-          <p:nvPr/>
-        </p:nvSpPr>
-        <p:spPr>
-          <a:xfrm>
-            <a:off x="0" y="0"/>
-            <a:ext cx="360" cy="360"/>
-          </a:xfrm>
-          <a:prstGeom prst="line">
-            <a:avLst/>
-          </a:prstGeom>
-          <a:ln>
-            <a:solidFill>
-              <a:srgbClr val="eeeeee"/>
-            </a:solidFill>
-            <a:tailEnd len="med" type="triangle" w="med"/>
-          </a:ln>
-        </p:spPr>
-      </p:sp>
-      <p:sp>
-        <p:nvSpPr>
-          <p:cNvPr id="199" name="CustomShape 20"/>
-          <p:cNvSpPr/>
-          <p:nvPr/>
-        </p:nvSpPr>
-        <p:spPr>
-          <a:xfrm>
-            <a:off x="4230720" y="1920240"/>
-            <a:ext cx="1828440" cy="365400"/>
-          </a:xfrm>
-          <a:prstGeom prst="rect">
-            <a:avLst/>
-          </a:prstGeom>
-          <a:solidFill>
-            <a:srgbClr val="729fcf"/>
-          </a:solidFill>
-          <a:ln>
-            <a:solidFill>
-              <a:srgbClr val="eeeeee"/>
-            </a:solidFill>
-          </a:ln>
-        </p:spPr>
-        <p:txBody>
-          <a:bodyPr wrap="none" lIns="90000" rIns="90000" tIns="45000" bIns="45000" anchor="ctr"/>
-          <a:p>
-            <a:pPr algn="ctr">
-              <a:lnSpc>
-                <a:spcPct val="100000"/>
-              </a:lnSpc>
-            </a:pPr>
-            <a:r>
-              <a:rPr lang="en-US" sz="1400">
-                <a:latin typeface="Arial"/>
-              </a:rPr>
-              <a:t>Initialize FONA</a:t>
-            </a:r>
-            <a:endParaRPr/>
-          </a:p>
-        </p:txBody>
-      </p:sp>
-      <p:sp>
-        <p:nvSpPr>
-          <p:cNvPr id="200" name="Line 21"/>
-          <p:cNvSpPr/>
-          <p:nvPr/>
-        </p:nvSpPr>
-        <p:spPr>
-          <a:xfrm>
-            <a:off x="5145120" y="1645920"/>
-            <a:ext cx="0" cy="274320"/>
-          </a:xfrm>
-          <a:prstGeom prst="line">
-            <a:avLst/>
-          </a:prstGeom>
-          <a:ln>
-            <a:solidFill>
-              <a:srgbClr val="eeeeee"/>
-            </a:solidFill>
-            <a:tailEnd len="med" type="triangle" w="med"/>
-          </a:ln>
-        </p:spPr>
-      </p:sp>
-      <p:sp>
-        <p:nvSpPr>
-          <p:cNvPr id="201" name="CustomShape 22"/>
-          <p:cNvSpPr/>
-          <p:nvPr/>
-        </p:nvSpPr>
-        <p:spPr>
-          <a:xfrm>
-            <a:off x="4230720" y="2560320"/>
-            <a:ext cx="1828440" cy="365400"/>
-          </a:xfrm>
-          <a:prstGeom prst="rect">
-            <a:avLst/>
-          </a:prstGeom>
-          <a:solidFill>
-            <a:srgbClr val="729fcf"/>
-          </a:solidFill>
-          <a:ln>
-            <a:solidFill>
-              <a:srgbClr val="eeeeee"/>
-            </a:solidFill>
-          </a:ln>
-        </p:spPr>
-        <p:txBody>
-          <a:bodyPr wrap="none" lIns="90000" rIns="90000" tIns="45000" bIns="45000" anchor="ctr"/>
-          <a:p>
-            <a:pPr algn="ctr">
-              <a:lnSpc>
-                <a:spcPct val="100000"/>
-              </a:lnSpc>
-            </a:pPr>
-            <a:r>
-              <a:rPr lang="en-US" sz="1400">
-                <a:latin typeface="Arial"/>
-              </a:rPr>
-              <a:t>Read gyro</a:t>
-            </a:r>
-            <a:endParaRPr/>
-          </a:p>
-        </p:txBody>
-      </p:sp>
-      <p:sp>
-        <p:nvSpPr>
-          <p:cNvPr id="202" name="CustomShape 23"/>
-          <p:cNvSpPr/>
-          <p:nvPr/>
-        </p:nvSpPr>
-        <p:spPr>
-          <a:xfrm>
-            <a:off x="4230720" y="3200400"/>
-            <a:ext cx="1828440" cy="365400"/>
-          </a:xfrm>
-          <a:prstGeom prst="rect">
-            <a:avLst/>
-          </a:prstGeom>
-          <a:solidFill>
-            <a:srgbClr val="729fcf"/>
-          </a:solidFill>
-          <a:ln>
-            <a:solidFill>
-              <a:srgbClr val="eeeeee"/>
-            </a:solidFill>
-          </a:ln>
-        </p:spPr>
-        <p:txBody>
-          <a:bodyPr wrap="none" lIns="90000" rIns="90000" tIns="45000" bIns="45000" anchor="ctr"/>
-          <a:p>
-            <a:pPr algn="ctr">
-              <a:lnSpc>
-                <a:spcPct val="100000"/>
-              </a:lnSpc>
-            </a:pPr>
-            <a:r>
-              <a:rPr lang="en-US" sz="1400">
-                <a:latin typeface="Arial"/>
-              </a:rPr>
-              <a:t>Check heart rate</a:t>
-            </a:r>
-            <a:endParaRPr/>
-          </a:p>
-        </p:txBody>
-      </p:sp>
-      <p:sp>
-        <p:nvSpPr>
-          <p:cNvPr id="203" name="Line 24"/>
-          <p:cNvSpPr/>
-          <p:nvPr/>
-        </p:nvSpPr>
-        <p:spPr>
-          <a:xfrm>
-            <a:off x="5145120" y="2286000"/>
-            <a:ext cx="0" cy="274320"/>
-          </a:xfrm>
-          <a:prstGeom prst="line">
-            <a:avLst/>
-          </a:prstGeom>
-          <a:ln>
-            <a:solidFill>
-              <a:srgbClr val="eeeeee"/>
-            </a:solidFill>
-            <a:tailEnd len="med" type="triangle" w="med"/>
-          </a:ln>
-        </p:spPr>
-      </p:sp>
-      <p:sp>
-        <p:nvSpPr>
-          <p:cNvPr id="204" name="Line 25"/>
-          <p:cNvSpPr/>
-          <p:nvPr/>
-        </p:nvSpPr>
-        <p:spPr>
-          <a:xfrm>
-            <a:off x="5145120" y="2926080"/>
-            <a:ext cx="0" cy="274320"/>
-          </a:xfrm>
-          <a:prstGeom prst="line">
-            <a:avLst/>
-          </a:prstGeom>
-          <a:ln>
-            <a:solidFill>
-              <a:srgbClr val="eeeeee"/>
-            </a:solidFill>
-            <a:tailEnd len="med" type="triangle" w="med"/>
-          </a:ln>
-        </p:spPr>
-      </p:sp>
-      <p:sp>
-        <p:nvSpPr>
-          <p:cNvPr id="205" name="CustomShape 26"/>
-          <p:cNvSpPr/>
-          <p:nvPr/>
-        </p:nvSpPr>
-        <p:spPr>
-          <a:xfrm>
-            <a:off x="4541040" y="3840480"/>
-            <a:ext cx="1188360" cy="1096920"/>
-          </a:xfrm>
-          <a:prstGeom prst="diamond">
-            <a:avLst/>
-          </a:prstGeom>
-          <a:solidFill>
-            <a:srgbClr val="729fcf"/>
-          </a:solidFill>
-          <a:ln>
-            <a:solidFill>
-              <a:srgbClr val="eeeeee"/>
-            </a:solidFill>
-          </a:ln>
-        </p:spPr>
-        <p:txBody>
-          <a:bodyPr wrap="none" lIns="90000" rIns="90000" tIns="45000" bIns="45000" anchor="ctr"/>
-          <a:p>
-            <a:pPr algn="ctr">
-              <a:lnSpc>
-                <a:spcPct val="100000"/>
-              </a:lnSpc>
-            </a:pPr>
-            <a:r>
-              <a:rPr lang="en-US">
-                <a:latin typeface="Arial"/>
-              </a:rPr>
-              <a:t>Distress?</a:t>
-            </a:r>
-            <a:endParaRPr/>
-          </a:p>
-        </p:txBody>
-      </p:sp>
-      <p:sp>
-        <p:nvSpPr>
-          <p:cNvPr id="206" name="Line 27"/>
-          <p:cNvSpPr/>
-          <p:nvPr/>
-        </p:nvSpPr>
-        <p:spPr>
-          <a:xfrm>
-            <a:off x="5145120" y="3566160"/>
-            <a:ext cx="0" cy="274320"/>
-          </a:xfrm>
-          <a:prstGeom prst="line">
-            <a:avLst/>
-          </a:prstGeom>
-          <a:ln>
-            <a:solidFill>
-              <a:srgbClr val="eeeeee"/>
-            </a:solidFill>
-            <a:tailEnd len="med" type="triangle" w="med"/>
-          </a:ln>
-        </p:spPr>
-      </p:sp>
-      <p:sp>
-        <p:nvSpPr>
-          <p:cNvPr id="207" name="CustomShape 28"/>
-          <p:cNvSpPr/>
-          <p:nvPr/>
-        </p:nvSpPr>
-        <p:spPr>
-          <a:xfrm>
-            <a:off x="6333840" y="4225680"/>
-            <a:ext cx="1828440" cy="365400"/>
-          </a:xfrm>
-          <a:prstGeom prst="rect">
-            <a:avLst/>
-          </a:prstGeom>
-          <a:solidFill>
-            <a:srgbClr val="729fcf"/>
-          </a:solidFill>
-          <a:ln>
-            <a:solidFill>
-              <a:srgbClr val="eeeeee"/>
-            </a:solidFill>
-          </a:ln>
-        </p:spPr>
-        <p:txBody>
-          <a:bodyPr wrap="none" lIns="90000" rIns="90000" tIns="45000" bIns="45000" anchor="ctr"/>
-          <a:p>
-            <a:pPr algn="ctr">
-              <a:lnSpc>
-                <a:spcPct val="100000"/>
-              </a:lnSpc>
-            </a:pPr>
-            <a:r>
-              <a:rPr lang="en-US" sz="1400">
-                <a:latin typeface="Arial"/>
-              </a:rPr>
-              <a:t>Get GPS location</a:t>
-            </a:r>
-            <a:endParaRPr/>
-          </a:p>
-        </p:txBody>
-      </p:sp>
-      <p:sp>
-        <p:nvSpPr>
-          <p:cNvPr id="208" name="CustomShape 29"/>
-          <p:cNvSpPr/>
-          <p:nvPr/>
-        </p:nvSpPr>
-        <p:spPr>
-          <a:xfrm>
-            <a:off x="6333840" y="5486400"/>
-            <a:ext cx="1828440" cy="365400"/>
-          </a:xfrm>
-          <a:prstGeom prst="rect">
-            <a:avLst/>
-          </a:prstGeom>
-          <a:solidFill>
-            <a:srgbClr val="729fcf"/>
-          </a:solidFill>
-          <a:ln>
-            <a:solidFill>
-              <a:srgbClr val="eeeeee"/>
-            </a:solidFill>
-          </a:ln>
-        </p:spPr>
-        <p:txBody>
-          <a:bodyPr wrap="none" lIns="90000" rIns="90000" tIns="45000" bIns="45000" anchor="ctr"/>
-          <a:p>
-            <a:pPr algn="ctr">
-              <a:lnSpc>
-                <a:spcPct val="100000"/>
-              </a:lnSpc>
-            </a:pPr>
-            <a:r>
-              <a:rPr lang="en-US" sz="1400">
-                <a:latin typeface="Arial"/>
-              </a:rPr>
-              <a:t>Print to LCD</a:t>
-            </a:r>
-            <a:endParaRPr/>
-          </a:p>
-        </p:txBody>
-      </p:sp>
-      <p:sp>
-        <p:nvSpPr>
-          <p:cNvPr id="209" name="Line 30"/>
-          <p:cNvSpPr/>
-          <p:nvPr/>
-        </p:nvSpPr>
-        <p:spPr>
-          <a:xfrm>
-            <a:off x="5729760" y="4389120"/>
-            <a:ext cx="604080" cy="0"/>
-          </a:xfrm>
-          <a:prstGeom prst="line">
-            <a:avLst/>
-          </a:prstGeom>
-          <a:ln>
-            <a:solidFill>
-              <a:srgbClr val="eeeeee"/>
-            </a:solidFill>
-            <a:tailEnd len="med" type="triangle" w="med"/>
-          </a:ln>
-        </p:spPr>
-      </p:sp>
-      <p:sp>
-        <p:nvSpPr>
-          <p:cNvPr id="210" name="Line 31"/>
-          <p:cNvSpPr/>
-          <p:nvPr/>
-        </p:nvSpPr>
-        <p:spPr>
-          <a:xfrm>
-            <a:off x="7248240" y="4591440"/>
-            <a:ext cx="0" cy="274320"/>
-          </a:xfrm>
-          <a:prstGeom prst="line">
-            <a:avLst/>
-          </a:prstGeom>
-          <a:ln>
-            <a:solidFill>
-              <a:srgbClr val="eeeeee"/>
-            </a:solidFill>
-            <a:tailEnd len="med" type="triangle" w="med"/>
-          </a:ln>
-        </p:spPr>
-      </p:sp>
-      <p:sp>
-        <p:nvSpPr>
-          <p:cNvPr id="211" name="Line 32"/>
-          <p:cNvSpPr/>
-          <p:nvPr/>
-        </p:nvSpPr>
-        <p:spPr>
-          <a:xfrm>
-            <a:off x="0" y="0"/>
-            <a:ext cx="360" cy="360"/>
-          </a:xfrm>
-          <a:prstGeom prst="line">
-            <a:avLst/>
-          </a:prstGeom>
-          <a:ln>
-            <a:solidFill>
-              <a:srgbClr val="eeeeee"/>
-            </a:solidFill>
-            <a:tailEnd len="med" type="triangle" w="med"/>
-          </a:ln>
-        </p:spPr>
-      </p:sp>
-      <p:sp>
-        <p:nvSpPr>
-          <p:cNvPr id="212" name="CustomShape 33"/>
-          <p:cNvSpPr/>
-          <p:nvPr/>
-        </p:nvSpPr>
-        <p:spPr>
-          <a:xfrm>
-            <a:off x="6333840" y="4846320"/>
-            <a:ext cx="1828440" cy="365400"/>
-          </a:xfrm>
-          <a:prstGeom prst="rect">
-            <a:avLst/>
-          </a:prstGeom>
-          <a:solidFill>
-            <a:srgbClr val="729fcf"/>
-          </a:solidFill>
-          <a:ln>
-            <a:solidFill>
-              <a:srgbClr val="eeeeee"/>
-            </a:solidFill>
-          </a:ln>
-        </p:spPr>
-        <p:txBody>
-          <a:bodyPr wrap="none" lIns="90000" rIns="90000" tIns="45000" bIns="45000" anchor="ctr"/>
-          <a:p>
-            <a:pPr algn="ctr">
-              <a:lnSpc>
-                <a:spcPct val="100000"/>
-              </a:lnSpc>
-            </a:pPr>
-            <a:r>
-              <a:rPr lang="en-US" sz="1400">
-                <a:latin typeface="Arial"/>
-              </a:rPr>
-              <a:t>Send SMS</a:t>
-            </a:r>
-            <a:endParaRPr/>
-          </a:p>
-        </p:txBody>
-      </p:sp>
-      <p:sp>
-        <p:nvSpPr>
-          <p:cNvPr id="213" name="Line 34"/>
-          <p:cNvSpPr/>
-          <p:nvPr/>
-        </p:nvSpPr>
-        <p:spPr>
-          <a:xfrm>
-            <a:off x="7248240" y="5212080"/>
-            <a:ext cx="0" cy="274320"/>
-          </a:xfrm>
-          <a:prstGeom prst="line">
-            <a:avLst/>
-          </a:prstGeom>
-          <a:ln>
-            <a:solidFill>
-              <a:srgbClr val="eeeeee"/>
-            </a:solidFill>
-            <a:tailEnd len="med" type="triangle" w="med"/>
-          </a:ln>
-        </p:spPr>
-      </p:sp>
-      <p:sp>
-        <p:nvSpPr>
-          <p:cNvPr id="214" name="Line 35"/>
-          <p:cNvSpPr/>
-          <p:nvPr/>
-        </p:nvSpPr>
-        <p:spPr>
-          <a:xfrm>
-            <a:off x="0" y="0"/>
-            <a:ext cx="360" cy="360"/>
-          </a:xfrm>
-          <a:prstGeom prst="line">
-            <a:avLst/>
-          </a:prstGeom>
-          <a:ln>
-            <a:solidFill>
-              <a:srgbClr val="eeeeee"/>
-            </a:solidFill>
-            <a:tailEnd len="med" type="triangle" w="med"/>
-          </a:ln>
-        </p:spPr>
-      </p:sp>
-      <p:cxnSp>
-        <p:nvCxnSpPr>
-          <p:cNvPr id="215" name="Line 36"/>
-          <p:cNvCxnSpPr/>
-          <p:nvPr/>
-        </p:nvCxnSpPr>
-        <p:spPr>
-          <a:xfrm>
-            <a:off x="0" y="0"/>
-            <a:ext cx="360" cy="360"/>
-          </a:xfrm>
-          <a:prstGeom prst="line">
-            <a:avLst/>
-          </a:prstGeom>
-          <a:ln>
-            <a:solidFill>
-              <a:srgbClr val="eeeeee"/>
-            </a:solidFill>
-            <a:tailEnd len="med" type="triangle" w="med"/>
-          </a:ln>
-        </p:spPr>
-      </p:cxnSp>
-      <p:cxnSp>
-        <p:nvCxnSpPr>
-          <p:cNvPr id="216" name="Line 37"/>
-          <p:cNvCxnSpPr/>
-          <p:nvPr/>
-        </p:nvCxnSpPr>
-        <p:spPr>
-          <a:xfrm>
-            <a:off x="0" y="0"/>
-            <a:ext cx="360" cy="360"/>
-          </a:xfrm>
-          <a:prstGeom prst="line">
-            <a:avLst/>
-          </a:prstGeom>
-          <a:ln>
-            <a:solidFill>
-              <a:srgbClr val="eeeeee"/>
-            </a:solidFill>
-            <a:tailEnd len="med" type="triangle" w="med"/>
-          </a:ln>
-        </p:spPr>
-      </p:cxnSp>
-      <p:cxnSp>
-        <p:nvCxnSpPr>
-          <p:cNvPr id="217" name="Line 38"/>
-          <p:cNvCxnSpPr/>
-          <p:nvPr/>
-        </p:nvCxnSpPr>
-        <p:spPr>
-          <a:xfrm>
-            <a:off x="0" y="0"/>
-            <a:ext cx="360" cy="360"/>
-          </a:xfrm>
-          <a:prstGeom prst="line">
-            <a:avLst/>
-          </a:prstGeom>
-          <a:ln>
-            <a:solidFill>
-              <a:srgbClr val="eeeeee"/>
-            </a:solidFill>
-            <a:tailEnd len="med" type="triangle" w="med"/>
-          </a:ln>
-        </p:spPr>
-      </p:cxnSp>
-      <p:sp>
-        <p:nvSpPr>
-          <p:cNvPr id="218" name="TextShape 39"/>
-          <p:cNvSpPr txBox="1"/>
-          <p:nvPr/>
-        </p:nvSpPr>
-        <p:spPr>
-          <a:xfrm>
-            <a:off x="5669280" y="4114800"/>
-            <a:ext cx="640080" cy="346320"/>
-          </a:xfrm>
-          <a:prstGeom prst="rect">
-            <a:avLst/>
-          </a:prstGeom>
-        </p:spPr>
-        <p:txBody>
-          <a:bodyPr lIns="90000" rIns="90000" tIns="45000" bIns="45000"/>
-          <a:p>
-            <a:r>
-              <a:rPr lang="en-US">
-                <a:latin typeface="Arial"/>
-              </a:rPr>
-              <a:t>Yes</a:t>
-            </a:r>
-            <a:endParaRPr/>
-          </a:p>
-        </p:txBody>
-      </p:sp>
-      <p:sp>
-        <p:nvSpPr>
-          <p:cNvPr id="219" name="TextShape 40"/>
-          <p:cNvSpPr txBox="1"/>
-          <p:nvPr/>
-        </p:nvSpPr>
-        <p:spPr>
-          <a:xfrm>
-            <a:off x="4114800" y="4114800"/>
-            <a:ext cx="640080" cy="346320"/>
-          </a:xfrm>
-          <a:prstGeom prst="rect">
-            <a:avLst/>
-          </a:prstGeom>
-        </p:spPr>
-        <p:txBody>
-          <a:bodyPr lIns="90000" rIns="90000" tIns="45000" bIns="45000"/>
-          <a:p>
-            <a:r>
-              <a:rPr lang="en-US">
-                <a:latin typeface="Arial"/>
-              </a:rPr>
-              <a:t>No</a:t>
-            </a:r>
-            <a:endParaRPr/>
-          </a:p>
-        </p:txBody>
+              <a:srgbClr val="ffffff"/>
+            </a:solidFill>
+            <a:tailEnd len="med" type="diamond" w="med"/>
+          </a:ln>
+        </p:spPr>
       </p:sp>
     </p:spTree>
   </p:cSld>
